--- a/content/week0/slides/week0.pptx
+++ b/content/week0/slides/week0.pptx
@@ -5,10 +5,10 @@
     <p:sldMasterId id="2147483684" r:id="rId4"/>
   </p:sldMasterIdLst>
   <p:notesMasterIdLst>
-    <p:notesMasterId r:id="rId26"/>
+    <p:notesMasterId r:id="rId29"/>
   </p:notesMasterIdLst>
   <p:handoutMasterIdLst>
-    <p:handoutMasterId r:id="rId27"/>
+    <p:handoutMasterId r:id="rId30"/>
   </p:handoutMasterIdLst>
   <p:sldIdLst>
     <p:sldId id="257" r:id="rId5"/>
@@ -20,18 +20,21 @@
     <p:sldId id="317" r:id="rId11"/>
     <p:sldId id="396" r:id="rId12"/>
     <p:sldId id="398" r:id="rId13"/>
-    <p:sldId id="393" r:id="rId14"/>
-    <p:sldId id="397" r:id="rId15"/>
-    <p:sldId id="394" r:id="rId16"/>
-    <p:sldId id="399" r:id="rId17"/>
-    <p:sldId id="400" r:id="rId18"/>
-    <p:sldId id="277" r:id="rId19"/>
-    <p:sldId id="278" r:id="rId20"/>
-    <p:sldId id="279" r:id="rId21"/>
-    <p:sldId id="270" r:id="rId22"/>
-    <p:sldId id="281" r:id="rId23"/>
-    <p:sldId id="321" r:id="rId24"/>
-    <p:sldId id="391" r:id="rId25"/>
+    <p:sldId id="401" r:id="rId14"/>
+    <p:sldId id="393" r:id="rId15"/>
+    <p:sldId id="397" r:id="rId16"/>
+    <p:sldId id="394" r:id="rId17"/>
+    <p:sldId id="402" r:id="rId18"/>
+    <p:sldId id="400" r:id="rId19"/>
+    <p:sldId id="399" r:id="rId20"/>
+    <p:sldId id="403" r:id="rId21"/>
+    <p:sldId id="277" r:id="rId22"/>
+    <p:sldId id="278" r:id="rId23"/>
+    <p:sldId id="279" r:id="rId24"/>
+    <p:sldId id="270" r:id="rId25"/>
+    <p:sldId id="281" r:id="rId26"/>
+    <p:sldId id="321" r:id="rId27"/>
+    <p:sldId id="391" r:id="rId28"/>
   </p:sldIdLst>
   <p:sldSz cx="12192000" cy="6858000"/>
   <p:notesSz cx="6858000" cy="9144000"/>
@@ -131,6 +134,38 @@
     </a:lvl9pPr>
   </p:defaultTextStyle>
   <p:extLst>
+    <p:ext uri="{521415D9-36F7-43E2-AB2F-B90AF26B5E84}">
+      <p14:sectionLst xmlns:p14="http://schemas.microsoft.com/office/powerpoint/2010/main">
+        <p14:section name="Default Section" id="{BBF1C00D-316F-45E4-BA02-357CE29DC032}">
+          <p14:sldIdLst>
+            <p14:sldId id="257"/>
+            <p14:sldId id="384"/>
+            <p14:sldId id="389"/>
+            <p14:sldId id="268"/>
+            <p14:sldId id="392"/>
+            <p14:sldId id="272"/>
+            <p14:sldId id="317"/>
+            <p14:sldId id="396"/>
+            <p14:sldId id="398"/>
+            <p14:sldId id="401"/>
+            <p14:sldId id="393"/>
+            <p14:sldId id="397"/>
+            <p14:sldId id="394"/>
+            <p14:sldId id="402"/>
+            <p14:sldId id="400"/>
+            <p14:sldId id="399"/>
+            <p14:sldId id="403"/>
+            <p14:sldId id="277"/>
+            <p14:sldId id="278"/>
+            <p14:sldId id="279"/>
+            <p14:sldId id="270"/>
+            <p14:sldId id="281"/>
+            <p14:sldId id="321"/>
+            <p14:sldId id="391"/>
+          </p14:sldIdLst>
+        </p14:section>
+      </p14:sectionLst>
+    </p:ext>
     <p:ext uri="{EFAFB233-063F-42B5-8137-9DF3F51BA10A}">
       <p15:sldGuideLst xmlns:p15="http://schemas.microsoft.com/office/powerpoint/2012/main">
         <p15:guide id="2" pos="3840">
@@ -7739,7 +7774,7 @@
     </p:spTree>
     <p:extLst>
       <p:ext uri="{BB962C8B-B14F-4D97-AF65-F5344CB8AC3E}">
-        <p14:creationId xmlns:p14="http://schemas.microsoft.com/office/powerpoint/2010/main" val="1458990312"/>
+        <p14:creationId xmlns:p14="http://schemas.microsoft.com/office/powerpoint/2010/main" val="3487598560"/>
       </p:ext>
     </p:extLst>
   </p:cSld>
@@ -7823,7 +7858,7 @@
     </p:spTree>
     <p:extLst>
       <p:ext uri="{BB962C8B-B14F-4D97-AF65-F5344CB8AC3E}">
-        <p14:creationId xmlns:p14="http://schemas.microsoft.com/office/powerpoint/2010/main" val="2764967239"/>
+        <p14:creationId xmlns:p14="http://schemas.microsoft.com/office/powerpoint/2010/main" val="1458990312"/>
       </p:ext>
     </p:extLst>
   </p:cSld>
@@ -7907,7 +7942,7 @@
     </p:spTree>
     <p:extLst>
       <p:ext uri="{BB962C8B-B14F-4D97-AF65-F5344CB8AC3E}">
-        <p14:creationId xmlns:p14="http://schemas.microsoft.com/office/powerpoint/2010/main" val="2619900806"/>
+        <p14:creationId xmlns:p14="http://schemas.microsoft.com/office/powerpoint/2010/main" val="2764967239"/>
       </p:ext>
     </p:extLst>
   </p:cSld>
@@ -7991,7 +8026,7 @@
     </p:spTree>
     <p:extLst>
       <p:ext uri="{BB962C8B-B14F-4D97-AF65-F5344CB8AC3E}">
-        <p14:creationId xmlns:p14="http://schemas.microsoft.com/office/powerpoint/2010/main" val="1657749325"/>
+        <p14:creationId xmlns:p14="http://schemas.microsoft.com/office/powerpoint/2010/main" val="3500256967"/>
       </p:ext>
     </p:extLst>
   </p:cSld>
@@ -8066,7 +8101,7 @@
           <a:p>
             <a:fld id="{1983A999-5E0E-42CA-8400-604AE921FF7C}" type="slidenum">
               <a:rPr lang="en-US" smtClean="0"/>
-              <a:t>18</a:t>
+              <a:t>15</a:t>
             </a:fld>
             <a:endParaRPr lang="en-US"/>
           </a:p>
@@ -8075,7 +8110,7 @@
     </p:spTree>
     <p:extLst>
       <p:ext uri="{BB962C8B-B14F-4D97-AF65-F5344CB8AC3E}">
-        <p14:creationId xmlns:p14="http://schemas.microsoft.com/office/powerpoint/2010/main" val="404304175"/>
+        <p14:creationId xmlns:p14="http://schemas.microsoft.com/office/powerpoint/2010/main" val="1657749325"/>
       </p:ext>
     </p:extLst>
   </p:cSld>
@@ -8150,7 +8185,259 @@
           <a:p>
             <a:fld id="{1983A999-5E0E-42CA-8400-604AE921FF7C}" type="slidenum">
               <a:rPr lang="en-US" smtClean="0"/>
-              <a:t>20</a:t>
+              <a:t>16</a:t>
+            </a:fld>
+            <a:endParaRPr lang="en-US"/>
+          </a:p>
+        </p:txBody>
+      </p:sp>
+    </p:spTree>
+    <p:extLst>
+      <p:ext uri="{BB962C8B-B14F-4D97-AF65-F5344CB8AC3E}">
+        <p14:creationId xmlns:p14="http://schemas.microsoft.com/office/powerpoint/2010/main" val="2619900806"/>
+      </p:ext>
+    </p:extLst>
+  </p:cSld>
+  <p:clrMapOvr>
+    <a:masterClrMapping/>
+  </p:clrMapOvr>
+</p:notes>
+</file>
+
+<file path=ppt/notesSlides/notesSlide16.xml><?xml version="1.0" encoding="utf-8"?>
+<p:notes xmlns:a="http://schemas.openxmlformats.org/drawingml/2006/main" xmlns:r="http://schemas.openxmlformats.org/officeDocument/2006/relationships" xmlns:p="http://schemas.openxmlformats.org/presentationml/2006/main">
+  <p:cSld>
+    <p:spTree>
+      <p:nvGrpSpPr>
+        <p:cNvPr id="1" name=""/>
+        <p:cNvGrpSpPr/>
+        <p:nvPr/>
+      </p:nvGrpSpPr>
+      <p:grpSpPr>
+        <a:xfrm>
+          <a:off x="0" y="0"/>
+          <a:ext cx="0" cy="0"/>
+          <a:chOff x="0" y="0"/>
+          <a:chExt cx="0" cy="0"/>
+        </a:xfrm>
+      </p:grpSpPr>
+      <p:sp>
+        <p:nvSpPr>
+          <p:cNvPr id="2" name="Slide Image Placeholder 1"/>
+          <p:cNvSpPr>
+            <a:spLocks noGrp="1" noRot="1" noChangeAspect="1"/>
+          </p:cNvSpPr>
+          <p:nvPr>
+            <p:ph type="sldImg"/>
+          </p:nvPr>
+        </p:nvSpPr>
+        <p:spPr/>
+      </p:sp>
+      <p:sp>
+        <p:nvSpPr>
+          <p:cNvPr id="3" name="Notes Placeholder 2"/>
+          <p:cNvSpPr>
+            <a:spLocks noGrp="1"/>
+          </p:cNvSpPr>
+          <p:nvPr>
+            <p:ph type="body" idx="1"/>
+          </p:nvPr>
+        </p:nvSpPr>
+        <p:spPr/>
+        <p:txBody>
+          <a:bodyPr/>
+          <a:lstStyle/>
+          <a:p>
+            <a:endParaRPr lang="en-US" dirty="0"/>
+          </a:p>
+        </p:txBody>
+      </p:sp>
+      <p:sp>
+        <p:nvSpPr>
+          <p:cNvPr id="4" name="Slide Number Placeholder 3"/>
+          <p:cNvSpPr>
+            <a:spLocks noGrp="1"/>
+          </p:cNvSpPr>
+          <p:nvPr>
+            <p:ph type="sldNum" sz="quarter" idx="5"/>
+          </p:nvPr>
+        </p:nvSpPr>
+        <p:spPr/>
+        <p:txBody>
+          <a:bodyPr/>
+          <a:lstStyle/>
+          <a:p>
+            <a:fld id="{1983A999-5E0E-42CA-8400-604AE921FF7C}" type="slidenum">
+              <a:rPr lang="en-US" smtClean="0"/>
+              <a:t>17</a:t>
+            </a:fld>
+            <a:endParaRPr lang="en-US"/>
+          </a:p>
+        </p:txBody>
+      </p:sp>
+    </p:spTree>
+    <p:extLst>
+      <p:ext uri="{BB962C8B-B14F-4D97-AF65-F5344CB8AC3E}">
+        <p14:creationId xmlns:p14="http://schemas.microsoft.com/office/powerpoint/2010/main" val="878141874"/>
+      </p:ext>
+    </p:extLst>
+  </p:cSld>
+  <p:clrMapOvr>
+    <a:masterClrMapping/>
+  </p:clrMapOvr>
+</p:notes>
+</file>
+
+<file path=ppt/notesSlides/notesSlide17.xml><?xml version="1.0" encoding="utf-8"?>
+<p:notes xmlns:a="http://schemas.openxmlformats.org/drawingml/2006/main" xmlns:r="http://schemas.openxmlformats.org/officeDocument/2006/relationships" xmlns:p="http://schemas.openxmlformats.org/presentationml/2006/main">
+  <p:cSld>
+    <p:spTree>
+      <p:nvGrpSpPr>
+        <p:cNvPr id="1" name=""/>
+        <p:cNvGrpSpPr/>
+        <p:nvPr/>
+      </p:nvGrpSpPr>
+      <p:grpSpPr>
+        <a:xfrm>
+          <a:off x="0" y="0"/>
+          <a:ext cx="0" cy="0"/>
+          <a:chOff x="0" y="0"/>
+          <a:chExt cx="0" cy="0"/>
+        </a:xfrm>
+      </p:grpSpPr>
+      <p:sp>
+        <p:nvSpPr>
+          <p:cNvPr id="2" name="Slide Image Placeholder 1"/>
+          <p:cNvSpPr>
+            <a:spLocks noGrp="1" noRot="1" noChangeAspect="1"/>
+          </p:cNvSpPr>
+          <p:nvPr>
+            <p:ph type="sldImg"/>
+          </p:nvPr>
+        </p:nvSpPr>
+        <p:spPr/>
+      </p:sp>
+      <p:sp>
+        <p:nvSpPr>
+          <p:cNvPr id="3" name="Notes Placeholder 2"/>
+          <p:cNvSpPr>
+            <a:spLocks noGrp="1"/>
+          </p:cNvSpPr>
+          <p:nvPr>
+            <p:ph type="body" idx="1"/>
+          </p:nvPr>
+        </p:nvSpPr>
+        <p:spPr/>
+        <p:txBody>
+          <a:bodyPr/>
+          <a:lstStyle/>
+          <a:p>
+            <a:endParaRPr lang="en-US" dirty="0"/>
+          </a:p>
+        </p:txBody>
+      </p:sp>
+      <p:sp>
+        <p:nvSpPr>
+          <p:cNvPr id="4" name="Slide Number Placeholder 3"/>
+          <p:cNvSpPr>
+            <a:spLocks noGrp="1"/>
+          </p:cNvSpPr>
+          <p:nvPr>
+            <p:ph type="sldNum" sz="quarter" idx="5"/>
+          </p:nvPr>
+        </p:nvSpPr>
+        <p:spPr/>
+        <p:txBody>
+          <a:bodyPr/>
+          <a:lstStyle/>
+          <a:p>
+            <a:fld id="{1983A999-5E0E-42CA-8400-604AE921FF7C}" type="slidenum">
+              <a:rPr lang="en-US" smtClean="0"/>
+              <a:t>21</a:t>
+            </a:fld>
+            <a:endParaRPr lang="en-US"/>
+          </a:p>
+        </p:txBody>
+      </p:sp>
+    </p:spTree>
+    <p:extLst>
+      <p:ext uri="{BB962C8B-B14F-4D97-AF65-F5344CB8AC3E}">
+        <p14:creationId xmlns:p14="http://schemas.microsoft.com/office/powerpoint/2010/main" val="404304175"/>
+      </p:ext>
+    </p:extLst>
+  </p:cSld>
+  <p:clrMapOvr>
+    <a:masterClrMapping/>
+  </p:clrMapOvr>
+</p:notes>
+</file>
+
+<file path=ppt/notesSlides/notesSlide18.xml><?xml version="1.0" encoding="utf-8"?>
+<p:notes xmlns:a="http://schemas.openxmlformats.org/drawingml/2006/main" xmlns:r="http://schemas.openxmlformats.org/officeDocument/2006/relationships" xmlns:p="http://schemas.openxmlformats.org/presentationml/2006/main">
+  <p:cSld>
+    <p:spTree>
+      <p:nvGrpSpPr>
+        <p:cNvPr id="1" name=""/>
+        <p:cNvGrpSpPr/>
+        <p:nvPr/>
+      </p:nvGrpSpPr>
+      <p:grpSpPr>
+        <a:xfrm>
+          <a:off x="0" y="0"/>
+          <a:ext cx="0" cy="0"/>
+          <a:chOff x="0" y="0"/>
+          <a:chExt cx="0" cy="0"/>
+        </a:xfrm>
+      </p:grpSpPr>
+      <p:sp>
+        <p:nvSpPr>
+          <p:cNvPr id="2" name="Slide Image Placeholder 1"/>
+          <p:cNvSpPr>
+            <a:spLocks noGrp="1" noRot="1" noChangeAspect="1"/>
+          </p:cNvSpPr>
+          <p:nvPr>
+            <p:ph type="sldImg"/>
+          </p:nvPr>
+        </p:nvSpPr>
+        <p:spPr/>
+      </p:sp>
+      <p:sp>
+        <p:nvSpPr>
+          <p:cNvPr id="3" name="Notes Placeholder 2"/>
+          <p:cNvSpPr>
+            <a:spLocks noGrp="1"/>
+          </p:cNvSpPr>
+          <p:nvPr>
+            <p:ph type="body" idx="1"/>
+          </p:nvPr>
+        </p:nvSpPr>
+        <p:spPr/>
+        <p:txBody>
+          <a:bodyPr/>
+          <a:lstStyle/>
+          <a:p>
+            <a:endParaRPr lang="en-US" dirty="0"/>
+          </a:p>
+        </p:txBody>
+      </p:sp>
+      <p:sp>
+        <p:nvSpPr>
+          <p:cNvPr id="4" name="Slide Number Placeholder 3"/>
+          <p:cNvSpPr>
+            <a:spLocks noGrp="1"/>
+          </p:cNvSpPr>
+          <p:nvPr>
+            <p:ph type="sldNum" sz="quarter" idx="5"/>
+          </p:nvPr>
+        </p:nvSpPr>
+        <p:spPr/>
+        <p:txBody>
+          <a:bodyPr/>
+          <a:lstStyle/>
+          <a:p>
+            <a:fld id="{1983A999-5E0E-42CA-8400-604AE921FF7C}" type="slidenum">
+              <a:rPr lang="en-US" smtClean="0"/>
+              <a:t>23</a:t>
             </a:fld>
             <a:endParaRPr lang="en-US"/>
           </a:p>
@@ -8831,7 +9118,7 @@
     </p:spTree>
     <p:extLst>
       <p:ext uri="{BB962C8B-B14F-4D97-AF65-F5344CB8AC3E}">
-        <p14:creationId xmlns:p14="http://schemas.microsoft.com/office/powerpoint/2010/main" val="3487598560"/>
+        <p14:creationId xmlns:p14="http://schemas.microsoft.com/office/powerpoint/2010/main" val="254860951"/>
       </p:ext>
     </p:extLst>
   </p:cSld>
@@ -21378,7 +21665,7 @@
           <a:p>
             <a:r>
               <a:rPr lang="en-US" dirty="0"/>
-              <a:t>Windows Terminal</a:t>
+              <a:t>Operating System</a:t>
             </a:r>
           </a:p>
         </p:txBody>
@@ -21411,7 +21698,7 @@
           <a:p>
             <a:r>
               <a:rPr lang="en-US" dirty="0"/>
-              <a:t>Install</a:t>
+              <a:t>Windows</a:t>
             </a:r>
           </a:p>
         </p:txBody>
@@ -21440,45 +21727,29 @@
         </p:spPr>
         <p:txBody>
           <a:bodyPr>
-            <a:normAutofit fontScale="85000" lnSpcReduction="20000"/>
+            <a:normAutofit fontScale="92500"/>
           </a:bodyPr>
           <a:lstStyle/>
           <a:p>
             <a:r>
               <a:rPr lang="en-US" dirty="0"/>
-              <a:t>Go to the Microsoft Store.</a:t>
+              <a:t>Developing C++ on Windows can be difficult to setup initially and often can lead to code depending on the Windows API.</a:t>
             </a:r>
           </a:p>
           <a:p>
             <a:r>
               <a:rPr lang="en-US" dirty="0"/>
-              <a:t>Search for ‘Windows Terminal’ and click install.</a:t>
+              <a:t>Instead, we will be using a virtual OS called WSL.</a:t>
             </a:r>
           </a:p>
           <a:p>
             <a:r>
               <a:rPr lang="en-US" dirty="0"/>
-              <a:t>Once install, open Windows Terminal (WT), and press `ctrl+,`.  This will open the settings.</a:t>
-            </a:r>
-          </a:p>
-          <a:p>
-            <a:r>
-              <a:rPr lang="en-US" dirty="0"/>
-              <a:t>On the ‘Startup Page’, there should be an option called ‘Default Terminal Application’. Select WT.</a:t>
-            </a:r>
-          </a:p>
-          <a:p>
-            <a:r>
-              <a:rPr lang="en-US" dirty="0"/>
-              <a:t>About</a:t>
-            </a:r>
-          </a:p>
-          <a:p>
-            <a:pPr lvl="1"/>
-            <a:r>
-              <a:rPr lang="en-US" dirty="0"/>
-              <a:t>The Windows Terminal App makes it easier to access and use various shells and terminals on Windows</a:t>
-            </a:r>
+              <a:t>WSL allows us to have a native Linux Kernel and OS alongside our Windows OS.</a:t>
+            </a:r>
+          </a:p>
+          <a:p>
+            <a:endParaRPr lang="en-US" dirty="0"/>
           </a:p>
         </p:txBody>
       </p:sp>
@@ -21543,38 +21814,8 @@
           <a:p>
             <a:r>
               <a:rPr lang="en-US" dirty="0"/>
-              <a:t>MacOS</a:t>
-            </a:r>
-          </a:p>
-          <a:p>
-            <a:pPr lvl="1"/>
-            <a:r>
-              <a:rPr lang="en-US" dirty="0"/>
-              <a:t>Terminal App</a:t>
-            </a:r>
-          </a:p>
-          <a:p>
-            <a:r>
-              <a:rPr lang="en-US" dirty="0"/>
-              <a:t>Linux</a:t>
-            </a:r>
-          </a:p>
-          <a:p>
-            <a:pPr lvl="1"/>
-            <a:r>
-              <a:rPr lang="en-US" dirty="0"/>
-              <a:t>I’d assume you know what a terminal is.</a:t>
-            </a:r>
-          </a:p>
-          <a:p>
-            <a:pPr lvl="1"/>
-            <a:r>
-              <a:rPr lang="en-US" dirty="0"/>
-              <a:t>If not, reach out and we will help you out.</a:t>
-            </a:r>
-          </a:p>
-          <a:p>
-            <a:endParaRPr lang="en-US" dirty="0"/>
+              <a:t>If you have MacOS or are using Linux yourself, you will not need WSL as your devices shell is fully equipped for what we need, so you can skip to slide 14 (Homebrew). </a:t>
+            </a:r>
           </a:p>
         </p:txBody>
       </p:sp>
@@ -21844,7 +22085,7 @@
     </p:spTree>
     <p:extLst>
       <p:ext uri="{BB962C8B-B14F-4D97-AF65-F5344CB8AC3E}">
-        <p14:creationId xmlns:p14="http://schemas.microsoft.com/office/powerpoint/2010/main" val="2397802035"/>
+        <p14:creationId xmlns:p14="http://schemas.microsoft.com/office/powerpoint/2010/main" val="3543121455"/>
       </p:ext>
     </p:extLst>
   </p:cSld>
@@ -22241,7 +22482,7 @@
           <a:p>
             <a:r>
               <a:rPr lang="en-US" dirty="0"/>
-              <a:t>Windows Subsystem for Linux (WSL)</a:t>
+              <a:t>Windows Terminal</a:t>
             </a:r>
           </a:p>
         </p:txBody>
@@ -22274,7 +22515,7 @@
           <a:p>
             <a:r>
               <a:rPr lang="en-US" dirty="0"/>
-              <a:t>About</a:t>
+              <a:t>Install</a:t>
             </a:r>
           </a:p>
         </p:txBody>
@@ -22303,29 +22544,45 @@
         </p:spPr>
         <p:txBody>
           <a:bodyPr>
-            <a:normAutofit fontScale="92500"/>
+            <a:normAutofit fontScale="85000" lnSpcReduction="20000"/>
           </a:bodyPr>
           <a:lstStyle/>
           <a:p>
             <a:r>
               <a:rPr lang="en-US" dirty="0"/>
-              <a:t>Developing code on Windows can be difficult because of the Windows Runtime, especially in languages that can directly interact with the Windows OS.</a:t>
+              <a:t>Go to the Microsoft Store.</a:t>
             </a:r>
           </a:p>
           <a:p>
             <a:r>
               <a:rPr lang="en-US" dirty="0"/>
-              <a:t>Instead, we will be using a virtual OS called WSL.</a:t>
+              <a:t>Search for ‘Windows Terminal’ and click install.</a:t>
             </a:r>
           </a:p>
           <a:p>
             <a:r>
               <a:rPr lang="en-US" dirty="0"/>
-              <a:t>WSL allows us to have a native Linux Kernel and OS alongside our Windows OS.</a:t>
-            </a:r>
-          </a:p>
-          <a:p>
-            <a:endParaRPr lang="en-US" dirty="0"/>
+              <a:t>Once install, open Windows Terminal (WT), and press `ctrl+,`.  This will open the settings.</a:t>
+            </a:r>
+          </a:p>
+          <a:p>
+            <a:r>
+              <a:rPr lang="en-US" dirty="0"/>
+              <a:t>On the ‘Startup Page’, there should be an option called ‘Default Terminal Application’. Select WT.</a:t>
+            </a:r>
+          </a:p>
+          <a:p>
+            <a:r>
+              <a:rPr lang="en-US" dirty="0"/>
+              <a:t>About</a:t>
+            </a:r>
+          </a:p>
+          <a:p>
+            <a:pPr lvl="1"/>
+            <a:r>
+              <a:rPr lang="en-US" dirty="0"/>
+              <a:t>The Windows Terminal App makes it easier to access and use various shells and terminals on Windows</a:t>
+            </a:r>
           </a:p>
         </p:txBody>
       </p:sp>
@@ -22390,8 +22647,31 @@
           <a:p>
             <a:r>
               <a:rPr lang="en-US" dirty="0"/>
-              <a:t>If you have MacOS or are using Linux yourself, you will not need WSL as your devices shell is fully equipped for what we need, so you can skip to the next set of software we will need.</a:t>
-            </a:r>
+              <a:t>MacOS</a:t>
+            </a:r>
+          </a:p>
+          <a:p>
+            <a:pPr lvl="1"/>
+            <a:r>
+              <a:rPr lang="en-US" dirty="0"/>
+              <a:t>Terminal App</a:t>
+            </a:r>
+          </a:p>
+          <a:p>
+            <a:r>
+              <a:rPr lang="en-US" dirty="0"/>
+              <a:t>Linux</a:t>
+            </a:r>
+          </a:p>
+          <a:p>
+            <a:pPr lvl="1"/>
+            <a:r>
+              <a:rPr lang="en-US" dirty="0"/>
+              <a:t>I’d assume you know what a terminal is. If not, reach out and we will help you out.</a:t>
+            </a:r>
+          </a:p>
+          <a:p>
+            <a:endParaRPr lang="en-US" dirty="0"/>
           </a:p>
         </p:txBody>
       </p:sp>
@@ -22661,7 +22941,7 @@
     </p:spTree>
     <p:extLst>
       <p:ext uri="{BB962C8B-B14F-4D97-AF65-F5344CB8AC3E}">
-        <p14:creationId xmlns:p14="http://schemas.microsoft.com/office/powerpoint/2010/main" val="2987309187"/>
+        <p14:creationId xmlns:p14="http://schemas.microsoft.com/office/powerpoint/2010/main" val="2397802035"/>
       </p:ext>
     </p:extLst>
   </p:cSld>
@@ -23058,7 +23338,7 @@
           <a:p>
             <a:r>
               <a:rPr lang="en-US" dirty="0"/>
-              <a:t>Installing WSL</a:t>
+              <a:t>Windows Subsystem for Linux (WSL)</a:t>
             </a:r>
           </a:p>
         </p:txBody>
@@ -23091,7 +23371,7 @@
           <a:p>
             <a:r>
               <a:rPr lang="en-US" dirty="0"/>
-              <a:t>WSL</a:t>
+              <a:t>About</a:t>
             </a:r>
           </a:p>
         </p:txBody>
@@ -23120,53 +23400,58 @@
         </p:spPr>
         <p:txBody>
           <a:bodyPr>
-            <a:normAutofit fontScale="62500" lnSpcReduction="20000"/>
+            <a:normAutofit lnSpcReduction="10000"/>
           </a:bodyPr>
           <a:lstStyle/>
           <a:p>
             <a:r>
               <a:rPr lang="en-US" dirty="0"/>
-              <a:t>Open PowerShell with Administrative Privileges and run `</a:t>
-            </a:r>
-            <a:r>
-              <a:rPr lang="en-US" dirty="0" err="1"/>
-              <a:t>wsl</a:t>
-            </a:r>
+              <a:t>WSL allows us to run a native Linux Kernel alongside Windows. </a:t>
+            </a:r>
+          </a:p>
+          <a:p>
             <a:r>
               <a:rPr lang="en-US" dirty="0"/>
-              <a:t> –install`. This will install WSL and an instance of Ubuntu.</a:t>
+              <a:t>Installing software packages and tools are vastly simpler on Linux and don’t require a large SDK (Windows SDK) and IDE like Visual Studio in order to create software.</a:t>
             </a:r>
           </a:p>
           <a:p>
             <a:r>
               <a:rPr lang="en-US" dirty="0"/>
-              <a:t>In Windows start, click the newly added Ubuntu app. </a:t>
-            </a:r>
-          </a:p>
+              <a:t>Linux also has a much larger tool selection</a:t>
+            </a:r>
+          </a:p>
+        </p:txBody>
+      </p:sp>
+      <p:sp>
+        <p:nvSpPr>
+          <p:cNvPr id="11" name="Text Placeholder 10">
+            <a:extLst>
+              <a:ext uri="{FF2B5EF4-FFF2-40B4-BE49-F238E27FC236}">
+                <a16:creationId xmlns:a16="http://schemas.microsoft.com/office/drawing/2014/main" id="{60726BA7-44D6-4116-90E3-38325026EAAD}"/>
+              </a:ext>
+            </a:extLst>
+          </p:cNvPr>
+          <p:cNvSpPr>
+            <a:spLocks noGrp="1"/>
+          </p:cNvSpPr>
+          <p:nvPr>
+            <p:ph type="body" sz="quarter" idx="3"/>
+          </p:nvPr>
+        </p:nvSpPr>
+        <p:spPr>
+          <a:xfrm>
+            <a:off x="6212024" y="1731375"/>
+            <a:ext cx="5436392" cy="535354"/>
+          </a:xfrm>
+        </p:spPr>
+        <p:txBody>
+          <a:bodyPr/>
+          <a:lstStyle/>
           <a:p>
             <a:r>
               <a:rPr lang="en-US" dirty="0"/>
-              <a:t>Follow the on-screen instructions to create a username and password. Once you are done you can close the window.</a:t>
-            </a:r>
-          </a:p>
-          <a:p>
-            <a:r>
-              <a:rPr lang="en-US" dirty="0"/>
-              <a:t>Open WT and press `ctrl+,` again. On the ‘Startup’ page, the first option should say ‘Default Option’, click the drop down and select ‘Ubuntu’.</a:t>
-            </a:r>
-          </a:p>
-          <a:p>
-            <a:r>
-              <a:rPr lang="en-US" dirty="0"/>
-              <a:t>Press `ctrl++</a:t>
-            </a:r>
-            <a:r>
-              <a:rPr lang="en-US" dirty="0" err="1"/>
-              <a:t>shift+t</a:t>
-            </a:r>
-            <a:r>
-              <a:rPr lang="en-US" dirty="0"/>
-              <a:t>` to open a new shell tab. It should now say ‘Ubuntu’ at the top of tab.</a:t>
+              <a:t>Linux or MacOS Users</a:t>
             </a:r>
           </a:p>
         </p:txBody>
@@ -23194,119 +23479,13 @@
           </a:xfrm>
         </p:spPr>
         <p:txBody>
-          <a:bodyPr>
-            <a:normAutofit fontScale="55000" lnSpcReduction="20000"/>
-          </a:bodyPr>
+          <a:bodyPr/>
           <a:lstStyle/>
           <a:p>
             <a:r>
               <a:rPr lang="en-US" dirty="0"/>
-              <a:t>We are now going to install the relevant software for Ubuntu. Run each of the following commands (in the ``) in sequence.</a:t>
-            </a:r>
-          </a:p>
-          <a:p>
-            <a:r>
-              <a:rPr lang="en-US" dirty="0"/>
-              <a:t>`</a:t>
-            </a:r>
-            <a:r>
-              <a:rPr lang="en-US" dirty="0" err="1"/>
-              <a:t>sudo</a:t>
-            </a:r>
-            <a:r>
-              <a:rPr lang="en-US" dirty="0"/>
-              <a:t> apt update`</a:t>
-            </a:r>
-          </a:p>
-          <a:p>
-            <a:r>
-              <a:rPr lang="en-US" dirty="0"/>
-              <a:t>`</a:t>
-            </a:r>
-            <a:r>
-              <a:rPr lang="en-US" dirty="0" err="1"/>
-              <a:t>sudo</a:t>
-            </a:r>
-            <a:r>
-              <a:rPr lang="en-US" dirty="0"/>
-              <a:t> apt upgrade -y`</a:t>
-            </a:r>
-          </a:p>
-          <a:p>
-            <a:r>
-              <a:rPr lang="en-US" dirty="0"/>
-              <a:t>`</a:t>
-            </a:r>
-            <a:r>
-              <a:rPr lang="en-US" dirty="0" err="1"/>
-              <a:t>sudo</a:t>
-            </a:r>
-            <a:r>
-              <a:rPr lang="en-US" dirty="0"/>
-              <a:t> apt install git curl </a:t>
-            </a:r>
-            <a:r>
-              <a:rPr lang="en-US" dirty="0" err="1"/>
-              <a:t>wget</a:t>
-            </a:r>
-            <a:r>
-              <a:rPr lang="en-US" dirty="0"/>
-              <a:t> ca-certificates build-essential`</a:t>
-            </a:r>
-          </a:p>
-          <a:p>
-            <a:r>
-              <a:rPr lang="en-US" dirty="0"/>
-              <a:t>`/bin/bash -c "$(curl -</a:t>
-            </a:r>
-            <a:r>
-              <a:rPr lang="en-US" dirty="0" err="1"/>
-              <a:t>fsSL</a:t>
-            </a:r>
-            <a:r>
-              <a:rPr lang="en-US" dirty="0"/>
-              <a:t> </a:t>
-            </a:r>
-            <a:r>
-              <a:rPr lang="en-US" dirty="0">
-                <a:hlinkClick r:id="rId3"/>
-              </a:rPr>
-              <a:t>https://raw.githubusercontent.com/Homebrew/install/HEAD/install.sh)“`</a:t>
-            </a:r>
-            <a:endParaRPr lang="en-US" dirty="0"/>
-          </a:p>
-          <a:p>
-            <a:r>
-              <a:rPr lang="en-US" dirty="0"/>
-              <a:t>`brew update`</a:t>
-            </a:r>
-          </a:p>
-          <a:p>
-            <a:r>
-              <a:rPr lang="en-US" dirty="0"/>
-              <a:t>`brew upgrade`</a:t>
-            </a:r>
-          </a:p>
-          <a:p>
-            <a:r>
-              <a:rPr lang="en-US" dirty="0"/>
-              <a:t>`brew install </a:t>
-            </a:r>
-            <a:r>
-              <a:rPr lang="en-US" dirty="0" err="1"/>
-              <a:t>gcc</a:t>
-            </a:r>
-            <a:r>
-              <a:rPr lang="en-US" dirty="0"/>
-              <a:t>`</a:t>
-            </a:r>
-          </a:p>
-          <a:p>
-            <a:pPr lvl="1"/>
-            <a:endParaRPr lang="en-US" dirty="0"/>
-          </a:p>
-          <a:p>
-            <a:endParaRPr lang="en-US" dirty="0"/>
+              <a:t>If you have MacOS or are using Linux yourself, you will not need WSL as your devices shell is fully equipped for what we need, so you can skip to the next set of software we will need.</a:t>
+            </a:r>
           </a:p>
         </p:txBody>
       </p:sp>
@@ -23573,38 +23752,10 @@
           </a:p>
         </p:txBody>
       </p:sp>
-      <p:sp>
-        <p:nvSpPr>
-          <p:cNvPr id="3" name="Text Placeholder 2">
-            <a:extLst>
-              <a:ext uri="{FF2B5EF4-FFF2-40B4-BE49-F238E27FC236}">
-                <a16:creationId xmlns:a16="http://schemas.microsoft.com/office/drawing/2014/main" id="{D35BE8C7-B67F-DA1F-E0A9-C3D86A96DECE}"/>
-              </a:ext>
-            </a:extLst>
-          </p:cNvPr>
-          <p:cNvSpPr>
-            <a:spLocks noGrp="1"/>
-          </p:cNvSpPr>
-          <p:nvPr>
-            <p:ph type="body" sz="quarter" idx="3"/>
-          </p:nvPr>
-        </p:nvSpPr>
-        <p:spPr/>
-        <p:txBody>
-          <a:bodyPr/>
-          <a:lstStyle/>
-          <a:p>
-            <a:r>
-              <a:rPr lang="en-AU" dirty="0"/>
-              <a:t>Ubuntu</a:t>
-            </a:r>
-          </a:p>
-        </p:txBody>
-      </p:sp>
     </p:spTree>
     <p:extLst>
       <p:ext uri="{BB962C8B-B14F-4D97-AF65-F5344CB8AC3E}">
-        <p14:creationId xmlns:p14="http://schemas.microsoft.com/office/powerpoint/2010/main" val="3973718449"/>
+        <p14:creationId xmlns:p14="http://schemas.microsoft.com/office/powerpoint/2010/main" val="2987309187"/>
       </p:ext>
     </p:extLst>
   </p:cSld>
@@ -24000,10 +24151,9 @@
           <a:lstStyle/>
           <a:p>
             <a:r>
-              <a:rPr lang="en-US" dirty="0" err="1"/>
-              <a:t>VSCode</a:t>
-            </a:r>
-            <a:endParaRPr lang="en-US" dirty="0"/>
+              <a:rPr lang="en-US" dirty="0"/>
+              <a:t>Installing WSL</a:t>
+            </a:r>
           </a:p>
         </p:txBody>
       </p:sp>
@@ -24035,8 +24185,171 @@
           <a:p>
             <a:r>
               <a:rPr lang="en-US" dirty="0"/>
-              <a:t>Install</a:t>
-            </a:r>
+              <a:t>WSL</a:t>
+            </a:r>
+          </a:p>
+        </p:txBody>
+      </p:sp>
+      <p:sp>
+        <p:nvSpPr>
+          <p:cNvPr id="10" name="Content Placeholder 9">
+            <a:extLst>
+              <a:ext uri="{FF2B5EF4-FFF2-40B4-BE49-F238E27FC236}">
+                <a16:creationId xmlns:a16="http://schemas.microsoft.com/office/drawing/2014/main" id="{1DB251F7-EBE7-46AC-A920-FFE2C5AF68EA}"/>
+              </a:ext>
+            </a:extLst>
+          </p:cNvPr>
+          <p:cNvSpPr>
+            <a:spLocks noGrp="1"/>
+          </p:cNvSpPr>
+          <p:nvPr>
+            <p:ph sz="half" idx="2"/>
+          </p:nvPr>
+        </p:nvSpPr>
+        <p:spPr>
+          <a:xfrm>
+            <a:off x="550863" y="2427370"/>
+            <a:ext cx="5429114" cy="3515555"/>
+          </a:xfrm>
+        </p:spPr>
+        <p:txBody>
+          <a:bodyPr>
+            <a:normAutofit fontScale="62500" lnSpcReduction="20000"/>
+          </a:bodyPr>
+          <a:lstStyle/>
+          <a:p>
+            <a:r>
+              <a:rPr lang="en-US" dirty="0"/>
+              <a:t>Open PowerShell with Administrative Privileges and run `</a:t>
+            </a:r>
+            <a:r>
+              <a:rPr lang="en-US" dirty="0" err="1"/>
+              <a:t>wsl</a:t>
+            </a:r>
+            <a:r>
+              <a:rPr lang="en-US" dirty="0"/>
+              <a:t> –install`. This will install WSL and an instance of Ubuntu.</a:t>
+            </a:r>
+          </a:p>
+          <a:p>
+            <a:r>
+              <a:rPr lang="en-US" dirty="0"/>
+              <a:t>In Windows start, click the newly added Ubuntu app. </a:t>
+            </a:r>
+          </a:p>
+          <a:p>
+            <a:r>
+              <a:rPr lang="en-US" dirty="0"/>
+              <a:t>Follow the on-screen instructions to create a username and password. Once you are done you can close the window.</a:t>
+            </a:r>
+          </a:p>
+          <a:p>
+            <a:r>
+              <a:rPr lang="en-US" dirty="0"/>
+              <a:t>Open WT and press `ctrl+,` again. On the ‘Startup’ page, the first option should say ‘Default Option’, click the drop down and select ‘Ubuntu’.</a:t>
+            </a:r>
+          </a:p>
+          <a:p>
+            <a:r>
+              <a:rPr lang="en-US" dirty="0"/>
+              <a:t>Press `ctrl++</a:t>
+            </a:r>
+            <a:r>
+              <a:rPr lang="en-US" dirty="0" err="1"/>
+              <a:t>shift+t</a:t>
+            </a:r>
+            <a:r>
+              <a:rPr lang="en-US" dirty="0"/>
+              <a:t>` to open a new shell tab. It should now say ‘Ubuntu’ at the top of tab.</a:t>
+            </a:r>
+          </a:p>
+        </p:txBody>
+      </p:sp>
+      <p:sp>
+        <p:nvSpPr>
+          <p:cNvPr id="12" name="Content Placeholder 11">
+            <a:extLst>
+              <a:ext uri="{FF2B5EF4-FFF2-40B4-BE49-F238E27FC236}">
+                <a16:creationId xmlns:a16="http://schemas.microsoft.com/office/drawing/2014/main" id="{7FB7F30B-2A84-4C44-BC5A-E826ED6E74A2}"/>
+              </a:ext>
+            </a:extLst>
+          </p:cNvPr>
+          <p:cNvSpPr>
+            <a:spLocks noGrp="1"/>
+          </p:cNvSpPr>
+          <p:nvPr>
+            <p:ph sz="quarter" idx="4"/>
+          </p:nvPr>
+        </p:nvSpPr>
+        <p:spPr>
+          <a:xfrm>
+            <a:off x="6212023" y="2427370"/>
+            <a:ext cx="5436391" cy="3515555"/>
+          </a:xfrm>
+        </p:spPr>
+        <p:txBody>
+          <a:bodyPr>
+            <a:normAutofit fontScale="92500"/>
+          </a:bodyPr>
+          <a:lstStyle/>
+          <a:p>
+            <a:r>
+              <a:rPr lang="en-US" dirty="0"/>
+              <a:t>We are now going to install the relevant software for Ubuntu. Run each of the following commands (in the ``) in sequence.</a:t>
+            </a:r>
+          </a:p>
+          <a:p>
+            <a:r>
+              <a:rPr lang="en-US" dirty="0"/>
+              <a:t>`</a:t>
+            </a:r>
+            <a:r>
+              <a:rPr lang="en-US" dirty="0" err="1"/>
+              <a:t>sudo</a:t>
+            </a:r>
+            <a:r>
+              <a:rPr lang="en-US" dirty="0"/>
+              <a:t> apt update`</a:t>
+            </a:r>
+          </a:p>
+          <a:p>
+            <a:r>
+              <a:rPr lang="en-US" dirty="0"/>
+              <a:t>`</a:t>
+            </a:r>
+            <a:r>
+              <a:rPr lang="en-US" dirty="0" err="1"/>
+              <a:t>sudo</a:t>
+            </a:r>
+            <a:r>
+              <a:rPr lang="en-US" dirty="0"/>
+              <a:t> apt upgrade -y`</a:t>
+            </a:r>
+          </a:p>
+          <a:p>
+            <a:r>
+              <a:rPr lang="en-US" dirty="0"/>
+              <a:t>`</a:t>
+            </a:r>
+            <a:r>
+              <a:rPr lang="en-US" dirty="0" err="1"/>
+              <a:t>sudo</a:t>
+            </a:r>
+            <a:r>
+              <a:rPr lang="en-US" dirty="0"/>
+              <a:t> apt install git curl </a:t>
+            </a:r>
+            <a:r>
+              <a:rPr lang="en-US" dirty="0" err="1"/>
+              <a:t>wget</a:t>
+            </a:r>
+            <a:r>
+              <a:rPr lang="en-US" dirty="0"/>
+              <a:t> ca-certificates build-essential`</a:t>
+            </a:r>
+          </a:p>
+          <a:p>
+            <a:endParaRPr lang="en-US" dirty="0"/>
           </a:p>
         </p:txBody>
       </p:sp>
@@ -24326,323 +24639,7 @@
           <a:p>
             <a:r>
               <a:rPr lang="en-AU" dirty="0"/>
-              <a:t>Extensions</a:t>
-            </a:r>
-          </a:p>
-        </p:txBody>
-      </p:sp>
-      <p:sp>
-        <p:nvSpPr>
-          <p:cNvPr id="8" name="Content Placeholder 7">
-            <a:extLst>
-              <a:ext uri="{FF2B5EF4-FFF2-40B4-BE49-F238E27FC236}">
-                <a16:creationId xmlns:a16="http://schemas.microsoft.com/office/drawing/2014/main" id="{39742727-52F0-7563-E656-3A7769725FE1}"/>
-              </a:ext>
-            </a:extLst>
-          </p:cNvPr>
-          <p:cNvSpPr>
-            <a:spLocks noGrp="1"/>
-          </p:cNvSpPr>
-          <p:nvPr>
-            <p:ph sz="half" idx="2"/>
-          </p:nvPr>
-        </p:nvSpPr>
-        <p:spPr/>
-        <p:txBody>
-          <a:bodyPr/>
-          <a:lstStyle/>
-          <a:p>
-            <a:r>
-              <a:rPr lang="en-AU" dirty="0" err="1"/>
-              <a:t>VSCode</a:t>
-            </a:r>
-            <a:r>
-              <a:rPr lang="en-AU" dirty="0"/>
-              <a:t> is text editor that has a large library of extensions for developers.</a:t>
-            </a:r>
-          </a:p>
-          <a:p>
-            <a:r>
-              <a:rPr lang="en-AU" dirty="0"/>
-              <a:t>Install </a:t>
-            </a:r>
-            <a:r>
-              <a:rPr lang="en-AU" dirty="0" err="1">
-                <a:hlinkClick r:id="rId3"/>
-              </a:rPr>
-              <a:t>VSCode</a:t>
-            </a:r>
-            <a:r>
-              <a:rPr lang="en-AU" dirty="0"/>
-              <a:t> for your system.</a:t>
-            </a:r>
-          </a:p>
-          <a:p>
-            <a:r>
-              <a:rPr lang="en-AU" dirty="0"/>
-              <a:t>Once the extensions (see right) on the Windows side are installed, open WT and run `code .` . This should open </a:t>
-            </a:r>
-            <a:r>
-              <a:rPr lang="en-AU" dirty="0" err="1"/>
-              <a:t>VSCode</a:t>
-            </a:r>
-            <a:r>
-              <a:rPr lang="en-AU" dirty="0"/>
-              <a:t> in WSL.</a:t>
-            </a:r>
-          </a:p>
-        </p:txBody>
-      </p:sp>
-      <p:sp>
-        <p:nvSpPr>
-          <p:cNvPr id="13" name="Content Placeholder 12">
-            <a:extLst>
-              <a:ext uri="{FF2B5EF4-FFF2-40B4-BE49-F238E27FC236}">
-                <a16:creationId xmlns:a16="http://schemas.microsoft.com/office/drawing/2014/main" id="{41028C3F-4F06-F278-984E-04FEE11739F3}"/>
-              </a:ext>
-            </a:extLst>
-          </p:cNvPr>
-          <p:cNvSpPr>
-            <a:spLocks noGrp="1"/>
-          </p:cNvSpPr>
-          <p:nvPr>
-            <p:ph sz="quarter" idx="4"/>
-          </p:nvPr>
-        </p:nvSpPr>
-        <p:spPr/>
-        <p:txBody>
-          <a:bodyPr>
-            <a:normAutofit fontScale="77500" lnSpcReduction="20000"/>
-          </a:bodyPr>
-          <a:lstStyle/>
-          <a:p>
-            <a:pPr>
-              <a:lnSpc>
-                <a:spcPct val="120000"/>
-              </a:lnSpc>
-              <a:spcBef>
-                <a:spcPts val="0"/>
-              </a:spcBef>
-              <a:spcAft>
-                <a:spcPts val="0"/>
-              </a:spcAft>
-            </a:pPr>
-            <a:r>
-              <a:rPr lang="en-AU" dirty="0"/>
-              <a:t>For this series, you will want a few extensions installed to help develop C++ code and manage projects.</a:t>
-            </a:r>
-          </a:p>
-          <a:p>
-            <a:pPr>
-              <a:lnSpc>
-                <a:spcPct val="120000"/>
-              </a:lnSpc>
-              <a:spcBef>
-                <a:spcPts val="0"/>
-              </a:spcBef>
-              <a:spcAft>
-                <a:spcPts val="0"/>
-              </a:spcAft>
-            </a:pPr>
-            <a:r>
-              <a:rPr lang="en-AU" dirty="0"/>
-              <a:t>On Windows</a:t>
-            </a:r>
-          </a:p>
-          <a:p>
-            <a:pPr lvl="1">
-              <a:lnSpc>
-                <a:spcPct val="120000"/>
-              </a:lnSpc>
-              <a:spcBef>
-                <a:spcPts val="0"/>
-              </a:spcBef>
-              <a:spcAft>
-                <a:spcPts val="0"/>
-              </a:spcAft>
-            </a:pPr>
-            <a:r>
-              <a:rPr lang="en-AU" dirty="0">
-                <a:hlinkClick r:id="rId4"/>
-              </a:rPr>
-              <a:t>Remote development</a:t>
-            </a:r>
-            <a:endParaRPr lang="en-AU" dirty="0"/>
-          </a:p>
-          <a:p>
-            <a:pPr lvl="1">
-              <a:lnSpc>
-                <a:spcPct val="120000"/>
-              </a:lnSpc>
-              <a:spcBef>
-                <a:spcPts val="0"/>
-              </a:spcBef>
-              <a:spcAft>
-                <a:spcPts val="0"/>
-              </a:spcAft>
-            </a:pPr>
-            <a:r>
-              <a:rPr lang="en-AU" dirty="0"/>
-              <a:t>WSL</a:t>
-            </a:r>
-          </a:p>
-          <a:p>
-            <a:pPr lvl="1">
-              <a:lnSpc>
-                <a:spcPct val="120000"/>
-              </a:lnSpc>
-              <a:spcBef>
-                <a:spcPts val="0"/>
-              </a:spcBef>
-              <a:spcAft>
-                <a:spcPts val="0"/>
-              </a:spcAft>
-            </a:pPr>
-            <a:r>
-              <a:rPr lang="en-AU" dirty="0"/>
-              <a:t>Remote SSH</a:t>
-            </a:r>
-          </a:p>
-          <a:p>
-            <a:pPr>
-              <a:lnSpc>
-                <a:spcPct val="120000"/>
-              </a:lnSpc>
-              <a:spcBef>
-                <a:spcPts val="0"/>
-              </a:spcBef>
-              <a:spcAft>
-                <a:spcPts val="0"/>
-              </a:spcAft>
-            </a:pPr>
-            <a:r>
-              <a:rPr lang="en-AU" dirty="0"/>
-              <a:t>On WSL</a:t>
-            </a:r>
-          </a:p>
-          <a:p>
-            <a:pPr lvl="1">
-              <a:lnSpc>
-                <a:spcPct val="120000"/>
-              </a:lnSpc>
-              <a:spcBef>
-                <a:spcPts val="0"/>
-              </a:spcBef>
-              <a:spcAft>
-                <a:spcPts val="0"/>
-              </a:spcAft>
-            </a:pPr>
-            <a:r>
-              <a:rPr lang="en-AU" dirty="0" err="1"/>
-              <a:t>GitLens</a:t>
-            </a:r>
-            <a:endParaRPr lang="en-AU" dirty="0"/>
-          </a:p>
-          <a:p>
-            <a:pPr lvl="1">
-              <a:lnSpc>
-                <a:spcPct val="120000"/>
-              </a:lnSpc>
-              <a:spcBef>
-                <a:spcPts val="0"/>
-              </a:spcBef>
-              <a:spcAft>
-                <a:spcPts val="0"/>
-              </a:spcAft>
-            </a:pPr>
-            <a:r>
-              <a:rPr lang="en-AU" dirty="0"/>
-              <a:t>Git Graph</a:t>
-            </a:r>
-          </a:p>
-          <a:p>
-            <a:pPr lvl="1">
-              <a:lnSpc>
-                <a:spcPct val="120000"/>
-              </a:lnSpc>
-              <a:spcBef>
-                <a:spcPts val="0"/>
-              </a:spcBef>
-              <a:spcAft>
-                <a:spcPts val="0"/>
-              </a:spcAft>
-            </a:pPr>
-            <a:r>
-              <a:rPr lang="en-AU" dirty="0">
-                <a:hlinkClick r:id="rId5"/>
-              </a:rPr>
-              <a:t>GitHub Pull Requests and Issues</a:t>
-            </a:r>
-            <a:endParaRPr lang="en-AU" dirty="0"/>
-          </a:p>
-          <a:p>
-            <a:pPr lvl="1">
-              <a:lnSpc>
-                <a:spcPct val="120000"/>
-              </a:lnSpc>
-              <a:spcBef>
-                <a:spcPts val="0"/>
-              </a:spcBef>
-              <a:spcAft>
-                <a:spcPts val="0"/>
-              </a:spcAft>
-            </a:pPr>
-            <a:r>
-              <a:rPr lang="en-AU" dirty="0" err="1"/>
-              <a:t>Sonarlint</a:t>
-            </a:r>
-            <a:endParaRPr lang="en-AU" dirty="0"/>
-          </a:p>
-          <a:p>
-            <a:pPr lvl="1">
-              <a:lnSpc>
-                <a:spcPct val="120000"/>
-              </a:lnSpc>
-              <a:spcBef>
-                <a:spcPts val="0"/>
-              </a:spcBef>
-              <a:spcAft>
-                <a:spcPts val="0"/>
-              </a:spcAft>
-            </a:pPr>
-            <a:r>
-              <a:rPr lang="en-AU" dirty="0" err="1"/>
-              <a:t>markdownlint</a:t>
-            </a:r>
-            <a:endParaRPr lang="en-AU" dirty="0"/>
-          </a:p>
-          <a:p>
-            <a:pPr lvl="1">
-              <a:lnSpc>
-                <a:spcPct val="120000"/>
-              </a:lnSpc>
-              <a:spcBef>
-                <a:spcPts val="0"/>
-              </a:spcBef>
-              <a:spcAft>
-                <a:spcPts val="0"/>
-              </a:spcAft>
-            </a:pPr>
-            <a:r>
-              <a:rPr lang="en-AU" dirty="0"/>
-              <a:t>Markdown All In One</a:t>
-            </a:r>
-          </a:p>
-          <a:p>
-            <a:pPr lvl="1">
-              <a:lnSpc>
-                <a:spcPct val="120000"/>
-              </a:lnSpc>
-              <a:spcBef>
-                <a:spcPts val="0"/>
-              </a:spcBef>
-              <a:spcAft>
-                <a:spcPts val="0"/>
-              </a:spcAft>
-            </a:pPr>
-            <a:r>
-              <a:rPr lang="en-AU" dirty="0"/>
-              <a:t>Markdown Preview GitHub Styling</a:t>
+              <a:t>Ubuntu</a:t>
             </a:r>
           </a:p>
         </p:txBody>
@@ -24650,7 +24647,7 @@
     </p:spTree>
     <p:extLst>
       <p:ext uri="{BB962C8B-B14F-4D97-AF65-F5344CB8AC3E}">
-        <p14:creationId xmlns:p14="http://schemas.microsoft.com/office/powerpoint/2010/main" val="3097004471"/>
+        <p14:creationId xmlns:p14="http://schemas.microsoft.com/office/powerpoint/2010/main" val="3973718449"/>
       </p:ext>
     </p:extLst>
   </p:cSld>
@@ -25046,9 +25043,203 @@
           <a:lstStyle/>
           <a:p>
             <a:r>
+              <a:rPr lang="en-US" dirty="0"/>
+              <a:t>Homebrew</a:t>
+            </a:r>
+          </a:p>
+        </p:txBody>
+      </p:sp>
+      <p:sp>
+        <p:nvSpPr>
+          <p:cNvPr id="9" name="Text Placeholder 8">
+            <a:extLst>
+              <a:ext uri="{FF2B5EF4-FFF2-40B4-BE49-F238E27FC236}">
+                <a16:creationId xmlns:a16="http://schemas.microsoft.com/office/drawing/2014/main" id="{0D098C43-2F2A-4100-89BC-5931039293FA}"/>
+              </a:ext>
+            </a:extLst>
+          </p:cNvPr>
+          <p:cNvSpPr>
+            <a:spLocks noGrp="1"/>
+          </p:cNvSpPr>
+          <p:nvPr>
+            <p:ph type="body" idx="1"/>
+          </p:nvPr>
+        </p:nvSpPr>
+        <p:spPr>
+          <a:xfrm>
+            <a:off x="550864" y="1731375"/>
+            <a:ext cx="5437186" cy="535354"/>
+          </a:xfrm>
+        </p:spPr>
+        <p:txBody>
+          <a:bodyPr/>
+          <a:lstStyle/>
+          <a:p>
+            <a:r>
+              <a:rPr lang="en-US" dirty="0"/>
+              <a:t>About</a:t>
+            </a:r>
+          </a:p>
+        </p:txBody>
+      </p:sp>
+      <p:sp>
+        <p:nvSpPr>
+          <p:cNvPr id="10" name="Content Placeholder 9">
+            <a:extLst>
+              <a:ext uri="{FF2B5EF4-FFF2-40B4-BE49-F238E27FC236}">
+                <a16:creationId xmlns:a16="http://schemas.microsoft.com/office/drawing/2014/main" id="{1DB251F7-EBE7-46AC-A920-FFE2C5AF68EA}"/>
+              </a:ext>
+            </a:extLst>
+          </p:cNvPr>
+          <p:cNvSpPr>
+            <a:spLocks noGrp="1"/>
+          </p:cNvSpPr>
+          <p:nvPr>
+            <p:ph sz="half" idx="2"/>
+          </p:nvPr>
+        </p:nvSpPr>
+        <p:spPr>
+          <a:xfrm>
+            <a:off x="550863" y="2427370"/>
+            <a:ext cx="5429114" cy="3515555"/>
+          </a:xfrm>
+        </p:spPr>
+        <p:txBody>
+          <a:bodyPr>
+            <a:noAutofit/>
+          </a:bodyPr>
+          <a:lstStyle/>
+          <a:p>
+            <a:r>
+              <a:rPr lang="en-US" dirty="0"/>
+              <a:t>Homebrew is a 3</a:t>
+            </a:r>
+            <a:r>
+              <a:rPr lang="en-US" baseline="30000" dirty="0"/>
+              <a:t>rd</a:t>
+            </a:r>
+            <a:r>
+              <a:rPr lang="en-US" dirty="0"/>
+              <a:t>-party package manager. </a:t>
+            </a:r>
+          </a:p>
+          <a:p>
+            <a:r>
+              <a:rPr lang="en-US" dirty="0"/>
+              <a:t>A package manager allows us to install software that we need to write C++ code as well as other utilities.</a:t>
+            </a:r>
+          </a:p>
+        </p:txBody>
+      </p:sp>
+      <p:sp>
+        <p:nvSpPr>
+          <p:cNvPr id="12" name="Content Placeholder 11">
+            <a:extLst>
+              <a:ext uri="{FF2B5EF4-FFF2-40B4-BE49-F238E27FC236}">
+                <a16:creationId xmlns:a16="http://schemas.microsoft.com/office/drawing/2014/main" id="{7FB7F30B-2A84-4C44-BC5A-E826ED6E74A2}"/>
+              </a:ext>
+            </a:extLst>
+          </p:cNvPr>
+          <p:cNvSpPr>
+            <a:spLocks noGrp="1"/>
+          </p:cNvSpPr>
+          <p:nvPr>
+            <p:ph sz="quarter" idx="4"/>
+          </p:nvPr>
+        </p:nvSpPr>
+        <p:spPr>
+          <a:xfrm>
+            <a:off x="6212023" y="2427370"/>
+            <a:ext cx="5436391" cy="3515555"/>
+          </a:xfrm>
+        </p:spPr>
+        <p:txBody>
+          <a:bodyPr>
+            <a:normAutofit fontScale="70000" lnSpcReduction="20000"/>
+          </a:bodyPr>
+          <a:lstStyle/>
+          <a:p>
+            <a:r>
+              <a:rPr lang="en-US" dirty="0"/>
+              <a:t>To install Homebrew, run this command: `/bin/bash -c "$(curl -</a:t>
+            </a:r>
+            <a:r>
               <a:rPr lang="en-US" dirty="0" err="1"/>
-              <a:t>bpt</a:t>
-            </a:r>
+              <a:t>fsSL</a:t>
+            </a:r>
+            <a:r>
+              <a:rPr lang="en-US" dirty="0"/>
+              <a:t> </a:t>
+            </a:r>
+            <a:r>
+              <a:rPr lang="en-US" dirty="0">
+                <a:hlinkClick r:id="rId3"/>
+              </a:rPr>
+              <a:t>https://raw.githubusercontent.com/Homebrew/install/HEAD/install.sh)“`</a:t>
+            </a:r>
+            <a:endParaRPr lang="en-US" dirty="0"/>
+          </a:p>
+          <a:p>
+            <a:r>
+              <a:rPr lang="en-US" dirty="0"/>
+              <a:t>Run the following commands to update Homebrew’s package index and install some </a:t>
+            </a:r>
+            <a:r>
+              <a:rPr lang="en-US" dirty="0" err="1"/>
+              <a:t>pacakages</a:t>
+            </a:r>
+            <a:r>
+              <a:rPr lang="en-US" dirty="0"/>
+              <a:t>.</a:t>
+            </a:r>
+          </a:p>
+          <a:p>
+            <a:r>
+              <a:rPr lang="en-US" dirty="0"/>
+              <a:t>`brew update`</a:t>
+            </a:r>
+          </a:p>
+          <a:p>
+            <a:r>
+              <a:rPr lang="en-US" dirty="0"/>
+              <a:t>`brew upgrade`</a:t>
+            </a:r>
+          </a:p>
+          <a:p>
+            <a:r>
+              <a:rPr lang="en-US" dirty="0"/>
+              <a:t>`brew install curl </a:t>
+            </a:r>
+            <a:r>
+              <a:rPr lang="en-US" dirty="0" err="1"/>
+              <a:t>wget</a:t>
+            </a:r>
+            <a:r>
+              <a:rPr lang="en-US" dirty="0"/>
+              <a:t> </a:t>
+            </a:r>
+            <a:r>
+              <a:rPr lang="en-US" dirty="0" err="1"/>
+              <a:t>gcc</a:t>
+            </a:r>
+            <a:r>
+              <a:rPr lang="en-US" dirty="0"/>
+              <a:t>` (note: if using WSL you will only need ‘</a:t>
+            </a:r>
+            <a:r>
+              <a:rPr lang="en-US" dirty="0" err="1"/>
+              <a:t>gcc</a:t>
+            </a:r>
+            <a:r>
+              <a:rPr lang="en-US" dirty="0"/>
+              <a:t>’)</a:t>
+            </a:r>
+          </a:p>
+          <a:p>
+            <a:pPr lvl="1"/>
+            <a:endParaRPr lang="en-US" dirty="0"/>
+          </a:p>
+          <a:p>
             <a:endParaRPr lang="en-US" dirty="0"/>
           </a:p>
         </p:txBody>
@@ -25318,60 +25509,10 @@
       </p:sp>
       <p:sp>
         <p:nvSpPr>
-          <p:cNvPr id="8" name="Text Placeholder 7">
+          <p:cNvPr id="3" name="Text Placeholder 2">
             <a:extLst>
               <a:ext uri="{FF2B5EF4-FFF2-40B4-BE49-F238E27FC236}">
-                <a16:creationId xmlns:a16="http://schemas.microsoft.com/office/drawing/2014/main" id="{7B6D0B7C-2557-C6B9-66AB-38A5663BBC19}"/>
-              </a:ext>
-            </a:extLst>
-          </p:cNvPr>
-          <p:cNvSpPr>
-            <a:spLocks noGrp="1"/>
-          </p:cNvSpPr>
-          <p:nvPr>
-            <p:ph type="body" idx="1"/>
-          </p:nvPr>
-        </p:nvSpPr>
-        <p:spPr/>
-        <p:txBody>
-          <a:bodyPr/>
-          <a:lstStyle/>
-          <a:p>
-            <a:endParaRPr lang="en-AU"/>
-          </a:p>
-        </p:txBody>
-      </p:sp>
-      <p:sp>
-        <p:nvSpPr>
-          <p:cNvPr id="13" name="Content Placeholder 12">
-            <a:extLst>
-              <a:ext uri="{FF2B5EF4-FFF2-40B4-BE49-F238E27FC236}">
-                <a16:creationId xmlns:a16="http://schemas.microsoft.com/office/drawing/2014/main" id="{9ADEC817-9A4C-5DCA-EEAE-C4C64E407C95}"/>
-              </a:ext>
-            </a:extLst>
-          </p:cNvPr>
-          <p:cNvSpPr>
-            <a:spLocks noGrp="1"/>
-          </p:cNvSpPr>
-          <p:nvPr>
-            <p:ph sz="half" idx="2"/>
-          </p:nvPr>
-        </p:nvSpPr>
-        <p:spPr/>
-        <p:txBody>
-          <a:bodyPr/>
-          <a:lstStyle/>
-          <a:p>
-            <a:endParaRPr lang="en-AU"/>
-          </a:p>
-        </p:txBody>
-      </p:sp>
-      <p:sp>
-        <p:nvSpPr>
-          <p:cNvPr id="15" name="Text Placeholder 14">
-            <a:extLst>
-              <a:ext uri="{FF2B5EF4-FFF2-40B4-BE49-F238E27FC236}">
-                <a16:creationId xmlns:a16="http://schemas.microsoft.com/office/drawing/2014/main" id="{D87C775A-51E5-2B68-55D4-4AC86A4CB72C}"/>
+                <a16:creationId xmlns:a16="http://schemas.microsoft.com/office/drawing/2014/main" id="{D35BE8C7-B67F-DA1F-E0A9-C3D86A96DECE}"/>
               </a:ext>
             </a:extLst>
           </p:cNvPr>
@@ -25387,39 +25528,17 @@
           <a:bodyPr/>
           <a:lstStyle/>
           <a:p>
-            <a:endParaRPr lang="en-AU"/>
-          </a:p>
-        </p:txBody>
-      </p:sp>
-      <p:sp>
-        <p:nvSpPr>
-          <p:cNvPr id="17" name="Content Placeholder 16">
-            <a:extLst>
-              <a:ext uri="{FF2B5EF4-FFF2-40B4-BE49-F238E27FC236}">
-                <a16:creationId xmlns:a16="http://schemas.microsoft.com/office/drawing/2014/main" id="{63A4DC4B-7C41-C731-9706-6F91B08AD986}"/>
-              </a:ext>
-            </a:extLst>
-          </p:cNvPr>
-          <p:cNvSpPr>
-            <a:spLocks noGrp="1"/>
-          </p:cNvSpPr>
-          <p:nvPr>
-            <p:ph sz="quarter" idx="4"/>
-          </p:nvPr>
-        </p:nvSpPr>
-        <p:spPr/>
-        <p:txBody>
-          <a:bodyPr/>
-          <a:lstStyle/>
-          <a:p>
-            <a:endParaRPr lang="en-AU"/>
+            <a:r>
+              <a:rPr lang="en-AU" dirty="0"/>
+              <a:t>Packages</a:t>
+            </a:r>
           </a:p>
         </p:txBody>
       </p:sp>
     </p:spTree>
     <p:extLst>
       <p:ext uri="{BB962C8B-B14F-4D97-AF65-F5344CB8AC3E}">
-        <p14:creationId xmlns:p14="http://schemas.microsoft.com/office/powerpoint/2010/main" val="278075634"/>
+        <p14:creationId xmlns:p14="http://schemas.microsoft.com/office/powerpoint/2010/main" val="1708900371"/>
       </p:ext>
     </p:extLst>
   </p:cSld>
@@ -25458,6 +25577,2884 @@
           <a:chExt cx="0" cy="0"/>
         </a:xfrm>
       </p:grpSpPr>
+      <p:grpSp>
+        <p:nvGrpSpPr>
+          <p:cNvPr id="25" name="Group 24">
+            <a:extLst>
+              <a:ext uri="{FF2B5EF4-FFF2-40B4-BE49-F238E27FC236}">
+                <a16:creationId xmlns:a16="http://schemas.microsoft.com/office/drawing/2014/main" id="{D10F3D66-0109-4903-90B9-66D0E288F721}"/>
+              </a:ext>
+              <a:ext uri="{C183D7F6-B498-43B3-948B-1728B52AA6E4}">
+                <adec:decorative xmlns:adec="http://schemas.microsoft.com/office/drawing/2017/decorative" val="1"/>
+              </a:ext>
+            </a:extLst>
+          </p:cNvPr>
+          <p:cNvGrpSpPr/>
+          <p:nvPr/>
+        </p:nvGrpSpPr>
+        <p:grpSpPr>
+          <a:xfrm>
+            <a:off x="10379261" y="2030035"/>
+            <a:ext cx="1335600" cy="1262947"/>
+            <a:chOff x="10145015" y="2343978"/>
+            <a:chExt cx="1335600" cy="1262947"/>
+          </a:xfrm>
+        </p:grpSpPr>
+        <p:sp>
+          <p:nvSpPr>
+            <p:cNvPr id="26" name="Freeform: Shape 25">
+              <a:extLst>
+                <a:ext uri="{FF2B5EF4-FFF2-40B4-BE49-F238E27FC236}">
+                  <a16:creationId xmlns:a16="http://schemas.microsoft.com/office/drawing/2014/main" id="{57DAB968-9B52-4EFF-AD39-7657DFEA6E48}"/>
+                </a:ext>
+              </a:extLst>
+            </p:cNvPr>
+            <p:cNvSpPr>
+              <a:spLocks noChangeAspect="1"/>
+            </p:cNvSpPr>
+            <p:nvPr/>
+          </p:nvSpPr>
+          <p:spPr>
+            <a:xfrm rot="8100000">
+              <a:off x="10400615" y="2343978"/>
+              <a:ext cx="1080000" cy="1262947"/>
+            </a:xfrm>
+            <a:custGeom>
+              <a:avLst/>
+              <a:gdLst>
+                <a:gd name="connsiteX0" fmla="*/ 540000 w 1080000"/>
+                <a:gd name="connsiteY0" fmla="*/ 0 h 1262947"/>
+                <a:gd name="connsiteX1" fmla="*/ 1080000 w 1080000"/>
+                <a:gd name="connsiteY1" fmla="*/ 931034 h 1262947"/>
+                <a:gd name="connsiteX2" fmla="*/ 1064374 w 1080000"/>
+                <a:gd name="connsiteY2" fmla="*/ 931034 h 1262947"/>
+                <a:gd name="connsiteX3" fmla="*/ 1069029 w 1080000"/>
+                <a:gd name="connsiteY3" fmla="*/ 938533 h 1262947"/>
+                <a:gd name="connsiteX4" fmla="*/ 1080000 w 1080000"/>
+                <a:gd name="connsiteY4" fmla="*/ 992947 h 1262947"/>
+                <a:gd name="connsiteX5" fmla="*/ 540000 w 1080000"/>
+                <a:gd name="connsiteY5" fmla="*/ 1262947 h 1262947"/>
+                <a:gd name="connsiteX6" fmla="*/ 0 w 1080000"/>
+                <a:gd name="connsiteY6" fmla="*/ 992947 h 1262947"/>
+                <a:gd name="connsiteX7" fmla="*/ 10971 w 1080000"/>
+                <a:gd name="connsiteY7" fmla="*/ 938533 h 1262947"/>
+                <a:gd name="connsiteX8" fmla="*/ 15626 w 1080000"/>
+                <a:gd name="connsiteY8" fmla="*/ 931034 h 1262947"/>
+                <a:gd name="connsiteX9" fmla="*/ 0 w 1080000"/>
+                <a:gd name="connsiteY9" fmla="*/ 931034 h 1262947"/>
+                <a:gd name="connsiteX0" fmla="*/ 540000 w 1080000"/>
+                <a:gd name="connsiteY0" fmla="*/ 0 h 1262947"/>
+                <a:gd name="connsiteX1" fmla="*/ 1080000 w 1080000"/>
+                <a:gd name="connsiteY1" fmla="*/ 931034 h 1262947"/>
+                <a:gd name="connsiteX2" fmla="*/ 1064374 w 1080000"/>
+                <a:gd name="connsiteY2" fmla="*/ 931034 h 1262947"/>
+                <a:gd name="connsiteX3" fmla="*/ 1069029 w 1080000"/>
+                <a:gd name="connsiteY3" fmla="*/ 938533 h 1262947"/>
+                <a:gd name="connsiteX4" fmla="*/ 1080000 w 1080000"/>
+                <a:gd name="connsiteY4" fmla="*/ 992947 h 1262947"/>
+                <a:gd name="connsiteX5" fmla="*/ 540000 w 1080000"/>
+                <a:gd name="connsiteY5" fmla="*/ 1262947 h 1262947"/>
+                <a:gd name="connsiteX6" fmla="*/ 0 w 1080000"/>
+                <a:gd name="connsiteY6" fmla="*/ 992947 h 1262947"/>
+                <a:gd name="connsiteX7" fmla="*/ 10971 w 1080000"/>
+                <a:gd name="connsiteY7" fmla="*/ 938533 h 1262947"/>
+                <a:gd name="connsiteX8" fmla="*/ 15626 w 1080000"/>
+                <a:gd name="connsiteY8" fmla="*/ 931034 h 1262947"/>
+                <a:gd name="connsiteX9" fmla="*/ 540000 w 1080000"/>
+                <a:gd name="connsiteY9" fmla="*/ 0 h 1262947"/>
+                <a:gd name="connsiteX0" fmla="*/ 540000 w 1080000"/>
+                <a:gd name="connsiteY0" fmla="*/ 0 h 1262947"/>
+                <a:gd name="connsiteX1" fmla="*/ 1064374 w 1080000"/>
+                <a:gd name="connsiteY1" fmla="*/ 931034 h 1262947"/>
+                <a:gd name="connsiteX2" fmla="*/ 1069029 w 1080000"/>
+                <a:gd name="connsiteY2" fmla="*/ 938533 h 1262947"/>
+                <a:gd name="connsiteX3" fmla="*/ 1080000 w 1080000"/>
+                <a:gd name="connsiteY3" fmla="*/ 992947 h 1262947"/>
+                <a:gd name="connsiteX4" fmla="*/ 540000 w 1080000"/>
+                <a:gd name="connsiteY4" fmla="*/ 1262947 h 1262947"/>
+                <a:gd name="connsiteX5" fmla="*/ 0 w 1080000"/>
+                <a:gd name="connsiteY5" fmla="*/ 992947 h 1262947"/>
+                <a:gd name="connsiteX6" fmla="*/ 10971 w 1080000"/>
+                <a:gd name="connsiteY6" fmla="*/ 938533 h 1262947"/>
+                <a:gd name="connsiteX7" fmla="*/ 15626 w 1080000"/>
+                <a:gd name="connsiteY7" fmla="*/ 931034 h 1262947"/>
+                <a:gd name="connsiteX8" fmla="*/ 540000 w 1080000"/>
+                <a:gd name="connsiteY8" fmla="*/ 0 h 1262947"/>
+              </a:gdLst>
+              <a:ahLst/>
+              <a:cxnLst>
+                <a:cxn ang="0">
+                  <a:pos x="connsiteX0" y="connsiteY0"/>
+                </a:cxn>
+                <a:cxn ang="0">
+                  <a:pos x="connsiteX1" y="connsiteY1"/>
+                </a:cxn>
+                <a:cxn ang="0">
+                  <a:pos x="connsiteX2" y="connsiteY2"/>
+                </a:cxn>
+                <a:cxn ang="0">
+                  <a:pos x="connsiteX3" y="connsiteY3"/>
+                </a:cxn>
+                <a:cxn ang="0">
+                  <a:pos x="connsiteX4" y="connsiteY4"/>
+                </a:cxn>
+                <a:cxn ang="0">
+                  <a:pos x="connsiteX5" y="connsiteY5"/>
+                </a:cxn>
+                <a:cxn ang="0">
+                  <a:pos x="connsiteX6" y="connsiteY6"/>
+                </a:cxn>
+                <a:cxn ang="0">
+                  <a:pos x="connsiteX7" y="connsiteY7"/>
+                </a:cxn>
+                <a:cxn ang="0">
+                  <a:pos x="connsiteX8" y="connsiteY8"/>
+                </a:cxn>
+              </a:cxnLst>
+              <a:rect l="l" t="t" r="r" b="b"/>
+              <a:pathLst>
+                <a:path w="1080000" h="1262947">
+                  <a:moveTo>
+                    <a:pt x="540000" y="0"/>
+                  </a:moveTo>
+                  <a:lnTo>
+                    <a:pt x="1064374" y="931034"/>
+                  </a:lnTo>
+                  <a:lnTo>
+                    <a:pt x="1069029" y="938533"/>
+                  </a:lnTo>
+                  <a:cubicBezTo>
+                    <a:pt x="1076223" y="956109"/>
+                    <a:pt x="1080000" y="974307"/>
+                    <a:pt x="1080000" y="992947"/>
+                  </a:cubicBezTo>
+                  <a:cubicBezTo>
+                    <a:pt x="1080000" y="1142064"/>
+                    <a:pt x="838234" y="1262947"/>
+                    <a:pt x="540000" y="1262947"/>
+                  </a:cubicBezTo>
+                  <a:cubicBezTo>
+                    <a:pt x="241766" y="1262947"/>
+                    <a:pt x="0" y="1142064"/>
+                    <a:pt x="0" y="992947"/>
+                  </a:cubicBezTo>
+                  <a:cubicBezTo>
+                    <a:pt x="0" y="974307"/>
+                    <a:pt x="3778" y="956109"/>
+                    <a:pt x="10971" y="938533"/>
+                  </a:cubicBezTo>
+                  <a:lnTo>
+                    <a:pt x="15626" y="931034"/>
+                  </a:lnTo>
+                  <a:lnTo>
+                    <a:pt x="540000" y="0"/>
+                  </a:lnTo>
+                  <a:close/>
+                </a:path>
+              </a:pathLst>
+            </a:custGeom>
+            <a:gradFill>
+              <a:gsLst>
+                <a:gs pos="60000">
+                  <a:schemeClr val="bg2">
+                    <a:lumMod val="90000"/>
+                    <a:lumOff val="10000"/>
+                  </a:schemeClr>
+                </a:gs>
+                <a:gs pos="30000">
+                  <a:schemeClr val="bg2">
+                    <a:lumMod val="90000"/>
+                    <a:lumOff val="10000"/>
+                  </a:schemeClr>
+                </a:gs>
+                <a:gs pos="40000">
+                  <a:schemeClr val="bg2">
+                    <a:lumMod val="80000"/>
+                    <a:lumOff val="20000"/>
+                  </a:schemeClr>
+                </a:gs>
+                <a:gs pos="100000">
+                  <a:schemeClr val="bg2"/>
+                </a:gs>
+              </a:gsLst>
+              <a:lin ang="600000" scaled="0"/>
+            </a:gradFill>
+            <a:ln>
+              <a:noFill/>
+            </a:ln>
+            <a:effectLst>
+              <a:innerShdw blurRad="254000" dist="101600" dir="7320000">
+                <a:schemeClr val="accent1">
+                  <a:lumMod val="60000"/>
+                  <a:lumOff val="40000"/>
+                  <a:alpha val="40000"/>
+                </a:schemeClr>
+              </a:innerShdw>
+            </a:effectLst>
+          </p:spPr>
+          <p:style>
+            <a:lnRef idx="2">
+              <a:schemeClr val="accent1">
+                <a:shade val="50000"/>
+              </a:schemeClr>
+            </a:lnRef>
+            <a:fillRef idx="1">
+              <a:schemeClr val="accent1"/>
+            </a:fillRef>
+            <a:effectRef idx="0">
+              <a:schemeClr val="accent1"/>
+            </a:effectRef>
+            <a:fontRef idx="minor">
+              <a:schemeClr val="lt1"/>
+            </a:fontRef>
+          </p:style>
+          <p:txBody>
+            <a:bodyPr rot="0" spcFirstLastPara="0" vertOverflow="overflow" horzOverflow="overflow" vert="horz" wrap="square" lIns="91440" tIns="45720" rIns="91440" bIns="45720" numCol="1" spcCol="0" rtlCol="0" fromWordArt="0" anchor="ctr" anchorCtr="0" forceAA="0" compatLnSpc="1">
+              <a:prstTxWarp prst="textNoShape">
+                <a:avLst/>
+              </a:prstTxWarp>
+              <a:noAutofit/>
+            </a:bodyPr>
+            <a:lstStyle/>
+            <a:p>
+              <a:pPr algn="ctr"/>
+              <a:endParaRPr lang="en-US"/>
+            </a:p>
+          </p:txBody>
+        </p:sp>
+        <p:sp>
+          <p:nvSpPr>
+            <p:cNvPr id="27" name="Oval 26">
+              <a:extLst>
+                <a:ext uri="{FF2B5EF4-FFF2-40B4-BE49-F238E27FC236}">
+                  <a16:creationId xmlns:a16="http://schemas.microsoft.com/office/drawing/2014/main" id="{962BE440-9634-4380-B142-5DB692420C52}"/>
+                </a:ext>
+              </a:extLst>
+            </p:cNvPr>
+            <p:cNvSpPr/>
+            <p:nvPr/>
+          </p:nvSpPr>
+          <p:spPr>
+            <a:xfrm rot="13500000">
+              <a:off x="10415015" y="2179851"/>
+              <a:ext cx="540000" cy="1080000"/>
+            </a:xfrm>
+            <a:prstGeom prst="ellipse">
+              <a:avLst/>
+            </a:prstGeom>
+            <a:gradFill>
+              <a:gsLst>
+                <a:gs pos="100000">
+                  <a:schemeClr val="accent1">
+                    <a:lumMod val="60000"/>
+                    <a:lumOff val="40000"/>
+                    <a:alpha val="0"/>
+                  </a:schemeClr>
+                </a:gs>
+                <a:gs pos="0">
+                  <a:schemeClr val="bg2">
+                    <a:lumMod val="75000"/>
+                    <a:lumOff val="25000"/>
+                    <a:alpha val="33000"/>
+                  </a:schemeClr>
+                </a:gs>
+              </a:gsLst>
+              <a:lin ang="5400000" scaled="0"/>
+            </a:gradFill>
+            <a:ln>
+              <a:noFill/>
+            </a:ln>
+            <a:effectLst>
+              <a:innerShdw blurRad="1270000" dist="2540000">
+                <a:schemeClr val="accent1">
+                  <a:lumMod val="60000"/>
+                  <a:lumOff val="40000"/>
+                  <a:alpha val="0"/>
+                </a:schemeClr>
+              </a:innerShdw>
+            </a:effectLst>
+          </p:spPr>
+          <p:style>
+            <a:lnRef idx="2">
+              <a:schemeClr val="accent1">
+                <a:shade val="50000"/>
+              </a:schemeClr>
+            </a:lnRef>
+            <a:fillRef idx="1">
+              <a:schemeClr val="accent1"/>
+            </a:fillRef>
+            <a:effectRef idx="0">
+              <a:schemeClr val="accent1"/>
+            </a:effectRef>
+            <a:fontRef idx="minor">
+              <a:schemeClr val="lt1"/>
+            </a:fontRef>
+          </p:style>
+          <p:txBody>
+            <a:bodyPr rot="0" spcFirstLastPara="0" vertOverflow="overflow" horzOverflow="overflow" vert="horz" wrap="square" lIns="91440" tIns="45720" rIns="91440" bIns="45720" numCol="1" spcCol="0" rtlCol="0" fromWordArt="0" anchor="ctr" anchorCtr="0" forceAA="0" compatLnSpc="1">
+              <a:prstTxWarp prst="textNoShape">
+                <a:avLst/>
+              </a:prstTxWarp>
+              <a:noAutofit/>
+            </a:bodyPr>
+            <a:lstStyle/>
+            <a:p>
+              <a:pPr algn="ctr"/>
+              <a:endParaRPr lang="en-US"/>
+            </a:p>
+          </p:txBody>
+        </p:sp>
+      </p:grpSp>
+      <p:sp>
+        <p:nvSpPr>
+          <p:cNvPr id="7" name="Title 6">
+            <a:extLst>
+              <a:ext uri="{FF2B5EF4-FFF2-40B4-BE49-F238E27FC236}">
+                <a16:creationId xmlns:a16="http://schemas.microsoft.com/office/drawing/2014/main" id="{4B18D636-CC10-4B1E-AA38-419DCCF2D9C9}"/>
+              </a:ext>
+            </a:extLst>
+          </p:cNvPr>
+          <p:cNvSpPr>
+            <a:spLocks noGrp="1"/>
+          </p:cNvSpPr>
+          <p:nvPr>
+            <p:ph type="title"/>
+          </p:nvPr>
+        </p:nvSpPr>
+        <p:spPr>
+          <a:xfrm>
+            <a:off x="550862" y="549275"/>
+            <a:ext cx="11097551" cy="1332000"/>
+          </a:xfrm>
+        </p:spPr>
+        <p:txBody>
+          <a:bodyPr>
+            <a:normAutofit/>
+          </a:bodyPr>
+          <a:lstStyle/>
+          <a:p>
+            <a:r>
+              <a:rPr lang="en-US" dirty="0"/>
+              <a:t>Git for Linux and MacOS users</a:t>
+            </a:r>
+          </a:p>
+        </p:txBody>
+      </p:sp>
+      <p:sp>
+        <p:nvSpPr>
+          <p:cNvPr id="4" name="Date Placeholder 3">
+            <a:extLst>
+              <a:ext uri="{FF2B5EF4-FFF2-40B4-BE49-F238E27FC236}">
+                <a16:creationId xmlns:a16="http://schemas.microsoft.com/office/drawing/2014/main" id="{0C329F70-04F7-4C70-BCF8-D4371F54EF2F}"/>
+              </a:ext>
+            </a:extLst>
+          </p:cNvPr>
+          <p:cNvSpPr>
+            <a:spLocks noGrp="1"/>
+          </p:cNvSpPr>
+          <p:nvPr>
+            <p:ph type="dt" sz="half" idx="10"/>
+          </p:nvPr>
+        </p:nvSpPr>
+        <p:spPr>
+          <a:xfrm>
+            <a:off x="550863" y="6507212"/>
+            <a:ext cx="2628900" cy="153888"/>
+          </a:xfrm>
+        </p:spPr>
+        <p:txBody>
+          <a:bodyPr/>
+          <a:lstStyle/>
+          <a:p>
+            <a:r>
+              <a:rPr lang="en-US"/>
+              <a:t>Tuesday, February 2, 20XX</a:t>
+            </a:r>
+            <a:endParaRPr lang="en-US" dirty="0"/>
+          </a:p>
+        </p:txBody>
+      </p:sp>
+      <p:sp>
+        <p:nvSpPr>
+          <p:cNvPr id="5" name="Footer Placeholder 4">
+            <a:extLst>
+              <a:ext uri="{FF2B5EF4-FFF2-40B4-BE49-F238E27FC236}">
+                <a16:creationId xmlns:a16="http://schemas.microsoft.com/office/drawing/2014/main" id="{06A3302E-502D-4151-81C9-5FD6AF9596D6}"/>
+              </a:ext>
+            </a:extLst>
+          </p:cNvPr>
+          <p:cNvSpPr>
+            <a:spLocks noGrp="1"/>
+          </p:cNvSpPr>
+          <p:nvPr>
+            <p:ph type="ftr" sz="quarter" idx="11"/>
+          </p:nvPr>
+        </p:nvSpPr>
+        <p:spPr>
+          <a:xfrm>
+            <a:off x="3359150" y="6507212"/>
+            <a:ext cx="6379210" cy="153888"/>
+          </a:xfrm>
+        </p:spPr>
+        <p:txBody>
+          <a:bodyPr/>
+          <a:lstStyle/>
+          <a:p>
+            <a:r>
+              <a:rPr lang="en-US"/>
+              <a:t>Sample Footer Text</a:t>
+            </a:r>
+          </a:p>
+        </p:txBody>
+      </p:sp>
+      <p:sp>
+        <p:nvSpPr>
+          <p:cNvPr id="6" name="Slide Number Placeholder 5">
+            <a:extLst>
+              <a:ext uri="{FF2B5EF4-FFF2-40B4-BE49-F238E27FC236}">
+                <a16:creationId xmlns:a16="http://schemas.microsoft.com/office/drawing/2014/main" id="{9ED907F8-C614-4D59-A03F-BF9CD5E35703}"/>
+              </a:ext>
+            </a:extLst>
+          </p:cNvPr>
+          <p:cNvSpPr>
+            <a:spLocks noGrp="1"/>
+          </p:cNvSpPr>
+          <p:nvPr>
+            <p:ph type="sldNum" sz="quarter" idx="12"/>
+          </p:nvPr>
+        </p:nvSpPr>
+        <p:spPr>
+          <a:xfrm>
+            <a:off x="9948863" y="6507212"/>
+            <a:ext cx="1692274" cy="153888"/>
+          </a:xfrm>
+        </p:spPr>
+        <p:txBody>
+          <a:bodyPr/>
+          <a:lstStyle/>
+          <a:p>
+            <a:fld id="{DBA1B0FB-D917-4C8C-928F-313BD683BF39}" type="slidenum">
+              <a:rPr lang="en-US" smtClean="0"/>
+              <a:pPr/>
+              <a:t>15</a:t>
+            </a:fld>
+            <a:endParaRPr lang="en-US"/>
+          </a:p>
+        </p:txBody>
+      </p:sp>
+      <p:sp>
+        <p:nvSpPr>
+          <p:cNvPr id="22" name="Freeform: Shape 21">
+            <a:extLst>
+              <a:ext uri="{FF2B5EF4-FFF2-40B4-BE49-F238E27FC236}">
+                <a16:creationId xmlns:a16="http://schemas.microsoft.com/office/drawing/2014/main" id="{C6F3814E-455F-456B-B1AF-7B993965A2C0}"/>
+              </a:ext>
+              <a:ext uri="{C183D7F6-B498-43B3-948B-1728B52AA6E4}">
+                <adec:decorative xmlns:adec="http://schemas.microsoft.com/office/drawing/2017/decorative" val="1"/>
+              </a:ext>
+            </a:extLst>
+          </p:cNvPr>
+          <p:cNvSpPr>
+            <a:spLocks noChangeAspect="1"/>
+          </p:cNvSpPr>
+          <p:nvPr/>
+        </p:nvSpPr>
+        <p:spPr>
+          <a:xfrm>
+            <a:off x="4295775" y="0"/>
+            <a:ext cx="360000" cy="274638"/>
+          </a:xfrm>
+          <a:custGeom>
+            <a:avLst/>
+            <a:gdLst>
+              <a:gd name="connsiteX0" fmla="*/ 30714 w 360000"/>
+              <a:gd name="connsiteY0" fmla="*/ 0 h 274638"/>
+              <a:gd name="connsiteX1" fmla="*/ 329286 w 360000"/>
+              <a:gd name="connsiteY1" fmla="*/ 0 h 274638"/>
+              <a:gd name="connsiteX2" fmla="*/ 345855 w 360000"/>
+              <a:gd name="connsiteY2" fmla="*/ 24574 h 274638"/>
+              <a:gd name="connsiteX3" fmla="*/ 360000 w 360000"/>
+              <a:gd name="connsiteY3" fmla="*/ 94638 h 274638"/>
+              <a:gd name="connsiteX4" fmla="*/ 180000 w 360000"/>
+              <a:gd name="connsiteY4" fmla="*/ 274638 h 274638"/>
+              <a:gd name="connsiteX5" fmla="*/ 0 w 360000"/>
+              <a:gd name="connsiteY5" fmla="*/ 94638 h 274638"/>
+              <a:gd name="connsiteX6" fmla="*/ 14145 w 360000"/>
+              <a:gd name="connsiteY6" fmla="*/ 24574 h 274638"/>
+            </a:gdLst>
+            <a:ahLst/>
+            <a:cxnLst>
+              <a:cxn ang="0">
+                <a:pos x="connsiteX0" y="connsiteY0"/>
+              </a:cxn>
+              <a:cxn ang="0">
+                <a:pos x="connsiteX1" y="connsiteY1"/>
+              </a:cxn>
+              <a:cxn ang="0">
+                <a:pos x="connsiteX2" y="connsiteY2"/>
+              </a:cxn>
+              <a:cxn ang="0">
+                <a:pos x="connsiteX3" y="connsiteY3"/>
+              </a:cxn>
+              <a:cxn ang="0">
+                <a:pos x="connsiteX4" y="connsiteY4"/>
+              </a:cxn>
+              <a:cxn ang="0">
+                <a:pos x="connsiteX5" y="connsiteY5"/>
+              </a:cxn>
+              <a:cxn ang="0">
+                <a:pos x="connsiteX6" y="connsiteY6"/>
+              </a:cxn>
+            </a:cxnLst>
+            <a:rect l="l" t="t" r="r" b="b"/>
+            <a:pathLst>
+              <a:path w="360000" h="274638">
+                <a:moveTo>
+                  <a:pt x="30714" y="0"/>
+                </a:moveTo>
+                <a:lnTo>
+                  <a:pt x="329286" y="0"/>
+                </a:lnTo>
+                <a:lnTo>
+                  <a:pt x="345855" y="24574"/>
+                </a:lnTo>
+                <a:cubicBezTo>
+                  <a:pt x="354963" y="46109"/>
+                  <a:pt x="360000" y="69785"/>
+                  <a:pt x="360000" y="94638"/>
+                </a:cubicBezTo>
+                <a:cubicBezTo>
+                  <a:pt x="360000" y="194049"/>
+                  <a:pt x="279411" y="274638"/>
+                  <a:pt x="180000" y="274638"/>
+                </a:cubicBezTo>
+                <a:cubicBezTo>
+                  <a:pt x="80589" y="274638"/>
+                  <a:pt x="0" y="194049"/>
+                  <a:pt x="0" y="94638"/>
+                </a:cubicBezTo>
+                <a:cubicBezTo>
+                  <a:pt x="0" y="69785"/>
+                  <a:pt x="5037" y="46109"/>
+                  <a:pt x="14145" y="24574"/>
+                </a:cubicBezTo>
+                <a:close/>
+              </a:path>
+            </a:pathLst>
+          </a:custGeom>
+          <a:gradFill flip="none" rotWithShape="1">
+            <a:gsLst>
+              <a:gs pos="100000">
+                <a:schemeClr val="bg2">
+                  <a:lumMod val="50000"/>
+                  <a:lumOff val="50000"/>
+                </a:schemeClr>
+              </a:gs>
+              <a:gs pos="60000">
+                <a:schemeClr val="bg2"/>
+              </a:gs>
+            </a:gsLst>
+            <a:path path="circle">
+              <a:fillToRect l="100000" b="100000"/>
+            </a:path>
+            <a:tileRect t="-100000" r="-100000"/>
+          </a:gradFill>
+          <a:ln>
+            <a:noFill/>
+          </a:ln>
+          <a:effectLst>
+            <a:innerShdw blurRad="127000" dist="63500" dir="2700000">
+              <a:schemeClr val="accent1">
+                <a:lumMod val="60000"/>
+                <a:lumOff val="40000"/>
+                <a:alpha val="20000"/>
+              </a:schemeClr>
+            </a:innerShdw>
+            <a:softEdge rad="0"/>
+          </a:effectLst>
+        </p:spPr>
+        <p:style>
+          <a:lnRef idx="2">
+            <a:schemeClr val="accent1">
+              <a:shade val="50000"/>
+            </a:schemeClr>
+          </a:lnRef>
+          <a:fillRef idx="1">
+            <a:schemeClr val="accent1"/>
+          </a:fillRef>
+          <a:effectRef idx="0">
+            <a:schemeClr val="accent1"/>
+          </a:effectRef>
+          <a:fontRef idx="minor">
+            <a:schemeClr val="lt1"/>
+          </a:fontRef>
+        </p:style>
+        <p:txBody>
+          <a:bodyPr rot="0" spcFirstLastPara="0" vertOverflow="overflow" horzOverflow="overflow" vert="horz" wrap="square" lIns="91440" tIns="45720" rIns="91440" bIns="45720" numCol="1" spcCol="0" rtlCol="0" fromWordArt="0" anchor="ctr" anchorCtr="0" forceAA="0" compatLnSpc="1">
+            <a:prstTxWarp prst="textNoShape">
+              <a:avLst/>
+            </a:prstTxWarp>
+            <a:noAutofit/>
+          </a:bodyPr>
+          <a:lstStyle/>
+          <a:p>
+            <a:pPr algn="ctr"/>
+            <a:endParaRPr lang="en-US"/>
+          </a:p>
+        </p:txBody>
+      </p:sp>
+      <p:sp>
+        <p:nvSpPr>
+          <p:cNvPr id="8" name="Text Placeholder 7">
+            <a:extLst>
+              <a:ext uri="{FF2B5EF4-FFF2-40B4-BE49-F238E27FC236}">
+                <a16:creationId xmlns:a16="http://schemas.microsoft.com/office/drawing/2014/main" id="{7B6D0B7C-2557-C6B9-66AB-38A5663BBC19}"/>
+              </a:ext>
+            </a:extLst>
+          </p:cNvPr>
+          <p:cNvSpPr>
+            <a:spLocks noGrp="1"/>
+          </p:cNvSpPr>
+          <p:nvPr>
+            <p:ph type="body" idx="1"/>
+          </p:nvPr>
+        </p:nvSpPr>
+        <p:spPr/>
+        <p:txBody>
+          <a:bodyPr/>
+          <a:lstStyle/>
+          <a:p>
+            <a:r>
+              <a:rPr lang="en-AU" dirty="0"/>
+              <a:t>Installing</a:t>
+            </a:r>
+          </a:p>
+        </p:txBody>
+      </p:sp>
+      <p:sp>
+        <p:nvSpPr>
+          <p:cNvPr id="13" name="Content Placeholder 12">
+            <a:extLst>
+              <a:ext uri="{FF2B5EF4-FFF2-40B4-BE49-F238E27FC236}">
+                <a16:creationId xmlns:a16="http://schemas.microsoft.com/office/drawing/2014/main" id="{9ADEC817-9A4C-5DCA-EEAE-C4C64E407C95}"/>
+              </a:ext>
+            </a:extLst>
+          </p:cNvPr>
+          <p:cNvSpPr>
+            <a:spLocks noGrp="1"/>
+          </p:cNvSpPr>
+          <p:nvPr>
+            <p:ph sz="half" idx="2"/>
+          </p:nvPr>
+        </p:nvSpPr>
+        <p:spPr/>
+        <p:txBody>
+          <a:bodyPr>
+            <a:normAutofit fontScale="62500" lnSpcReduction="20000"/>
+          </a:bodyPr>
+          <a:lstStyle/>
+          <a:p>
+            <a:r>
+              <a:rPr lang="en-AU" dirty="0"/>
+              <a:t>Now with everything else installed, we can install Git. </a:t>
+            </a:r>
+          </a:p>
+          <a:p>
+            <a:r>
+              <a:rPr lang="en-AU" dirty="0"/>
+              <a:t>Most Linux and MacOS systems (including WSL) come with a installation of Git. For WSL users, we installed Git earlier (slide 13).</a:t>
+            </a:r>
+          </a:p>
+          <a:p>
+            <a:r>
+              <a:rPr lang="en-AU" dirty="0"/>
+              <a:t>To check, open a terminal instance and run: `git --version`.</a:t>
+            </a:r>
+          </a:p>
+          <a:p>
+            <a:pPr lvl="1"/>
+            <a:r>
+              <a:rPr lang="en-AU" dirty="0"/>
+              <a:t>Note MacOS users: If you command fails, it might prompt you if you want to install Git. Select yes and follow the on-screen instructions and ignore the steps below.</a:t>
+            </a:r>
+          </a:p>
+          <a:p>
+            <a:r>
+              <a:rPr lang="en-AU" dirty="0"/>
+              <a:t>If you get an output like: `git version 2.25.1`, you’re good to go. </a:t>
+            </a:r>
+          </a:p>
+          <a:p>
+            <a:r>
+              <a:rPr lang="en-AU" dirty="0"/>
+              <a:t>If it says it cannot find the command `git`, run: </a:t>
+            </a:r>
+          </a:p>
+          <a:p>
+            <a:pPr lvl="1"/>
+            <a:r>
+              <a:rPr lang="en-AU" dirty="0"/>
+              <a:t>`brew install git` (MacOS) </a:t>
+            </a:r>
+          </a:p>
+          <a:p>
+            <a:pPr lvl="1"/>
+            <a:r>
+              <a:rPr lang="en-AU" dirty="0"/>
+              <a:t>For Linux, install via your distros package manager (Reach out if you need help).</a:t>
+            </a:r>
+          </a:p>
+        </p:txBody>
+      </p:sp>
+      <p:sp>
+        <p:nvSpPr>
+          <p:cNvPr id="15" name="Text Placeholder 14">
+            <a:extLst>
+              <a:ext uri="{FF2B5EF4-FFF2-40B4-BE49-F238E27FC236}">
+                <a16:creationId xmlns:a16="http://schemas.microsoft.com/office/drawing/2014/main" id="{D87C775A-51E5-2B68-55D4-4AC86A4CB72C}"/>
+              </a:ext>
+            </a:extLst>
+          </p:cNvPr>
+          <p:cNvSpPr>
+            <a:spLocks noGrp="1"/>
+          </p:cNvSpPr>
+          <p:nvPr>
+            <p:ph type="body" sz="quarter" idx="3"/>
+          </p:nvPr>
+        </p:nvSpPr>
+        <p:spPr/>
+        <p:txBody>
+          <a:bodyPr/>
+          <a:lstStyle/>
+          <a:p>
+            <a:r>
+              <a:rPr lang="en-AU" dirty="0"/>
+              <a:t>Authenticating with GitHub</a:t>
+            </a:r>
+          </a:p>
+        </p:txBody>
+      </p:sp>
+      <p:sp>
+        <p:nvSpPr>
+          <p:cNvPr id="17" name="Content Placeholder 16">
+            <a:extLst>
+              <a:ext uri="{FF2B5EF4-FFF2-40B4-BE49-F238E27FC236}">
+                <a16:creationId xmlns:a16="http://schemas.microsoft.com/office/drawing/2014/main" id="{63A4DC4B-7C41-C731-9706-6F91B08AD986}"/>
+              </a:ext>
+            </a:extLst>
+          </p:cNvPr>
+          <p:cNvSpPr>
+            <a:spLocks noGrp="1"/>
+          </p:cNvSpPr>
+          <p:nvPr>
+            <p:ph sz="quarter" idx="4"/>
+          </p:nvPr>
+        </p:nvSpPr>
+        <p:spPr/>
+        <p:txBody>
+          <a:bodyPr>
+            <a:normAutofit fontScale="77500" lnSpcReduction="20000"/>
+          </a:bodyPr>
+          <a:lstStyle/>
+          <a:p>
+            <a:r>
+              <a:rPr lang="en-AU" dirty="0"/>
+              <a:t>We also need to authenticate Git with GitHub, this allows you to interact with private repositories without putting in your GitHub credentials every time.</a:t>
+            </a:r>
+          </a:p>
+          <a:p>
+            <a:r>
+              <a:rPr lang="en-AU" dirty="0"/>
+              <a:t>To authenticate Git, you will need your GitHub username and email.</a:t>
+            </a:r>
+          </a:p>
+          <a:p>
+            <a:r>
+              <a:rPr lang="en-AU" dirty="0"/>
+              <a:t>Run the following commands in the terminal, replacing the text between the quotes with your details:</a:t>
+            </a:r>
+          </a:p>
+          <a:p>
+            <a:pPr lvl="1"/>
+            <a:r>
+              <a:rPr lang="en-AU" dirty="0"/>
+              <a:t>`git config --global user.name “&lt;</a:t>
+            </a:r>
+            <a:r>
+              <a:rPr lang="en-AU" dirty="0" err="1"/>
+              <a:t>github</a:t>
+            </a:r>
+            <a:r>
+              <a:rPr lang="en-AU" dirty="0"/>
+              <a:t>-username&gt;”</a:t>
+            </a:r>
+          </a:p>
+          <a:p>
+            <a:pPr lvl="1"/>
+            <a:r>
+              <a:rPr lang="en-AU" dirty="0"/>
+              <a:t>`git config –global </a:t>
+            </a:r>
+            <a:r>
+              <a:rPr lang="en-AU" dirty="0" err="1"/>
+              <a:t>user.email</a:t>
+            </a:r>
+            <a:r>
+              <a:rPr lang="en-AU" dirty="0"/>
+              <a:t> “&lt;</a:t>
+            </a:r>
+            <a:r>
+              <a:rPr lang="en-AU" dirty="0" err="1"/>
+              <a:t>github</a:t>
+            </a:r>
+            <a:r>
+              <a:rPr lang="en-AU" dirty="0"/>
+              <a:t>-email&gt;”`</a:t>
+            </a:r>
+          </a:p>
+        </p:txBody>
+      </p:sp>
+    </p:spTree>
+    <p:extLst>
+      <p:ext uri="{BB962C8B-B14F-4D97-AF65-F5344CB8AC3E}">
+        <p14:creationId xmlns:p14="http://schemas.microsoft.com/office/powerpoint/2010/main" val="278075634"/>
+      </p:ext>
+    </p:extLst>
+  </p:cSld>
+  <p:clrMapOvr>
+    <a:masterClrMapping/>
+  </p:clrMapOvr>
+  <mc:AlternateContent xmlns:mc="http://schemas.openxmlformats.org/markup-compatibility/2006">
+    <mc:Choice xmlns:p159="http://schemas.microsoft.com/office/powerpoint/2015/09/main" Requires="p159">
+      <p:transition xmlns:p14="http://schemas.microsoft.com/office/powerpoint/2010/main" spd="slow" p14:dur="2000">
+        <p159:morph option="byChar"/>
+      </p:transition>
+    </mc:Choice>
+    <mc:Fallback>
+      <p:transition spd="slow">
+        <p:fade/>
+      </p:transition>
+    </mc:Fallback>
+  </mc:AlternateContent>
+</p:sld>
+</file>
+
+<file path=ppt/slides/slide16.xml><?xml version="1.0" encoding="utf-8"?>
+<p:sld xmlns:a="http://schemas.openxmlformats.org/drawingml/2006/main" xmlns:r="http://schemas.openxmlformats.org/officeDocument/2006/relationships" xmlns:p="http://schemas.openxmlformats.org/presentationml/2006/main">
+  <p:cSld>
+    <p:spTree>
+      <p:nvGrpSpPr>
+        <p:cNvPr id="1" name=""/>
+        <p:cNvGrpSpPr/>
+        <p:nvPr/>
+      </p:nvGrpSpPr>
+      <p:grpSpPr>
+        <a:xfrm>
+          <a:off x="0" y="0"/>
+          <a:ext cx="0" cy="0"/>
+          <a:chOff x="0" y="0"/>
+          <a:chExt cx="0" cy="0"/>
+        </a:xfrm>
+      </p:grpSpPr>
+      <p:grpSp>
+        <p:nvGrpSpPr>
+          <p:cNvPr id="25" name="Group 24">
+            <a:extLst>
+              <a:ext uri="{FF2B5EF4-FFF2-40B4-BE49-F238E27FC236}">
+                <a16:creationId xmlns:a16="http://schemas.microsoft.com/office/drawing/2014/main" id="{D10F3D66-0109-4903-90B9-66D0E288F721}"/>
+              </a:ext>
+              <a:ext uri="{C183D7F6-B498-43B3-948B-1728B52AA6E4}">
+                <adec:decorative xmlns:adec="http://schemas.microsoft.com/office/drawing/2017/decorative" val="1"/>
+              </a:ext>
+            </a:extLst>
+          </p:cNvPr>
+          <p:cNvGrpSpPr/>
+          <p:nvPr/>
+        </p:nvGrpSpPr>
+        <p:grpSpPr>
+          <a:xfrm>
+            <a:off x="10379261" y="2030035"/>
+            <a:ext cx="1335600" cy="1262947"/>
+            <a:chOff x="10145015" y="2343978"/>
+            <a:chExt cx="1335600" cy="1262947"/>
+          </a:xfrm>
+        </p:grpSpPr>
+        <p:sp>
+          <p:nvSpPr>
+            <p:cNvPr id="26" name="Freeform: Shape 25">
+              <a:extLst>
+                <a:ext uri="{FF2B5EF4-FFF2-40B4-BE49-F238E27FC236}">
+                  <a16:creationId xmlns:a16="http://schemas.microsoft.com/office/drawing/2014/main" id="{57DAB968-9B52-4EFF-AD39-7657DFEA6E48}"/>
+                </a:ext>
+              </a:extLst>
+            </p:cNvPr>
+            <p:cNvSpPr>
+              <a:spLocks noChangeAspect="1"/>
+            </p:cNvSpPr>
+            <p:nvPr/>
+          </p:nvSpPr>
+          <p:spPr>
+            <a:xfrm rot="8100000">
+              <a:off x="10400615" y="2343978"/>
+              <a:ext cx="1080000" cy="1262947"/>
+            </a:xfrm>
+            <a:custGeom>
+              <a:avLst/>
+              <a:gdLst>
+                <a:gd name="connsiteX0" fmla="*/ 540000 w 1080000"/>
+                <a:gd name="connsiteY0" fmla="*/ 0 h 1262947"/>
+                <a:gd name="connsiteX1" fmla="*/ 1080000 w 1080000"/>
+                <a:gd name="connsiteY1" fmla="*/ 931034 h 1262947"/>
+                <a:gd name="connsiteX2" fmla="*/ 1064374 w 1080000"/>
+                <a:gd name="connsiteY2" fmla="*/ 931034 h 1262947"/>
+                <a:gd name="connsiteX3" fmla="*/ 1069029 w 1080000"/>
+                <a:gd name="connsiteY3" fmla="*/ 938533 h 1262947"/>
+                <a:gd name="connsiteX4" fmla="*/ 1080000 w 1080000"/>
+                <a:gd name="connsiteY4" fmla="*/ 992947 h 1262947"/>
+                <a:gd name="connsiteX5" fmla="*/ 540000 w 1080000"/>
+                <a:gd name="connsiteY5" fmla="*/ 1262947 h 1262947"/>
+                <a:gd name="connsiteX6" fmla="*/ 0 w 1080000"/>
+                <a:gd name="connsiteY6" fmla="*/ 992947 h 1262947"/>
+                <a:gd name="connsiteX7" fmla="*/ 10971 w 1080000"/>
+                <a:gd name="connsiteY7" fmla="*/ 938533 h 1262947"/>
+                <a:gd name="connsiteX8" fmla="*/ 15626 w 1080000"/>
+                <a:gd name="connsiteY8" fmla="*/ 931034 h 1262947"/>
+                <a:gd name="connsiteX9" fmla="*/ 0 w 1080000"/>
+                <a:gd name="connsiteY9" fmla="*/ 931034 h 1262947"/>
+                <a:gd name="connsiteX0" fmla="*/ 540000 w 1080000"/>
+                <a:gd name="connsiteY0" fmla="*/ 0 h 1262947"/>
+                <a:gd name="connsiteX1" fmla="*/ 1080000 w 1080000"/>
+                <a:gd name="connsiteY1" fmla="*/ 931034 h 1262947"/>
+                <a:gd name="connsiteX2" fmla="*/ 1064374 w 1080000"/>
+                <a:gd name="connsiteY2" fmla="*/ 931034 h 1262947"/>
+                <a:gd name="connsiteX3" fmla="*/ 1069029 w 1080000"/>
+                <a:gd name="connsiteY3" fmla="*/ 938533 h 1262947"/>
+                <a:gd name="connsiteX4" fmla="*/ 1080000 w 1080000"/>
+                <a:gd name="connsiteY4" fmla="*/ 992947 h 1262947"/>
+                <a:gd name="connsiteX5" fmla="*/ 540000 w 1080000"/>
+                <a:gd name="connsiteY5" fmla="*/ 1262947 h 1262947"/>
+                <a:gd name="connsiteX6" fmla="*/ 0 w 1080000"/>
+                <a:gd name="connsiteY6" fmla="*/ 992947 h 1262947"/>
+                <a:gd name="connsiteX7" fmla="*/ 10971 w 1080000"/>
+                <a:gd name="connsiteY7" fmla="*/ 938533 h 1262947"/>
+                <a:gd name="connsiteX8" fmla="*/ 15626 w 1080000"/>
+                <a:gd name="connsiteY8" fmla="*/ 931034 h 1262947"/>
+                <a:gd name="connsiteX9" fmla="*/ 540000 w 1080000"/>
+                <a:gd name="connsiteY9" fmla="*/ 0 h 1262947"/>
+                <a:gd name="connsiteX0" fmla="*/ 540000 w 1080000"/>
+                <a:gd name="connsiteY0" fmla="*/ 0 h 1262947"/>
+                <a:gd name="connsiteX1" fmla="*/ 1064374 w 1080000"/>
+                <a:gd name="connsiteY1" fmla="*/ 931034 h 1262947"/>
+                <a:gd name="connsiteX2" fmla="*/ 1069029 w 1080000"/>
+                <a:gd name="connsiteY2" fmla="*/ 938533 h 1262947"/>
+                <a:gd name="connsiteX3" fmla="*/ 1080000 w 1080000"/>
+                <a:gd name="connsiteY3" fmla="*/ 992947 h 1262947"/>
+                <a:gd name="connsiteX4" fmla="*/ 540000 w 1080000"/>
+                <a:gd name="connsiteY4" fmla="*/ 1262947 h 1262947"/>
+                <a:gd name="connsiteX5" fmla="*/ 0 w 1080000"/>
+                <a:gd name="connsiteY5" fmla="*/ 992947 h 1262947"/>
+                <a:gd name="connsiteX6" fmla="*/ 10971 w 1080000"/>
+                <a:gd name="connsiteY6" fmla="*/ 938533 h 1262947"/>
+                <a:gd name="connsiteX7" fmla="*/ 15626 w 1080000"/>
+                <a:gd name="connsiteY7" fmla="*/ 931034 h 1262947"/>
+                <a:gd name="connsiteX8" fmla="*/ 540000 w 1080000"/>
+                <a:gd name="connsiteY8" fmla="*/ 0 h 1262947"/>
+              </a:gdLst>
+              <a:ahLst/>
+              <a:cxnLst>
+                <a:cxn ang="0">
+                  <a:pos x="connsiteX0" y="connsiteY0"/>
+                </a:cxn>
+                <a:cxn ang="0">
+                  <a:pos x="connsiteX1" y="connsiteY1"/>
+                </a:cxn>
+                <a:cxn ang="0">
+                  <a:pos x="connsiteX2" y="connsiteY2"/>
+                </a:cxn>
+                <a:cxn ang="0">
+                  <a:pos x="connsiteX3" y="connsiteY3"/>
+                </a:cxn>
+                <a:cxn ang="0">
+                  <a:pos x="connsiteX4" y="connsiteY4"/>
+                </a:cxn>
+                <a:cxn ang="0">
+                  <a:pos x="connsiteX5" y="connsiteY5"/>
+                </a:cxn>
+                <a:cxn ang="0">
+                  <a:pos x="connsiteX6" y="connsiteY6"/>
+                </a:cxn>
+                <a:cxn ang="0">
+                  <a:pos x="connsiteX7" y="connsiteY7"/>
+                </a:cxn>
+                <a:cxn ang="0">
+                  <a:pos x="connsiteX8" y="connsiteY8"/>
+                </a:cxn>
+              </a:cxnLst>
+              <a:rect l="l" t="t" r="r" b="b"/>
+              <a:pathLst>
+                <a:path w="1080000" h="1262947">
+                  <a:moveTo>
+                    <a:pt x="540000" y="0"/>
+                  </a:moveTo>
+                  <a:lnTo>
+                    <a:pt x="1064374" y="931034"/>
+                  </a:lnTo>
+                  <a:lnTo>
+                    <a:pt x="1069029" y="938533"/>
+                  </a:lnTo>
+                  <a:cubicBezTo>
+                    <a:pt x="1076223" y="956109"/>
+                    <a:pt x="1080000" y="974307"/>
+                    <a:pt x="1080000" y="992947"/>
+                  </a:cubicBezTo>
+                  <a:cubicBezTo>
+                    <a:pt x="1080000" y="1142064"/>
+                    <a:pt x="838234" y="1262947"/>
+                    <a:pt x="540000" y="1262947"/>
+                  </a:cubicBezTo>
+                  <a:cubicBezTo>
+                    <a:pt x="241766" y="1262947"/>
+                    <a:pt x="0" y="1142064"/>
+                    <a:pt x="0" y="992947"/>
+                  </a:cubicBezTo>
+                  <a:cubicBezTo>
+                    <a:pt x="0" y="974307"/>
+                    <a:pt x="3778" y="956109"/>
+                    <a:pt x="10971" y="938533"/>
+                  </a:cubicBezTo>
+                  <a:lnTo>
+                    <a:pt x="15626" y="931034"/>
+                  </a:lnTo>
+                  <a:lnTo>
+                    <a:pt x="540000" y="0"/>
+                  </a:lnTo>
+                  <a:close/>
+                </a:path>
+              </a:pathLst>
+            </a:custGeom>
+            <a:gradFill>
+              <a:gsLst>
+                <a:gs pos="60000">
+                  <a:schemeClr val="bg2">
+                    <a:lumMod val="90000"/>
+                    <a:lumOff val="10000"/>
+                  </a:schemeClr>
+                </a:gs>
+                <a:gs pos="30000">
+                  <a:schemeClr val="bg2">
+                    <a:lumMod val="90000"/>
+                    <a:lumOff val="10000"/>
+                  </a:schemeClr>
+                </a:gs>
+                <a:gs pos="40000">
+                  <a:schemeClr val="bg2">
+                    <a:lumMod val="80000"/>
+                    <a:lumOff val="20000"/>
+                  </a:schemeClr>
+                </a:gs>
+                <a:gs pos="100000">
+                  <a:schemeClr val="bg2"/>
+                </a:gs>
+              </a:gsLst>
+              <a:lin ang="600000" scaled="0"/>
+            </a:gradFill>
+            <a:ln>
+              <a:noFill/>
+            </a:ln>
+            <a:effectLst>
+              <a:innerShdw blurRad="254000" dist="101600" dir="7320000">
+                <a:schemeClr val="accent1">
+                  <a:lumMod val="60000"/>
+                  <a:lumOff val="40000"/>
+                  <a:alpha val="40000"/>
+                </a:schemeClr>
+              </a:innerShdw>
+            </a:effectLst>
+          </p:spPr>
+          <p:style>
+            <a:lnRef idx="2">
+              <a:schemeClr val="accent1">
+                <a:shade val="50000"/>
+              </a:schemeClr>
+            </a:lnRef>
+            <a:fillRef idx="1">
+              <a:schemeClr val="accent1"/>
+            </a:fillRef>
+            <a:effectRef idx="0">
+              <a:schemeClr val="accent1"/>
+            </a:effectRef>
+            <a:fontRef idx="minor">
+              <a:schemeClr val="lt1"/>
+            </a:fontRef>
+          </p:style>
+          <p:txBody>
+            <a:bodyPr rot="0" spcFirstLastPara="0" vertOverflow="overflow" horzOverflow="overflow" vert="horz" wrap="square" lIns="91440" tIns="45720" rIns="91440" bIns="45720" numCol="1" spcCol="0" rtlCol="0" fromWordArt="0" anchor="ctr" anchorCtr="0" forceAA="0" compatLnSpc="1">
+              <a:prstTxWarp prst="textNoShape">
+                <a:avLst/>
+              </a:prstTxWarp>
+              <a:noAutofit/>
+            </a:bodyPr>
+            <a:lstStyle/>
+            <a:p>
+              <a:pPr algn="ctr"/>
+              <a:endParaRPr lang="en-US"/>
+            </a:p>
+          </p:txBody>
+        </p:sp>
+        <p:sp>
+          <p:nvSpPr>
+            <p:cNvPr id="27" name="Oval 26">
+              <a:extLst>
+                <a:ext uri="{FF2B5EF4-FFF2-40B4-BE49-F238E27FC236}">
+                  <a16:creationId xmlns:a16="http://schemas.microsoft.com/office/drawing/2014/main" id="{962BE440-9634-4380-B142-5DB692420C52}"/>
+                </a:ext>
+              </a:extLst>
+            </p:cNvPr>
+            <p:cNvSpPr/>
+            <p:nvPr/>
+          </p:nvSpPr>
+          <p:spPr>
+            <a:xfrm rot="13500000">
+              <a:off x="10415015" y="2179851"/>
+              <a:ext cx="540000" cy="1080000"/>
+            </a:xfrm>
+            <a:prstGeom prst="ellipse">
+              <a:avLst/>
+            </a:prstGeom>
+            <a:gradFill>
+              <a:gsLst>
+                <a:gs pos="100000">
+                  <a:schemeClr val="accent1">
+                    <a:lumMod val="60000"/>
+                    <a:lumOff val="40000"/>
+                    <a:alpha val="0"/>
+                  </a:schemeClr>
+                </a:gs>
+                <a:gs pos="0">
+                  <a:schemeClr val="bg2">
+                    <a:lumMod val="75000"/>
+                    <a:lumOff val="25000"/>
+                    <a:alpha val="33000"/>
+                  </a:schemeClr>
+                </a:gs>
+              </a:gsLst>
+              <a:lin ang="5400000" scaled="0"/>
+            </a:gradFill>
+            <a:ln>
+              <a:noFill/>
+            </a:ln>
+            <a:effectLst>
+              <a:innerShdw blurRad="1270000" dist="2540000">
+                <a:schemeClr val="accent1">
+                  <a:lumMod val="60000"/>
+                  <a:lumOff val="40000"/>
+                  <a:alpha val="0"/>
+                </a:schemeClr>
+              </a:innerShdw>
+            </a:effectLst>
+          </p:spPr>
+          <p:style>
+            <a:lnRef idx="2">
+              <a:schemeClr val="accent1">
+                <a:shade val="50000"/>
+              </a:schemeClr>
+            </a:lnRef>
+            <a:fillRef idx="1">
+              <a:schemeClr val="accent1"/>
+            </a:fillRef>
+            <a:effectRef idx="0">
+              <a:schemeClr val="accent1"/>
+            </a:effectRef>
+            <a:fontRef idx="minor">
+              <a:schemeClr val="lt1"/>
+            </a:fontRef>
+          </p:style>
+          <p:txBody>
+            <a:bodyPr rot="0" spcFirstLastPara="0" vertOverflow="overflow" horzOverflow="overflow" vert="horz" wrap="square" lIns="91440" tIns="45720" rIns="91440" bIns="45720" numCol="1" spcCol="0" rtlCol="0" fromWordArt="0" anchor="ctr" anchorCtr="0" forceAA="0" compatLnSpc="1">
+              <a:prstTxWarp prst="textNoShape">
+                <a:avLst/>
+              </a:prstTxWarp>
+              <a:noAutofit/>
+            </a:bodyPr>
+            <a:lstStyle/>
+            <a:p>
+              <a:pPr algn="ctr"/>
+              <a:endParaRPr lang="en-US"/>
+            </a:p>
+          </p:txBody>
+        </p:sp>
+      </p:grpSp>
+      <p:sp>
+        <p:nvSpPr>
+          <p:cNvPr id="7" name="Title 6">
+            <a:extLst>
+              <a:ext uri="{FF2B5EF4-FFF2-40B4-BE49-F238E27FC236}">
+                <a16:creationId xmlns:a16="http://schemas.microsoft.com/office/drawing/2014/main" id="{4B18D636-CC10-4B1E-AA38-419DCCF2D9C9}"/>
+              </a:ext>
+            </a:extLst>
+          </p:cNvPr>
+          <p:cNvSpPr>
+            <a:spLocks noGrp="1"/>
+          </p:cNvSpPr>
+          <p:nvPr>
+            <p:ph type="title"/>
+          </p:nvPr>
+        </p:nvSpPr>
+        <p:spPr>
+          <a:xfrm>
+            <a:off x="550862" y="549275"/>
+            <a:ext cx="11097551" cy="1332000"/>
+          </a:xfrm>
+        </p:spPr>
+        <p:txBody>
+          <a:bodyPr>
+            <a:normAutofit/>
+          </a:bodyPr>
+          <a:lstStyle/>
+          <a:p>
+            <a:r>
+              <a:rPr lang="en-US" dirty="0" err="1"/>
+              <a:t>VSCode</a:t>
+            </a:r>
+            <a:endParaRPr lang="en-US" dirty="0"/>
+          </a:p>
+        </p:txBody>
+      </p:sp>
+      <p:sp>
+        <p:nvSpPr>
+          <p:cNvPr id="9" name="Text Placeholder 8">
+            <a:extLst>
+              <a:ext uri="{FF2B5EF4-FFF2-40B4-BE49-F238E27FC236}">
+                <a16:creationId xmlns:a16="http://schemas.microsoft.com/office/drawing/2014/main" id="{0D098C43-2F2A-4100-89BC-5931039293FA}"/>
+              </a:ext>
+            </a:extLst>
+          </p:cNvPr>
+          <p:cNvSpPr>
+            <a:spLocks noGrp="1"/>
+          </p:cNvSpPr>
+          <p:nvPr>
+            <p:ph type="body" idx="1"/>
+          </p:nvPr>
+        </p:nvSpPr>
+        <p:spPr>
+          <a:xfrm>
+            <a:off x="550864" y="1731375"/>
+            <a:ext cx="5437186" cy="535354"/>
+          </a:xfrm>
+        </p:spPr>
+        <p:txBody>
+          <a:bodyPr/>
+          <a:lstStyle/>
+          <a:p>
+            <a:r>
+              <a:rPr lang="en-US" dirty="0"/>
+              <a:t>Install</a:t>
+            </a:r>
+          </a:p>
+        </p:txBody>
+      </p:sp>
+      <p:sp>
+        <p:nvSpPr>
+          <p:cNvPr id="4" name="Date Placeholder 3">
+            <a:extLst>
+              <a:ext uri="{FF2B5EF4-FFF2-40B4-BE49-F238E27FC236}">
+                <a16:creationId xmlns:a16="http://schemas.microsoft.com/office/drawing/2014/main" id="{0C329F70-04F7-4C70-BCF8-D4371F54EF2F}"/>
+              </a:ext>
+            </a:extLst>
+          </p:cNvPr>
+          <p:cNvSpPr>
+            <a:spLocks noGrp="1"/>
+          </p:cNvSpPr>
+          <p:nvPr>
+            <p:ph type="dt" sz="half" idx="10"/>
+          </p:nvPr>
+        </p:nvSpPr>
+        <p:spPr>
+          <a:xfrm>
+            <a:off x="550863" y="6507212"/>
+            <a:ext cx="2628900" cy="153888"/>
+          </a:xfrm>
+        </p:spPr>
+        <p:txBody>
+          <a:bodyPr/>
+          <a:lstStyle/>
+          <a:p>
+            <a:r>
+              <a:rPr lang="en-US"/>
+              <a:t>Tuesday, February 2, 20XX</a:t>
+            </a:r>
+            <a:endParaRPr lang="en-US" dirty="0"/>
+          </a:p>
+        </p:txBody>
+      </p:sp>
+      <p:sp>
+        <p:nvSpPr>
+          <p:cNvPr id="5" name="Footer Placeholder 4">
+            <a:extLst>
+              <a:ext uri="{FF2B5EF4-FFF2-40B4-BE49-F238E27FC236}">
+                <a16:creationId xmlns:a16="http://schemas.microsoft.com/office/drawing/2014/main" id="{06A3302E-502D-4151-81C9-5FD6AF9596D6}"/>
+              </a:ext>
+            </a:extLst>
+          </p:cNvPr>
+          <p:cNvSpPr>
+            <a:spLocks noGrp="1"/>
+          </p:cNvSpPr>
+          <p:nvPr>
+            <p:ph type="ftr" sz="quarter" idx="11"/>
+          </p:nvPr>
+        </p:nvSpPr>
+        <p:spPr>
+          <a:xfrm>
+            <a:off x="3359150" y="6507212"/>
+            <a:ext cx="6379210" cy="153888"/>
+          </a:xfrm>
+        </p:spPr>
+        <p:txBody>
+          <a:bodyPr/>
+          <a:lstStyle/>
+          <a:p>
+            <a:r>
+              <a:rPr lang="en-US"/>
+              <a:t>Sample Footer Text</a:t>
+            </a:r>
+          </a:p>
+        </p:txBody>
+      </p:sp>
+      <p:sp>
+        <p:nvSpPr>
+          <p:cNvPr id="6" name="Slide Number Placeholder 5">
+            <a:extLst>
+              <a:ext uri="{FF2B5EF4-FFF2-40B4-BE49-F238E27FC236}">
+                <a16:creationId xmlns:a16="http://schemas.microsoft.com/office/drawing/2014/main" id="{9ED907F8-C614-4D59-A03F-BF9CD5E35703}"/>
+              </a:ext>
+            </a:extLst>
+          </p:cNvPr>
+          <p:cNvSpPr>
+            <a:spLocks noGrp="1"/>
+          </p:cNvSpPr>
+          <p:nvPr>
+            <p:ph type="sldNum" sz="quarter" idx="12"/>
+          </p:nvPr>
+        </p:nvSpPr>
+        <p:spPr>
+          <a:xfrm>
+            <a:off x="9948863" y="6507212"/>
+            <a:ext cx="1692274" cy="153888"/>
+          </a:xfrm>
+        </p:spPr>
+        <p:txBody>
+          <a:bodyPr/>
+          <a:lstStyle/>
+          <a:p>
+            <a:fld id="{DBA1B0FB-D917-4C8C-928F-313BD683BF39}" type="slidenum">
+              <a:rPr lang="en-US" smtClean="0"/>
+              <a:pPr/>
+              <a:t>16</a:t>
+            </a:fld>
+            <a:endParaRPr lang="en-US"/>
+          </a:p>
+        </p:txBody>
+      </p:sp>
+      <p:sp>
+        <p:nvSpPr>
+          <p:cNvPr id="22" name="Freeform: Shape 21">
+            <a:extLst>
+              <a:ext uri="{FF2B5EF4-FFF2-40B4-BE49-F238E27FC236}">
+                <a16:creationId xmlns:a16="http://schemas.microsoft.com/office/drawing/2014/main" id="{C6F3814E-455F-456B-B1AF-7B993965A2C0}"/>
+              </a:ext>
+              <a:ext uri="{C183D7F6-B498-43B3-948B-1728B52AA6E4}">
+                <adec:decorative xmlns:adec="http://schemas.microsoft.com/office/drawing/2017/decorative" val="1"/>
+              </a:ext>
+            </a:extLst>
+          </p:cNvPr>
+          <p:cNvSpPr>
+            <a:spLocks noChangeAspect="1"/>
+          </p:cNvSpPr>
+          <p:nvPr/>
+        </p:nvSpPr>
+        <p:spPr>
+          <a:xfrm>
+            <a:off x="4295775" y="0"/>
+            <a:ext cx="360000" cy="274638"/>
+          </a:xfrm>
+          <a:custGeom>
+            <a:avLst/>
+            <a:gdLst>
+              <a:gd name="connsiteX0" fmla="*/ 30714 w 360000"/>
+              <a:gd name="connsiteY0" fmla="*/ 0 h 274638"/>
+              <a:gd name="connsiteX1" fmla="*/ 329286 w 360000"/>
+              <a:gd name="connsiteY1" fmla="*/ 0 h 274638"/>
+              <a:gd name="connsiteX2" fmla="*/ 345855 w 360000"/>
+              <a:gd name="connsiteY2" fmla="*/ 24574 h 274638"/>
+              <a:gd name="connsiteX3" fmla="*/ 360000 w 360000"/>
+              <a:gd name="connsiteY3" fmla="*/ 94638 h 274638"/>
+              <a:gd name="connsiteX4" fmla="*/ 180000 w 360000"/>
+              <a:gd name="connsiteY4" fmla="*/ 274638 h 274638"/>
+              <a:gd name="connsiteX5" fmla="*/ 0 w 360000"/>
+              <a:gd name="connsiteY5" fmla="*/ 94638 h 274638"/>
+              <a:gd name="connsiteX6" fmla="*/ 14145 w 360000"/>
+              <a:gd name="connsiteY6" fmla="*/ 24574 h 274638"/>
+            </a:gdLst>
+            <a:ahLst/>
+            <a:cxnLst>
+              <a:cxn ang="0">
+                <a:pos x="connsiteX0" y="connsiteY0"/>
+              </a:cxn>
+              <a:cxn ang="0">
+                <a:pos x="connsiteX1" y="connsiteY1"/>
+              </a:cxn>
+              <a:cxn ang="0">
+                <a:pos x="connsiteX2" y="connsiteY2"/>
+              </a:cxn>
+              <a:cxn ang="0">
+                <a:pos x="connsiteX3" y="connsiteY3"/>
+              </a:cxn>
+              <a:cxn ang="0">
+                <a:pos x="connsiteX4" y="connsiteY4"/>
+              </a:cxn>
+              <a:cxn ang="0">
+                <a:pos x="connsiteX5" y="connsiteY5"/>
+              </a:cxn>
+              <a:cxn ang="0">
+                <a:pos x="connsiteX6" y="connsiteY6"/>
+              </a:cxn>
+            </a:cxnLst>
+            <a:rect l="l" t="t" r="r" b="b"/>
+            <a:pathLst>
+              <a:path w="360000" h="274638">
+                <a:moveTo>
+                  <a:pt x="30714" y="0"/>
+                </a:moveTo>
+                <a:lnTo>
+                  <a:pt x="329286" y="0"/>
+                </a:lnTo>
+                <a:lnTo>
+                  <a:pt x="345855" y="24574"/>
+                </a:lnTo>
+                <a:cubicBezTo>
+                  <a:pt x="354963" y="46109"/>
+                  <a:pt x="360000" y="69785"/>
+                  <a:pt x="360000" y="94638"/>
+                </a:cubicBezTo>
+                <a:cubicBezTo>
+                  <a:pt x="360000" y="194049"/>
+                  <a:pt x="279411" y="274638"/>
+                  <a:pt x="180000" y="274638"/>
+                </a:cubicBezTo>
+                <a:cubicBezTo>
+                  <a:pt x="80589" y="274638"/>
+                  <a:pt x="0" y="194049"/>
+                  <a:pt x="0" y="94638"/>
+                </a:cubicBezTo>
+                <a:cubicBezTo>
+                  <a:pt x="0" y="69785"/>
+                  <a:pt x="5037" y="46109"/>
+                  <a:pt x="14145" y="24574"/>
+                </a:cubicBezTo>
+                <a:close/>
+              </a:path>
+            </a:pathLst>
+          </a:custGeom>
+          <a:gradFill flip="none" rotWithShape="1">
+            <a:gsLst>
+              <a:gs pos="100000">
+                <a:schemeClr val="bg2">
+                  <a:lumMod val="50000"/>
+                  <a:lumOff val="50000"/>
+                </a:schemeClr>
+              </a:gs>
+              <a:gs pos="60000">
+                <a:schemeClr val="bg2"/>
+              </a:gs>
+            </a:gsLst>
+            <a:path path="circle">
+              <a:fillToRect l="100000" b="100000"/>
+            </a:path>
+            <a:tileRect t="-100000" r="-100000"/>
+          </a:gradFill>
+          <a:ln>
+            <a:noFill/>
+          </a:ln>
+          <a:effectLst>
+            <a:innerShdw blurRad="127000" dist="63500" dir="2700000">
+              <a:schemeClr val="accent1">
+                <a:lumMod val="60000"/>
+                <a:lumOff val="40000"/>
+                <a:alpha val="20000"/>
+              </a:schemeClr>
+            </a:innerShdw>
+            <a:softEdge rad="0"/>
+          </a:effectLst>
+        </p:spPr>
+        <p:style>
+          <a:lnRef idx="2">
+            <a:schemeClr val="accent1">
+              <a:shade val="50000"/>
+            </a:schemeClr>
+          </a:lnRef>
+          <a:fillRef idx="1">
+            <a:schemeClr val="accent1"/>
+          </a:fillRef>
+          <a:effectRef idx="0">
+            <a:schemeClr val="accent1"/>
+          </a:effectRef>
+          <a:fontRef idx="minor">
+            <a:schemeClr val="lt1"/>
+          </a:fontRef>
+        </p:style>
+        <p:txBody>
+          <a:bodyPr rot="0" spcFirstLastPara="0" vertOverflow="overflow" horzOverflow="overflow" vert="horz" wrap="square" lIns="91440" tIns="45720" rIns="91440" bIns="45720" numCol="1" spcCol="0" rtlCol="0" fromWordArt="0" anchor="ctr" anchorCtr="0" forceAA="0" compatLnSpc="1">
+            <a:prstTxWarp prst="textNoShape">
+              <a:avLst/>
+            </a:prstTxWarp>
+            <a:noAutofit/>
+          </a:bodyPr>
+          <a:lstStyle/>
+          <a:p>
+            <a:pPr algn="ctr"/>
+            <a:endParaRPr lang="en-US"/>
+          </a:p>
+        </p:txBody>
+      </p:sp>
+      <p:sp>
+        <p:nvSpPr>
+          <p:cNvPr id="3" name="Text Placeholder 2">
+            <a:extLst>
+              <a:ext uri="{FF2B5EF4-FFF2-40B4-BE49-F238E27FC236}">
+                <a16:creationId xmlns:a16="http://schemas.microsoft.com/office/drawing/2014/main" id="{D35BE8C7-B67F-DA1F-E0A9-C3D86A96DECE}"/>
+              </a:ext>
+            </a:extLst>
+          </p:cNvPr>
+          <p:cNvSpPr>
+            <a:spLocks noGrp="1"/>
+          </p:cNvSpPr>
+          <p:nvPr>
+            <p:ph type="body" sz="quarter" idx="3"/>
+          </p:nvPr>
+        </p:nvSpPr>
+        <p:spPr/>
+        <p:txBody>
+          <a:bodyPr/>
+          <a:lstStyle/>
+          <a:p>
+            <a:r>
+              <a:rPr lang="en-AU" dirty="0"/>
+              <a:t>Extensions</a:t>
+            </a:r>
+          </a:p>
+        </p:txBody>
+      </p:sp>
+      <p:sp>
+        <p:nvSpPr>
+          <p:cNvPr id="8" name="Content Placeholder 7">
+            <a:extLst>
+              <a:ext uri="{FF2B5EF4-FFF2-40B4-BE49-F238E27FC236}">
+                <a16:creationId xmlns:a16="http://schemas.microsoft.com/office/drawing/2014/main" id="{39742727-52F0-7563-E656-3A7769725FE1}"/>
+              </a:ext>
+            </a:extLst>
+          </p:cNvPr>
+          <p:cNvSpPr>
+            <a:spLocks noGrp="1"/>
+          </p:cNvSpPr>
+          <p:nvPr>
+            <p:ph sz="half" idx="2"/>
+          </p:nvPr>
+        </p:nvSpPr>
+        <p:spPr/>
+        <p:txBody>
+          <a:bodyPr>
+            <a:normAutofit fontScale="92500" lnSpcReduction="10000"/>
+          </a:bodyPr>
+          <a:lstStyle/>
+          <a:p>
+            <a:r>
+              <a:rPr lang="en-AU" dirty="0" err="1"/>
+              <a:t>VSCode</a:t>
+            </a:r>
+            <a:r>
+              <a:rPr lang="en-AU" dirty="0"/>
+              <a:t> is text editor that has a large library of extensions for developers.</a:t>
+            </a:r>
+          </a:p>
+          <a:p>
+            <a:r>
+              <a:rPr lang="en-AU" dirty="0"/>
+              <a:t>Install </a:t>
+            </a:r>
+            <a:r>
+              <a:rPr lang="en-AU" dirty="0" err="1">
+                <a:hlinkClick r:id="rId3"/>
+              </a:rPr>
+              <a:t>VSCode</a:t>
+            </a:r>
+            <a:r>
+              <a:rPr lang="en-AU" dirty="0"/>
+              <a:t> for your system.</a:t>
+            </a:r>
+          </a:p>
+          <a:p>
+            <a:r>
+              <a:rPr lang="en-AU" dirty="0"/>
+              <a:t>Once the extensions (see right) on the Windows side are installed, open WT (or your devices terminal app) and run `code .` (don’t forget the dot at the end). </a:t>
+            </a:r>
+          </a:p>
+          <a:p>
+            <a:r>
+              <a:rPr lang="en-AU" dirty="0"/>
+              <a:t>This should open </a:t>
+            </a:r>
+            <a:r>
+              <a:rPr lang="en-AU" dirty="0" err="1"/>
+              <a:t>VSCode</a:t>
+            </a:r>
+            <a:r>
+              <a:rPr lang="en-AU" dirty="0"/>
+              <a:t> in WSL.</a:t>
+            </a:r>
+          </a:p>
+        </p:txBody>
+      </p:sp>
+      <p:sp>
+        <p:nvSpPr>
+          <p:cNvPr id="13" name="Content Placeholder 12">
+            <a:extLst>
+              <a:ext uri="{FF2B5EF4-FFF2-40B4-BE49-F238E27FC236}">
+                <a16:creationId xmlns:a16="http://schemas.microsoft.com/office/drawing/2014/main" id="{41028C3F-4F06-F278-984E-04FEE11739F3}"/>
+              </a:ext>
+            </a:extLst>
+          </p:cNvPr>
+          <p:cNvSpPr>
+            <a:spLocks noGrp="1"/>
+          </p:cNvSpPr>
+          <p:nvPr>
+            <p:ph sz="quarter" idx="4"/>
+          </p:nvPr>
+        </p:nvSpPr>
+        <p:spPr/>
+        <p:txBody>
+          <a:bodyPr>
+            <a:normAutofit fontScale="70000" lnSpcReduction="20000"/>
+          </a:bodyPr>
+          <a:lstStyle/>
+          <a:p>
+            <a:pPr>
+              <a:lnSpc>
+                <a:spcPct val="120000"/>
+              </a:lnSpc>
+              <a:spcBef>
+                <a:spcPts val="0"/>
+              </a:spcBef>
+              <a:spcAft>
+                <a:spcPts val="0"/>
+              </a:spcAft>
+            </a:pPr>
+            <a:r>
+              <a:rPr lang="en-AU" dirty="0"/>
+              <a:t>For this series, you will want a few extensions installed to help develop C++ code and manage projects (if on MacOS or Linux, you will only need the ‘WSL’ extensions).</a:t>
+            </a:r>
+          </a:p>
+          <a:p>
+            <a:pPr>
+              <a:lnSpc>
+                <a:spcPct val="120000"/>
+              </a:lnSpc>
+              <a:spcBef>
+                <a:spcPts val="0"/>
+              </a:spcBef>
+              <a:spcAft>
+                <a:spcPts val="0"/>
+              </a:spcAft>
+            </a:pPr>
+            <a:r>
+              <a:rPr lang="en-AU" dirty="0"/>
+              <a:t>On Windows</a:t>
+            </a:r>
+          </a:p>
+          <a:p>
+            <a:pPr lvl="1">
+              <a:lnSpc>
+                <a:spcPct val="120000"/>
+              </a:lnSpc>
+              <a:spcBef>
+                <a:spcPts val="0"/>
+              </a:spcBef>
+              <a:spcAft>
+                <a:spcPts val="0"/>
+              </a:spcAft>
+            </a:pPr>
+            <a:r>
+              <a:rPr lang="en-AU" dirty="0">
+                <a:hlinkClick r:id="rId4"/>
+              </a:rPr>
+              <a:t>Remote development</a:t>
+            </a:r>
+            <a:endParaRPr lang="en-AU" dirty="0"/>
+          </a:p>
+          <a:p>
+            <a:pPr lvl="1">
+              <a:lnSpc>
+                <a:spcPct val="120000"/>
+              </a:lnSpc>
+              <a:spcBef>
+                <a:spcPts val="0"/>
+              </a:spcBef>
+              <a:spcAft>
+                <a:spcPts val="0"/>
+              </a:spcAft>
+            </a:pPr>
+            <a:r>
+              <a:rPr lang="en-AU" dirty="0"/>
+              <a:t>WSL</a:t>
+            </a:r>
+          </a:p>
+          <a:p>
+            <a:pPr lvl="1">
+              <a:lnSpc>
+                <a:spcPct val="120000"/>
+              </a:lnSpc>
+              <a:spcBef>
+                <a:spcPts val="0"/>
+              </a:spcBef>
+              <a:spcAft>
+                <a:spcPts val="0"/>
+              </a:spcAft>
+            </a:pPr>
+            <a:r>
+              <a:rPr lang="en-AU" dirty="0"/>
+              <a:t>Remote SSH</a:t>
+            </a:r>
+          </a:p>
+          <a:p>
+            <a:pPr>
+              <a:lnSpc>
+                <a:spcPct val="120000"/>
+              </a:lnSpc>
+              <a:spcBef>
+                <a:spcPts val="0"/>
+              </a:spcBef>
+              <a:spcAft>
+                <a:spcPts val="0"/>
+              </a:spcAft>
+            </a:pPr>
+            <a:r>
+              <a:rPr lang="en-AU" dirty="0"/>
+              <a:t>On WSL</a:t>
+            </a:r>
+          </a:p>
+          <a:p>
+            <a:pPr lvl="1">
+              <a:lnSpc>
+                <a:spcPct val="120000"/>
+              </a:lnSpc>
+              <a:spcBef>
+                <a:spcPts val="0"/>
+              </a:spcBef>
+              <a:spcAft>
+                <a:spcPts val="0"/>
+              </a:spcAft>
+            </a:pPr>
+            <a:r>
+              <a:rPr lang="en-AU" dirty="0" err="1"/>
+              <a:t>GitLens</a:t>
+            </a:r>
+            <a:endParaRPr lang="en-AU" dirty="0"/>
+          </a:p>
+          <a:p>
+            <a:pPr lvl="1">
+              <a:lnSpc>
+                <a:spcPct val="120000"/>
+              </a:lnSpc>
+              <a:spcBef>
+                <a:spcPts val="0"/>
+              </a:spcBef>
+              <a:spcAft>
+                <a:spcPts val="0"/>
+              </a:spcAft>
+            </a:pPr>
+            <a:r>
+              <a:rPr lang="en-AU" dirty="0"/>
+              <a:t>Git Graph</a:t>
+            </a:r>
+          </a:p>
+          <a:p>
+            <a:pPr lvl="1">
+              <a:lnSpc>
+                <a:spcPct val="120000"/>
+              </a:lnSpc>
+              <a:spcBef>
+                <a:spcPts val="0"/>
+              </a:spcBef>
+              <a:spcAft>
+                <a:spcPts val="0"/>
+              </a:spcAft>
+            </a:pPr>
+            <a:r>
+              <a:rPr lang="en-AU" dirty="0">
+                <a:hlinkClick r:id="rId5"/>
+              </a:rPr>
+              <a:t>GitHub Pull Requests and Issues</a:t>
+            </a:r>
+            <a:endParaRPr lang="en-AU" dirty="0"/>
+          </a:p>
+          <a:p>
+            <a:pPr lvl="1">
+              <a:lnSpc>
+                <a:spcPct val="120000"/>
+              </a:lnSpc>
+              <a:spcBef>
+                <a:spcPts val="0"/>
+              </a:spcBef>
+              <a:spcAft>
+                <a:spcPts val="0"/>
+              </a:spcAft>
+            </a:pPr>
+            <a:r>
+              <a:rPr lang="en-AU" dirty="0" err="1"/>
+              <a:t>Sonarlint</a:t>
+            </a:r>
+            <a:endParaRPr lang="en-AU" dirty="0"/>
+          </a:p>
+          <a:p>
+            <a:pPr lvl="1">
+              <a:lnSpc>
+                <a:spcPct val="120000"/>
+              </a:lnSpc>
+              <a:spcBef>
+                <a:spcPts val="0"/>
+              </a:spcBef>
+              <a:spcAft>
+                <a:spcPts val="0"/>
+              </a:spcAft>
+            </a:pPr>
+            <a:r>
+              <a:rPr lang="en-AU" dirty="0" err="1"/>
+              <a:t>markdownlint</a:t>
+            </a:r>
+            <a:endParaRPr lang="en-AU" dirty="0"/>
+          </a:p>
+          <a:p>
+            <a:pPr lvl="1">
+              <a:lnSpc>
+                <a:spcPct val="120000"/>
+              </a:lnSpc>
+              <a:spcBef>
+                <a:spcPts val="0"/>
+              </a:spcBef>
+              <a:spcAft>
+                <a:spcPts val="0"/>
+              </a:spcAft>
+            </a:pPr>
+            <a:r>
+              <a:rPr lang="en-AU" dirty="0"/>
+              <a:t>Markdown All In One</a:t>
+            </a:r>
+          </a:p>
+          <a:p>
+            <a:pPr lvl="1">
+              <a:lnSpc>
+                <a:spcPct val="120000"/>
+              </a:lnSpc>
+              <a:spcBef>
+                <a:spcPts val="0"/>
+              </a:spcBef>
+              <a:spcAft>
+                <a:spcPts val="0"/>
+              </a:spcAft>
+            </a:pPr>
+            <a:r>
+              <a:rPr lang="en-AU" dirty="0"/>
+              <a:t>Markdown Preview GitHub Styling</a:t>
+            </a:r>
+          </a:p>
+        </p:txBody>
+      </p:sp>
+    </p:spTree>
+    <p:extLst>
+      <p:ext uri="{BB962C8B-B14F-4D97-AF65-F5344CB8AC3E}">
+        <p14:creationId xmlns:p14="http://schemas.microsoft.com/office/powerpoint/2010/main" val="3097004471"/>
+      </p:ext>
+    </p:extLst>
+  </p:cSld>
+  <p:clrMapOvr>
+    <a:masterClrMapping/>
+  </p:clrMapOvr>
+  <mc:AlternateContent xmlns:mc="http://schemas.openxmlformats.org/markup-compatibility/2006">
+    <mc:Choice xmlns:p159="http://schemas.microsoft.com/office/powerpoint/2015/09/main" Requires="p159">
+      <p:transition xmlns:p14="http://schemas.microsoft.com/office/powerpoint/2010/main" spd="slow" p14:dur="2000">
+        <p159:morph option="byChar"/>
+      </p:transition>
+    </mc:Choice>
+    <mc:Fallback>
+      <p:transition spd="slow">
+        <p:fade/>
+      </p:transition>
+    </mc:Fallback>
+  </mc:AlternateContent>
+</p:sld>
+</file>
+
+<file path=ppt/slides/slide17.xml><?xml version="1.0" encoding="utf-8"?>
+<p:sld xmlns:a="http://schemas.openxmlformats.org/drawingml/2006/main" xmlns:r="http://schemas.openxmlformats.org/officeDocument/2006/relationships" xmlns:p="http://schemas.openxmlformats.org/presentationml/2006/main">
+  <p:cSld>
+    <p:spTree>
+      <p:nvGrpSpPr>
+        <p:cNvPr id="1" name=""/>
+        <p:cNvGrpSpPr/>
+        <p:nvPr/>
+      </p:nvGrpSpPr>
+      <p:grpSpPr>
+        <a:xfrm>
+          <a:off x="0" y="0"/>
+          <a:ext cx="0" cy="0"/>
+          <a:chOff x="0" y="0"/>
+          <a:chExt cx="0" cy="0"/>
+        </a:xfrm>
+      </p:grpSpPr>
+      <p:grpSp>
+        <p:nvGrpSpPr>
+          <p:cNvPr id="25" name="Group 24">
+            <a:extLst>
+              <a:ext uri="{FF2B5EF4-FFF2-40B4-BE49-F238E27FC236}">
+                <a16:creationId xmlns:a16="http://schemas.microsoft.com/office/drawing/2014/main" id="{D10F3D66-0109-4903-90B9-66D0E288F721}"/>
+              </a:ext>
+              <a:ext uri="{C183D7F6-B498-43B3-948B-1728B52AA6E4}">
+                <adec:decorative xmlns:adec="http://schemas.microsoft.com/office/drawing/2017/decorative" val="1"/>
+              </a:ext>
+            </a:extLst>
+          </p:cNvPr>
+          <p:cNvGrpSpPr/>
+          <p:nvPr/>
+        </p:nvGrpSpPr>
+        <p:grpSpPr>
+          <a:xfrm>
+            <a:off x="10379261" y="2030035"/>
+            <a:ext cx="1335600" cy="1262947"/>
+            <a:chOff x="10145015" y="2343978"/>
+            <a:chExt cx="1335600" cy="1262947"/>
+          </a:xfrm>
+        </p:grpSpPr>
+        <p:sp>
+          <p:nvSpPr>
+            <p:cNvPr id="26" name="Freeform: Shape 25">
+              <a:extLst>
+                <a:ext uri="{FF2B5EF4-FFF2-40B4-BE49-F238E27FC236}">
+                  <a16:creationId xmlns:a16="http://schemas.microsoft.com/office/drawing/2014/main" id="{57DAB968-9B52-4EFF-AD39-7657DFEA6E48}"/>
+                </a:ext>
+              </a:extLst>
+            </p:cNvPr>
+            <p:cNvSpPr>
+              <a:spLocks noChangeAspect="1"/>
+            </p:cNvSpPr>
+            <p:nvPr/>
+          </p:nvSpPr>
+          <p:spPr>
+            <a:xfrm rot="8100000">
+              <a:off x="10400615" y="2343978"/>
+              <a:ext cx="1080000" cy="1262947"/>
+            </a:xfrm>
+            <a:custGeom>
+              <a:avLst/>
+              <a:gdLst>
+                <a:gd name="connsiteX0" fmla="*/ 540000 w 1080000"/>
+                <a:gd name="connsiteY0" fmla="*/ 0 h 1262947"/>
+                <a:gd name="connsiteX1" fmla="*/ 1080000 w 1080000"/>
+                <a:gd name="connsiteY1" fmla="*/ 931034 h 1262947"/>
+                <a:gd name="connsiteX2" fmla="*/ 1064374 w 1080000"/>
+                <a:gd name="connsiteY2" fmla="*/ 931034 h 1262947"/>
+                <a:gd name="connsiteX3" fmla="*/ 1069029 w 1080000"/>
+                <a:gd name="connsiteY3" fmla="*/ 938533 h 1262947"/>
+                <a:gd name="connsiteX4" fmla="*/ 1080000 w 1080000"/>
+                <a:gd name="connsiteY4" fmla="*/ 992947 h 1262947"/>
+                <a:gd name="connsiteX5" fmla="*/ 540000 w 1080000"/>
+                <a:gd name="connsiteY5" fmla="*/ 1262947 h 1262947"/>
+                <a:gd name="connsiteX6" fmla="*/ 0 w 1080000"/>
+                <a:gd name="connsiteY6" fmla="*/ 992947 h 1262947"/>
+                <a:gd name="connsiteX7" fmla="*/ 10971 w 1080000"/>
+                <a:gd name="connsiteY7" fmla="*/ 938533 h 1262947"/>
+                <a:gd name="connsiteX8" fmla="*/ 15626 w 1080000"/>
+                <a:gd name="connsiteY8" fmla="*/ 931034 h 1262947"/>
+                <a:gd name="connsiteX9" fmla="*/ 0 w 1080000"/>
+                <a:gd name="connsiteY9" fmla="*/ 931034 h 1262947"/>
+                <a:gd name="connsiteX0" fmla="*/ 540000 w 1080000"/>
+                <a:gd name="connsiteY0" fmla="*/ 0 h 1262947"/>
+                <a:gd name="connsiteX1" fmla="*/ 1080000 w 1080000"/>
+                <a:gd name="connsiteY1" fmla="*/ 931034 h 1262947"/>
+                <a:gd name="connsiteX2" fmla="*/ 1064374 w 1080000"/>
+                <a:gd name="connsiteY2" fmla="*/ 931034 h 1262947"/>
+                <a:gd name="connsiteX3" fmla="*/ 1069029 w 1080000"/>
+                <a:gd name="connsiteY3" fmla="*/ 938533 h 1262947"/>
+                <a:gd name="connsiteX4" fmla="*/ 1080000 w 1080000"/>
+                <a:gd name="connsiteY4" fmla="*/ 992947 h 1262947"/>
+                <a:gd name="connsiteX5" fmla="*/ 540000 w 1080000"/>
+                <a:gd name="connsiteY5" fmla="*/ 1262947 h 1262947"/>
+                <a:gd name="connsiteX6" fmla="*/ 0 w 1080000"/>
+                <a:gd name="connsiteY6" fmla="*/ 992947 h 1262947"/>
+                <a:gd name="connsiteX7" fmla="*/ 10971 w 1080000"/>
+                <a:gd name="connsiteY7" fmla="*/ 938533 h 1262947"/>
+                <a:gd name="connsiteX8" fmla="*/ 15626 w 1080000"/>
+                <a:gd name="connsiteY8" fmla="*/ 931034 h 1262947"/>
+                <a:gd name="connsiteX9" fmla="*/ 540000 w 1080000"/>
+                <a:gd name="connsiteY9" fmla="*/ 0 h 1262947"/>
+                <a:gd name="connsiteX0" fmla="*/ 540000 w 1080000"/>
+                <a:gd name="connsiteY0" fmla="*/ 0 h 1262947"/>
+                <a:gd name="connsiteX1" fmla="*/ 1064374 w 1080000"/>
+                <a:gd name="connsiteY1" fmla="*/ 931034 h 1262947"/>
+                <a:gd name="connsiteX2" fmla="*/ 1069029 w 1080000"/>
+                <a:gd name="connsiteY2" fmla="*/ 938533 h 1262947"/>
+                <a:gd name="connsiteX3" fmla="*/ 1080000 w 1080000"/>
+                <a:gd name="connsiteY3" fmla="*/ 992947 h 1262947"/>
+                <a:gd name="connsiteX4" fmla="*/ 540000 w 1080000"/>
+                <a:gd name="connsiteY4" fmla="*/ 1262947 h 1262947"/>
+                <a:gd name="connsiteX5" fmla="*/ 0 w 1080000"/>
+                <a:gd name="connsiteY5" fmla="*/ 992947 h 1262947"/>
+                <a:gd name="connsiteX6" fmla="*/ 10971 w 1080000"/>
+                <a:gd name="connsiteY6" fmla="*/ 938533 h 1262947"/>
+                <a:gd name="connsiteX7" fmla="*/ 15626 w 1080000"/>
+                <a:gd name="connsiteY7" fmla="*/ 931034 h 1262947"/>
+                <a:gd name="connsiteX8" fmla="*/ 540000 w 1080000"/>
+                <a:gd name="connsiteY8" fmla="*/ 0 h 1262947"/>
+              </a:gdLst>
+              <a:ahLst/>
+              <a:cxnLst>
+                <a:cxn ang="0">
+                  <a:pos x="connsiteX0" y="connsiteY0"/>
+                </a:cxn>
+                <a:cxn ang="0">
+                  <a:pos x="connsiteX1" y="connsiteY1"/>
+                </a:cxn>
+                <a:cxn ang="0">
+                  <a:pos x="connsiteX2" y="connsiteY2"/>
+                </a:cxn>
+                <a:cxn ang="0">
+                  <a:pos x="connsiteX3" y="connsiteY3"/>
+                </a:cxn>
+                <a:cxn ang="0">
+                  <a:pos x="connsiteX4" y="connsiteY4"/>
+                </a:cxn>
+                <a:cxn ang="0">
+                  <a:pos x="connsiteX5" y="connsiteY5"/>
+                </a:cxn>
+                <a:cxn ang="0">
+                  <a:pos x="connsiteX6" y="connsiteY6"/>
+                </a:cxn>
+                <a:cxn ang="0">
+                  <a:pos x="connsiteX7" y="connsiteY7"/>
+                </a:cxn>
+                <a:cxn ang="0">
+                  <a:pos x="connsiteX8" y="connsiteY8"/>
+                </a:cxn>
+              </a:cxnLst>
+              <a:rect l="l" t="t" r="r" b="b"/>
+              <a:pathLst>
+                <a:path w="1080000" h="1262947">
+                  <a:moveTo>
+                    <a:pt x="540000" y="0"/>
+                  </a:moveTo>
+                  <a:lnTo>
+                    <a:pt x="1064374" y="931034"/>
+                  </a:lnTo>
+                  <a:lnTo>
+                    <a:pt x="1069029" y="938533"/>
+                  </a:lnTo>
+                  <a:cubicBezTo>
+                    <a:pt x="1076223" y="956109"/>
+                    <a:pt x="1080000" y="974307"/>
+                    <a:pt x="1080000" y="992947"/>
+                  </a:cubicBezTo>
+                  <a:cubicBezTo>
+                    <a:pt x="1080000" y="1142064"/>
+                    <a:pt x="838234" y="1262947"/>
+                    <a:pt x="540000" y="1262947"/>
+                  </a:cubicBezTo>
+                  <a:cubicBezTo>
+                    <a:pt x="241766" y="1262947"/>
+                    <a:pt x="0" y="1142064"/>
+                    <a:pt x="0" y="992947"/>
+                  </a:cubicBezTo>
+                  <a:cubicBezTo>
+                    <a:pt x="0" y="974307"/>
+                    <a:pt x="3778" y="956109"/>
+                    <a:pt x="10971" y="938533"/>
+                  </a:cubicBezTo>
+                  <a:lnTo>
+                    <a:pt x="15626" y="931034"/>
+                  </a:lnTo>
+                  <a:lnTo>
+                    <a:pt x="540000" y="0"/>
+                  </a:lnTo>
+                  <a:close/>
+                </a:path>
+              </a:pathLst>
+            </a:custGeom>
+            <a:gradFill>
+              <a:gsLst>
+                <a:gs pos="60000">
+                  <a:schemeClr val="bg2">
+                    <a:lumMod val="90000"/>
+                    <a:lumOff val="10000"/>
+                  </a:schemeClr>
+                </a:gs>
+                <a:gs pos="30000">
+                  <a:schemeClr val="bg2">
+                    <a:lumMod val="90000"/>
+                    <a:lumOff val="10000"/>
+                  </a:schemeClr>
+                </a:gs>
+                <a:gs pos="40000">
+                  <a:schemeClr val="bg2">
+                    <a:lumMod val="80000"/>
+                    <a:lumOff val="20000"/>
+                  </a:schemeClr>
+                </a:gs>
+                <a:gs pos="100000">
+                  <a:schemeClr val="bg2"/>
+                </a:gs>
+              </a:gsLst>
+              <a:lin ang="600000" scaled="0"/>
+            </a:gradFill>
+            <a:ln>
+              <a:noFill/>
+            </a:ln>
+            <a:effectLst>
+              <a:innerShdw blurRad="254000" dist="101600" dir="7320000">
+                <a:schemeClr val="accent1">
+                  <a:lumMod val="60000"/>
+                  <a:lumOff val="40000"/>
+                  <a:alpha val="40000"/>
+                </a:schemeClr>
+              </a:innerShdw>
+            </a:effectLst>
+          </p:spPr>
+          <p:style>
+            <a:lnRef idx="2">
+              <a:schemeClr val="accent1">
+                <a:shade val="50000"/>
+              </a:schemeClr>
+            </a:lnRef>
+            <a:fillRef idx="1">
+              <a:schemeClr val="accent1"/>
+            </a:fillRef>
+            <a:effectRef idx="0">
+              <a:schemeClr val="accent1"/>
+            </a:effectRef>
+            <a:fontRef idx="minor">
+              <a:schemeClr val="lt1"/>
+            </a:fontRef>
+          </p:style>
+          <p:txBody>
+            <a:bodyPr rot="0" spcFirstLastPara="0" vertOverflow="overflow" horzOverflow="overflow" vert="horz" wrap="square" lIns="91440" tIns="45720" rIns="91440" bIns="45720" numCol="1" spcCol="0" rtlCol="0" fromWordArt="0" anchor="ctr" anchorCtr="0" forceAA="0" compatLnSpc="1">
+              <a:prstTxWarp prst="textNoShape">
+                <a:avLst/>
+              </a:prstTxWarp>
+              <a:noAutofit/>
+            </a:bodyPr>
+            <a:lstStyle/>
+            <a:p>
+              <a:pPr algn="ctr"/>
+              <a:endParaRPr lang="en-US"/>
+            </a:p>
+          </p:txBody>
+        </p:sp>
+        <p:sp>
+          <p:nvSpPr>
+            <p:cNvPr id="27" name="Oval 26">
+              <a:extLst>
+                <a:ext uri="{FF2B5EF4-FFF2-40B4-BE49-F238E27FC236}">
+                  <a16:creationId xmlns:a16="http://schemas.microsoft.com/office/drawing/2014/main" id="{962BE440-9634-4380-B142-5DB692420C52}"/>
+                </a:ext>
+              </a:extLst>
+            </p:cNvPr>
+            <p:cNvSpPr/>
+            <p:nvPr/>
+          </p:nvSpPr>
+          <p:spPr>
+            <a:xfrm rot="13500000">
+              <a:off x="10415015" y="2179851"/>
+              <a:ext cx="540000" cy="1080000"/>
+            </a:xfrm>
+            <a:prstGeom prst="ellipse">
+              <a:avLst/>
+            </a:prstGeom>
+            <a:gradFill>
+              <a:gsLst>
+                <a:gs pos="100000">
+                  <a:schemeClr val="accent1">
+                    <a:lumMod val="60000"/>
+                    <a:lumOff val="40000"/>
+                    <a:alpha val="0"/>
+                  </a:schemeClr>
+                </a:gs>
+                <a:gs pos="0">
+                  <a:schemeClr val="bg2">
+                    <a:lumMod val="75000"/>
+                    <a:lumOff val="25000"/>
+                    <a:alpha val="33000"/>
+                  </a:schemeClr>
+                </a:gs>
+              </a:gsLst>
+              <a:lin ang="5400000" scaled="0"/>
+            </a:gradFill>
+            <a:ln>
+              <a:noFill/>
+            </a:ln>
+            <a:effectLst>
+              <a:innerShdw blurRad="1270000" dist="2540000">
+                <a:schemeClr val="accent1">
+                  <a:lumMod val="60000"/>
+                  <a:lumOff val="40000"/>
+                  <a:alpha val="0"/>
+                </a:schemeClr>
+              </a:innerShdw>
+            </a:effectLst>
+          </p:spPr>
+          <p:style>
+            <a:lnRef idx="2">
+              <a:schemeClr val="accent1">
+                <a:shade val="50000"/>
+              </a:schemeClr>
+            </a:lnRef>
+            <a:fillRef idx="1">
+              <a:schemeClr val="accent1"/>
+            </a:fillRef>
+            <a:effectRef idx="0">
+              <a:schemeClr val="accent1"/>
+            </a:effectRef>
+            <a:fontRef idx="minor">
+              <a:schemeClr val="lt1"/>
+            </a:fontRef>
+          </p:style>
+          <p:txBody>
+            <a:bodyPr rot="0" spcFirstLastPara="0" vertOverflow="overflow" horzOverflow="overflow" vert="horz" wrap="square" lIns="91440" tIns="45720" rIns="91440" bIns="45720" numCol="1" spcCol="0" rtlCol="0" fromWordArt="0" anchor="ctr" anchorCtr="0" forceAA="0" compatLnSpc="1">
+              <a:prstTxWarp prst="textNoShape">
+                <a:avLst/>
+              </a:prstTxWarp>
+              <a:noAutofit/>
+            </a:bodyPr>
+            <a:lstStyle/>
+            <a:p>
+              <a:pPr algn="ctr"/>
+              <a:endParaRPr lang="en-US"/>
+            </a:p>
+          </p:txBody>
+        </p:sp>
+      </p:grpSp>
+      <p:sp>
+        <p:nvSpPr>
+          <p:cNvPr id="7" name="Title 6">
+            <a:extLst>
+              <a:ext uri="{FF2B5EF4-FFF2-40B4-BE49-F238E27FC236}">
+                <a16:creationId xmlns:a16="http://schemas.microsoft.com/office/drawing/2014/main" id="{4B18D636-CC10-4B1E-AA38-419DCCF2D9C9}"/>
+              </a:ext>
+            </a:extLst>
+          </p:cNvPr>
+          <p:cNvSpPr>
+            <a:spLocks noGrp="1"/>
+          </p:cNvSpPr>
+          <p:nvPr>
+            <p:ph type="title"/>
+          </p:nvPr>
+        </p:nvSpPr>
+        <p:spPr>
+          <a:xfrm>
+            <a:off x="550862" y="549275"/>
+            <a:ext cx="11097551" cy="1332000"/>
+          </a:xfrm>
+        </p:spPr>
+        <p:txBody>
+          <a:bodyPr>
+            <a:normAutofit/>
+          </a:bodyPr>
+          <a:lstStyle/>
+          <a:p>
+            <a:r>
+              <a:rPr lang="en-US" dirty="0" err="1"/>
+              <a:t>bpt</a:t>
+            </a:r>
+            <a:endParaRPr lang="en-US" dirty="0"/>
+          </a:p>
+        </p:txBody>
+      </p:sp>
+      <p:sp>
+        <p:nvSpPr>
+          <p:cNvPr id="4" name="Date Placeholder 3">
+            <a:extLst>
+              <a:ext uri="{FF2B5EF4-FFF2-40B4-BE49-F238E27FC236}">
+                <a16:creationId xmlns:a16="http://schemas.microsoft.com/office/drawing/2014/main" id="{0C329F70-04F7-4C70-BCF8-D4371F54EF2F}"/>
+              </a:ext>
+            </a:extLst>
+          </p:cNvPr>
+          <p:cNvSpPr>
+            <a:spLocks noGrp="1"/>
+          </p:cNvSpPr>
+          <p:nvPr>
+            <p:ph type="dt" sz="half" idx="10"/>
+          </p:nvPr>
+        </p:nvSpPr>
+        <p:spPr>
+          <a:xfrm>
+            <a:off x="550863" y="6507212"/>
+            <a:ext cx="2628900" cy="153888"/>
+          </a:xfrm>
+        </p:spPr>
+        <p:txBody>
+          <a:bodyPr/>
+          <a:lstStyle/>
+          <a:p>
+            <a:r>
+              <a:rPr lang="en-US"/>
+              <a:t>Tuesday, February 2, 20XX</a:t>
+            </a:r>
+            <a:endParaRPr lang="en-US" dirty="0"/>
+          </a:p>
+        </p:txBody>
+      </p:sp>
+      <p:sp>
+        <p:nvSpPr>
+          <p:cNvPr id="5" name="Footer Placeholder 4">
+            <a:extLst>
+              <a:ext uri="{FF2B5EF4-FFF2-40B4-BE49-F238E27FC236}">
+                <a16:creationId xmlns:a16="http://schemas.microsoft.com/office/drawing/2014/main" id="{06A3302E-502D-4151-81C9-5FD6AF9596D6}"/>
+              </a:ext>
+            </a:extLst>
+          </p:cNvPr>
+          <p:cNvSpPr>
+            <a:spLocks noGrp="1"/>
+          </p:cNvSpPr>
+          <p:nvPr>
+            <p:ph type="ftr" sz="quarter" idx="11"/>
+          </p:nvPr>
+        </p:nvSpPr>
+        <p:spPr>
+          <a:xfrm>
+            <a:off x="3359150" y="6507212"/>
+            <a:ext cx="6379210" cy="153888"/>
+          </a:xfrm>
+        </p:spPr>
+        <p:txBody>
+          <a:bodyPr/>
+          <a:lstStyle/>
+          <a:p>
+            <a:r>
+              <a:rPr lang="en-US"/>
+              <a:t>Sample Footer Text</a:t>
+            </a:r>
+          </a:p>
+        </p:txBody>
+      </p:sp>
+      <p:sp>
+        <p:nvSpPr>
+          <p:cNvPr id="6" name="Slide Number Placeholder 5">
+            <a:extLst>
+              <a:ext uri="{FF2B5EF4-FFF2-40B4-BE49-F238E27FC236}">
+                <a16:creationId xmlns:a16="http://schemas.microsoft.com/office/drawing/2014/main" id="{9ED907F8-C614-4D59-A03F-BF9CD5E35703}"/>
+              </a:ext>
+            </a:extLst>
+          </p:cNvPr>
+          <p:cNvSpPr>
+            <a:spLocks noGrp="1"/>
+          </p:cNvSpPr>
+          <p:nvPr>
+            <p:ph type="sldNum" sz="quarter" idx="12"/>
+          </p:nvPr>
+        </p:nvSpPr>
+        <p:spPr>
+          <a:xfrm>
+            <a:off x="9948863" y="6507212"/>
+            <a:ext cx="1692274" cy="153888"/>
+          </a:xfrm>
+        </p:spPr>
+        <p:txBody>
+          <a:bodyPr/>
+          <a:lstStyle/>
+          <a:p>
+            <a:fld id="{DBA1B0FB-D917-4C8C-928F-313BD683BF39}" type="slidenum">
+              <a:rPr lang="en-US" smtClean="0"/>
+              <a:pPr/>
+              <a:t>17</a:t>
+            </a:fld>
+            <a:endParaRPr lang="en-US"/>
+          </a:p>
+        </p:txBody>
+      </p:sp>
+      <p:sp>
+        <p:nvSpPr>
+          <p:cNvPr id="22" name="Freeform: Shape 21">
+            <a:extLst>
+              <a:ext uri="{FF2B5EF4-FFF2-40B4-BE49-F238E27FC236}">
+                <a16:creationId xmlns:a16="http://schemas.microsoft.com/office/drawing/2014/main" id="{C6F3814E-455F-456B-B1AF-7B993965A2C0}"/>
+              </a:ext>
+              <a:ext uri="{C183D7F6-B498-43B3-948B-1728B52AA6E4}">
+                <adec:decorative xmlns:adec="http://schemas.microsoft.com/office/drawing/2017/decorative" val="1"/>
+              </a:ext>
+            </a:extLst>
+          </p:cNvPr>
+          <p:cNvSpPr>
+            <a:spLocks noChangeAspect="1"/>
+          </p:cNvSpPr>
+          <p:nvPr/>
+        </p:nvSpPr>
+        <p:spPr>
+          <a:xfrm>
+            <a:off x="4295775" y="0"/>
+            <a:ext cx="360000" cy="274638"/>
+          </a:xfrm>
+          <a:custGeom>
+            <a:avLst/>
+            <a:gdLst>
+              <a:gd name="connsiteX0" fmla="*/ 30714 w 360000"/>
+              <a:gd name="connsiteY0" fmla="*/ 0 h 274638"/>
+              <a:gd name="connsiteX1" fmla="*/ 329286 w 360000"/>
+              <a:gd name="connsiteY1" fmla="*/ 0 h 274638"/>
+              <a:gd name="connsiteX2" fmla="*/ 345855 w 360000"/>
+              <a:gd name="connsiteY2" fmla="*/ 24574 h 274638"/>
+              <a:gd name="connsiteX3" fmla="*/ 360000 w 360000"/>
+              <a:gd name="connsiteY3" fmla="*/ 94638 h 274638"/>
+              <a:gd name="connsiteX4" fmla="*/ 180000 w 360000"/>
+              <a:gd name="connsiteY4" fmla="*/ 274638 h 274638"/>
+              <a:gd name="connsiteX5" fmla="*/ 0 w 360000"/>
+              <a:gd name="connsiteY5" fmla="*/ 94638 h 274638"/>
+              <a:gd name="connsiteX6" fmla="*/ 14145 w 360000"/>
+              <a:gd name="connsiteY6" fmla="*/ 24574 h 274638"/>
+            </a:gdLst>
+            <a:ahLst/>
+            <a:cxnLst>
+              <a:cxn ang="0">
+                <a:pos x="connsiteX0" y="connsiteY0"/>
+              </a:cxn>
+              <a:cxn ang="0">
+                <a:pos x="connsiteX1" y="connsiteY1"/>
+              </a:cxn>
+              <a:cxn ang="0">
+                <a:pos x="connsiteX2" y="connsiteY2"/>
+              </a:cxn>
+              <a:cxn ang="0">
+                <a:pos x="connsiteX3" y="connsiteY3"/>
+              </a:cxn>
+              <a:cxn ang="0">
+                <a:pos x="connsiteX4" y="connsiteY4"/>
+              </a:cxn>
+              <a:cxn ang="0">
+                <a:pos x="connsiteX5" y="connsiteY5"/>
+              </a:cxn>
+              <a:cxn ang="0">
+                <a:pos x="connsiteX6" y="connsiteY6"/>
+              </a:cxn>
+            </a:cxnLst>
+            <a:rect l="l" t="t" r="r" b="b"/>
+            <a:pathLst>
+              <a:path w="360000" h="274638">
+                <a:moveTo>
+                  <a:pt x="30714" y="0"/>
+                </a:moveTo>
+                <a:lnTo>
+                  <a:pt x="329286" y="0"/>
+                </a:lnTo>
+                <a:lnTo>
+                  <a:pt x="345855" y="24574"/>
+                </a:lnTo>
+                <a:cubicBezTo>
+                  <a:pt x="354963" y="46109"/>
+                  <a:pt x="360000" y="69785"/>
+                  <a:pt x="360000" y="94638"/>
+                </a:cubicBezTo>
+                <a:cubicBezTo>
+                  <a:pt x="360000" y="194049"/>
+                  <a:pt x="279411" y="274638"/>
+                  <a:pt x="180000" y="274638"/>
+                </a:cubicBezTo>
+                <a:cubicBezTo>
+                  <a:pt x="80589" y="274638"/>
+                  <a:pt x="0" y="194049"/>
+                  <a:pt x="0" y="94638"/>
+                </a:cubicBezTo>
+                <a:cubicBezTo>
+                  <a:pt x="0" y="69785"/>
+                  <a:pt x="5037" y="46109"/>
+                  <a:pt x="14145" y="24574"/>
+                </a:cubicBezTo>
+                <a:close/>
+              </a:path>
+            </a:pathLst>
+          </a:custGeom>
+          <a:gradFill flip="none" rotWithShape="1">
+            <a:gsLst>
+              <a:gs pos="100000">
+                <a:schemeClr val="bg2">
+                  <a:lumMod val="50000"/>
+                  <a:lumOff val="50000"/>
+                </a:schemeClr>
+              </a:gs>
+              <a:gs pos="60000">
+                <a:schemeClr val="bg2"/>
+              </a:gs>
+            </a:gsLst>
+            <a:path path="circle">
+              <a:fillToRect l="100000" b="100000"/>
+            </a:path>
+            <a:tileRect t="-100000" r="-100000"/>
+          </a:gradFill>
+          <a:ln>
+            <a:noFill/>
+          </a:ln>
+          <a:effectLst>
+            <a:innerShdw blurRad="127000" dist="63500" dir="2700000">
+              <a:schemeClr val="accent1">
+                <a:lumMod val="60000"/>
+                <a:lumOff val="40000"/>
+                <a:alpha val="20000"/>
+              </a:schemeClr>
+            </a:innerShdw>
+            <a:softEdge rad="0"/>
+          </a:effectLst>
+        </p:spPr>
+        <p:style>
+          <a:lnRef idx="2">
+            <a:schemeClr val="accent1">
+              <a:shade val="50000"/>
+            </a:schemeClr>
+          </a:lnRef>
+          <a:fillRef idx="1">
+            <a:schemeClr val="accent1"/>
+          </a:fillRef>
+          <a:effectRef idx="0">
+            <a:schemeClr val="accent1"/>
+          </a:effectRef>
+          <a:fontRef idx="minor">
+            <a:schemeClr val="lt1"/>
+          </a:fontRef>
+        </p:style>
+        <p:txBody>
+          <a:bodyPr rot="0" spcFirstLastPara="0" vertOverflow="overflow" horzOverflow="overflow" vert="horz" wrap="square" lIns="91440" tIns="45720" rIns="91440" bIns="45720" numCol="1" spcCol="0" rtlCol="0" fromWordArt="0" anchor="ctr" anchorCtr="0" forceAA="0" compatLnSpc="1">
+            <a:prstTxWarp prst="textNoShape">
+              <a:avLst/>
+            </a:prstTxWarp>
+            <a:noAutofit/>
+          </a:bodyPr>
+          <a:lstStyle/>
+          <a:p>
+            <a:pPr algn="ctr"/>
+            <a:endParaRPr lang="en-US"/>
+          </a:p>
+        </p:txBody>
+      </p:sp>
+      <p:sp>
+        <p:nvSpPr>
+          <p:cNvPr id="8" name="Text Placeholder 7">
+            <a:extLst>
+              <a:ext uri="{FF2B5EF4-FFF2-40B4-BE49-F238E27FC236}">
+                <a16:creationId xmlns:a16="http://schemas.microsoft.com/office/drawing/2014/main" id="{7B6D0B7C-2557-C6B9-66AB-38A5663BBC19}"/>
+              </a:ext>
+            </a:extLst>
+          </p:cNvPr>
+          <p:cNvSpPr>
+            <a:spLocks noGrp="1"/>
+          </p:cNvSpPr>
+          <p:nvPr>
+            <p:ph type="body" idx="1"/>
+          </p:nvPr>
+        </p:nvSpPr>
+        <p:spPr/>
+        <p:txBody>
+          <a:bodyPr/>
+          <a:lstStyle/>
+          <a:p>
+            <a:r>
+              <a:rPr lang="en-AU" dirty="0"/>
+              <a:t>About</a:t>
+            </a:r>
+          </a:p>
+        </p:txBody>
+      </p:sp>
+      <p:sp>
+        <p:nvSpPr>
+          <p:cNvPr id="13" name="Content Placeholder 12">
+            <a:extLst>
+              <a:ext uri="{FF2B5EF4-FFF2-40B4-BE49-F238E27FC236}">
+                <a16:creationId xmlns:a16="http://schemas.microsoft.com/office/drawing/2014/main" id="{9ADEC817-9A4C-5DCA-EEAE-C4C64E407C95}"/>
+              </a:ext>
+            </a:extLst>
+          </p:cNvPr>
+          <p:cNvSpPr>
+            <a:spLocks noGrp="1"/>
+          </p:cNvSpPr>
+          <p:nvPr>
+            <p:ph sz="half" idx="2"/>
+          </p:nvPr>
+        </p:nvSpPr>
+        <p:spPr/>
+        <p:txBody>
+          <a:bodyPr>
+            <a:normAutofit fontScale="92500"/>
+          </a:bodyPr>
+          <a:lstStyle/>
+          <a:p>
+            <a:r>
+              <a:rPr lang="en-AU" dirty="0" err="1"/>
+              <a:t>bpt</a:t>
+            </a:r>
+            <a:r>
+              <a:rPr lang="en-AU" dirty="0"/>
+              <a:t> is a new build and packaging tool for C++.</a:t>
+            </a:r>
+          </a:p>
+          <a:p>
+            <a:r>
+              <a:rPr lang="en-AU" dirty="0"/>
+              <a:t>Later in the series we will be using it to build, run, debug and unit test your C++ code.</a:t>
+            </a:r>
+          </a:p>
+          <a:p>
+            <a:r>
+              <a:rPr lang="en-AU" dirty="0" err="1"/>
+              <a:t>bpt</a:t>
+            </a:r>
+            <a:r>
+              <a:rPr lang="en-AU" dirty="0"/>
+              <a:t> is experimental, and so we may have issues that come up. Not to worry, you will also learn about other methods for building applications </a:t>
+            </a:r>
+            <a:r>
+              <a:rPr lang="en-AU"/>
+              <a:t>as well</a:t>
+            </a:r>
+            <a:r>
+              <a:rPr lang="en-AU" dirty="0"/>
+              <a:t>.</a:t>
+            </a:r>
+            <a:endParaRPr lang="en-AU"/>
+          </a:p>
+        </p:txBody>
+      </p:sp>
+      <p:sp>
+        <p:nvSpPr>
+          <p:cNvPr id="15" name="Text Placeholder 14">
+            <a:extLst>
+              <a:ext uri="{FF2B5EF4-FFF2-40B4-BE49-F238E27FC236}">
+                <a16:creationId xmlns:a16="http://schemas.microsoft.com/office/drawing/2014/main" id="{D87C775A-51E5-2B68-55D4-4AC86A4CB72C}"/>
+              </a:ext>
+            </a:extLst>
+          </p:cNvPr>
+          <p:cNvSpPr>
+            <a:spLocks noGrp="1"/>
+          </p:cNvSpPr>
+          <p:nvPr>
+            <p:ph type="body" sz="quarter" idx="3"/>
+          </p:nvPr>
+        </p:nvSpPr>
+        <p:spPr/>
+        <p:txBody>
+          <a:bodyPr/>
+          <a:lstStyle/>
+          <a:p>
+            <a:r>
+              <a:rPr lang="en-AU" dirty="0"/>
+              <a:t>Install</a:t>
+            </a:r>
+          </a:p>
+        </p:txBody>
+      </p:sp>
+      <p:sp>
+        <p:nvSpPr>
+          <p:cNvPr id="17" name="Content Placeholder 16">
+            <a:extLst>
+              <a:ext uri="{FF2B5EF4-FFF2-40B4-BE49-F238E27FC236}">
+                <a16:creationId xmlns:a16="http://schemas.microsoft.com/office/drawing/2014/main" id="{63A4DC4B-7C41-C731-9706-6F91B08AD986}"/>
+              </a:ext>
+            </a:extLst>
+          </p:cNvPr>
+          <p:cNvSpPr>
+            <a:spLocks noGrp="1"/>
+          </p:cNvSpPr>
+          <p:nvPr>
+            <p:ph sz="quarter" idx="4"/>
+          </p:nvPr>
+        </p:nvSpPr>
+        <p:spPr/>
+        <p:txBody>
+          <a:bodyPr/>
+          <a:lstStyle/>
+          <a:p>
+            <a:r>
+              <a:rPr lang="en-AU" dirty="0"/>
+              <a:t>To install </a:t>
+            </a:r>
+            <a:r>
+              <a:rPr lang="en-AU" dirty="0" err="1"/>
+              <a:t>bpt</a:t>
+            </a:r>
+            <a:r>
+              <a:rPr lang="en-AU" dirty="0"/>
+              <a:t> is super simple. On your terminal run:</a:t>
+            </a:r>
+          </a:p>
+          <a:p>
+            <a:pPr lvl="1"/>
+            <a:r>
+              <a:rPr lang="en-AU" dirty="0"/>
+              <a:t>`curl </a:t>
+            </a:r>
+            <a:r>
+              <a:rPr lang="en-AU" dirty="0" err="1"/>
+              <a:t>bpt.pizza</a:t>
+            </a:r>
+            <a:r>
+              <a:rPr lang="en-AU" dirty="0"/>
+              <a:t>/get/</a:t>
+            </a:r>
+            <a:r>
+              <a:rPr lang="en-AU" dirty="0" err="1"/>
+              <a:t>macos</a:t>
+            </a:r>
+            <a:r>
+              <a:rPr lang="en-AU" dirty="0"/>
+              <a:t> –Lo </a:t>
+            </a:r>
+            <a:r>
+              <a:rPr lang="en-AU" dirty="0" err="1"/>
+              <a:t>bpt</a:t>
+            </a:r>
+            <a:r>
+              <a:rPr lang="en-AU" dirty="0"/>
+              <a:t>` (MacOS)</a:t>
+            </a:r>
+          </a:p>
+          <a:p>
+            <a:pPr lvl="1"/>
+            <a:r>
+              <a:rPr lang="en-AU" dirty="0"/>
+              <a:t>`curl </a:t>
+            </a:r>
+            <a:r>
+              <a:rPr lang="en-AU" dirty="0" err="1"/>
+              <a:t>bpt.pizza</a:t>
+            </a:r>
+            <a:r>
+              <a:rPr lang="en-AU" dirty="0"/>
+              <a:t>/get/</a:t>
+            </a:r>
+            <a:r>
+              <a:rPr lang="en-AU" dirty="0" err="1"/>
+              <a:t>linux</a:t>
+            </a:r>
+            <a:r>
+              <a:rPr lang="en-AU" dirty="0"/>
+              <a:t> –Lo </a:t>
+            </a:r>
+            <a:r>
+              <a:rPr lang="en-AU" dirty="0" err="1"/>
+              <a:t>bpt</a:t>
+            </a:r>
+            <a:r>
+              <a:rPr lang="en-AU" dirty="0"/>
+              <a:t>` (Linux)</a:t>
+            </a:r>
+          </a:p>
+          <a:p>
+            <a:r>
+              <a:rPr lang="en-AU" dirty="0"/>
+              <a:t>To install </a:t>
+            </a:r>
+            <a:r>
+              <a:rPr lang="en-AU" dirty="0" err="1"/>
+              <a:t>bpt</a:t>
+            </a:r>
+            <a:r>
+              <a:rPr lang="en-AU" dirty="0"/>
+              <a:t> to your PATH run:</a:t>
+            </a:r>
+          </a:p>
+          <a:p>
+            <a:pPr lvl="1"/>
+            <a:r>
+              <a:rPr lang="en-AU" dirty="0"/>
+              <a:t>`</a:t>
+            </a:r>
+            <a:r>
+              <a:rPr lang="en-AU" dirty="0" err="1"/>
+              <a:t>chmod</a:t>
+            </a:r>
+            <a:r>
+              <a:rPr lang="en-AU" dirty="0"/>
+              <a:t> </a:t>
+            </a:r>
+            <a:r>
+              <a:rPr lang="en-AU" dirty="0" err="1"/>
+              <a:t>a+x</a:t>
+            </a:r>
+            <a:r>
+              <a:rPr lang="en-AU" dirty="0"/>
+              <a:t> </a:t>
+            </a:r>
+            <a:r>
+              <a:rPr lang="en-AU" dirty="0" err="1"/>
+              <a:t>bpt</a:t>
+            </a:r>
+            <a:r>
+              <a:rPr lang="en-AU" dirty="0"/>
+              <a:t>`</a:t>
+            </a:r>
+          </a:p>
+          <a:p>
+            <a:pPr lvl="1"/>
+            <a:r>
+              <a:rPr lang="en-AU" dirty="0"/>
+              <a:t>`./</a:t>
+            </a:r>
+            <a:r>
+              <a:rPr lang="en-AU" dirty="0" err="1"/>
+              <a:t>bpt</a:t>
+            </a:r>
+            <a:r>
+              <a:rPr lang="en-AU" dirty="0"/>
+              <a:t> install-yourself`</a:t>
+            </a:r>
+          </a:p>
+          <a:p>
+            <a:endParaRPr lang="en-AU" dirty="0"/>
+          </a:p>
+        </p:txBody>
+      </p:sp>
+    </p:spTree>
+    <p:extLst>
+      <p:ext uri="{BB962C8B-B14F-4D97-AF65-F5344CB8AC3E}">
+        <p14:creationId xmlns:p14="http://schemas.microsoft.com/office/powerpoint/2010/main" val="3913030721"/>
+      </p:ext>
+    </p:extLst>
+  </p:cSld>
+  <p:clrMapOvr>
+    <a:masterClrMapping/>
+  </p:clrMapOvr>
+  <mc:AlternateContent xmlns:mc="http://schemas.openxmlformats.org/markup-compatibility/2006">
+    <mc:Choice xmlns:p159="http://schemas.microsoft.com/office/powerpoint/2015/09/main" Requires="p159">
+      <p:transition xmlns:p14="http://schemas.microsoft.com/office/powerpoint/2010/main" spd="slow" p14:dur="2000">
+        <p159:morph option="byChar"/>
+      </p:transition>
+    </mc:Choice>
+    <mc:Fallback>
+      <p:transition spd="slow">
+        <p:fade/>
+      </p:transition>
+    </mc:Fallback>
+  </mc:AlternateContent>
+</p:sld>
+</file>
+
+<file path=ppt/slides/slide18.xml><?xml version="1.0" encoding="utf-8"?>
+<p:sld xmlns:a="http://schemas.openxmlformats.org/drawingml/2006/main" xmlns:r="http://schemas.openxmlformats.org/officeDocument/2006/relationships" xmlns:p="http://schemas.openxmlformats.org/presentationml/2006/main">
+  <p:cSld>
+    <p:spTree>
+      <p:nvGrpSpPr>
+        <p:cNvPr id="1" name=""/>
+        <p:cNvGrpSpPr/>
+        <p:nvPr/>
+      </p:nvGrpSpPr>
+      <p:grpSpPr>
+        <a:xfrm>
+          <a:off x="0" y="0"/>
+          <a:ext cx="0" cy="0"/>
+          <a:chOff x="0" y="0"/>
+          <a:chExt cx="0" cy="0"/>
+        </a:xfrm>
+      </p:grpSpPr>
       <p:sp>
         <p:nvSpPr>
           <p:cNvPr id="7" name="Title 6">
@@ -25618,7 +28615,7 @@
             <a:fld id="{DBA1B0FB-D917-4C8C-928F-313BD683BF39}" type="slidenum">
               <a:rPr lang="en-US" smtClean="0"/>
               <a:pPr/>
-              <a:t>15</a:t>
+              <a:t>18</a:t>
             </a:fld>
             <a:endParaRPr lang="en-US"/>
           </a:p>
@@ -25649,7 +28646,7 @@
 </p:sld>
 </file>
 
-<file path=ppt/slides/slide16.xml><?xml version="1.0" encoding="utf-8"?>
+<file path=ppt/slides/slide19.xml><?xml version="1.0" encoding="utf-8"?>
 <p:sld xmlns:a="http://schemas.openxmlformats.org/drawingml/2006/main" xmlns:r="http://schemas.openxmlformats.org/officeDocument/2006/relationships" xmlns:p="http://schemas.openxmlformats.org/presentationml/2006/main">
   <p:cSld>
     <p:spTree>
@@ -27288,7 +30285,7 @@
             <a:fld id="{DBA1B0FB-D917-4C8C-928F-313BD683BF39}" type="slidenum">
               <a:rPr lang="en-US" smtClean="0"/>
               <a:pPr/>
-              <a:t>16</a:t>
+              <a:t>19</a:t>
             </a:fld>
             <a:endParaRPr lang="en-US"/>
           </a:p>
@@ -27319,7 +30316,359 @@
 </p:sld>
 </file>
 
-<file path=ppt/slides/slide17.xml><?xml version="1.0" encoding="utf-8"?>
+<file path=ppt/slides/slide2.xml><?xml version="1.0" encoding="utf-8"?>
+<p:sld xmlns:a="http://schemas.openxmlformats.org/drawingml/2006/main" xmlns:r="http://schemas.openxmlformats.org/officeDocument/2006/relationships" xmlns:p="http://schemas.openxmlformats.org/presentationml/2006/main">
+  <p:cSld>
+    <p:spTree>
+      <p:nvGrpSpPr>
+        <p:cNvPr id="1" name=""/>
+        <p:cNvGrpSpPr/>
+        <p:nvPr/>
+      </p:nvGrpSpPr>
+      <p:grpSpPr>
+        <a:xfrm>
+          <a:off x="0" y="0"/>
+          <a:ext cx="0" cy="0"/>
+          <a:chOff x="0" y="0"/>
+          <a:chExt cx="0" cy="0"/>
+        </a:xfrm>
+      </p:grpSpPr>
+      <p:sp>
+        <p:nvSpPr>
+          <p:cNvPr id="11" name="Title 10">
+            <a:extLst>
+              <a:ext uri="{FF2B5EF4-FFF2-40B4-BE49-F238E27FC236}">
+                <a16:creationId xmlns:a16="http://schemas.microsoft.com/office/drawing/2014/main" id="{23418ADF-358F-4647-A511-FCFFEDA83429}"/>
+              </a:ext>
+            </a:extLst>
+          </p:cNvPr>
+          <p:cNvSpPr>
+            <a:spLocks noGrp="1"/>
+          </p:cNvSpPr>
+          <p:nvPr>
+            <p:ph type="title"/>
+          </p:nvPr>
+        </p:nvSpPr>
+        <p:spPr>
+          <a:xfrm>
+            <a:off x="550863" y="4507200"/>
+            <a:ext cx="4500562" cy="1562959"/>
+          </a:xfrm>
+        </p:spPr>
+        <p:txBody>
+          <a:bodyPr/>
+          <a:lstStyle/>
+          <a:p>
+            <a:r>
+              <a:rPr lang="en-US" dirty="0"/>
+              <a:t>Welcome</a:t>
+            </a:r>
+          </a:p>
+        </p:txBody>
+      </p:sp>
+      <p:pic>
+        <p:nvPicPr>
+          <p:cNvPr id="18" name="Picture Placeholder 17" descr="A group of people sitting at a table">
+            <a:extLst>
+              <a:ext uri="{FF2B5EF4-FFF2-40B4-BE49-F238E27FC236}">
+                <a16:creationId xmlns:a16="http://schemas.microsoft.com/office/drawing/2014/main" id="{E2536017-F539-430C-A901-70AB81CA612A}"/>
+              </a:ext>
+            </a:extLst>
+          </p:cNvPr>
+          <p:cNvPicPr>
+            <a:picLocks noGrp="1" noChangeAspect="1"/>
+          </p:cNvPicPr>
+          <p:nvPr>
+            <p:ph type="pic" sz="quarter" idx="13"/>
+          </p:nvPr>
+        </p:nvPicPr>
+        <p:blipFill rotWithShape="1">
+          <a:blip r:embed="rId3" cstate="screen">
+            <a:extLst>
+              <a:ext uri="{28A0092B-C50C-407E-A947-70E740481C1C}">
+                <a14:useLocalDpi xmlns:a14="http://schemas.microsoft.com/office/drawing/2010/main" val="0"/>
+              </a:ext>
+            </a:extLst>
+          </a:blip>
+          <a:srcRect t="42" b="42"/>
+          <a:stretch/>
+        </p:blipFill>
+        <p:spPr>
+          <a:xfrm>
+            <a:off x="0" y="0"/>
+            <a:ext cx="3054096" cy="3776472"/>
+          </a:xfrm>
+        </p:spPr>
+      </p:pic>
+      <p:pic>
+        <p:nvPicPr>
+          <p:cNvPr id="20" name="Picture Placeholder 19" descr="Data Points Digital background">
+            <a:extLst>
+              <a:ext uri="{FF2B5EF4-FFF2-40B4-BE49-F238E27FC236}">
+                <a16:creationId xmlns:a16="http://schemas.microsoft.com/office/drawing/2014/main" id="{528A7D8D-1AB5-46C4-93FA-D92C2FD51692}"/>
+              </a:ext>
+            </a:extLst>
+          </p:cNvPr>
+          <p:cNvPicPr>
+            <a:picLocks noGrp="1" noChangeAspect="1"/>
+          </p:cNvPicPr>
+          <p:nvPr>
+            <p:ph type="pic" sz="quarter" idx="14"/>
+          </p:nvPr>
+        </p:nvPicPr>
+        <p:blipFill rotWithShape="1">
+          <a:blip r:embed="rId4" cstate="screen">
+            <a:extLst>
+              <a:ext uri="{28A0092B-C50C-407E-A947-70E740481C1C}">
+                <a14:useLocalDpi xmlns:a14="http://schemas.microsoft.com/office/drawing/2010/main" val="0"/>
+              </a:ext>
+            </a:extLst>
+          </a:blip>
+          <a:srcRect t="42" b="42"/>
+          <a:stretch/>
+        </p:blipFill>
+        <p:spPr>
+          <a:xfrm>
+            <a:off x="3054096" y="0"/>
+            <a:ext cx="3054096" cy="3776472"/>
+          </a:xfrm>
+        </p:spPr>
+      </p:pic>
+      <p:pic>
+        <p:nvPicPr>
+          <p:cNvPr id="25" name="Picture Placeholder 24" descr="Digital Graph Screen">
+            <a:extLst>
+              <a:ext uri="{FF2B5EF4-FFF2-40B4-BE49-F238E27FC236}">
+                <a16:creationId xmlns:a16="http://schemas.microsoft.com/office/drawing/2014/main" id="{B7353C46-ACC1-4078-85C2-26B57B0E58B7}"/>
+              </a:ext>
+            </a:extLst>
+          </p:cNvPr>
+          <p:cNvPicPr>
+            <a:picLocks noGrp="1" noChangeAspect="1"/>
+          </p:cNvPicPr>
+          <p:nvPr>
+            <p:ph type="pic" sz="quarter" idx="16"/>
+          </p:nvPr>
+        </p:nvPicPr>
+        <p:blipFill rotWithShape="1">
+          <a:blip r:embed="rId5" cstate="screen">
+            <a:extLst>
+              <a:ext uri="{28A0092B-C50C-407E-A947-70E740481C1C}">
+                <a14:useLocalDpi xmlns:a14="http://schemas.microsoft.com/office/drawing/2010/main" val="0"/>
+              </a:ext>
+            </a:extLst>
+          </a:blip>
+          <a:srcRect t="42" b="42"/>
+          <a:stretch/>
+        </p:blipFill>
+        <p:spPr>
+          <a:xfrm>
+            <a:off x="9137904" y="0"/>
+            <a:ext cx="3054096" cy="3776472"/>
+          </a:xfrm>
+        </p:spPr>
+      </p:pic>
+      <p:sp>
+        <p:nvSpPr>
+          <p:cNvPr id="4" name="Date Placeholder 3">
+            <a:extLst>
+              <a:ext uri="{FF2B5EF4-FFF2-40B4-BE49-F238E27FC236}">
+                <a16:creationId xmlns:a16="http://schemas.microsoft.com/office/drawing/2014/main" id="{0C329F70-04F7-4C70-BCF8-D4371F54EF2F}"/>
+              </a:ext>
+            </a:extLst>
+          </p:cNvPr>
+          <p:cNvSpPr>
+            <a:spLocks noGrp="1"/>
+          </p:cNvSpPr>
+          <p:nvPr>
+            <p:ph type="dt" sz="half" idx="10"/>
+          </p:nvPr>
+        </p:nvSpPr>
+        <p:spPr>
+          <a:xfrm>
+            <a:off x="550863" y="6507212"/>
+            <a:ext cx="2628900" cy="153888"/>
+          </a:xfrm>
+        </p:spPr>
+        <p:txBody>
+          <a:bodyPr/>
+          <a:lstStyle/>
+          <a:p>
+            <a:r>
+              <a:rPr lang="en-US"/>
+              <a:t>Tuesday, February 2, 20XX</a:t>
+            </a:r>
+            <a:endParaRPr lang="en-US" dirty="0"/>
+          </a:p>
+        </p:txBody>
+      </p:sp>
+      <p:sp>
+        <p:nvSpPr>
+          <p:cNvPr id="5" name="Footer Placeholder 4">
+            <a:extLst>
+              <a:ext uri="{FF2B5EF4-FFF2-40B4-BE49-F238E27FC236}">
+                <a16:creationId xmlns:a16="http://schemas.microsoft.com/office/drawing/2014/main" id="{06A3302E-502D-4151-81C9-5FD6AF9596D6}"/>
+              </a:ext>
+            </a:extLst>
+          </p:cNvPr>
+          <p:cNvSpPr>
+            <a:spLocks noGrp="1"/>
+          </p:cNvSpPr>
+          <p:nvPr>
+            <p:ph type="ftr" sz="quarter" idx="11"/>
+          </p:nvPr>
+        </p:nvSpPr>
+        <p:spPr>
+          <a:xfrm>
+            <a:off x="3359150" y="6507212"/>
+            <a:ext cx="6379210" cy="153888"/>
+          </a:xfrm>
+        </p:spPr>
+        <p:txBody>
+          <a:bodyPr/>
+          <a:lstStyle/>
+          <a:p>
+            <a:r>
+              <a:rPr lang="en-US"/>
+              <a:t>Sample Footer Text</a:t>
+            </a:r>
+          </a:p>
+        </p:txBody>
+      </p:sp>
+      <p:sp>
+        <p:nvSpPr>
+          <p:cNvPr id="6" name="Slide Number Placeholder 5">
+            <a:extLst>
+              <a:ext uri="{FF2B5EF4-FFF2-40B4-BE49-F238E27FC236}">
+                <a16:creationId xmlns:a16="http://schemas.microsoft.com/office/drawing/2014/main" id="{9ED907F8-C614-4D59-A03F-BF9CD5E35703}"/>
+              </a:ext>
+            </a:extLst>
+          </p:cNvPr>
+          <p:cNvSpPr>
+            <a:spLocks noGrp="1"/>
+          </p:cNvSpPr>
+          <p:nvPr>
+            <p:ph type="sldNum" sz="quarter" idx="12"/>
+          </p:nvPr>
+        </p:nvSpPr>
+        <p:spPr>
+          <a:xfrm>
+            <a:off x="9948863" y="6507212"/>
+            <a:ext cx="1692274" cy="153888"/>
+          </a:xfrm>
+        </p:spPr>
+        <p:txBody>
+          <a:bodyPr/>
+          <a:lstStyle/>
+          <a:p>
+            <a:fld id="{DBA1B0FB-D917-4C8C-928F-313BD683BF39}" type="slidenum">
+              <a:rPr lang="en-US" smtClean="0"/>
+              <a:pPr/>
+              <a:t>2</a:t>
+            </a:fld>
+            <a:endParaRPr lang="en-US"/>
+          </a:p>
+        </p:txBody>
+      </p:sp>
+      <p:pic>
+        <p:nvPicPr>
+          <p:cNvPr id="23" name="Picture Placeholder 22" descr="A person drawing on a white board">
+            <a:extLst>
+              <a:ext uri="{FF2B5EF4-FFF2-40B4-BE49-F238E27FC236}">
+                <a16:creationId xmlns:a16="http://schemas.microsoft.com/office/drawing/2014/main" id="{2B3C4F95-A0FA-45D9-BF43-1C398F65B891}"/>
+              </a:ext>
+            </a:extLst>
+          </p:cNvPr>
+          <p:cNvPicPr>
+            <a:picLocks noGrp="1" noChangeAspect="1"/>
+          </p:cNvPicPr>
+          <p:nvPr>
+            <p:ph type="pic" sz="quarter" idx="15"/>
+          </p:nvPr>
+        </p:nvPicPr>
+        <p:blipFill rotWithShape="1">
+          <a:blip r:embed="rId6" cstate="screen">
+            <a:extLst>
+              <a:ext uri="{28A0092B-C50C-407E-A947-70E740481C1C}">
+                <a14:useLocalDpi xmlns:a14="http://schemas.microsoft.com/office/drawing/2010/main" val="0"/>
+              </a:ext>
+            </a:extLst>
+          </a:blip>
+          <a:srcRect t="42" b="42"/>
+          <a:stretch/>
+        </p:blipFill>
+        <p:spPr>
+          <a:xfrm>
+            <a:off x="6083808" y="0"/>
+            <a:ext cx="3054096" cy="3776472"/>
+          </a:xfrm>
+        </p:spPr>
+      </p:pic>
+      <p:sp>
+        <p:nvSpPr>
+          <p:cNvPr id="12" name="Content Placeholder 11">
+            <a:extLst>
+              <a:ext uri="{FF2B5EF4-FFF2-40B4-BE49-F238E27FC236}">
+                <a16:creationId xmlns:a16="http://schemas.microsoft.com/office/drawing/2014/main" id="{E5127060-CDBF-435F-9009-A5451CCE305D}"/>
+              </a:ext>
+            </a:extLst>
+          </p:cNvPr>
+          <p:cNvSpPr>
+            <a:spLocks noGrp="1"/>
+          </p:cNvSpPr>
+          <p:nvPr>
+            <p:ph sz="quarter" idx="15"/>
+          </p:nvPr>
+        </p:nvSpPr>
+        <p:spPr>
+          <a:xfrm>
+            <a:off x="5262563" y="4508500"/>
+            <a:ext cx="6221412" cy="1563688"/>
+          </a:xfrm>
+          <a:noFill/>
+        </p:spPr>
+        <p:txBody>
+          <a:bodyPr>
+            <a:normAutofit/>
+          </a:bodyPr>
+          <a:lstStyle/>
+          <a:p>
+            <a:pPr marL="0" indent="0">
+              <a:buNone/>
+            </a:pPr>
+            <a:r>
+              <a:rPr lang="en-US" dirty="0"/>
+              <a:t>Welcome to High Performance Programming Team. Over the course of this workshop series you will  </a:t>
+            </a:r>
+          </a:p>
+        </p:txBody>
+      </p:sp>
+    </p:spTree>
+    <p:extLst>
+      <p:ext uri="{BB962C8B-B14F-4D97-AF65-F5344CB8AC3E}">
+        <p14:creationId xmlns:p14="http://schemas.microsoft.com/office/powerpoint/2010/main" val="2158886557"/>
+      </p:ext>
+    </p:extLst>
+  </p:cSld>
+  <p:clrMapOvr>
+    <a:masterClrMapping/>
+  </p:clrMapOvr>
+  <mc:AlternateContent xmlns:mc="http://schemas.openxmlformats.org/markup-compatibility/2006" xmlns:p159="http://schemas.microsoft.com/office/powerpoint/2015/09/main">
+    <mc:Choice Requires="p159">
+      <p:transition xmlns:p14="http://schemas.microsoft.com/office/powerpoint/2010/main" spd="slow" p14:dur="2000">
+        <p159:morph option="byChar"/>
+      </p:transition>
+    </mc:Choice>
+    <mc:Fallback xmlns="">
+      <p:transition spd="slow">
+        <p:fade/>
+      </p:transition>
+    </mc:Fallback>
+  </mc:AlternateContent>
+</p:sld>
+</file>
+
+<file path=ppt/slides/slide20.xml><?xml version="1.0" encoding="utf-8"?>
 <p:sld xmlns:a="http://schemas.openxmlformats.org/drawingml/2006/main" xmlns:r="http://schemas.openxmlformats.org/officeDocument/2006/relationships" xmlns:p="http://schemas.openxmlformats.org/presentationml/2006/main">
   <p:cSld>
     <p:spTree>
@@ -27537,7 +30886,7 @@
             <a:fld id="{DBA1B0FB-D917-4C8C-928F-313BD683BF39}" type="slidenum">
               <a:rPr lang="en-US" smtClean="0"/>
               <a:pPr/>
-              <a:t>17</a:t>
+              <a:t>20</a:t>
             </a:fld>
             <a:endParaRPr lang="en-US"/>
           </a:p>
@@ -27568,7 +30917,7 @@
 </p:sld>
 </file>
 
-<file path=ppt/slides/slide18.xml><?xml version="1.0" encoding="utf-8"?>
+<file path=ppt/slides/slide21.xml><?xml version="1.0" encoding="utf-8"?>
 <p:sld xmlns:a="http://schemas.openxmlformats.org/drawingml/2006/main" xmlns:r="http://schemas.openxmlformats.org/officeDocument/2006/relationships" xmlns:p="http://schemas.openxmlformats.org/presentationml/2006/main">
   <p:cSld>
     <p:spTree>
@@ -28198,7 +31547,7 @@
             <a:fld id="{DBA1B0FB-D917-4C8C-928F-313BD683BF39}" type="slidenum">
               <a:rPr lang="en-US" smtClean="0"/>
               <a:pPr/>
-              <a:t>18</a:t>
+              <a:t>21</a:t>
             </a:fld>
             <a:endParaRPr lang="en-US"/>
           </a:p>
@@ -28390,7 +31739,7 @@
 </p:sld>
 </file>
 
-<file path=ppt/slides/slide19.xml><?xml version="1.0" encoding="utf-8"?>
+<file path=ppt/slides/slide22.xml><?xml version="1.0" encoding="utf-8"?>
 <p:sld xmlns:a="http://schemas.openxmlformats.org/drawingml/2006/main" xmlns:r="http://schemas.openxmlformats.org/officeDocument/2006/relationships" xmlns:p="http://schemas.openxmlformats.org/presentationml/2006/main">
   <p:cSld>
     <p:spTree>
@@ -28829,7 +32178,7 @@
             <a:fld id="{DBA1B0FB-D917-4C8C-928F-313BD683BF39}" type="slidenum">
               <a:rPr lang="en-US" smtClean="0"/>
               <a:pPr/>
-              <a:t>19</a:t>
+              <a:t>22</a:t>
             </a:fld>
             <a:endParaRPr lang="en-US"/>
           </a:p>
@@ -28860,359 +32209,7 @@
 </p:sld>
 </file>
 
-<file path=ppt/slides/slide2.xml><?xml version="1.0" encoding="utf-8"?>
-<p:sld xmlns:a="http://schemas.openxmlformats.org/drawingml/2006/main" xmlns:r="http://schemas.openxmlformats.org/officeDocument/2006/relationships" xmlns:p="http://schemas.openxmlformats.org/presentationml/2006/main">
-  <p:cSld>
-    <p:spTree>
-      <p:nvGrpSpPr>
-        <p:cNvPr id="1" name=""/>
-        <p:cNvGrpSpPr/>
-        <p:nvPr/>
-      </p:nvGrpSpPr>
-      <p:grpSpPr>
-        <a:xfrm>
-          <a:off x="0" y="0"/>
-          <a:ext cx="0" cy="0"/>
-          <a:chOff x="0" y="0"/>
-          <a:chExt cx="0" cy="0"/>
-        </a:xfrm>
-      </p:grpSpPr>
-      <p:sp>
-        <p:nvSpPr>
-          <p:cNvPr id="11" name="Title 10">
-            <a:extLst>
-              <a:ext uri="{FF2B5EF4-FFF2-40B4-BE49-F238E27FC236}">
-                <a16:creationId xmlns:a16="http://schemas.microsoft.com/office/drawing/2014/main" id="{23418ADF-358F-4647-A511-FCFFEDA83429}"/>
-              </a:ext>
-            </a:extLst>
-          </p:cNvPr>
-          <p:cNvSpPr>
-            <a:spLocks noGrp="1"/>
-          </p:cNvSpPr>
-          <p:nvPr>
-            <p:ph type="title"/>
-          </p:nvPr>
-        </p:nvSpPr>
-        <p:spPr>
-          <a:xfrm>
-            <a:off x="550863" y="4507200"/>
-            <a:ext cx="4500562" cy="1562959"/>
-          </a:xfrm>
-        </p:spPr>
-        <p:txBody>
-          <a:bodyPr/>
-          <a:lstStyle/>
-          <a:p>
-            <a:r>
-              <a:rPr lang="en-US" dirty="0"/>
-              <a:t>Welcome</a:t>
-            </a:r>
-          </a:p>
-        </p:txBody>
-      </p:sp>
-      <p:pic>
-        <p:nvPicPr>
-          <p:cNvPr id="18" name="Picture Placeholder 17" descr="A group of people sitting at a table">
-            <a:extLst>
-              <a:ext uri="{FF2B5EF4-FFF2-40B4-BE49-F238E27FC236}">
-                <a16:creationId xmlns:a16="http://schemas.microsoft.com/office/drawing/2014/main" id="{E2536017-F539-430C-A901-70AB81CA612A}"/>
-              </a:ext>
-            </a:extLst>
-          </p:cNvPr>
-          <p:cNvPicPr>
-            <a:picLocks noGrp="1" noChangeAspect="1"/>
-          </p:cNvPicPr>
-          <p:nvPr>
-            <p:ph type="pic" sz="quarter" idx="13"/>
-          </p:nvPr>
-        </p:nvPicPr>
-        <p:blipFill rotWithShape="1">
-          <a:blip r:embed="rId3" cstate="screen">
-            <a:extLst>
-              <a:ext uri="{28A0092B-C50C-407E-A947-70E740481C1C}">
-                <a14:useLocalDpi xmlns:a14="http://schemas.microsoft.com/office/drawing/2010/main" val="0"/>
-              </a:ext>
-            </a:extLst>
-          </a:blip>
-          <a:srcRect t="42" b="42"/>
-          <a:stretch/>
-        </p:blipFill>
-        <p:spPr>
-          <a:xfrm>
-            <a:off x="0" y="0"/>
-            <a:ext cx="3054096" cy="3776472"/>
-          </a:xfrm>
-        </p:spPr>
-      </p:pic>
-      <p:pic>
-        <p:nvPicPr>
-          <p:cNvPr id="20" name="Picture Placeholder 19" descr="Data Points Digital background">
-            <a:extLst>
-              <a:ext uri="{FF2B5EF4-FFF2-40B4-BE49-F238E27FC236}">
-                <a16:creationId xmlns:a16="http://schemas.microsoft.com/office/drawing/2014/main" id="{528A7D8D-1AB5-46C4-93FA-D92C2FD51692}"/>
-              </a:ext>
-            </a:extLst>
-          </p:cNvPr>
-          <p:cNvPicPr>
-            <a:picLocks noGrp="1" noChangeAspect="1"/>
-          </p:cNvPicPr>
-          <p:nvPr>
-            <p:ph type="pic" sz="quarter" idx="14"/>
-          </p:nvPr>
-        </p:nvPicPr>
-        <p:blipFill rotWithShape="1">
-          <a:blip r:embed="rId4" cstate="screen">
-            <a:extLst>
-              <a:ext uri="{28A0092B-C50C-407E-A947-70E740481C1C}">
-                <a14:useLocalDpi xmlns:a14="http://schemas.microsoft.com/office/drawing/2010/main" val="0"/>
-              </a:ext>
-            </a:extLst>
-          </a:blip>
-          <a:srcRect t="42" b="42"/>
-          <a:stretch/>
-        </p:blipFill>
-        <p:spPr>
-          <a:xfrm>
-            <a:off x="3054096" y="0"/>
-            <a:ext cx="3054096" cy="3776472"/>
-          </a:xfrm>
-        </p:spPr>
-      </p:pic>
-      <p:pic>
-        <p:nvPicPr>
-          <p:cNvPr id="25" name="Picture Placeholder 24" descr="Digital Graph Screen">
-            <a:extLst>
-              <a:ext uri="{FF2B5EF4-FFF2-40B4-BE49-F238E27FC236}">
-                <a16:creationId xmlns:a16="http://schemas.microsoft.com/office/drawing/2014/main" id="{B7353C46-ACC1-4078-85C2-26B57B0E58B7}"/>
-              </a:ext>
-            </a:extLst>
-          </p:cNvPr>
-          <p:cNvPicPr>
-            <a:picLocks noGrp="1" noChangeAspect="1"/>
-          </p:cNvPicPr>
-          <p:nvPr>
-            <p:ph type="pic" sz="quarter" idx="16"/>
-          </p:nvPr>
-        </p:nvPicPr>
-        <p:blipFill rotWithShape="1">
-          <a:blip r:embed="rId5" cstate="screen">
-            <a:extLst>
-              <a:ext uri="{28A0092B-C50C-407E-A947-70E740481C1C}">
-                <a14:useLocalDpi xmlns:a14="http://schemas.microsoft.com/office/drawing/2010/main" val="0"/>
-              </a:ext>
-            </a:extLst>
-          </a:blip>
-          <a:srcRect t="42" b="42"/>
-          <a:stretch/>
-        </p:blipFill>
-        <p:spPr>
-          <a:xfrm>
-            <a:off x="9137904" y="0"/>
-            <a:ext cx="3054096" cy="3776472"/>
-          </a:xfrm>
-        </p:spPr>
-      </p:pic>
-      <p:sp>
-        <p:nvSpPr>
-          <p:cNvPr id="4" name="Date Placeholder 3">
-            <a:extLst>
-              <a:ext uri="{FF2B5EF4-FFF2-40B4-BE49-F238E27FC236}">
-                <a16:creationId xmlns:a16="http://schemas.microsoft.com/office/drawing/2014/main" id="{0C329F70-04F7-4C70-BCF8-D4371F54EF2F}"/>
-              </a:ext>
-            </a:extLst>
-          </p:cNvPr>
-          <p:cNvSpPr>
-            <a:spLocks noGrp="1"/>
-          </p:cNvSpPr>
-          <p:nvPr>
-            <p:ph type="dt" sz="half" idx="10"/>
-          </p:nvPr>
-        </p:nvSpPr>
-        <p:spPr>
-          <a:xfrm>
-            <a:off x="550863" y="6507212"/>
-            <a:ext cx="2628900" cy="153888"/>
-          </a:xfrm>
-        </p:spPr>
-        <p:txBody>
-          <a:bodyPr/>
-          <a:lstStyle/>
-          <a:p>
-            <a:r>
-              <a:rPr lang="en-US"/>
-              <a:t>Tuesday, February 2, 20XX</a:t>
-            </a:r>
-            <a:endParaRPr lang="en-US" dirty="0"/>
-          </a:p>
-        </p:txBody>
-      </p:sp>
-      <p:sp>
-        <p:nvSpPr>
-          <p:cNvPr id="5" name="Footer Placeholder 4">
-            <a:extLst>
-              <a:ext uri="{FF2B5EF4-FFF2-40B4-BE49-F238E27FC236}">
-                <a16:creationId xmlns:a16="http://schemas.microsoft.com/office/drawing/2014/main" id="{06A3302E-502D-4151-81C9-5FD6AF9596D6}"/>
-              </a:ext>
-            </a:extLst>
-          </p:cNvPr>
-          <p:cNvSpPr>
-            <a:spLocks noGrp="1"/>
-          </p:cNvSpPr>
-          <p:nvPr>
-            <p:ph type="ftr" sz="quarter" idx="11"/>
-          </p:nvPr>
-        </p:nvSpPr>
-        <p:spPr>
-          <a:xfrm>
-            <a:off x="3359150" y="6507212"/>
-            <a:ext cx="6379210" cy="153888"/>
-          </a:xfrm>
-        </p:spPr>
-        <p:txBody>
-          <a:bodyPr/>
-          <a:lstStyle/>
-          <a:p>
-            <a:r>
-              <a:rPr lang="en-US"/>
-              <a:t>Sample Footer Text</a:t>
-            </a:r>
-          </a:p>
-        </p:txBody>
-      </p:sp>
-      <p:sp>
-        <p:nvSpPr>
-          <p:cNvPr id="6" name="Slide Number Placeholder 5">
-            <a:extLst>
-              <a:ext uri="{FF2B5EF4-FFF2-40B4-BE49-F238E27FC236}">
-                <a16:creationId xmlns:a16="http://schemas.microsoft.com/office/drawing/2014/main" id="{9ED907F8-C614-4D59-A03F-BF9CD5E35703}"/>
-              </a:ext>
-            </a:extLst>
-          </p:cNvPr>
-          <p:cNvSpPr>
-            <a:spLocks noGrp="1"/>
-          </p:cNvSpPr>
-          <p:nvPr>
-            <p:ph type="sldNum" sz="quarter" idx="12"/>
-          </p:nvPr>
-        </p:nvSpPr>
-        <p:spPr>
-          <a:xfrm>
-            <a:off x="9948863" y="6507212"/>
-            <a:ext cx="1692274" cy="153888"/>
-          </a:xfrm>
-        </p:spPr>
-        <p:txBody>
-          <a:bodyPr/>
-          <a:lstStyle/>
-          <a:p>
-            <a:fld id="{DBA1B0FB-D917-4C8C-928F-313BD683BF39}" type="slidenum">
-              <a:rPr lang="en-US" smtClean="0"/>
-              <a:pPr/>
-              <a:t>2</a:t>
-            </a:fld>
-            <a:endParaRPr lang="en-US"/>
-          </a:p>
-        </p:txBody>
-      </p:sp>
-      <p:pic>
-        <p:nvPicPr>
-          <p:cNvPr id="23" name="Picture Placeholder 22" descr="A person drawing on a white board">
-            <a:extLst>
-              <a:ext uri="{FF2B5EF4-FFF2-40B4-BE49-F238E27FC236}">
-                <a16:creationId xmlns:a16="http://schemas.microsoft.com/office/drawing/2014/main" id="{2B3C4F95-A0FA-45D9-BF43-1C398F65B891}"/>
-              </a:ext>
-            </a:extLst>
-          </p:cNvPr>
-          <p:cNvPicPr>
-            <a:picLocks noGrp="1" noChangeAspect="1"/>
-          </p:cNvPicPr>
-          <p:nvPr>
-            <p:ph type="pic" sz="quarter" idx="15"/>
-          </p:nvPr>
-        </p:nvPicPr>
-        <p:blipFill rotWithShape="1">
-          <a:blip r:embed="rId6" cstate="screen">
-            <a:extLst>
-              <a:ext uri="{28A0092B-C50C-407E-A947-70E740481C1C}">
-                <a14:useLocalDpi xmlns:a14="http://schemas.microsoft.com/office/drawing/2010/main" val="0"/>
-              </a:ext>
-            </a:extLst>
-          </a:blip>
-          <a:srcRect t="42" b="42"/>
-          <a:stretch/>
-        </p:blipFill>
-        <p:spPr>
-          <a:xfrm>
-            <a:off x="6083808" y="0"/>
-            <a:ext cx="3054096" cy="3776472"/>
-          </a:xfrm>
-        </p:spPr>
-      </p:pic>
-      <p:sp>
-        <p:nvSpPr>
-          <p:cNvPr id="12" name="Content Placeholder 11">
-            <a:extLst>
-              <a:ext uri="{FF2B5EF4-FFF2-40B4-BE49-F238E27FC236}">
-                <a16:creationId xmlns:a16="http://schemas.microsoft.com/office/drawing/2014/main" id="{E5127060-CDBF-435F-9009-A5451CCE305D}"/>
-              </a:ext>
-            </a:extLst>
-          </p:cNvPr>
-          <p:cNvSpPr>
-            <a:spLocks noGrp="1"/>
-          </p:cNvSpPr>
-          <p:nvPr>
-            <p:ph sz="quarter" idx="15"/>
-          </p:nvPr>
-        </p:nvSpPr>
-        <p:spPr>
-          <a:xfrm>
-            <a:off x="5262563" y="4508500"/>
-            <a:ext cx="6221412" cy="1563688"/>
-          </a:xfrm>
-          <a:noFill/>
-        </p:spPr>
-        <p:txBody>
-          <a:bodyPr>
-            <a:normAutofit/>
-          </a:bodyPr>
-          <a:lstStyle/>
-          <a:p>
-            <a:pPr marL="0" indent="0">
-              <a:buNone/>
-            </a:pPr>
-            <a:r>
-              <a:rPr lang="en-US" dirty="0"/>
-              <a:t>Welcome to High Performance Programming Team. Over the course of this workshop series you will  </a:t>
-            </a:r>
-          </a:p>
-        </p:txBody>
-      </p:sp>
-    </p:spTree>
-    <p:extLst>
-      <p:ext uri="{BB962C8B-B14F-4D97-AF65-F5344CB8AC3E}">
-        <p14:creationId xmlns:p14="http://schemas.microsoft.com/office/powerpoint/2010/main" val="2158886557"/>
-      </p:ext>
-    </p:extLst>
-  </p:cSld>
-  <p:clrMapOvr>
-    <a:masterClrMapping/>
-  </p:clrMapOvr>
-  <mc:AlternateContent xmlns:mc="http://schemas.openxmlformats.org/markup-compatibility/2006" xmlns:p159="http://schemas.microsoft.com/office/powerpoint/2015/09/main">
-    <mc:Choice Requires="p159">
-      <p:transition xmlns:p14="http://schemas.microsoft.com/office/powerpoint/2010/main" spd="slow" p14:dur="2000">
-        <p159:morph option="byChar"/>
-      </p:transition>
-    </mc:Choice>
-    <mc:Fallback xmlns="">
-      <p:transition spd="slow">
-        <p:fade/>
-      </p:transition>
-    </mc:Fallback>
-  </mc:AlternateContent>
-</p:sld>
-</file>
-
-<file path=ppt/slides/slide20.xml><?xml version="1.0" encoding="utf-8"?>
+<file path=ppt/slides/slide23.xml><?xml version="1.0" encoding="utf-8"?>
 <p:sld xmlns:a="http://schemas.openxmlformats.org/drawingml/2006/main" xmlns:r="http://schemas.openxmlformats.org/officeDocument/2006/relationships" xmlns:p="http://schemas.openxmlformats.org/presentationml/2006/main">
   <p:cSld>
     <p:spTree>
@@ -29427,7 +32424,7 @@
             <a:fld id="{DBA1B0FB-D917-4C8C-928F-313BD683BF39}" type="slidenum">
               <a:rPr lang="en-US" smtClean="0"/>
               <a:pPr/>
-              <a:t>20</a:t>
+              <a:t>23</a:t>
             </a:fld>
             <a:endParaRPr lang="en-US"/>
           </a:p>
@@ -29458,7 +32455,7 @@
 </p:sld>
 </file>
 
-<file path=ppt/slides/slide21.xml><?xml version="1.0" encoding="utf-8"?>
+<file path=ppt/slides/slide24.xml><?xml version="1.0" encoding="utf-8"?>
 <p:sld xmlns:a="http://schemas.openxmlformats.org/drawingml/2006/main" xmlns:r="http://schemas.openxmlformats.org/officeDocument/2006/relationships" xmlns:p="http://schemas.openxmlformats.org/presentationml/2006/main">
   <p:cSld>
     <p:spTree>
@@ -29716,7 +32713,7 @@
             <a:fld id="{DBA1B0FB-D917-4C8C-928F-313BD683BF39}" type="slidenum">
               <a:rPr lang="en-US" smtClean="0"/>
               <a:pPr/>
-              <a:t>21</a:t>
+              <a:t>24</a:t>
             </a:fld>
             <a:endParaRPr lang="en-US"/>
           </a:p>
@@ -33632,7 +36629,7 @@
           <a:p>
             <a:r>
               <a:rPr lang="en-US" dirty="0"/>
-              <a:t>Keep note of your username as you will need it later.</a:t>
+              <a:t>Keep note of your username and email as you will need it later.</a:t>
             </a:r>
           </a:p>
         </p:txBody>
@@ -34362,13 +37359,13 @@
         </p:spPr>
         <p:txBody>
           <a:bodyPr>
-            <a:normAutofit fontScale="92500" lnSpcReduction="20000"/>
+            <a:normAutofit fontScale="62500" lnSpcReduction="20000"/>
           </a:bodyPr>
           <a:lstStyle/>
           <a:p>
             <a:r>
               <a:rPr lang="en-US" dirty="0"/>
-              <a:t>For this series, all content will be available on a repository on GitHub called HPP. It is highly recommended you bookmark or star this repository so you can easily access it.</a:t>
+              <a:t>For this series, all content will be available on a repository on GitHub called HPP.  It is highly recommended you bookmark or star this repository so you can easily access it.</a:t>
             </a:r>
           </a:p>
           <a:p>
@@ -34380,7 +37377,13 @@
           <a:p>
             <a:r>
               <a:rPr lang="en-US" dirty="0"/>
-              <a:t>It will be easier to copy the commands from the Markdown files in this repository as opposed to from the slides.</a:t>
+              <a:t>The instructions for each week will also be hosted on the repository in a read-only format. This should make copying commands and code snippets easier.</a:t>
+            </a:r>
+          </a:p>
+          <a:p>
+            <a:r>
+              <a:rPr lang="en-US" dirty="0"/>
+              <a:t>E.g.  All commands and instructions for installing all the software this week are in `content/week0/tasks/README.md`. It might be easier to follow along with this as apposed to the slides for this week.</a:t>
             </a:r>
           </a:p>
         </p:txBody>
@@ -34442,7 +37445,7 @@
         </p:spPr>
         <p:txBody>
           <a:bodyPr>
-            <a:normAutofit fontScale="92500" lnSpcReduction="20000"/>
+            <a:noAutofit/>
           </a:bodyPr>
           <a:lstStyle/>
           <a:p>

--- a/content/week0/slides/week0.pptx
+++ b/content/week0/slides/week0.pptx
@@ -5,10 +5,10 @@
     <p:sldMasterId id="2147483684" r:id="rId4"/>
   </p:sldMasterIdLst>
   <p:notesMasterIdLst>
-    <p:notesMasterId r:id="rId29"/>
+    <p:notesMasterId r:id="rId25"/>
   </p:notesMasterIdLst>
   <p:handoutMasterIdLst>
-    <p:handoutMasterId r:id="rId30"/>
+    <p:handoutMasterId r:id="rId26"/>
   </p:handoutMasterIdLst>
   <p:sldIdLst>
     <p:sldId id="257" r:id="rId5"/>
@@ -20,21 +20,17 @@
     <p:sldId id="317" r:id="rId11"/>
     <p:sldId id="396" r:id="rId12"/>
     <p:sldId id="398" r:id="rId13"/>
-    <p:sldId id="401" r:id="rId14"/>
-    <p:sldId id="393" r:id="rId15"/>
-    <p:sldId id="397" r:id="rId16"/>
-    <p:sldId id="394" r:id="rId17"/>
-    <p:sldId id="402" r:id="rId18"/>
-    <p:sldId id="400" r:id="rId19"/>
-    <p:sldId id="399" r:id="rId20"/>
-    <p:sldId id="403" r:id="rId21"/>
-    <p:sldId id="277" r:id="rId22"/>
-    <p:sldId id="278" r:id="rId23"/>
-    <p:sldId id="279" r:id="rId24"/>
-    <p:sldId id="270" r:id="rId25"/>
-    <p:sldId id="281" r:id="rId26"/>
-    <p:sldId id="321" r:id="rId27"/>
-    <p:sldId id="391" r:id="rId28"/>
+    <p:sldId id="405" r:id="rId14"/>
+    <p:sldId id="406" r:id="rId15"/>
+    <p:sldId id="407" r:id="rId16"/>
+    <p:sldId id="404" r:id="rId17"/>
+    <p:sldId id="277" r:id="rId18"/>
+    <p:sldId id="278" r:id="rId19"/>
+    <p:sldId id="279" r:id="rId20"/>
+    <p:sldId id="270" r:id="rId21"/>
+    <p:sldId id="281" r:id="rId22"/>
+    <p:sldId id="321" r:id="rId23"/>
+    <p:sldId id="391" r:id="rId24"/>
   </p:sldIdLst>
   <p:sldSz cx="12192000" cy="6858000"/>
   <p:notesSz cx="6858000" cy="9144000"/>
@@ -147,14 +143,10 @@
             <p14:sldId id="317"/>
             <p14:sldId id="396"/>
             <p14:sldId id="398"/>
-            <p14:sldId id="401"/>
-            <p14:sldId id="393"/>
-            <p14:sldId id="397"/>
-            <p14:sldId id="394"/>
-            <p14:sldId id="402"/>
-            <p14:sldId id="400"/>
-            <p14:sldId id="399"/>
-            <p14:sldId id="403"/>
+            <p14:sldId id="405"/>
+            <p14:sldId id="406"/>
+            <p14:sldId id="407"/>
+            <p14:sldId id="404"/>
             <p14:sldId id="277"/>
             <p14:sldId id="278"/>
             <p14:sldId id="279"/>
@@ -7774,7 +7766,7 @@
     </p:spTree>
     <p:extLst>
       <p:ext uri="{BB962C8B-B14F-4D97-AF65-F5344CB8AC3E}">
-        <p14:creationId xmlns:p14="http://schemas.microsoft.com/office/powerpoint/2010/main" val="3487598560"/>
+        <p14:creationId xmlns:p14="http://schemas.microsoft.com/office/powerpoint/2010/main" val="2905327368"/>
       </p:ext>
     </p:extLst>
   </p:cSld>
@@ -7858,7 +7850,7 @@
     </p:spTree>
     <p:extLst>
       <p:ext uri="{BB962C8B-B14F-4D97-AF65-F5344CB8AC3E}">
-        <p14:creationId xmlns:p14="http://schemas.microsoft.com/office/powerpoint/2010/main" val="1458990312"/>
+        <p14:creationId xmlns:p14="http://schemas.microsoft.com/office/powerpoint/2010/main" val="3205236917"/>
       </p:ext>
     </p:extLst>
   </p:cSld>
@@ -7942,7 +7934,7 @@
     </p:spTree>
     <p:extLst>
       <p:ext uri="{BB962C8B-B14F-4D97-AF65-F5344CB8AC3E}">
-        <p14:creationId xmlns:p14="http://schemas.microsoft.com/office/powerpoint/2010/main" val="2764967239"/>
+        <p14:creationId xmlns:p14="http://schemas.microsoft.com/office/powerpoint/2010/main" val="3156109851"/>
       </p:ext>
     </p:extLst>
   </p:cSld>
@@ -8017,7 +8009,7 @@
           <a:p>
             <a:fld id="{1983A999-5E0E-42CA-8400-604AE921FF7C}" type="slidenum">
               <a:rPr lang="en-US" smtClean="0"/>
-              <a:t>14</a:t>
+              <a:t>17</a:t>
             </a:fld>
             <a:endParaRPr lang="en-US"/>
           </a:p>
@@ -8026,7 +8018,7 @@
     </p:spTree>
     <p:extLst>
       <p:ext uri="{BB962C8B-B14F-4D97-AF65-F5344CB8AC3E}">
-        <p14:creationId xmlns:p14="http://schemas.microsoft.com/office/powerpoint/2010/main" val="3500256967"/>
+        <p14:creationId xmlns:p14="http://schemas.microsoft.com/office/powerpoint/2010/main" val="404304175"/>
       </p:ext>
     </p:extLst>
   </p:cSld>
@@ -8101,343 +8093,7 @@
           <a:p>
             <a:fld id="{1983A999-5E0E-42CA-8400-604AE921FF7C}" type="slidenum">
               <a:rPr lang="en-US" smtClean="0"/>
-              <a:t>15</a:t>
-            </a:fld>
-            <a:endParaRPr lang="en-US"/>
-          </a:p>
-        </p:txBody>
-      </p:sp>
-    </p:spTree>
-    <p:extLst>
-      <p:ext uri="{BB962C8B-B14F-4D97-AF65-F5344CB8AC3E}">
-        <p14:creationId xmlns:p14="http://schemas.microsoft.com/office/powerpoint/2010/main" val="1657749325"/>
-      </p:ext>
-    </p:extLst>
-  </p:cSld>
-  <p:clrMapOvr>
-    <a:masterClrMapping/>
-  </p:clrMapOvr>
-</p:notes>
-</file>
-
-<file path=ppt/notesSlides/notesSlide15.xml><?xml version="1.0" encoding="utf-8"?>
-<p:notes xmlns:a="http://schemas.openxmlformats.org/drawingml/2006/main" xmlns:r="http://schemas.openxmlformats.org/officeDocument/2006/relationships" xmlns:p="http://schemas.openxmlformats.org/presentationml/2006/main">
-  <p:cSld>
-    <p:spTree>
-      <p:nvGrpSpPr>
-        <p:cNvPr id="1" name=""/>
-        <p:cNvGrpSpPr/>
-        <p:nvPr/>
-      </p:nvGrpSpPr>
-      <p:grpSpPr>
-        <a:xfrm>
-          <a:off x="0" y="0"/>
-          <a:ext cx="0" cy="0"/>
-          <a:chOff x="0" y="0"/>
-          <a:chExt cx="0" cy="0"/>
-        </a:xfrm>
-      </p:grpSpPr>
-      <p:sp>
-        <p:nvSpPr>
-          <p:cNvPr id="2" name="Slide Image Placeholder 1"/>
-          <p:cNvSpPr>
-            <a:spLocks noGrp="1" noRot="1" noChangeAspect="1"/>
-          </p:cNvSpPr>
-          <p:nvPr>
-            <p:ph type="sldImg"/>
-          </p:nvPr>
-        </p:nvSpPr>
-        <p:spPr/>
-      </p:sp>
-      <p:sp>
-        <p:nvSpPr>
-          <p:cNvPr id="3" name="Notes Placeholder 2"/>
-          <p:cNvSpPr>
-            <a:spLocks noGrp="1"/>
-          </p:cNvSpPr>
-          <p:nvPr>
-            <p:ph type="body" idx="1"/>
-          </p:nvPr>
-        </p:nvSpPr>
-        <p:spPr/>
-        <p:txBody>
-          <a:bodyPr/>
-          <a:lstStyle/>
-          <a:p>
-            <a:endParaRPr lang="en-US" dirty="0"/>
-          </a:p>
-        </p:txBody>
-      </p:sp>
-      <p:sp>
-        <p:nvSpPr>
-          <p:cNvPr id="4" name="Slide Number Placeholder 3"/>
-          <p:cNvSpPr>
-            <a:spLocks noGrp="1"/>
-          </p:cNvSpPr>
-          <p:nvPr>
-            <p:ph type="sldNum" sz="quarter" idx="5"/>
-          </p:nvPr>
-        </p:nvSpPr>
-        <p:spPr/>
-        <p:txBody>
-          <a:bodyPr/>
-          <a:lstStyle/>
-          <a:p>
-            <a:fld id="{1983A999-5E0E-42CA-8400-604AE921FF7C}" type="slidenum">
-              <a:rPr lang="en-US" smtClean="0"/>
-              <a:t>16</a:t>
-            </a:fld>
-            <a:endParaRPr lang="en-US"/>
-          </a:p>
-        </p:txBody>
-      </p:sp>
-    </p:spTree>
-    <p:extLst>
-      <p:ext uri="{BB962C8B-B14F-4D97-AF65-F5344CB8AC3E}">
-        <p14:creationId xmlns:p14="http://schemas.microsoft.com/office/powerpoint/2010/main" val="2619900806"/>
-      </p:ext>
-    </p:extLst>
-  </p:cSld>
-  <p:clrMapOvr>
-    <a:masterClrMapping/>
-  </p:clrMapOvr>
-</p:notes>
-</file>
-
-<file path=ppt/notesSlides/notesSlide16.xml><?xml version="1.0" encoding="utf-8"?>
-<p:notes xmlns:a="http://schemas.openxmlformats.org/drawingml/2006/main" xmlns:r="http://schemas.openxmlformats.org/officeDocument/2006/relationships" xmlns:p="http://schemas.openxmlformats.org/presentationml/2006/main">
-  <p:cSld>
-    <p:spTree>
-      <p:nvGrpSpPr>
-        <p:cNvPr id="1" name=""/>
-        <p:cNvGrpSpPr/>
-        <p:nvPr/>
-      </p:nvGrpSpPr>
-      <p:grpSpPr>
-        <a:xfrm>
-          <a:off x="0" y="0"/>
-          <a:ext cx="0" cy="0"/>
-          <a:chOff x="0" y="0"/>
-          <a:chExt cx="0" cy="0"/>
-        </a:xfrm>
-      </p:grpSpPr>
-      <p:sp>
-        <p:nvSpPr>
-          <p:cNvPr id="2" name="Slide Image Placeholder 1"/>
-          <p:cNvSpPr>
-            <a:spLocks noGrp="1" noRot="1" noChangeAspect="1"/>
-          </p:cNvSpPr>
-          <p:nvPr>
-            <p:ph type="sldImg"/>
-          </p:nvPr>
-        </p:nvSpPr>
-        <p:spPr/>
-      </p:sp>
-      <p:sp>
-        <p:nvSpPr>
-          <p:cNvPr id="3" name="Notes Placeholder 2"/>
-          <p:cNvSpPr>
-            <a:spLocks noGrp="1"/>
-          </p:cNvSpPr>
-          <p:nvPr>
-            <p:ph type="body" idx="1"/>
-          </p:nvPr>
-        </p:nvSpPr>
-        <p:spPr/>
-        <p:txBody>
-          <a:bodyPr/>
-          <a:lstStyle/>
-          <a:p>
-            <a:endParaRPr lang="en-US" dirty="0"/>
-          </a:p>
-        </p:txBody>
-      </p:sp>
-      <p:sp>
-        <p:nvSpPr>
-          <p:cNvPr id="4" name="Slide Number Placeholder 3"/>
-          <p:cNvSpPr>
-            <a:spLocks noGrp="1"/>
-          </p:cNvSpPr>
-          <p:nvPr>
-            <p:ph type="sldNum" sz="quarter" idx="5"/>
-          </p:nvPr>
-        </p:nvSpPr>
-        <p:spPr/>
-        <p:txBody>
-          <a:bodyPr/>
-          <a:lstStyle/>
-          <a:p>
-            <a:fld id="{1983A999-5E0E-42CA-8400-604AE921FF7C}" type="slidenum">
-              <a:rPr lang="en-US" smtClean="0"/>
-              <a:t>17</a:t>
-            </a:fld>
-            <a:endParaRPr lang="en-US"/>
-          </a:p>
-        </p:txBody>
-      </p:sp>
-    </p:spTree>
-    <p:extLst>
-      <p:ext uri="{BB962C8B-B14F-4D97-AF65-F5344CB8AC3E}">
-        <p14:creationId xmlns:p14="http://schemas.microsoft.com/office/powerpoint/2010/main" val="878141874"/>
-      </p:ext>
-    </p:extLst>
-  </p:cSld>
-  <p:clrMapOvr>
-    <a:masterClrMapping/>
-  </p:clrMapOvr>
-</p:notes>
-</file>
-
-<file path=ppt/notesSlides/notesSlide17.xml><?xml version="1.0" encoding="utf-8"?>
-<p:notes xmlns:a="http://schemas.openxmlformats.org/drawingml/2006/main" xmlns:r="http://schemas.openxmlformats.org/officeDocument/2006/relationships" xmlns:p="http://schemas.openxmlformats.org/presentationml/2006/main">
-  <p:cSld>
-    <p:spTree>
-      <p:nvGrpSpPr>
-        <p:cNvPr id="1" name=""/>
-        <p:cNvGrpSpPr/>
-        <p:nvPr/>
-      </p:nvGrpSpPr>
-      <p:grpSpPr>
-        <a:xfrm>
-          <a:off x="0" y="0"/>
-          <a:ext cx="0" cy="0"/>
-          <a:chOff x="0" y="0"/>
-          <a:chExt cx="0" cy="0"/>
-        </a:xfrm>
-      </p:grpSpPr>
-      <p:sp>
-        <p:nvSpPr>
-          <p:cNvPr id="2" name="Slide Image Placeholder 1"/>
-          <p:cNvSpPr>
-            <a:spLocks noGrp="1" noRot="1" noChangeAspect="1"/>
-          </p:cNvSpPr>
-          <p:nvPr>
-            <p:ph type="sldImg"/>
-          </p:nvPr>
-        </p:nvSpPr>
-        <p:spPr/>
-      </p:sp>
-      <p:sp>
-        <p:nvSpPr>
-          <p:cNvPr id="3" name="Notes Placeholder 2"/>
-          <p:cNvSpPr>
-            <a:spLocks noGrp="1"/>
-          </p:cNvSpPr>
-          <p:nvPr>
-            <p:ph type="body" idx="1"/>
-          </p:nvPr>
-        </p:nvSpPr>
-        <p:spPr/>
-        <p:txBody>
-          <a:bodyPr/>
-          <a:lstStyle/>
-          <a:p>
-            <a:endParaRPr lang="en-US" dirty="0"/>
-          </a:p>
-        </p:txBody>
-      </p:sp>
-      <p:sp>
-        <p:nvSpPr>
-          <p:cNvPr id="4" name="Slide Number Placeholder 3"/>
-          <p:cNvSpPr>
-            <a:spLocks noGrp="1"/>
-          </p:cNvSpPr>
-          <p:nvPr>
-            <p:ph type="sldNum" sz="quarter" idx="5"/>
-          </p:nvPr>
-        </p:nvSpPr>
-        <p:spPr/>
-        <p:txBody>
-          <a:bodyPr/>
-          <a:lstStyle/>
-          <a:p>
-            <a:fld id="{1983A999-5E0E-42CA-8400-604AE921FF7C}" type="slidenum">
-              <a:rPr lang="en-US" smtClean="0"/>
-              <a:t>21</a:t>
-            </a:fld>
-            <a:endParaRPr lang="en-US"/>
-          </a:p>
-        </p:txBody>
-      </p:sp>
-    </p:spTree>
-    <p:extLst>
-      <p:ext uri="{BB962C8B-B14F-4D97-AF65-F5344CB8AC3E}">
-        <p14:creationId xmlns:p14="http://schemas.microsoft.com/office/powerpoint/2010/main" val="404304175"/>
-      </p:ext>
-    </p:extLst>
-  </p:cSld>
-  <p:clrMapOvr>
-    <a:masterClrMapping/>
-  </p:clrMapOvr>
-</p:notes>
-</file>
-
-<file path=ppt/notesSlides/notesSlide18.xml><?xml version="1.0" encoding="utf-8"?>
-<p:notes xmlns:a="http://schemas.openxmlformats.org/drawingml/2006/main" xmlns:r="http://schemas.openxmlformats.org/officeDocument/2006/relationships" xmlns:p="http://schemas.openxmlformats.org/presentationml/2006/main">
-  <p:cSld>
-    <p:spTree>
-      <p:nvGrpSpPr>
-        <p:cNvPr id="1" name=""/>
-        <p:cNvGrpSpPr/>
-        <p:nvPr/>
-      </p:nvGrpSpPr>
-      <p:grpSpPr>
-        <a:xfrm>
-          <a:off x="0" y="0"/>
-          <a:ext cx="0" cy="0"/>
-          <a:chOff x="0" y="0"/>
-          <a:chExt cx="0" cy="0"/>
-        </a:xfrm>
-      </p:grpSpPr>
-      <p:sp>
-        <p:nvSpPr>
-          <p:cNvPr id="2" name="Slide Image Placeholder 1"/>
-          <p:cNvSpPr>
-            <a:spLocks noGrp="1" noRot="1" noChangeAspect="1"/>
-          </p:cNvSpPr>
-          <p:nvPr>
-            <p:ph type="sldImg"/>
-          </p:nvPr>
-        </p:nvSpPr>
-        <p:spPr/>
-      </p:sp>
-      <p:sp>
-        <p:nvSpPr>
-          <p:cNvPr id="3" name="Notes Placeholder 2"/>
-          <p:cNvSpPr>
-            <a:spLocks noGrp="1"/>
-          </p:cNvSpPr>
-          <p:nvPr>
-            <p:ph type="body" idx="1"/>
-          </p:nvPr>
-        </p:nvSpPr>
-        <p:spPr/>
-        <p:txBody>
-          <a:bodyPr/>
-          <a:lstStyle/>
-          <a:p>
-            <a:endParaRPr lang="en-US" dirty="0"/>
-          </a:p>
-        </p:txBody>
-      </p:sp>
-      <p:sp>
-        <p:nvSpPr>
-          <p:cNvPr id="4" name="Slide Number Placeholder 3"/>
-          <p:cNvSpPr>
-            <a:spLocks noGrp="1"/>
-          </p:cNvSpPr>
-          <p:nvPr>
-            <p:ph type="sldNum" sz="quarter" idx="5"/>
-          </p:nvPr>
-        </p:nvSpPr>
-        <p:spPr/>
-        <p:txBody>
-          <a:bodyPr/>
-          <a:lstStyle/>
-          <a:p>
-            <a:fld id="{1983A999-5E0E-42CA-8400-604AE921FF7C}" type="slidenum">
-              <a:rPr lang="en-US" smtClean="0"/>
-              <a:t>23</a:t>
+              <a:t>19</a:t>
             </a:fld>
             <a:endParaRPr lang="en-US"/>
           </a:p>
@@ -9118,7 +8774,7 @@
     </p:spTree>
     <p:extLst>
       <p:ext uri="{BB962C8B-B14F-4D97-AF65-F5344CB8AC3E}">
-        <p14:creationId xmlns:p14="http://schemas.microsoft.com/office/powerpoint/2010/main" val="254860951"/>
+        <p14:creationId xmlns:p14="http://schemas.microsoft.com/office/powerpoint/2010/main" val="1466423526"/>
       </p:ext>
     </p:extLst>
   </p:cSld>
@@ -21665,7 +21321,7 @@
           <a:p>
             <a:r>
               <a:rPr lang="en-US" dirty="0"/>
-              <a:t>Operating System</a:t>
+              <a:t>Windows Terminal and WSL</a:t>
             </a:r>
           </a:p>
         </p:txBody>
@@ -21698,7 +21354,7 @@
           <a:p>
             <a:r>
               <a:rPr lang="en-US" dirty="0"/>
-              <a:t>Windows</a:t>
+              <a:t>Windows Terminal</a:t>
             </a:r>
           </a:p>
         </p:txBody>
@@ -21727,29 +21383,20 @@
         </p:spPr>
         <p:txBody>
           <a:bodyPr>
-            <a:normAutofit fontScale="92500"/>
+            <a:normAutofit/>
           </a:bodyPr>
           <a:lstStyle/>
           <a:p>
             <a:r>
               <a:rPr lang="en-US" dirty="0"/>
-              <a:t>Developing C++ on Windows can be difficult to setup initially and often can lead to code depending on the Windows API.</a:t>
+              <a:t>Windows Terminal is an application by Microsoft that is able to host multiple shells.</a:t>
             </a:r>
           </a:p>
           <a:p>
             <a:r>
               <a:rPr lang="en-US" dirty="0"/>
-              <a:t>Instead, we will be using a virtual OS called WSL.</a:t>
+              <a:t>Allows for a better developer experience as much of C++ development is in the terminal.</a:t>
             </a:r>
-          </a:p>
-          <a:p>
-            <a:r>
-              <a:rPr lang="en-US" dirty="0"/>
-              <a:t>WSL allows us to have a native Linux Kernel and OS alongside our Windows OS.</a:t>
-            </a:r>
-          </a:p>
-          <a:p>
-            <a:endParaRPr lang="en-US" dirty="0"/>
           </a:p>
         </p:txBody>
       </p:sp>
@@ -21781,7 +21428,7 @@
           <a:p>
             <a:r>
               <a:rPr lang="en-US" dirty="0"/>
-              <a:t>Linux or MacOS Users</a:t>
+              <a:t>WSL</a:t>
             </a:r>
           </a:p>
         </p:txBody>
@@ -21809,12 +21456,20 @@
           </a:xfrm>
         </p:spPr>
         <p:txBody>
-          <a:bodyPr/>
+          <a:bodyPr>
+            <a:noAutofit/>
+          </a:bodyPr>
           <a:lstStyle/>
           <a:p>
             <a:r>
               <a:rPr lang="en-US" dirty="0"/>
-              <a:t>If you have MacOS or are using Linux yourself, you will not need WSL as your devices shell is fully equipped for what we need, so you can skip to slide 14 (Homebrew). </a:t>
+              <a:t>WSL is a native Linux Kernel that can run alongside Windows.</a:t>
+            </a:r>
+          </a:p>
+          <a:p>
+            <a:r>
+              <a:rPr lang="en-US" dirty="0"/>
+              <a:t>It also has access to your computers main filesystem along cross platform development.</a:t>
             </a:r>
           </a:p>
         </p:txBody>
@@ -22085,7 +21740,7 @@
     </p:spTree>
     <p:extLst>
       <p:ext uri="{BB962C8B-B14F-4D97-AF65-F5344CB8AC3E}">
-        <p14:creationId xmlns:p14="http://schemas.microsoft.com/office/powerpoint/2010/main" val="3543121455"/>
+        <p14:creationId xmlns:p14="http://schemas.microsoft.com/office/powerpoint/2010/main" val="2475222804"/>
       </p:ext>
     </p:extLst>
   </p:cSld>
@@ -22482,8 +22137,13 @@
           <a:p>
             <a:r>
               <a:rPr lang="en-US" dirty="0"/>
-              <a:t>Windows Terminal</a:t>
+              <a:t>Homebrew and </a:t>
             </a:r>
+            <a:r>
+              <a:rPr lang="en-US" dirty="0" err="1"/>
+              <a:t>VSCode</a:t>
+            </a:r>
+            <a:endParaRPr lang="en-US" dirty="0"/>
           </a:p>
         </p:txBody>
       </p:sp>
@@ -22515,7 +22175,7 @@
           <a:p>
             <a:r>
               <a:rPr lang="en-US" dirty="0"/>
-              <a:t>Install</a:t>
+              <a:t>Homebrew</a:t>
             </a:r>
           </a:p>
         </p:txBody>
@@ -22544,44 +22204,19 @@
         </p:spPr>
         <p:txBody>
           <a:bodyPr>
-            <a:normAutofit fontScale="85000" lnSpcReduction="20000"/>
+            <a:normAutofit/>
           </a:bodyPr>
           <a:lstStyle/>
           <a:p>
             <a:r>
               <a:rPr lang="en-US" dirty="0"/>
-              <a:t>Go to the Microsoft Store.</a:t>
+              <a:t>Homebrew is a cross-platform package manager. </a:t>
             </a:r>
           </a:p>
           <a:p>
             <a:r>
               <a:rPr lang="en-US" dirty="0"/>
-              <a:t>Search for ‘Windows Terminal’ and click install.</a:t>
-            </a:r>
-          </a:p>
-          <a:p>
-            <a:r>
-              <a:rPr lang="en-US" dirty="0"/>
-              <a:t>Once install, open Windows Terminal (WT), and press `ctrl+,`.  This will open the settings.</a:t>
-            </a:r>
-          </a:p>
-          <a:p>
-            <a:r>
-              <a:rPr lang="en-US" dirty="0"/>
-              <a:t>On the ‘Startup Page’, there should be an option called ‘Default Terminal Application’. Select WT.</a:t>
-            </a:r>
-          </a:p>
-          <a:p>
-            <a:r>
-              <a:rPr lang="en-US" dirty="0"/>
-              <a:t>About</a:t>
-            </a:r>
-          </a:p>
-          <a:p>
-            <a:pPr lvl="1"/>
-            <a:r>
-              <a:rPr lang="en-US" dirty="0"/>
-              <a:t>The Windows Terminal App makes it easier to access and use various shells and terminals on Windows</a:t>
+              <a:t>It allows us to install system packages without needing the systems package manager, such as apt.</a:t>
             </a:r>
           </a:p>
         </p:txBody>
@@ -22613,9 +22248,10 @@
           <a:lstStyle/>
           <a:p>
             <a:r>
-              <a:rPr lang="en-US" dirty="0"/>
-              <a:t>Linux or MacOS Users</a:t>
+              <a:rPr lang="en-US" dirty="0" err="1"/>
+              <a:t>VSCode</a:t>
             </a:r>
+            <a:endParaRPr lang="en-US" dirty="0"/>
           </a:p>
         </p:txBody>
       </p:sp>
@@ -22642,36 +22278,25 @@
           </a:xfrm>
         </p:spPr>
         <p:txBody>
-          <a:bodyPr/>
+          <a:bodyPr>
+            <a:noAutofit/>
+          </a:bodyPr>
           <a:lstStyle/>
           <a:p>
+            <a:r>
+              <a:rPr lang="en-US" dirty="0" err="1"/>
+              <a:t>VSCode</a:t>
+            </a:r>
             <a:r>
               <a:rPr lang="en-US" dirty="0"/>
-              <a:t>MacOS</a:t>
+              <a:t> is a text editor</a:t>
             </a:r>
           </a:p>
           <a:p>
-            <a:pPr lvl="1"/>
             <a:r>
               <a:rPr lang="en-US" dirty="0"/>
-              <a:t>Terminal App</a:t>
+              <a:t>It provides high utility through its extension marketplace so you can customize your developer tool kit as needed.</a:t>
             </a:r>
-          </a:p>
-          <a:p>
-            <a:r>
-              <a:rPr lang="en-US" dirty="0"/>
-              <a:t>Linux</a:t>
-            </a:r>
-          </a:p>
-          <a:p>
-            <a:pPr lvl="1"/>
-            <a:r>
-              <a:rPr lang="en-US" dirty="0"/>
-              <a:t>I’d assume you know what a terminal is. If not, reach out and we will help you out.</a:t>
-            </a:r>
-          </a:p>
-          <a:p>
-            <a:endParaRPr lang="en-US" dirty="0"/>
           </a:p>
         </p:txBody>
       </p:sp>
@@ -22941,7 +22566,7 @@
     </p:spTree>
     <p:extLst>
       <p:ext uri="{BB962C8B-B14F-4D97-AF65-F5344CB8AC3E}">
-        <p14:creationId xmlns:p14="http://schemas.microsoft.com/office/powerpoint/2010/main" val="2397802035"/>
+        <p14:creationId xmlns:p14="http://schemas.microsoft.com/office/powerpoint/2010/main" val="2245824282"/>
       </p:ext>
     </p:extLst>
   </p:cSld>
@@ -23338,40 +22963,7 @@
           <a:p>
             <a:r>
               <a:rPr lang="en-US" dirty="0"/>
-              <a:t>Windows Subsystem for Linux (WSL)</a:t>
-            </a:r>
-          </a:p>
-        </p:txBody>
-      </p:sp>
-      <p:sp>
-        <p:nvSpPr>
-          <p:cNvPr id="9" name="Text Placeholder 8">
-            <a:extLst>
-              <a:ext uri="{FF2B5EF4-FFF2-40B4-BE49-F238E27FC236}">
-                <a16:creationId xmlns:a16="http://schemas.microsoft.com/office/drawing/2014/main" id="{0D098C43-2F2A-4100-89BC-5931039293FA}"/>
-              </a:ext>
-            </a:extLst>
-          </p:cNvPr>
-          <p:cNvSpPr>
-            <a:spLocks noGrp="1"/>
-          </p:cNvSpPr>
-          <p:nvPr>
-            <p:ph type="body" idx="1"/>
-          </p:nvPr>
-        </p:nvSpPr>
-        <p:spPr>
-          <a:xfrm>
-            <a:off x="550864" y="1731375"/>
-            <a:ext cx="5437186" cy="535354"/>
-          </a:xfrm>
-        </p:spPr>
-        <p:txBody>
-          <a:bodyPr/>
-          <a:lstStyle/>
-          <a:p>
-            <a:r>
-              <a:rPr lang="en-US" dirty="0"/>
-              <a:t>About</a:t>
+              <a:t>Other Software</a:t>
             </a:r>
           </a:p>
         </p:txBody>
@@ -23394,98 +22986,46 @@
         </p:nvSpPr>
         <p:spPr>
           <a:xfrm>
-            <a:off x="550863" y="2427370"/>
-            <a:ext cx="5429114" cy="3515555"/>
+            <a:off x="550862" y="1833152"/>
+            <a:ext cx="11097549" cy="4109774"/>
           </a:xfrm>
         </p:spPr>
         <p:txBody>
-          <a:bodyPr>
-            <a:normAutofit lnSpcReduction="10000"/>
+          <a:bodyPr numCol="2">
+            <a:normAutofit/>
           </a:bodyPr>
           <a:lstStyle/>
           <a:p>
             <a:r>
-              <a:rPr lang="en-US" dirty="0"/>
-              <a:t>WSL allows us to run a native Linux Kernel alongside Windows. </a:t>
+              <a:rPr lang="en-US" dirty="0" err="1"/>
+              <a:t>wget</a:t>
             </a:r>
-          </a:p>
-          <a:p>
             <a:r>
               <a:rPr lang="en-US" dirty="0"/>
-              <a:t>Installing software packages and tools are vastly simpler on Linux and don’t require a large SDK (Windows SDK) and IDE like Visual Studio in order to create software.</a:t>
+              <a:t> – Online asset retrieval</a:t>
             </a:r>
           </a:p>
           <a:p>
             <a:r>
               <a:rPr lang="en-US" dirty="0"/>
-              <a:t>Linux also has a much larger tool selection</a:t>
+              <a:t>curl – Online asset retrieval</a:t>
             </a:r>
           </a:p>
-        </p:txBody>
-      </p:sp>
-      <p:sp>
-        <p:nvSpPr>
-          <p:cNvPr id="11" name="Text Placeholder 10">
-            <a:extLst>
-              <a:ext uri="{FF2B5EF4-FFF2-40B4-BE49-F238E27FC236}">
-                <a16:creationId xmlns:a16="http://schemas.microsoft.com/office/drawing/2014/main" id="{60726BA7-44D6-4116-90E3-38325026EAAD}"/>
-              </a:ext>
-            </a:extLst>
-          </p:cNvPr>
-          <p:cNvSpPr>
-            <a:spLocks noGrp="1"/>
-          </p:cNvSpPr>
-          <p:nvPr>
-            <p:ph type="body" sz="quarter" idx="3"/>
-          </p:nvPr>
-        </p:nvSpPr>
-        <p:spPr>
-          <a:xfrm>
-            <a:off x="6212024" y="1731375"/>
-            <a:ext cx="5436392" cy="535354"/>
-          </a:xfrm>
-        </p:spPr>
-        <p:txBody>
-          <a:bodyPr/>
-          <a:lstStyle/>
           <a:p>
             <a:r>
               <a:rPr lang="en-US" dirty="0"/>
-              <a:t>Linux or MacOS Users</a:t>
+              <a:t>make – C </a:t>
             </a:r>
-          </a:p>
-        </p:txBody>
-      </p:sp>
-      <p:sp>
-        <p:nvSpPr>
-          <p:cNvPr id="12" name="Content Placeholder 11">
-            <a:extLst>
-              <a:ext uri="{FF2B5EF4-FFF2-40B4-BE49-F238E27FC236}">
-                <a16:creationId xmlns:a16="http://schemas.microsoft.com/office/drawing/2014/main" id="{7FB7F30B-2A84-4C44-BC5A-E826ED6E74A2}"/>
-              </a:ext>
-            </a:extLst>
-          </p:cNvPr>
-          <p:cNvSpPr>
-            <a:spLocks noGrp="1"/>
-          </p:cNvSpPr>
-          <p:nvPr>
-            <p:ph sz="quarter" idx="4"/>
-          </p:nvPr>
-        </p:nvSpPr>
-        <p:spPr>
-          <a:xfrm>
-            <a:off x="6212023" y="2427370"/>
-            <a:ext cx="5436391" cy="3515555"/>
-          </a:xfrm>
-        </p:spPr>
-        <p:txBody>
-          <a:bodyPr/>
-          <a:lstStyle/>
-          <a:p>
             <a:r>
-              <a:rPr lang="en-US" dirty="0"/>
-              <a:t>If you have MacOS or are using Linux yourself, you will not need WSL as your devices shell is fully equipped for what we need, so you can skip to the next set of software we will need.</a:t>
+              <a:rPr lang="en-US"/>
+              <a:t>build recipe tool</a:t>
             </a:r>
+          </a:p>
+          <a:p>
+            <a:endParaRPr lang="en-US" dirty="0"/>
+          </a:p>
+          <a:p>
+            <a:endParaRPr lang="en-US" dirty="0"/>
           </a:p>
         </p:txBody>
       </p:sp>
@@ -23755,7 +23295,7 @@
     </p:spTree>
     <p:extLst>
       <p:ext uri="{BB962C8B-B14F-4D97-AF65-F5344CB8AC3E}">
-        <p14:creationId xmlns:p14="http://schemas.microsoft.com/office/powerpoint/2010/main" val="2987309187"/>
+        <p14:creationId xmlns:p14="http://schemas.microsoft.com/office/powerpoint/2010/main" val="2586459219"/>
       </p:ext>
     </p:extLst>
   </p:cSld>
@@ -23780,6 +23320,14 @@
 <file path=ppt/slides/slide13.xml><?xml version="1.0" encoding="utf-8"?>
 <p:sld xmlns:a="http://schemas.openxmlformats.org/drawingml/2006/main" xmlns:r="http://schemas.openxmlformats.org/officeDocument/2006/relationships" xmlns:p="http://schemas.openxmlformats.org/presentationml/2006/main">
   <p:cSld>
+    <p:bg>
+      <p:bgPr>
+        <a:solidFill>
+          <a:schemeClr val="bg2"/>
+        </a:solidFill>
+        <a:effectLst/>
+      </p:bgPr>
+    </p:bg>
     <p:spTree>
       <p:nvGrpSpPr>
         <p:cNvPr id="1" name=""/>
@@ -23794,767 +23342,272 @@
           <a:chExt cx="0" cy="0"/>
         </a:xfrm>
       </p:grpSpPr>
-      <p:grpSp>
-        <p:nvGrpSpPr>
-          <p:cNvPr id="25" name="Group 24">
+      <p:sp>
+        <p:nvSpPr>
+          <p:cNvPr id="34" name="Freeform: Shape 33">
             <a:extLst>
               <a:ext uri="{FF2B5EF4-FFF2-40B4-BE49-F238E27FC236}">
-                <a16:creationId xmlns:a16="http://schemas.microsoft.com/office/drawing/2014/main" id="{D10F3D66-0109-4903-90B9-66D0E288F721}"/>
+                <a16:creationId xmlns:a16="http://schemas.microsoft.com/office/drawing/2014/main" id="{82184FF4-7029-4ED7-813A-192E60608764}"/>
               </a:ext>
               <a:ext uri="{C183D7F6-B498-43B3-948B-1728B52AA6E4}">
                 <adec:decorative xmlns:adec="http://schemas.microsoft.com/office/drawing/2017/decorative" val="1"/>
-              </a:ext>
-            </a:extLst>
-          </p:cNvPr>
-          <p:cNvGrpSpPr/>
-          <p:nvPr/>
-        </p:nvGrpSpPr>
-        <p:grpSpPr>
-          <a:xfrm>
-            <a:off x="10379261" y="2030035"/>
-            <a:ext cx="1335600" cy="1262947"/>
-            <a:chOff x="10145015" y="2343978"/>
-            <a:chExt cx="1335600" cy="1262947"/>
-          </a:xfrm>
-        </p:grpSpPr>
-        <p:sp>
-          <p:nvSpPr>
-            <p:cNvPr id="26" name="Freeform: Shape 25">
-              <a:extLst>
-                <a:ext uri="{FF2B5EF4-FFF2-40B4-BE49-F238E27FC236}">
-                  <a16:creationId xmlns:a16="http://schemas.microsoft.com/office/drawing/2014/main" id="{57DAB968-9B52-4EFF-AD39-7657DFEA6E48}"/>
-                </a:ext>
-              </a:extLst>
-            </p:cNvPr>
-            <p:cNvSpPr>
-              <a:spLocks noChangeAspect="1"/>
-            </p:cNvSpPr>
-            <p:nvPr/>
-          </p:nvSpPr>
-          <p:spPr>
-            <a:xfrm rot="8100000">
-              <a:off x="10400615" y="2343978"/>
-              <a:ext cx="1080000" cy="1262947"/>
-            </a:xfrm>
-            <a:custGeom>
-              <a:avLst/>
-              <a:gdLst>
-                <a:gd name="connsiteX0" fmla="*/ 540000 w 1080000"/>
-                <a:gd name="connsiteY0" fmla="*/ 0 h 1262947"/>
-                <a:gd name="connsiteX1" fmla="*/ 1080000 w 1080000"/>
-                <a:gd name="connsiteY1" fmla="*/ 931034 h 1262947"/>
-                <a:gd name="connsiteX2" fmla="*/ 1064374 w 1080000"/>
-                <a:gd name="connsiteY2" fmla="*/ 931034 h 1262947"/>
-                <a:gd name="connsiteX3" fmla="*/ 1069029 w 1080000"/>
-                <a:gd name="connsiteY3" fmla="*/ 938533 h 1262947"/>
-                <a:gd name="connsiteX4" fmla="*/ 1080000 w 1080000"/>
-                <a:gd name="connsiteY4" fmla="*/ 992947 h 1262947"/>
-                <a:gd name="connsiteX5" fmla="*/ 540000 w 1080000"/>
-                <a:gd name="connsiteY5" fmla="*/ 1262947 h 1262947"/>
-                <a:gd name="connsiteX6" fmla="*/ 0 w 1080000"/>
-                <a:gd name="connsiteY6" fmla="*/ 992947 h 1262947"/>
-                <a:gd name="connsiteX7" fmla="*/ 10971 w 1080000"/>
-                <a:gd name="connsiteY7" fmla="*/ 938533 h 1262947"/>
-                <a:gd name="connsiteX8" fmla="*/ 15626 w 1080000"/>
-                <a:gd name="connsiteY8" fmla="*/ 931034 h 1262947"/>
-                <a:gd name="connsiteX9" fmla="*/ 0 w 1080000"/>
-                <a:gd name="connsiteY9" fmla="*/ 931034 h 1262947"/>
-                <a:gd name="connsiteX0" fmla="*/ 540000 w 1080000"/>
-                <a:gd name="connsiteY0" fmla="*/ 0 h 1262947"/>
-                <a:gd name="connsiteX1" fmla="*/ 1080000 w 1080000"/>
-                <a:gd name="connsiteY1" fmla="*/ 931034 h 1262947"/>
-                <a:gd name="connsiteX2" fmla="*/ 1064374 w 1080000"/>
-                <a:gd name="connsiteY2" fmla="*/ 931034 h 1262947"/>
-                <a:gd name="connsiteX3" fmla="*/ 1069029 w 1080000"/>
-                <a:gd name="connsiteY3" fmla="*/ 938533 h 1262947"/>
-                <a:gd name="connsiteX4" fmla="*/ 1080000 w 1080000"/>
-                <a:gd name="connsiteY4" fmla="*/ 992947 h 1262947"/>
-                <a:gd name="connsiteX5" fmla="*/ 540000 w 1080000"/>
-                <a:gd name="connsiteY5" fmla="*/ 1262947 h 1262947"/>
-                <a:gd name="connsiteX6" fmla="*/ 0 w 1080000"/>
-                <a:gd name="connsiteY6" fmla="*/ 992947 h 1262947"/>
-                <a:gd name="connsiteX7" fmla="*/ 10971 w 1080000"/>
-                <a:gd name="connsiteY7" fmla="*/ 938533 h 1262947"/>
-                <a:gd name="connsiteX8" fmla="*/ 15626 w 1080000"/>
-                <a:gd name="connsiteY8" fmla="*/ 931034 h 1262947"/>
-                <a:gd name="connsiteX9" fmla="*/ 540000 w 1080000"/>
-                <a:gd name="connsiteY9" fmla="*/ 0 h 1262947"/>
-                <a:gd name="connsiteX0" fmla="*/ 540000 w 1080000"/>
-                <a:gd name="connsiteY0" fmla="*/ 0 h 1262947"/>
-                <a:gd name="connsiteX1" fmla="*/ 1064374 w 1080000"/>
-                <a:gd name="connsiteY1" fmla="*/ 931034 h 1262947"/>
-                <a:gd name="connsiteX2" fmla="*/ 1069029 w 1080000"/>
-                <a:gd name="connsiteY2" fmla="*/ 938533 h 1262947"/>
-                <a:gd name="connsiteX3" fmla="*/ 1080000 w 1080000"/>
-                <a:gd name="connsiteY3" fmla="*/ 992947 h 1262947"/>
-                <a:gd name="connsiteX4" fmla="*/ 540000 w 1080000"/>
-                <a:gd name="connsiteY4" fmla="*/ 1262947 h 1262947"/>
-                <a:gd name="connsiteX5" fmla="*/ 0 w 1080000"/>
-                <a:gd name="connsiteY5" fmla="*/ 992947 h 1262947"/>
-                <a:gd name="connsiteX6" fmla="*/ 10971 w 1080000"/>
-                <a:gd name="connsiteY6" fmla="*/ 938533 h 1262947"/>
-                <a:gd name="connsiteX7" fmla="*/ 15626 w 1080000"/>
-                <a:gd name="connsiteY7" fmla="*/ 931034 h 1262947"/>
-                <a:gd name="connsiteX8" fmla="*/ 540000 w 1080000"/>
-                <a:gd name="connsiteY8" fmla="*/ 0 h 1262947"/>
-              </a:gdLst>
-              <a:ahLst/>
-              <a:cxnLst>
-                <a:cxn ang="0">
-                  <a:pos x="connsiteX0" y="connsiteY0"/>
-                </a:cxn>
-                <a:cxn ang="0">
-                  <a:pos x="connsiteX1" y="connsiteY1"/>
-                </a:cxn>
-                <a:cxn ang="0">
-                  <a:pos x="connsiteX2" y="connsiteY2"/>
-                </a:cxn>
-                <a:cxn ang="0">
-                  <a:pos x="connsiteX3" y="connsiteY3"/>
-                </a:cxn>
-                <a:cxn ang="0">
-                  <a:pos x="connsiteX4" y="connsiteY4"/>
-                </a:cxn>
-                <a:cxn ang="0">
-                  <a:pos x="connsiteX5" y="connsiteY5"/>
-                </a:cxn>
-                <a:cxn ang="0">
-                  <a:pos x="connsiteX6" y="connsiteY6"/>
-                </a:cxn>
-                <a:cxn ang="0">
-                  <a:pos x="connsiteX7" y="connsiteY7"/>
-                </a:cxn>
-                <a:cxn ang="0">
-                  <a:pos x="connsiteX8" y="connsiteY8"/>
-                </a:cxn>
-              </a:cxnLst>
-              <a:rect l="l" t="t" r="r" b="b"/>
-              <a:pathLst>
-                <a:path w="1080000" h="1262947">
-                  <a:moveTo>
-                    <a:pt x="540000" y="0"/>
-                  </a:moveTo>
-                  <a:lnTo>
-                    <a:pt x="1064374" y="931034"/>
-                  </a:lnTo>
-                  <a:lnTo>
-                    <a:pt x="1069029" y="938533"/>
-                  </a:lnTo>
-                  <a:cubicBezTo>
-                    <a:pt x="1076223" y="956109"/>
-                    <a:pt x="1080000" y="974307"/>
-                    <a:pt x="1080000" y="992947"/>
-                  </a:cubicBezTo>
-                  <a:cubicBezTo>
-                    <a:pt x="1080000" y="1142064"/>
-                    <a:pt x="838234" y="1262947"/>
-                    <a:pt x="540000" y="1262947"/>
-                  </a:cubicBezTo>
-                  <a:cubicBezTo>
-                    <a:pt x="241766" y="1262947"/>
-                    <a:pt x="0" y="1142064"/>
-                    <a:pt x="0" y="992947"/>
-                  </a:cubicBezTo>
-                  <a:cubicBezTo>
-                    <a:pt x="0" y="974307"/>
-                    <a:pt x="3778" y="956109"/>
-                    <a:pt x="10971" y="938533"/>
-                  </a:cubicBezTo>
-                  <a:lnTo>
-                    <a:pt x="15626" y="931034"/>
-                  </a:lnTo>
-                  <a:lnTo>
-                    <a:pt x="540000" y="0"/>
-                  </a:lnTo>
-                  <a:close/>
-                </a:path>
-              </a:pathLst>
-            </a:custGeom>
-            <a:gradFill>
-              <a:gsLst>
-                <a:gs pos="60000">
-                  <a:schemeClr val="bg2">
-                    <a:lumMod val="90000"/>
-                    <a:lumOff val="10000"/>
-                  </a:schemeClr>
-                </a:gs>
-                <a:gs pos="30000">
-                  <a:schemeClr val="bg2">
-                    <a:lumMod val="90000"/>
-                    <a:lumOff val="10000"/>
-                  </a:schemeClr>
-                </a:gs>
-                <a:gs pos="40000">
-                  <a:schemeClr val="bg2">
-                    <a:lumMod val="80000"/>
-                    <a:lumOff val="20000"/>
-                  </a:schemeClr>
-                </a:gs>
-                <a:gs pos="100000">
-                  <a:schemeClr val="bg2"/>
-                </a:gs>
-              </a:gsLst>
-              <a:lin ang="600000" scaled="0"/>
-            </a:gradFill>
-            <a:ln>
-              <a:noFill/>
-            </a:ln>
-            <a:effectLst>
-              <a:innerShdw blurRad="254000" dist="101600" dir="7320000">
-                <a:schemeClr val="accent1">
-                  <a:lumMod val="60000"/>
-                  <a:lumOff val="40000"/>
-                  <a:alpha val="40000"/>
-                </a:schemeClr>
-              </a:innerShdw>
-            </a:effectLst>
-          </p:spPr>
-          <p:style>
-            <a:lnRef idx="2">
-              <a:schemeClr val="accent1">
-                <a:shade val="50000"/>
-              </a:schemeClr>
-            </a:lnRef>
-            <a:fillRef idx="1">
-              <a:schemeClr val="accent1"/>
-            </a:fillRef>
-            <a:effectRef idx="0">
-              <a:schemeClr val="accent1"/>
-            </a:effectRef>
-            <a:fontRef idx="minor">
-              <a:schemeClr val="lt1"/>
-            </a:fontRef>
-          </p:style>
-          <p:txBody>
-            <a:bodyPr rot="0" spcFirstLastPara="0" vertOverflow="overflow" horzOverflow="overflow" vert="horz" wrap="square" lIns="91440" tIns="45720" rIns="91440" bIns="45720" numCol="1" spcCol="0" rtlCol="0" fromWordArt="0" anchor="ctr" anchorCtr="0" forceAA="0" compatLnSpc="1">
-              <a:prstTxWarp prst="textNoShape">
-                <a:avLst/>
-              </a:prstTxWarp>
-              <a:noAutofit/>
-            </a:bodyPr>
-            <a:lstStyle/>
-            <a:p>
-              <a:pPr algn="ctr"/>
-              <a:endParaRPr lang="en-US"/>
-            </a:p>
-          </p:txBody>
-        </p:sp>
-        <p:sp>
-          <p:nvSpPr>
-            <p:cNvPr id="27" name="Oval 26">
-              <a:extLst>
-                <a:ext uri="{FF2B5EF4-FFF2-40B4-BE49-F238E27FC236}">
-                  <a16:creationId xmlns:a16="http://schemas.microsoft.com/office/drawing/2014/main" id="{962BE440-9634-4380-B142-5DB692420C52}"/>
-                </a:ext>
-              </a:extLst>
-            </p:cNvPr>
-            <p:cNvSpPr/>
-            <p:nvPr/>
-          </p:nvSpPr>
-          <p:spPr>
-            <a:xfrm rot="13500000">
-              <a:off x="10415015" y="2179851"/>
-              <a:ext cx="540000" cy="1080000"/>
-            </a:xfrm>
-            <a:prstGeom prst="ellipse">
-              <a:avLst/>
-            </a:prstGeom>
-            <a:gradFill>
-              <a:gsLst>
-                <a:gs pos="100000">
-                  <a:schemeClr val="accent1">
-                    <a:lumMod val="60000"/>
-                    <a:lumOff val="40000"/>
-                    <a:alpha val="0"/>
-                  </a:schemeClr>
-                </a:gs>
-                <a:gs pos="0">
-                  <a:schemeClr val="bg2">
-                    <a:lumMod val="75000"/>
-                    <a:lumOff val="25000"/>
-                    <a:alpha val="33000"/>
-                  </a:schemeClr>
-                </a:gs>
-              </a:gsLst>
-              <a:lin ang="5400000" scaled="0"/>
-            </a:gradFill>
-            <a:ln>
-              <a:noFill/>
-            </a:ln>
-            <a:effectLst>
-              <a:innerShdw blurRad="1270000" dist="2540000">
-                <a:schemeClr val="accent1">
-                  <a:lumMod val="60000"/>
-                  <a:lumOff val="40000"/>
-                  <a:alpha val="0"/>
-                </a:schemeClr>
-              </a:innerShdw>
-            </a:effectLst>
-          </p:spPr>
-          <p:style>
-            <a:lnRef idx="2">
-              <a:schemeClr val="accent1">
-                <a:shade val="50000"/>
-              </a:schemeClr>
-            </a:lnRef>
-            <a:fillRef idx="1">
-              <a:schemeClr val="accent1"/>
-            </a:fillRef>
-            <a:effectRef idx="0">
-              <a:schemeClr val="accent1"/>
-            </a:effectRef>
-            <a:fontRef idx="minor">
-              <a:schemeClr val="lt1"/>
-            </a:fontRef>
-          </p:style>
-          <p:txBody>
-            <a:bodyPr rot="0" spcFirstLastPara="0" vertOverflow="overflow" horzOverflow="overflow" vert="horz" wrap="square" lIns="91440" tIns="45720" rIns="91440" bIns="45720" numCol="1" spcCol="0" rtlCol="0" fromWordArt="0" anchor="ctr" anchorCtr="0" forceAA="0" compatLnSpc="1">
-              <a:prstTxWarp prst="textNoShape">
-                <a:avLst/>
-              </a:prstTxWarp>
-              <a:noAutofit/>
-            </a:bodyPr>
-            <a:lstStyle/>
-            <a:p>
-              <a:pPr algn="ctr"/>
-              <a:endParaRPr lang="en-US"/>
-            </a:p>
-          </p:txBody>
-        </p:sp>
-      </p:grpSp>
-      <p:sp>
-        <p:nvSpPr>
-          <p:cNvPr id="7" name="Title 6">
-            <a:extLst>
-              <a:ext uri="{FF2B5EF4-FFF2-40B4-BE49-F238E27FC236}">
-                <a16:creationId xmlns:a16="http://schemas.microsoft.com/office/drawing/2014/main" id="{4B18D636-CC10-4B1E-AA38-419DCCF2D9C9}"/>
               </a:ext>
             </a:extLst>
           </p:cNvPr>
           <p:cNvSpPr>
-            <a:spLocks noGrp="1"/>
+            <a:spLocks noGrp="1" noRot="1" noChangeAspect="1" noMove="1" noResize="1" noEditPoints="1" noAdjustHandles="1" noChangeArrowheads="1" noChangeShapeType="1" noTextEdit="1"/>
           </p:cNvSpPr>
           <p:nvPr>
-            <p:ph type="title"/>
+            <p:extLst>
+              <p:ext uri="{386F3935-93C4-4BCD-93E2-E3B085C9AB24}">
+                <p16:designElem xmlns:p16="http://schemas.microsoft.com/office/powerpoint/2015/main" val="1"/>
+              </p:ext>
+            </p:extLst>
+          </p:nvPr>
+        </p:nvSpPr>
+        <p:spPr>
+          <a:xfrm rot="2700000">
+            <a:off x="612445" y="481888"/>
+            <a:ext cx="1080000" cy="1262947"/>
+          </a:xfrm>
+          <a:custGeom>
+            <a:avLst/>
+            <a:gdLst/>
+            <a:ahLst/>
+            <a:cxnLst/>
+            <a:rect l="l" t="t" r="r" b="b"/>
+            <a:pathLst>
+              <a:path w="1080000" h="1262947">
+                <a:moveTo>
+                  <a:pt x="540000" y="0"/>
+                </a:moveTo>
+                <a:lnTo>
+                  <a:pt x="1064374" y="931034"/>
+                </a:lnTo>
+                <a:lnTo>
+                  <a:pt x="1069029" y="938533"/>
+                </a:lnTo>
+                <a:cubicBezTo>
+                  <a:pt x="1076223" y="956109"/>
+                  <a:pt x="1080000" y="974307"/>
+                  <a:pt x="1080000" y="992947"/>
+                </a:cubicBezTo>
+                <a:cubicBezTo>
+                  <a:pt x="1080000" y="1142064"/>
+                  <a:pt x="838234" y="1262947"/>
+                  <a:pt x="540000" y="1262947"/>
+                </a:cubicBezTo>
+                <a:cubicBezTo>
+                  <a:pt x="241766" y="1262947"/>
+                  <a:pt x="0" y="1142064"/>
+                  <a:pt x="0" y="992947"/>
+                </a:cubicBezTo>
+                <a:cubicBezTo>
+                  <a:pt x="0" y="974307"/>
+                  <a:pt x="3778" y="956109"/>
+                  <a:pt x="10971" y="938533"/>
+                </a:cubicBezTo>
+                <a:lnTo>
+                  <a:pt x="15626" y="931034"/>
+                </a:lnTo>
+                <a:lnTo>
+                  <a:pt x="540000" y="0"/>
+                </a:lnTo>
+                <a:close/>
+              </a:path>
+            </a:pathLst>
+          </a:custGeom>
+          <a:gradFill>
+            <a:gsLst>
+              <a:gs pos="60000">
+                <a:schemeClr val="bg2">
+                  <a:lumMod val="90000"/>
+                  <a:lumOff val="10000"/>
+                </a:schemeClr>
+              </a:gs>
+              <a:gs pos="30000">
+                <a:schemeClr val="bg2">
+                  <a:lumMod val="90000"/>
+                  <a:lumOff val="10000"/>
+                </a:schemeClr>
+              </a:gs>
+              <a:gs pos="40000">
+                <a:schemeClr val="bg2">
+                  <a:lumMod val="75000"/>
+                  <a:lumOff val="25000"/>
+                </a:schemeClr>
+              </a:gs>
+              <a:gs pos="100000">
+                <a:schemeClr val="bg2"/>
+              </a:gs>
+            </a:gsLst>
+            <a:lin ang="600000" scaled="0"/>
+          </a:gradFill>
+          <a:ln>
+            <a:noFill/>
+          </a:ln>
+          <a:effectLst>
+            <a:innerShdw blurRad="254000" dist="101600" dir="2700000">
+              <a:schemeClr val="accent1">
+                <a:lumMod val="60000"/>
+                <a:lumOff val="40000"/>
+                <a:alpha val="40000"/>
+              </a:schemeClr>
+            </a:innerShdw>
+          </a:effectLst>
+        </p:spPr>
+        <p:style>
+          <a:lnRef idx="2">
+            <a:schemeClr val="accent1">
+              <a:shade val="50000"/>
+            </a:schemeClr>
+          </a:lnRef>
+          <a:fillRef idx="1">
+            <a:schemeClr val="accent1"/>
+          </a:fillRef>
+          <a:effectRef idx="0">
+            <a:schemeClr val="accent1"/>
+          </a:effectRef>
+          <a:fontRef idx="minor">
+            <a:schemeClr val="lt1"/>
+          </a:fontRef>
+        </p:style>
+        <p:txBody>
+          <a:bodyPr rot="0" spcFirstLastPara="0" vertOverflow="overflow" horzOverflow="overflow" vert="horz" wrap="square" lIns="91440" tIns="45720" rIns="91440" bIns="45720" numCol="1" spcCol="0" rtlCol="0" fromWordArt="0" anchor="ctr" anchorCtr="0" forceAA="0" compatLnSpc="1">
+            <a:prstTxWarp prst="textNoShape">
+              <a:avLst/>
+            </a:prstTxWarp>
+            <a:noAutofit/>
+          </a:bodyPr>
+          <a:lstStyle/>
+          <a:p>
+            <a:pPr algn="ctr"/>
+            <a:endParaRPr lang="en-US"/>
+          </a:p>
+        </p:txBody>
+      </p:sp>
+      <p:sp>
+        <p:nvSpPr>
+          <p:cNvPr id="36" name="Oval 35">
+            <a:extLst>
+              <a:ext uri="{FF2B5EF4-FFF2-40B4-BE49-F238E27FC236}">
+                <a16:creationId xmlns:a16="http://schemas.microsoft.com/office/drawing/2014/main" id="{AAA7AB09-557C-41AD-9113-FF9F68FA1035}"/>
+              </a:ext>
+              <a:ext uri="{C183D7F6-B498-43B3-948B-1728B52AA6E4}">
+                <adec:decorative xmlns:adec="http://schemas.microsoft.com/office/drawing/2017/decorative" val="1"/>
+              </a:ext>
+            </a:extLst>
+          </p:cNvPr>
+          <p:cNvSpPr>
+            <a:spLocks noGrp="1" noRot="1" noChangeAspect="1" noMove="1" noResize="1" noEditPoints="1" noAdjustHandles="1" noChangeArrowheads="1" noChangeShapeType="1" noTextEdit="1"/>
+          </p:cNvSpPr>
+          <p:nvPr>
+            <p:extLst>
+              <p:ext uri="{386F3935-93C4-4BCD-93E2-E3B085C9AB24}">
+                <p16:designElem xmlns:p16="http://schemas.microsoft.com/office/powerpoint/2015/main" val="1"/>
+              </p:ext>
+            </p:extLst>
+          </p:nvPr>
+        </p:nvSpPr>
+        <p:spPr>
+          <a:xfrm rot="8100000">
+            <a:off x="626845" y="828962"/>
+            <a:ext cx="540000" cy="1080000"/>
+          </a:xfrm>
+          <a:prstGeom prst="ellipse">
+            <a:avLst/>
+          </a:prstGeom>
+          <a:gradFill>
+            <a:gsLst>
+              <a:gs pos="100000">
+                <a:schemeClr val="bg2">
+                  <a:lumMod val="90000"/>
+                  <a:lumOff val="10000"/>
+                </a:schemeClr>
+              </a:gs>
+              <a:gs pos="50000">
+                <a:schemeClr val="bg2">
+                  <a:lumMod val="95000"/>
+                  <a:lumOff val="5000"/>
+                </a:schemeClr>
+              </a:gs>
+            </a:gsLst>
+            <a:lin ang="5400000" scaled="0"/>
+          </a:gradFill>
+          <a:ln>
+            <a:noFill/>
+          </a:ln>
+          <a:effectLst>
+            <a:innerShdw blurRad="1270000" dist="2540000">
+              <a:schemeClr val="accent1">
+                <a:lumMod val="60000"/>
+                <a:lumOff val="40000"/>
+                <a:alpha val="0"/>
+              </a:schemeClr>
+            </a:innerShdw>
+          </a:effectLst>
+        </p:spPr>
+        <p:style>
+          <a:lnRef idx="2">
+            <a:schemeClr val="accent1">
+              <a:shade val="50000"/>
+            </a:schemeClr>
+          </a:lnRef>
+          <a:fillRef idx="1">
+            <a:schemeClr val="accent1"/>
+          </a:fillRef>
+          <a:effectRef idx="0">
+            <a:schemeClr val="accent1"/>
+          </a:effectRef>
+          <a:fontRef idx="minor">
+            <a:schemeClr val="lt1"/>
+          </a:fontRef>
+        </p:style>
+        <p:txBody>
+          <a:bodyPr rot="0" spcFirstLastPara="0" vertOverflow="overflow" horzOverflow="overflow" vert="horz" wrap="square" lIns="91440" tIns="45720" rIns="91440" bIns="45720" numCol="1" spcCol="0" rtlCol="0" fromWordArt="0" anchor="ctr" anchorCtr="0" forceAA="0" compatLnSpc="1">
+            <a:prstTxWarp prst="textNoShape">
+              <a:avLst/>
+            </a:prstTxWarp>
+            <a:noAutofit/>
+          </a:bodyPr>
+          <a:lstStyle/>
+          <a:p>
+            <a:pPr algn="ctr"/>
+            <a:endParaRPr lang="en-US"/>
+          </a:p>
+        </p:txBody>
+      </p:sp>
+      <p:sp>
+        <p:nvSpPr>
+          <p:cNvPr id="38" name="Oval 37">
+            <a:extLst>
+              <a:ext uri="{FF2B5EF4-FFF2-40B4-BE49-F238E27FC236}">
+                <a16:creationId xmlns:a16="http://schemas.microsoft.com/office/drawing/2014/main" id="{EF99ECAA-1F11-4937-BBA6-51935AB44C9D}"/>
+              </a:ext>
+              <a:ext uri="{C183D7F6-B498-43B3-948B-1728B52AA6E4}">
+                <adec:decorative xmlns:adec="http://schemas.microsoft.com/office/drawing/2017/decorative" val="1"/>
+              </a:ext>
+            </a:extLst>
+          </p:cNvPr>
+          <p:cNvSpPr>
+            <a:spLocks noGrp="1" noRot="1" noChangeAspect="1" noMove="1" noResize="1" noEditPoints="1" noAdjustHandles="1" noChangeArrowheads="1" noChangeShapeType="1" noTextEdit="1"/>
+          </p:cNvSpPr>
+          <p:nvPr>
+            <p:extLst>
+              <p:ext uri="{386F3935-93C4-4BCD-93E2-E3B085C9AB24}">
+                <p16:designElem xmlns:p16="http://schemas.microsoft.com/office/powerpoint/2015/main" val="1"/>
+              </p:ext>
+            </p:extLst>
           </p:nvPr>
         </p:nvSpPr>
         <p:spPr>
           <a:xfrm>
-            <a:off x="550862" y="549275"/>
-            <a:ext cx="11097551" cy="1332000"/>
+            <a:off x="1800802" y="2472855"/>
+            <a:ext cx="360000" cy="360000"/>
           </a:xfrm>
-        </p:spPr>
-        <p:txBody>
-          <a:bodyPr>
-            <a:normAutofit/>
-          </a:bodyPr>
-          <a:lstStyle/>
-          <a:p>
-            <a:r>
-              <a:rPr lang="en-US" dirty="0"/>
-              <a:t>Installing WSL</a:t>
-            </a:r>
-          </a:p>
-        </p:txBody>
-      </p:sp>
-      <p:sp>
-        <p:nvSpPr>
-          <p:cNvPr id="9" name="Text Placeholder 8">
-            <a:extLst>
-              <a:ext uri="{FF2B5EF4-FFF2-40B4-BE49-F238E27FC236}">
-                <a16:creationId xmlns:a16="http://schemas.microsoft.com/office/drawing/2014/main" id="{0D098C43-2F2A-4100-89BC-5931039293FA}"/>
-              </a:ext>
-            </a:extLst>
-          </p:cNvPr>
-          <p:cNvSpPr>
-            <a:spLocks noGrp="1"/>
-          </p:cNvSpPr>
-          <p:nvPr>
-            <p:ph type="body" idx="1"/>
-          </p:nvPr>
-        </p:nvSpPr>
-        <p:spPr>
-          <a:xfrm>
-            <a:off x="550864" y="1731375"/>
-            <a:ext cx="5437186" cy="535354"/>
-          </a:xfrm>
-        </p:spPr>
-        <p:txBody>
-          <a:bodyPr/>
-          <a:lstStyle/>
-          <a:p>
-            <a:r>
-              <a:rPr lang="en-US" dirty="0"/>
-              <a:t>WSL</a:t>
-            </a:r>
-          </a:p>
-        </p:txBody>
-      </p:sp>
-      <p:sp>
-        <p:nvSpPr>
-          <p:cNvPr id="10" name="Content Placeholder 9">
-            <a:extLst>
-              <a:ext uri="{FF2B5EF4-FFF2-40B4-BE49-F238E27FC236}">
-                <a16:creationId xmlns:a16="http://schemas.microsoft.com/office/drawing/2014/main" id="{1DB251F7-EBE7-46AC-A920-FFE2C5AF68EA}"/>
-              </a:ext>
-            </a:extLst>
-          </p:cNvPr>
-          <p:cNvSpPr>
-            <a:spLocks noGrp="1"/>
-          </p:cNvSpPr>
-          <p:nvPr>
-            <p:ph sz="half" idx="2"/>
-          </p:nvPr>
-        </p:nvSpPr>
-        <p:spPr>
-          <a:xfrm>
-            <a:off x="550863" y="2427370"/>
-            <a:ext cx="5429114" cy="3515555"/>
-          </a:xfrm>
-        </p:spPr>
-        <p:txBody>
-          <a:bodyPr>
-            <a:normAutofit fontScale="62500" lnSpcReduction="20000"/>
-          </a:bodyPr>
-          <a:lstStyle/>
-          <a:p>
-            <a:r>
-              <a:rPr lang="en-US" dirty="0"/>
-              <a:t>Open PowerShell with Administrative Privileges and run `</a:t>
-            </a:r>
-            <a:r>
-              <a:rPr lang="en-US" dirty="0" err="1"/>
-              <a:t>wsl</a:t>
-            </a:r>
-            <a:r>
-              <a:rPr lang="en-US" dirty="0"/>
-              <a:t> –install`. This will install WSL and an instance of Ubuntu.</a:t>
-            </a:r>
-          </a:p>
-          <a:p>
-            <a:r>
-              <a:rPr lang="en-US" dirty="0"/>
-              <a:t>In Windows start, click the newly added Ubuntu app. </a:t>
-            </a:r>
-          </a:p>
-          <a:p>
-            <a:r>
-              <a:rPr lang="en-US" dirty="0"/>
-              <a:t>Follow the on-screen instructions to create a username and password. Once you are done you can close the window.</a:t>
-            </a:r>
-          </a:p>
-          <a:p>
-            <a:r>
-              <a:rPr lang="en-US" dirty="0"/>
-              <a:t>Open WT and press `ctrl+,` again. On the ‘Startup’ page, the first option should say ‘Default Option’, click the drop down and select ‘Ubuntu’.</a:t>
-            </a:r>
-          </a:p>
-          <a:p>
-            <a:r>
-              <a:rPr lang="en-US" dirty="0"/>
-              <a:t>Press `ctrl++</a:t>
-            </a:r>
-            <a:r>
-              <a:rPr lang="en-US" dirty="0" err="1"/>
-              <a:t>shift+t</a:t>
-            </a:r>
-            <a:r>
-              <a:rPr lang="en-US" dirty="0"/>
-              <a:t>` to open a new shell tab. It should now say ‘Ubuntu’ at the top of tab.</a:t>
-            </a:r>
-          </a:p>
-        </p:txBody>
-      </p:sp>
-      <p:sp>
-        <p:nvSpPr>
-          <p:cNvPr id="12" name="Content Placeholder 11">
-            <a:extLst>
-              <a:ext uri="{FF2B5EF4-FFF2-40B4-BE49-F238E27FC236}">
-                <a16:creationId xmlns:a16="http://schemas.microsoft.com/office/drawing/2014/main" id="{7FB7F30B-2A84-4C44-BC5A-E826ED6E74A2}"/>
-              </a:ext>
-            </a:extLst>
-          </p:cNvPr>
-          <p:cNvSpPr>
-            <a:spLocks noGrp="1"/>
-          </p:cNvSpPr>
-          <p:nvPr>
-            <p:ph sz="quarter" idx="4"/>
-          </p:nvPr>
-        </p:nvSpPr>
-        <p:spPr>
-          <a:xfrm>
-            <a:off x="6212023" y="2427370"/>
-            <a:ext cx="5436391" cy="3515555"/>
-          </a:xfrm>
-        </p:spPr>
-        <p:txBody>
-          <a:bodyPr>
-            <a:normAutofit fontScale="92500"/>
-          </a:bodyPr>
-          <a:lstStyle/>
-          <a:p>
-            <a:r>
-              <a:rPr lang="en-US" dirty="0"/>
-              <a:t>We are now going to install the relevant software for Ubuntu. Run each of the following commands (in the ``) in sequence.</a:t>
-            </a:r>
-          </a:p>
-          <a:p>
-            <a:r>
-              <a:rPr lang="en-US" dirty="0"/>
-              <a:t>`</a:t>
-            </a:r>
-            <a:r>
-              <a:rPr lang="en-US" dirty="0" err="1"/>
-              <a:t>sudo</a:t>
-            </a:r>
-            <a:r>
-              <a:rPr lang="en-US" dirty="0"/>
-              <a:t> apt update`</a:t>
-            </a:r>
-          </a:p>
-          <a:p>
-            <a:r>
-              <a:rPr lang="en-US" dirty="0"/>
-              <a:t>`</a:t>
-            </a:r>
-            <a:r>
-              <a:rPr lang="en-US" dirty="0" err="1"/>
-              <a:t>sudo</a:t>
-            </a:r>
-            <a:r>
-              <a:rPr lang="en-US" dirty="0"/>
-              <a:t> apt upgrade -y`</a:t>
-            </a:r>
-          </a:p>
-          <a:p>
-            <a:r>
-              <a:rPr lang="en-US" dirty="0"/>
-              <a:t>`</a:t>
-            </a:r>
-            <a:r>
-              <a:rPr lang="en-US" dirty="0" err="1"/>
-              <a:t>sudo</a:t>
-            </a:r>
-            <a:r>
-              <a:rPr lang="en-US" dirty="0"/>
-              <a:t> apt install git curl </a:t>
-            </a:r>
-            <a:r>
-              <a:rPr lang="en-US" dirty="0" err="1"/>
-              <a:t>wget</a:t>
-            </a:r>
-            <a:r>
-              <a:rPr lang="en-US" dirty="0"/>
-              <a:t> ca-certificates build-essential`</a:t>
-            </a:r>
-          </a:p>
-          <a:p>
-            <a:endParaRPr lang="en-US" dirty="0"/>
-          </a:p>
-        </p:txBody>
-      </p:sp>
-      <p:sp>
-        <p:nvSpPr>
-          <p:cNvPr id="4" name="Date Placeholder 3">
-            <a:extLst>
-              <a:ext uri="{FF2B5EF4-FFF2-40B4-BE49-F238E27FC236}">
-                <a16:creationId xmlns:a16="http://schemas.microsoft.com/office/drawing/2014/main" id="{0C329F70-04F7-4C70-BCF8-D4371F54EF2F}"/>
-              </a:ext>
-            </a:extLst>
-          </p:cNvPr>
-          <p:cNvSpPr>
-            <a:spLocks noGrp="1"/>
-          </p:cNvSpPr>
-          <p:nvPr>
-            <p:ph type="dt" sz="half" idx="10"/>
-          </p:nvPr>
-        </p:nvSpPr>
-        <p:spPr>
-          <a:xfrm>
-            <a:off x="550863" y="6507212"/>
-            <a:ext cx="2628900" cy="153888"/>
-          </a:xfrm>
-        </p:spPr>
-        <p:txBody>
-          <a:bodyPr/>
-          <a:lstStyle/>
-          <a:p>
-            <a:r>
-              <a:rPr lang="en-US"/>
-              <a:t>Tuesday, February 2, 20XX</a:t>
-            </a:r>
-            <a:endParaRPr lang="en-US" dirty="0"/>
-          </a:p>
-        </p:txBody>
-      </p:sp>
-      <p:sp>
-        <p:nvSpPr>
-          <p:cNvPr id="5" name="Footer Placeholder 4">
-            <a:extLst>
-              <a:ext uri="{FF2B5EF4-FFF2-40B4-BE49-F238E27FC236}">
-                <a16:creationId xmlns:a16="http://schemas.microsoft.com/office/drawing/2014/main" id="{06A3302E-502D-4151-81C9-5FD6AF9596D6}"/>
-              </a:ext>
-            </a:extLst>
-          </p:cNvPr>
-          <p:cNvSpPr>
-            <a:spLocks noGrp="1"/>
-          </p:cNvSpPr>
-          <p:nvPr>
-            <p:ph type="ftr" sz="quarter" idx="11"/>
-          </p:nvPr>
-        </p:nvSpPr>
-        <p:spPr>
-          <a:xfrm>
-            <a:off x="3359150" y="6507212"/>
-            <a:ext cx="6379210" cy="153888"/>
-          </a:xfrm>
-        </p:spPr>
-        <p:txBody>
-          <a:bodyPr/>
-          <a:lstStyle/>
-          <a:p>
-            <a:r>
-              <a:rPr lang="en-US"/>
-              <a:t>Sample Footer Text</a:t>
-            </a:r>
-          </a:p>
-        </p:txBody>
-      </p:sp>
-      <p:sp>
-        <p:nvSpPr>
-          <p:cNvPr id="6" name="Slide Number Placeholder 5">
-            <a:extLst>
-              <a:ext uri="{FF2B5EF4-FFF2-40B4-BE49-F238E27FC236}">
-                <a16:creationId xmlns:a16="http://schemas.microsoft.com/office/drawing/2014/main" id="{9ED907F8-C614-4D59-A03F-BF9CD5E35703}"/>
-              </a:ext>
-            </a:extLst>
-          </p:cNvPr>
-          <p:cNvSpPr>
-            <a:spLocks noGrp="1"/>
-          </p:cNvSpPr>
-          <p:nvPr>
-            <p:ph type="sldNum" sz="quarter" idx="12"/>
-          </p:nvPr>
-        </p:nvSpPr>
-        <p:spPr>
-          <a:xfrm>
-            <a:off x="9948863" y="6507212"/>
-            <a:ext cx="1692274" cy="153888"/>
-          </a:xfrm>
-        </p:spPr>
-        <p:txBody>
-          <a:bodyPr/>
-          <a:lstStyle/>
-          <a:p>
-            <a:fld id="{DBA1B0FB-D917-4C8C-928F-313BD683BF39}" type="slidenum">
-              <a:rPr lang="en-US" smtClean="0"/>
-              <a:pPr/>
-              <a:t>13</a:t>
-            </a:fld>
-            <a:endParaRPr lang="en-US"/>
-          </a:p>
-        </p:txBody>
-      </p:sp>
-      <p:sp>
-        <p:nvSpPr>
-          <p:cNvPr id="22" name="Freeform: Shape 21">
-            <a:extLst>
-              <a:ext uri="{FF2B5EF4-FFF2-40B4-BE49-F238E27FC236}">
-                <a16:creationId xmlns:a16="http://schemas.microsoft.com/office/drawing/2014/main" id="{C6F3814E-455F-456B-B1AF-7B993965A2C0}"/>
-              </a:ext>
-              <a:ext uri="{C183D7F6-B498-43B3-948B-1728B52AA6E4}">
-                <adec:decorative xmlns:adec="http://schemas.microsoft.com/office/drawing/2017/decorative" val="1"/>
-              </a:ext>
-            </a:extLst>
-          </p:cNvPr>
-          <p:cNvSpPr>
-            <a:spLocks noChangeAspect="1"/>
-          </p:cNvSpPr>
-          <p:nvPr/>
-        </p:nvSpPr>
-        <p:spPr>
-          <a:xfrm>
-            <a:off x="4295775" y="0"/>
-            <a:ext cx="360000" cy="274638"/>
-          </a:xfrm>
-          <a:custGeom>
+          <a:prstGeom prst="ellipse">
             <a:avLst/>
-            <a:gdLst>
-              <a:gd name="connsiteX0" fmla="*/ 30714 w 360000"/>
-              <a:gd name="connsiteY0" fmla="*/ 0 h 274638"/>
-              <a:gd name="connsiteX1" fmla="*/ 329286 w 360000"/>
-              <a:gd name="connsiteY1" fmla="*/ 0 h 274638"/>
-              <a:gd name="connsiteX2" fmla="*/ 345855 w 360000"/>
-              <a:gd name="connsiteY2" fmla="*/ 24574 h 274638"/>
-              <a:gd name="connsiteX3" fmla="*/ 360000 w 360000"/>
-              <a:gd name="connsiteY3" fmla="*/ 94638 h 274638"/>
-              <a:gd name="connsiteX4" fmla="*/ 180000 w 360000"/>
-              <a:gd name="connsiteY4" fmla="*/ 274638 h 274638"/>
-              <a:gd name="connsiteX5" fmla="*/ 0 w 360000"/>
-              <a:gd name="connsiteY5" fmla="*/ 94638 h 274638"/>
-              <a:gd name="connsiteX6" fmla="*/ 14145 w 360000"/>
-              <a:gd name="connsiteY6" fmla="*/ 24574 h 274638"/>
-            </a:gdLst>
-            <a:ahLst/>
-            <a:cxnLst>
-              <a:cxn ang="0">
-                <a:pos x="connsiteX0" y="connsiteY0"/>
-              </a:cxn>
-              <a:cxn ang="0">
-                <a:pos x="connsiteX1" y="connsiteY1"/>
-              </a:cxn>
-              <a:cxn ang="0">
-                <a:pos x="connsiteX2" y="connsiteY2"/>
-              </a:cxn>
-              <a:cxn ang="0">
-                <a:pos x="connsiteX3" y="connsiteY3"/>
-              </a:cxn>
-              <a:cxn ang="0">
-                <a:pos x="connsiteX4" y="connsiteY4"/>
-              </a:cxn>
-              <a:cxn ang="0">
-                <a:pos x="connsiteX5" y="connsiteY5"/>
-              </a:cxn>
-              <a:cxn ang="0">
-                <a:pos x="connsiteX6" y="connsiteY6"/>
-              </a:cxn>
-            </a:cxnLst>
-            <a:rect l="l" t="t" r="r" b="b"/>
-            <a:pathLst>
-              <a:path w="360000" h="274638">
-                <a:moveTo>
-                  <a:pt x="30714" y="0"/>
-                </a:moveTo>
-                <a:lnTo>
-                  <a:pt x="329286" y="0"/>
-                </a:lnTo>
-                <a:lnTo>
-                  <a:pt x="345855" y="24574"/>
-                </a:lnTo>
-                <a:cubicBezTo>
-                  <a:pt x="354963" y="46109"/>
-                  <a:pt x="360000" y="69785"/>
-                  <a:pt x="360000" y="94638"/>
-                </a:cubicBezTo>
-                <a:cubicBezTo>
-                  <a:pt x="360000" y="194049"/>
-                  <a:pt x="279411" y="274638"/>
-                  <a:pt x="180000" y="274638"/>
-                </a:cubicBezTo>
-                <a:cubicBezTo>
-                  <a:pt x="80589" y="274638"/>
-                  <a:pt x="0" y="194049"/>
-                  <a:pt x="0" y="94638"/>
-                </a:cubicBezTo>
-                <a:cubicBezTo>
-                  <a:pt x="0" y="69785"/>
-                  <a:pt x="5037" y="46109"/>
-                  <a:pt x="14145" y="24574"/>
-                </a:cubicBezTo>
-                <a:close/>
-              </a:path>
-            </a:pathLst>
-          </a:custGeom>
+          </a:prstGeom>
           <a:gradFill flip="none" rotWithShape="1">
             <a:gsLst>
               <a:gs pos="100000">
@@ -24616,179 +23669,82 @@
           </a:p>
         </p:txBody>
       </p:sp>
-      <p:sp>
-        <p:nvSpPr>
-          <p:cNvPr id="3" name="Text Placeholder 2">
+      <p:grpSp>
+        <p:nvGrpSpPr>
+          <p:cNvPr id="40" name="Group 39">
             <a:extLst>
               <a:ext uri="{FF2B5EF4-FFF2-40B4-BE49-F238E27FC236}">
-                <a16:creationId xmlns:a16="http://schemas.microsoft.com/office/drawing/2014/main" id="{D35BE8C7-B67F-DA1F-E0A9-C3D86A96DECE}"/>
+                <a16:creationId xmlns:a16="http://schemas.microsoft.com/office/drawing/2014/main" id="{79DE9FAB-6BBA-4CFE-B67D-77B47F01ECA4}"/>
+              </a:ext>
+              <a:ext uri="{C183D7F6-B498-43B3-948B-1728B52AA6E4}">
+                <adec:decorative xmlns:adec="http://schemas.microsoft.com/office/drawing/2017/decorative" val="1"/>
               </a:ext>
             </a:extLst>
           </p:cNvPr>
-          <p:cNvSpPr>
-            <a:spLocks noGrp="1"/>
-          </p:cNvSpPr>
+          <p:cNvGrpSpPr>
+            <a:grpSpLocks noGrp="1" noUngrp="1" noRot="1" noChangeAspect="1" noMove="1" noResize="1"/>
+          </p:cNvGrpSpPr>
           <p:nvPr>
-            <p:ph type="body" sz="quarter" idx="3"/>
+            <p:extLst>
+              <p:ext uri="{386F3935-93C4-4BCD-93E2-E3B085C9AB24}">
+                <p16:designElem xmlns:p16="http://schemas.microsoft.com/office/powerpoint/2015/main" val="1"/>
+              </p:ext>
+            </p:extLst>
           </p:nvPr>
-        </p:nvSpPr>
-        <p:spPr/>
-        <p:txBody>
-          <a:bodyPr/>
-          <a:lstStyle/>
-          <a:p>
-            <a:r>
-              <a:rPr lang="en-AU" dirty="0"/>
-              <a:t>Ubuntu</a:t>
-            </a:r>
-          </a:p>
-        </p:txBody>
-      </p:sp>
-    </p:spTree>
-    <p:extLst>
-      <p:ext uri="{BB962C8B-B14F-4D97-AF65-F5344CB8AC3E}">
-        <p14:creationId xmlns:p14="http://schemas.microsoft.com/office/powerpoint/2010/main" val="3973718449"/>
-      </p:ext>
-    </p:extLst>
-  </p:cSld>
-  <p:clrMapOvr>
-    <a:masterClrMapping/>
-  </p:clrMapOvr>
-  <mc:AlternateContent xmlns:mc="http://schemas.openxmlformats.org/markup-compatibility/2006">
-    <mc:Choice xmlns:p159="http://schemas.microsoft.com/office/powerpoint/2015/09/main" Requires="p159">
-      <p:transition xmlns:p14="http://schemas.microsoft.com/office/powerpoint/2010/main" spd="slow" p14:dur="2000">
-        <p159:morph option="byChar"/>
-      </p:transition>
-    </mc:Choice>
-    <mc:Fallback>
-      <p:transition spd="slow">
-        <p:fade/>
-      </p:transition>
-    </mc:Fallback>
-  </mc:AlternateContent>
-</p:sld>
-</file>
-
-<file path=ppt/slides/slide14.xml><?xml version="1.0" encoding="utf-8"?>
-<p:sld xmlns:a="http://schemas.openxmlformats.org/drawingml/2006/main" xmlns:r="http://schemas.openxmlformats.org/officeDocument/2006/relationships" xmlns:p="http://schemas.openxmlformats.org/presentationml/2006/main">
-  <p:cSld>
-    <p:spTree>
-      <p:nvGrpSpPr>
-        <p:cNvPr id="1" name=""/>
-        <p:cNvGrpSpPr/>
-        <p:nvPr/>
-      </p:nvGrpSpPr>
-      <p:grpSpPr>
-        <a:xfrm>
-          <a:off x="0" y="0"/>
-          <a:ext cx="0" cy="0"/>
-          <a:chOff x="0" y="0"/>
-          <a:chExt cx="0" cy="0"/>
-        </a:xfrm>
-      </p:grpSpPr>
-      <p:grpSp>
-        <p:nvGrpSpPr>
-          <p:cNvPr id="25" name="Group 24">
-            <a:extLst>
-              <a:ext uri="{FF2B5EF4-FFF2-40B4-BE49-F238E27FC236}">
-                <a16:creationId xmlns:a16="http://schemas.microsoft.com/office/drawing/2014/main" id="{D10F3D66-0109-4903-90B9-66D0E288F721}"/>
-              </a:ext>
-              <a:ext uri="{C183D7F6-B498-43B3-948B-1728B52AA6E4}">
-                <adec:decorative xmlns:adec="http://schemas.microsoft.com/office/drawing/2017/decorative" val="1"/>
-              </a:ext>
-            </a:extLst>
-          </p:cNvPr>
-          <p:cNvGrpSpPr/>
-          <p:nvPr/>
         </p:nvGrpSpPr>
         <p:grpSpPr>
           <a:xfrm>
-            <a:off x="10379261" y="2030035"/>
-            <a:ext cx="1335600" cy="1262947"/>
-            <a:chOff x="10145015" y="2343978"/>
-            <a:chExt cx="1335600" cy="1262947"/>
+            <a:off x="1329952" y="4524379"/>
+            <a:ext cx="1980001" cy="1363916"/>
+            <a:chOff x="4879602" y="3781429"/>
+            <a:chExt cx="1980001" cy="1363916"/>
           </a:xfrm>
         </p:grpSpPr>
         <p:sp>
           <p:nvSpPr>
-            <p:cNvPr id="26" name="Freeform: Shape 25">
+            <p:cNvPr id="41" name="Freeform: Shape 40">
               <a:extLst>
                 <a:ext uri="{FF2B5EF4-FFF2-40B4-BE49-F238E27FC236}">
-                  <a16:creationId xmlns:a16="http://schemas.microsoft.com/office/drawing/2014/main" id="{57DAB968-9B52-4EFF-AD39-7657DFEA6E48}"/>
+                  <a16:creationId xmlns:a16="http://schemas.microsoft.com/office/drawing/2014/main" id="{79FAC916-D9BB-4794-81B4-7C47C67E850D}"/>
+                </a:ext>
+                <a:ext uri="{C183D7F6-B498-43B3-948B-1728B52AA6E4}">
+                  <adec:decorative xmlns:adec="http://schemas.microsoft.com/office/drawing/2017/decorative" val="1"/>
                 </a:ext>
               </a:extLst>
             </p:cNvPr>
             <p:cNvSpPr>
               <a:spLocks noChangeAspect="1"/>
             </p:cNvSpPr>
-            <p:nvPr/>
+            <p:nvPr>
+              <p:extLst>
+                <p:ext uri="{386F3935-93C4-4BCD-93E2-E3B085C9AB24}">
+                  <p16:designElem xmlns:p16="http://schemas.microsoft.com/office/powerpoint/2015/main" val="1"/>
+                </p:ext>
+              </p:extLst>
+            </p:nvPr>
           </p:nvSpPr>
           <p:spPr>
-            <a:xfrm rot="8100000">
-              <a:off x="10400615" y="2343978"/>
-              <a:ext cx="1080000" cy="1262947"/>
+            <a:xfrm rot="18900000" flipV="1">
+              <a:off x="5005634" y="4191206"/>
+              <a:ext cx="1853969" cy="926985"/>
             </a:xfrm>
             <a:custGeom>
               <a:avLst/>
               <a:gdLst>
-                <a:gd name="connsiteX0" fmla="*/ 540000 w 1080000"/>
-                <a:gd name="connsiteY0" fmla="*/ 0 h 1262947"/>
-                <a:gd name="connsiteX1" fmla="*/ 1080000 w 1080000"/>
-                <a:gd name="connsiteY1" fmla="*/ 931034 h 1262947"/>
-                <a:gd name="connsiteX2" fmla="*/ 1064374 w 1080000"/>
-                <a:gd name="connsiteY2" fmla="*/ 931034 h 1262947"/>
-                <a:gd name="connsiteX3" fmla="*/ 1069029 w 1080000"/>
-                <a:gd name="connsiteY3" fmla="*/ 938533 h 1262947"/>
-                <a:gd name="connsiteX4" fmla="*/ 1080000 w 1080000"/>
-                <a:gd name="connsiteY4" fmla="*/ 992947 h 1262947"/>
-                <a:gd name="connsiteX5" fmla="*/ 540000 w 1080000"/>
-                <a:gd name="connsiteY5" fmla="*/ 1262947 h 1262947"/>
-                <a:gd name="connsiteX6" fmla="*/ 0 w 1080000"/>
-                <a:gd name="connsiteY6" fmla="*/ 992947 h 1262947"/>
-                <a:gd name="connsiteX7" fmla="*/ 10971 w 1080000"/>
-                <a:gd name="connsiteY7" fmla="*/ 938533 h 1262947"/>
-                <a:gd name="connsiteX8" fmla="*/ 15626 w 1080000"/>
-                <a:gd name="connsiteY8" fmla="*/ 931034 h 1262947"/>
-                <a:gd name="connsiteX9" fmla="*/ 0 w 1080000"/>
-                <a:gd name="connsiteY9" fmla="*/ 931034 h 1262947"/>
-                <a:gd name="connsiteX0" fmla="*/ 540000 w 1080000"/>
-                <a:gd name="connsiteY0" fmla="*/ 0 h 1262947"/>
-                <a:gd name="connsiteX1" fmla="*/ 1080000 w 1080000"/>
-                <a:gd name="connsiteY1" fmla="*/ 931034 h 1262947"/>
-                <a:gd name="connsiteX2" fmla="*/ 1064374 w 1080000"/>
-                <a:gd name="connsiteY2" fmla="*/ 931034 h 1262947"/>
-                <a:gd name="connsiteX3" fmla="*/ 1069029 w 1080000"/>
-                <a:gd name="connsiteY3" fmla="*/ 938533 h 1262947"/>
-                <a:gd name="connsiteX4" fmla="*/ 1080000 w 1080000"/>
-                <a:gd name="connsiteY4" fmla="*/ 992947 h 1262947"/>
-                <a:gd name="connsiteX5" fmla="*/ 540000 w 1080000"/>
-                <a:gd name="connsiteY5" fmla="*/ 1262947 h 1262947"/>
-                <a:gd name="connsiteX6" fmla="*/ 0 w 1080000"/>
-                <a:gd name="connsiteY6" fmla="*/ 992947 h 1262947"/>
-                <a:gd name="connsiteX7" fmla="*/ 10971 w 1080000"/>
-                <a:gd name="connsiteY7" fmla="*/ 938533 h 1262947"/>
-                <a:gd name="connsiteX8" fmla="*/ 15626 w 1080000"/>
-                <a:gd name="connsiteY8" fmla="*/ 931034 h 1262947"/>
-                <a:gd name="connsiteX9" fmla="*/ 540000 w 1080000"/>
-                <a:gd name="connsiteY9" fmla="*/ 0 h 1262947"/>
-                <a:gd name="connsiteX0" fmla="*/ 540000 w 1080000"/>
-                <a:gd name="connsiteY0" fmla="*/ 0 h 1262947"/>
-                <a:gd name="connsiteX1" fmla="*/ 1064374 w 1080000"/>
-                <a:gd name="connsiteY1" fmla="*/ 931034 h 1262947"/>
-                <a:gd name="connsiteX2" fmla="*/ 1069029 w 1080000"/>
-                <a:gd name="connsiteY2" fmla="*/ 938533 h 1262947"/>
-                <a:gd name="connsiteX3" fmla="*/ 1080000 w 1080000"/>
-                <a:gd name="connsiteY3" fmla="*/ 992947 h 1262947"/>
-                <a:gd name="connsiteX4" fmla="*/ 540000 w 1080000"/>
-                <a:gd name="connsiteY4" fmla="*/ 1262947 h 1262947"/>
-                <a:gd name="connsiteX5" fmla="*/ 0 w 1080000"/>
-                <a:gd name="connsiteY5" fmla="*/ 992947 h 1262947"/>
-                <a:gd name="connsiteX6" fmla="*/ 10971 w 1080000"/>
-                <a:gd name="connsiteY6" fmla="*/ 938533 h 1262947"/>
-                <a:gd name="connsiteX7" fmla="*/ 15626 w 1080000"/>
-                <a:gd name="connsiteY7" fmla="*/ 931034 h 1262947"/>
-                <a:gd name="connsiteX8" fmla="*/ 540000 w 1080000"/>
-                <a:gd name="connsiteY8" fmla="*/ 0 h 1262947"/>
+                <a:gd name="connsiteX0" fmla="*/ 1329373 w 2658746"/>
+                <a:gd name="connsiteY0" fmla="*/ 0 h 1329373"/>
+                <a:gd name="connsiteX1" fmla="*/ 2658746 w 2658746"/>
+                <a:gd name="connsiteY1" fmla="*/ 1329373 h 1329373"/>
+                <a:gd name="connsiteX2" fmla="*/ 1994059 w 2658746"/>
+                <a:gd name="connsiteY2" fmla="*/ 1329373 h 1329373"/>
+                <a:gd name="connsiteX3" fmla="*/ 1329373 w 2658746"/>
+                <a:gd name="connsiteY3" fmla="*/ 664687 h 1329373"/>
+                <a:gd name="connsiteX4" fmla="*/ 664687 w 2658746"/>
+                <a:gd name="connsiteY4" fmla="*/ 1329373 h 1329373"/>
+                <a:gd name="connsiteX5" fmla="*/ 0 w 2658746"/>
+                <a:gd name="connsiteY5" fmla="*/ 1329373 h 1329373"/>
+                <a:gd name="connsiteX6" fmla="*/ 1329373 w 2658746"/>
+                <a:gd name="connsiteY6" fmla="*/ 0 h 1329373"/>
               </a:gdLst>
               <a:ahLst/>
               <a:cxnLst>
@@ -24813,90 +23769,277 @@
                 <a:cxn ang="0">
                   <a:pos x="connsiteX6" y="connsiteY6"/>
                 </a:cxn>
+              </a:cxnLst>
+              <a:rect l="l" t="t" r="r" b="b"/>
+              <a:pathLst>
+                <a:path w="2658746" h="1329373">
+                  <a:moveTo>
+                    <a:pt x="1329373" y="0"/>
+                  </a:moveTo>
+                  <a:cubicBezTo>
+                    <a:pt x="2063565" y="0"/>
+                    <a:pt x="2658746" y="595181"/>
+                    <a:pt x="2658746" y="1329373"/>
+                  </a:cubicBezTo>
+                  <a:lnTo>
+                    <a:pt x="1994059" y="1329373"/>
+                  </a:lnTo>
+                  <a:cubicBezTo>
+                    <a:pt x="1994059" y="962277"/>
+                    <a:pt x="1696469" y="664687"/>
+                    <a:pt x="1329373" y="664687"/>
+                  </a:cubicBezTo>
+                  <a:cubicBezTo>
+                    <a:pt x="962277" y="664687"/>
+                    <a:pt x="664687" y="962277"/>
+                    <a:pt x="664687" y="1329373"/>
+                  </a:cubicBezTo>
+                  <a:lnTo>
+                    <a:pt x="0" y="1329373"/>
+                  </a:lnTo>
+                  <a:cubicBezTo>
+                    <a:pt x="0" y="595181"/>
+                    <a:pt x="595181" y="0"/>
+                    <a:pt x="1329373" y="0"/>
+                  </a:cubicBezTo>
+                  <a:close/>
+                </a:path>
+              </a:pathLst>
+            </a:custGeom>
+            <a:solidFill>
+              <a:schemeClr val="bg2"/>
+            </a:solidFill>
+            <a:ln>
+              <a:noFill/>
+            </a:ln>
+            <a:effectLst>
+              <a:innerShdw blurRad="254000" dist="50800" dir="16200000">
+                <a:schemeClr val="accent1">
+                  <a:lumMod val="40000"/>
+                  <a:lumOff val="60000"/>
+                  <a:alpha val="40000"/>
+                </a:schemeClr>
+              </a:innerShdw>
+            </a:effectLst>
+          </p:spPr>
+          <p:style>
+            <a:lnRef idx="2">
+              <a:schemeClr val="accent1">
+                <a:shade val="50000"/>
+              </a:schemeClr>
+            </a:lnRef>
+            <a:fillRef idx="1">
+              <a:schemeClr val="accent1"/>
+            </a:fillRef>
+            <a:effectRef idx="0">
+              <a:schemeClr val="accent1"/>
+            </a:effectRef>
+            <a:fontRef idx="minor">
+              <a:schemeClr val="lt1"/>
+            </a:fontRef>
+          </p:style>
+          <p:txBody>
+            <a:bodyPr rtlCol="0" anchor="ctr"/>
+            <a:lstStyle/>
+            <a:p>
+              <a:pPr algn="ctr"/>
+              <a:endParaRPr lang="en-US"/>
+            </a:p>
+          </p:txBody>
+        </p:sp>
+        <p:sp>
+          <p:nvSpPr>
+            <p:cNvPr id="42" name="Freeform: Shape 41">
+              <a:extLst>
+                <a:ext uri="{FF2B5EF4-FFF2-40B4-BE49-F238E27FC236}">
+                  <a16:creationId xmlns:a16="http://schemas.microsoft.com/office/drawing/2014/main" id="{B5CA2231-7A65-4D16-8400-A210CC41DB73}"/>
+                </a:ext>
+                <a:ext uri="{C183D7F6-B498-43B3-948B-1728B52AA6E4}">
+                  <adec:decorative xmlns:adec="http://schemas.microsoft.com/office/drawing/2017/decorative" val="1"/>
+                </a:ext>
+              </a:extLst>
+            </p:cNvPr>
+            <p:cNvSpPr>
+              <a:spLocks noChangeAspect="1"/>
+            </p:cNvSpPr>
+            <p:nvPr>
+              <p:extLst>
+                <p:ext uri="{386F3935-93C4-4BCD-93E2-E3B085C9AB24}">
+                  <p16:designElem xmlns:p16="http://schemas.microsoft.com/office/powerpoint/2015/main" val="1"/>
+                </p:ext>
+              </p:extLst>
+            </p:nvPr>
+          </p:nvSpPr>
+          <p:spPr>
+            <a:xfrm rot="18900000" flipV="1">
+              <a:off x="4957101" y="4052255"/>
+              <a:ext cx="1853969" cy="1093090"/>
+            </a:xfrm>
+            <a:custGeom>
+              <a:avLst/>
+              <a:gdLst>
+                <a:gd name="connsiteX0" fmla="*/ 1329373 w 2658746"/>
+                <a:gd name="connsiteY0" fmla="*/ 0 h 1329373"/>
+                <a:gd name="connsiteX1" fmla="*/ 2658746 w 2658746"/>
+                <a:gd name="connsiteY1" fmla="*/ 1329373 h 1329373"/>
+                <a:gd name="connsiteX2" fmla="*/ 1994059 w 2658746"/>
+                <a:gd name="connsiteY2" fmla="*/ 1329373 h 1329373"/>
+                <a:gd name="connsiteX3" fmla="*/ 1329373 w 2658746"/>
+                <a:gd name="connsiteY3" fmla="*/ 664687 h 1329373"/>
+                <a:gd name="connsiteX4" fmla="*/ 664687 w 2658746"/>
+                <a:gd name="connsiteY4" fmla="*/ 1329373 h 1329373"/>
+                <a:gd name="connsiteX5" fmla="*/ 0 w 2658746"/>
+                <a:gd name="connsiteY5" fmla="*/ 1329373 h 1329373"/>
+                <a:gd name="connsiteX6" fmla="*/ 1329373 w 2658746"/>
+                <a:gd name="connsiteY6" fmla="*/ 0 h 1329373"/>
+              </a:gdLst>
+              <a:ahLst/>
+              <a:cxnLst>
                 <a:cxn ang="0">
-                  <a:pos x="connsiteX7" y="connsiteY7"/>
+                  <a:pos x="connsiteX0" y="connsiteY0"/>
                 </a:cxn>
                 <a:cxn ang="0">
-                  <a:pos x="connsiteX8" y="connsiteY8"/>
+                  <a:pos x="connsiteX1" y="connsiteY1"/>
+                </a:cxn>
+                <a:cxn ang="0">
+                  <a:pos x="connsiteX2" y="connsiteY2"/>
+                </a:cxn>
+                <a:cxn ang="0">
+                  <a:pos x="connsiteX3" y="connsiteY3"/>
+                </a:cxn>
+                <a:cxn ang="0">
+                  <a:pos x="connsiteX4" y="connsiteY4"/>
+                </a:cxn>
+                <a:cxn ang="0">
+                  <a:pos x="connsiteX5" y="connsiteY5"/>
+                </a:cxn>
+                <a:cxn ang="0">
+                  <a:pos x="connsiteX6" y="connsiteY6"/>
                 </a:cxn>
               </a:cxnLst>
               <a:rect l="l" t="t" r="r" b="b"/>
               <a:pathLst>
-                <a:path w="1080000" h="1262947">
+                <a:path w="2658746" h="1329373">
                   <a:moveTo>
-                    <a:pt x="540000" y="0"/>
+                    <a:pt x="1329373" y="0"/>
                   </a:moveTo>
+                  <a:cubicBezTo>
+                    <a:pt x="2063565" y="0"/>
+                    <a:pt x="2658746" y="595181"/>
+                    <a:pt x="2658746" y="1329373"/>
+                  </a:cubicBezTo>
                   <a:lnTo>
-                    <a:pt x="1064374" y="931034"/>
-                  </a:lnTo>
-                  <a:lnTo>
-                    <a:pt x="1069029" y="938533"/>
+                    <a:pt x="1994059" y="1329373"/>
                   </a:lnTo>
                   <a:cubicBezTo>
-                    <a:pt x="1076223" y="956109"/>
-                    <a:pt x="1080000" y="974307"/>
-                    <a:pt x="1080000" y="992947"/>
+                    <a:pt x="1994059" y="962277"/>
+                    <a:pt x="1696469" y="664687"/>
+                    <a:pt x="1329373" y="664687"/>
                   </a:cubicBezTo>
                   <a:cubicBezTo>
-                    <a:pt x="1080000" y="1142064"/>
-                    <a:pt x="838234" y="1262947"/>
-                    <a:pt x="540000" y="1262947"/>
-                  </a:cubicBezTo>
-                  <a:cubicBezTo>
-                    <a:pt x="241766" y="1262947"/>
-                    <a:pt x="0" y="1142064"/>
-                    <a:pt x="0" y="992947"/>
-                  </a:cubicBezTo>
-                  <a:cubicBezTo>
-                    <a:pt x="0" y="974307"/>
-                    <a:pt x="3778" y="956109"/>
-                    <a:pt x="10971" y="938533"/>
+                    <a:pt x="962277" y="664687"/>
+                    <a:pt x="664687" y="962277"/>
+                    <a:pt x="664687" y="1329373"/>
                   </a:cubicBezTo>
                   <a:lnTo>
-                    <a:pt x="15626" y="931034"/>
+                    <a:pt x="0" y="1329373"/>
                   </a:lnTo>
-                  <a:lnTo>
-                    <a:pt x="540000" y="0"/>
-                  </a:lnTo>
+                  <a:cubicBezTo>
+                    <a:pt x="0" y="595181"/>
+                    <a:pt x="595181" y="0"/>
+                    <a:pt x="1329373" y="0"/>
+                  </a:cubicBezTo>
                   <a:close/>
                 </a:path>
               </a:pathLst>
             </a:custGeom>
-            <a:gradFill>
-              <a:gsLst>
-                <a:gs pos="60000">
-                  <a:schemeClr val="bg2">
-                    <a:lumMod val="90000"/>
-                    <a:lumOff val="10000"/>
-                  </a:schemeClr>
-                </a:gs>
-                <a:gs pos="30000">
-                  <a:schemeClr val="bg2">
-                    <a:lumMod val="90000"/>
-                    <a:lumOff val="10000"/>
-                  </a:schemeClr>
-                </a:gs>
-                <a:gs pos="40000">
-                  <a:schemeClr val="bg2">
-                    <a:lumMod val="80000"/>
-                    <a:lumOff val="20000"/>
-                  </a:schemeClr>
-                </a:gs>
-                <a:gs pos="100000">
-                  <a:schemeClr val="bg2"/>
-                </a:gs>
-              </a:gsLst>
-              <a:lin ang="600000" scaled="0"/>
-            </a:gradFill>
+            <a:solidFill>
+              <a:schemeClr val="bg2">
+                <a:lumMod val="50000"/>
+                <a:lumOff val="50000"/>
+                <a:alpha val="40000"/>
+              </a:schemeClr>
+            </a:solidFill>
             <a:ln>
               <a:noFill/>
             </a:ln>
             <a:effectLst>
-              <a:innerShdw blurRad="254000" dist="101600" dir="7320000">
+              <a:softEdge rad="190500"/>
+            </a:effectLst>
+          </p:spPr>
+          <p:style>
+            <a:lnRef idx="2">
+              <a:schemeClr val="accent1">
+                <a:shade val="50000"/>
+              </a:schemeClr>
+            </a:lnRef>
+            <a:fillRef idx="1">
+              <a:schemeClr val="accent1"/>
+            </a:fillRef>
+            <a:effectRef idx="0">
+              <a:schemeClr val="accent1"/>
+            </a:effectRef>
+            <a:fontRef idx="minor">
+              <a:schemeClr val="lt1"/>
+            </a:fontRef>
+          </p:style>
+          <p:txBody>
+            <a:bodyPr rtlCol="0" anchor="ctr"/>
+            <a:lstStyle/>
+            <a:p>
+              <a:pPr algn="ctr"/>
+              <a:endParaRPr lang="en-US">
+                <a:solidFill>
+                  <a:schemeClr val="tx1"/>
+                </a:solidFill>
+              </a:endParaRPr>
+            </a:p>
+          </p:txBody>
+        </p:sp>
+        <p:sp>
+          <p:nvSpPr>
+            <p:cNvPr id="43" name="Oval 42">
+              <a:extLst>
+                <a:ext uri="{FF2B5EF4-FFF2-40B4-BE49-F238E27FC236}">
+                  <a16:creationId xmlns:a16="http://schemas.microsoft.com/office/drawing/2014/main" id="{4B089C8C-B82B-4704-88E2-E857A5E21529}"/>
+                </a:ext>
+                <a:ext uri="{C183D7F6-B498-43B3-948B-1728B52AA6E4}">
+                  <adec:decorative xmlns:adec="http://schemas.microsoft.com/office/drawing/2017/decorative" val="1"/>
+                </a:ext>
+              </a:extLst>
+            </p:cNvPr>
+            <p:cNvSpPr/>
+            <p:nvPr>
+              <p:extLst>
+                <p:ext uri="{386F3935-93C4-4BCD-93E2-E3B085C9AB24}">
+                  <p16:designElem xmlns:p16="http://schemas.microsoft.com/office/powerpoint/2015/main" val="1"/>
+                </p:ext>
+              </p:extLst>
+            </p:nvPr>
+          </p:nvSpPr>
+          <p:spPr>
+            <a:xfrm rot="13500000" flipV="1">
+              <a:off x="6040374" y="3601683"/>
+              <a:ext cx="107098" cy="466589"/>
+            </a:xfrm>
+            <a:prstGeom prst="ellipse">
+              <a:avLst/>
+            </a:prstGeom>
+            <a:solidFill>
+              <a:schemeClr val="bg2">
+                <a:lumMod val="90000"/>
+                <a:lumOff val="10000"/>
+              </a:schemeClr>
+            </a:solidFill>
+            <a:ln>
+              <a:noFill/>
+            </a:ln>
+            <a:effectLst>
+              <a:innerShdw blurRad="63500" dist="2540000">
                 <a:schemeClr val="accent1">
                   <a:lumMod val="60000"/>
                   <a:lumOff val="40000"/>
-                  <a:alpha val="40000"/>
+                  <a:alpha val="0"/>
                 </a:schemeClr>
               </a:innerShdw>
             </a:effectLst>
@@ -24933,48 +24076,44 @@
         </p:sp>
         <p:sp>
           <p:nvSpPr>
-            <p:cNvPr id="27" name="Oval 26">
+            <p:cNvPr id="44" name="Oval 43">
               <a:extLst>
                 <a:ext uri="{FF2B5EF4-FFF2-40B4-BE49-F238E27FC236}">
-                  <a16:creationId xmlns:a16="http://schemas.microsoft.com/office/drawing/2014/main" id="{962BE440-9634-4380-B142-5DB692420C52}"/>
+                  <a16:creationId xmlns:a16="http://schemas.microsoft.com/office/drawing/2014/main" id="{434B90C8-5B4D-456E-AD99-80EF748FDD72}"/>
+                </a:ext>
+                <a:ext uri="{C183D7F6-B498-43B3-948B-1728B52AA6E4}">
+                  <adec:decorative xmlns:adec="http://schemas.microsoft.com/office/drawing/2017/decorative" val="1"/>
                 </a:ext>
               </a:extLst>
             </p:cNvPr>
             <p:cNvSpPr/>
-            <p:nvPr/>
+            <p:nvPr>
+              <p:extLst>
+                <p:ext uri="{386F3935-93C4-4BCD-93E2-E3B085C9AB24}">
+                  <p16:designElem xmlns:p16="http://schemas.microsoft.com/office/powerpoint/2015/main" val="1"/>
+                </p:ext>
+              </p:extLst>
+            </p:nvPr>
           </p:nvSpPr>
           <p:spPr>
-            <a:xfrm rot="13500000">
-              <a:off x="10415015" y="2179851"/>
-              <a:ext cx="540000" cy="1080000"/>
+            <a:xfrm rot="13500000" flipV="1">
+              <a:off x="5059348" y="4582709"/>
+              <a:ext cx="107098" cy="466589"/>
             </a:xfrm>
             <a:prstGeom prst="ellipse">
               <a:avLst/>
             </a:prstGeom>
-            <a:gradFill>
-              <a:gsLst>
-                <a:gs pos="100000">
-                  <a:schemeClr val="accent1">
-                    <a:lumMod val="60000"/>
-                    <a:lumOff val="40000"/>
-                    <a:alpha val="0"/>
-                  </a:schemeClr>
-                </a:gs>
-                <a:gs pos="0">
-                  <a:schemeClr val="bg2">
-                    <a:lumMod val="75000"/>
-                    <a:lumOff val="25000"/>
-                    <a:alpha val="33000"/>
-                  </a:schemeClr>
-                </a:gs>
-              </a:gsLst>
-              <a:lin ang="5400000" scaled="0"/>
-            </a:gradFill>
+            <a:solidFill>
+              <a:schemeClr val="bg2">
+                <a:lumMod val="90000"/>
+                <a:lumOff val="10000"/>
+              </a:schemeClr>
+            </a:solidFill>
             <a:ln>
               <a:noFill/>
             </a:ln>
             <a:effectLst>
-              <a:innerShdw blurRad="1270000" dist="2540000">
+              <a:innerShdw blurRad="63500" dist="2540000">
                 <a:schemeClr val="accent1">
                   <a:lumMod val="60000"/>
                   <a:lumOff val="40000"/>
@@ -25014,468 +24153,56 @@
           </p:txBody>
         </p:sp>
       </p:grpSp>
-      <p:sp>
+      <p:sp useBgFill="1">
         <p:nvSpPr>
-          <p:cNvPr id="7" name="Title 6">
+          <p:cNvPr id="46" name="Rectangle 45">
             <a:extLst>
               <a:ext uri="{FF2B5EF4-FFF2-40B4-BE49-F238E27FC236}">
-                <a16:creationId xmlns:a16="http://schemas.microsoft.com/office/drawing/2014/main" id="{4B18D636-CC10-4B1E-AA38-419DCCF2D9C9}"/>
+                <a16:creationId xmlns:a16="http://schemas.microsoft.com/office/drawing/2014/main" id="{1DB043B4-68C6-45B9-82AC-A5800EADB8DB}"/>
+              </a:ext>
+              <a:ext uri="{C183D7F6-B498-43B3-948B-1728B52AA6E4}">
+                <adec:decorative xmlns:adec="http://schemas.microsoft.com/office/drawing/2017/decorative" val="1"/>
               </a:ext>
             </a:extLst>
           </p:cNvPr>
           <p:cNvSpPr>
-            <a:spLocks noGrp="1"/>
+            <a:spLocks noGrp="1" noRot="1" noChangeAspect="1" noMove="1" noResize="1" noEditPoints="1" noAdjustHandles="1" noChangeArrowheads="1" noChangeShapeType="1" noTextEdit="1"/>
           </p:cNvSpPr>
           <p:nvPr>
-            <p:ph type="title"/>
+            <p:extLst>
+              <p:ext uri="{386F3935-93C4-4BCD-93E2-E3B085C9AB24}">
+                <p16:designElem xmlns:p16="http://schemas.microsoft.com/office/powerpoint/2015/main" val="1"/>
+              </p:ext>
+            </p:extLst>
           </p:nvPr>
         </p:nvSpPr>
         <p:spPr>
           <a:xfrm>
-            <a:off x="550862" y="549275"/>
-            <a:ext cx="11097551" cy="1332000"/>
+            <a:off x="0" y="0"/>
+            <a:ext cx="12192000" cy="6858000"/>
           </a:xfrm>
-        </p:spPr>
-        <p:txBody>
-          <a:bodyPr>
-            <a:normAutofit/>
-          </a:bodyPr>
-          <a:lstStyle/>
-          <a:p>
-            <a:r>
-              <a:rPr lang="en-US" dirty="0"/>
-              <a:t>Homebrew</a:t>
-            </a:r>
-          </a:p>
-        </p:txBody>
-      </p:sp>
-      <p:sp>
-        <p:nvSpPr>
-          <p:cNvPr id="9" name="Text Placeholder 8">
-            <a:extLst>
-              <a:ext uri="{FF2B5EF4-FFF2-40B4-BE49-F238E27FC236}">
-                <a16:creationId xmlns:a16="http://schemas.microsoft.com/office/drawing/2014/main" id="{0D098C43-2F2A-4100-89BC-5931039293FA}"/>
-              </a:ext>
-            </a:extLst>
-          </p:cNvPr>
-          <p:cNvSpPr>
-            <a:spLocks noGrp="1"/>
-          </p:cNvSpPr>
-          <p:nvPr>
-            <p:ph type="body" idx="1"/>
-          </p:nvPr>
-        </p:nvSpPr>
-        <p:spPr>
-          <a:xfrm>
-            <a:off x="550864" y="1731375"/>
-            <a:ext cx="5437186" cy="535354"/>
-          </a:xfrm>
-        </p:spPr>
-        <p:txBody>
-          <a:bodyPr/>
-          <a:lstStyle/>
-          <a:p>
-            <a:r>
-              <a:rPr lang="en-US" dirty="0"/>
-              <a:t>About</a:t>
-            </a:r>
-          </a:p>
-        </p:txBody>
-      </p:sp>
-      <p:sp>
-        <p:nvSpPr>
-          <p:cNvPr id="10" name="Content Placeholder 9">
-            <a:extLst>
-              <a:ext uri="{FF2B5EF4-FFF2-40B4-BE49-F238E27FC236}">
-                <a16:creationId xmlns:a16="http://schemas.microsoft.com/office/drawing/2014/main" id="{1DB251F7-EBE7-46AC-A920-FFE2C5AF68EA}"/>
-              </a:ext>
-            </a:extLst>
-          </p:cNvPr>
-          <p:cNvSpPr>
-            <a:spLocks noGrp="1"/>
-          </p:cNvSpPr>
-          <p:nvPr>
-            <p:ph sz="half" idx="2"/>
-          </p:nvPr>
-        </p:nvSpPr>
-        <p:spPr>
-          <a:xfrm>
-            <a:off x="550863" y="2427370"/>
-            <a:ext cx="5429114" cy="3515555"/>
-          </a:xfrm>
-        </p:spPr>
-        <p:txBody>
-          <a:bodyPr>
-            <a:noAutofit/>
-          </a:bodyPr>
-          <a:lstStyle/>
-          <a:p>
-            <a:r>
-              <a:rPr lang="en-US" dirty="0"/>
-              <a:t>Homebrew is a 3</a:t>
-            </a:r>
-            <a:r>
-              <a:rPr lang="en-US" baseline="30000" dirty="0"/>
-              <a:t>rd</a:t>
-            </a:r>
-            <a:r>
-              <a:rPr lang="en-US" dirty="0"/>
-              <a:t>-party package manager. </a:t>
-            </a:r>
-          </a:p>
-          <a:p>
-            <a:r>
-              <a:rPr lang="en-US" dirty="0"/>
-              <a:t>A package manager allows us to install software that we need to write C++ code as well as other utilities.</a:t>
-            </a:r>
-          </a:p>
-        </p:txBody>
-      </p:sp>
-      <p:sp>
-        <p:nvSpPr>
-          <p:cNvPr id="12" name="Content Placeholder 11">
-            <a:extLst>
-              <a:ext uri="{FF2B5EF4-FFF2-40B4-BE49-F238E27FC236}">
-                <a16:creationId xmlns:a16="http://schemas.microsoft.com/office/drawing/2014/main" id="{7FB7F30B-2A84-4C44-BC5A-E826ED6E74A2}"/>
-              </a:ext>
-            </a:extLst>
-          </p:cNvPr>
-          <p:cNvSpPr>
-            <a:spLocks noGrp="1"/>
-          </p:cNvSpPr>
-          <p:nvPr>
-            <p:ph sz="quarter" idx="4"/>
-          </p:nvPr>
-        </p:nvSpPr>
-        <p:spPr>
-          <a:xfrm>
-            <a:off x="6212023" y="2427370"/>
-            <a:ext cx="5436391" cy="3515555"/>
-          </a:xfrm>
-        </p:spPr>
-        <p:txBody>
-          <a:bodyPr>
-            <a:normAutofit fontScale="70000" lnSpcReduction="20000"/>
-          </a:bodyPr>
-          <a:lstStyle/>
-          <a:p>
-            <a:r>
-              <a:rPr lang="en-US" dirty="0"/>
-              <a:t>To install Homebrew, run this command: `/bin/bash -c "$(curl -</a:t>
-            </a:r>
-            <a:r>
-              <a:rPr lang="en-US" dirty="0" err="1"/>
-              <a:t>fsSL</a:t>
-            </a:r>
-            <a:r>
-              <a:rPr lang="en-US" dirty="0"/>
-              <a:t> </a:t>
-            </a:r>
-            <a:r>
-              <a:rPr lang="en-US" dirty="0">
-                <a:hlinkClick r:id="rId3"/>
-              </a:rPr>
-              <a:t>https://raw.githubusercontent.com/Homebrew/install/HEAD/install.sh)“`</a:t>
-            </a:r>
-            <a:endParaRPr lang="en-US" dirty="0"/>
-          </a:p>
-          <a:p>
-            <a:r>
-              <a:rPr lang="en-US" dirty="0"/>
-              <a:t>Run the following commands to update Homebrew’s package index and install some </a:t>
-            </a:r>
-            <a:r>
-              <a:rPr lang="en-US" dirty="0" err="1"/>
-              <a:t>pacakages</a:t>
-            </a:r>
-            <a:r>
-              <a:rPr lang="en-US" dirty="0"/>
-              <a:t>.</a:t>
-            </a:r>
-          </a:p>
-          <a:p>
-            <a:r>
-              <a:rPr lang="en-US" dirty="0"/>
-              <a:t>`brew update`</a:t>
-            </a:r>
-          </a:p>
-          <a:p>
-            <a:r>
-              <a:rPr lang="en-US" dirty="0"/>
-              <a:t>`brew upgrade`</a:t>
-            </a:r>
-          </a:p>
-          <a:p>
-            <a:r>
-              <a:rPr lang="en-US" dirty="0"/>
-              <a:t>`brew install curl </a:t>
-            </a:r>
-            <a:r>
-              <a:rPr lang="en-US" dirty="0" err="1"/>
-              <a:t>wget</a:t>
-            </a:r>
-            <a:r>
-              <a:rPr lang="en-US" dirty="0"/>
-              <a:t> </a:t>
-            </a:r>
-            <a:r>
-              <a:rPr lang="en-US" dirty="0" err="1"/>
-              <a:t>gcc</a:t>
-            </a:r>
-            <a:r>
-              <a:rPr lang="en-US" dirty="0"/>
-              <a:t>` (note: if using WSL you will only need ‘</a:t>
-            </a:r>
-            <a:r>
-              <a:rPr lang="en-US" dirty="0" err="1"/>
-              <a:t>gcc</a:t>
-            </a:r>
-            <a:r>
-              <a:rPr lang="en-US" dirty="0"/>
-              <a:t>’)</a:t>
-            </a:r>
-          </a:p>
-          <a:p>
-            <a:pPr lvl="1"/>
-            <a:endParaRPr lang="en-US" dirty="0"/>
-          </a:p>
-          <a:p>
-            <a:endParaRPr lang="en-US" dirty="0"/>
-          </a:p>
-        </p:txBody>
-      </p:sp>
-      <p:sp>
-        <p:nvSpPr>
-          <p:cNvPr id="4" name="Date Placeholder 3">
-            <a:extLst>
-              <a:ext uri="{FF2B5EF4-FFF2-40B4-BE49-F238E27FC236}">
-                <a16:creationId xmlns:a16="http://schemas.microsoft.com/office/drawing/2014/main" id="{0C329F70-04F7-4C70-BCF8-D4371F54EF2F}"/>
-              </a:ext>
-            </a:extLst>
-          </p:cNvPr>
-          <p:cNvSpPr>
-            <a:spLocks noGrp="1"/>
-          </p:cNvSpPr>
-          <p:nvPr>
-            <p:ph type="dt" sz="half" idx="10"/>
-          </p:nvPr>
-        </p:nvSpPr>
-        <p:spPr>
-          <a:xfrm>
-            <a:off x="550863" y="6507212"/>
-            <a:ext cx="2628900" cy="153888"/>
-          </a:xfrm>
-        </p:spPr>
-        <p:txBody>
-          <a:bodyPr/>
-          <a:lstStyle/>
-          <a:p>
-            <a:r>
-              <a:rPr lang="en-US"/>
-              <a:t>Tuesday, February 2, 20XX</a:t>
-            </a:r>
-            <a:endParaRPr lang="en-US" dirty="0"/>
-          </a:p>
-        </p:txBody>
-      </p:sp>
-      <p:sp>
-        <p:nvSpPr>
-          <p:cNvPr id="5" name="Footer Placeholder 4">
-            <a:extLst>
-              <a:ext uri="{FF2B5EF4-FFF2-40B4-BE49-F238E27FC236}">
-                <a16:creationId xmlns:a16="http://schemas.microsoft.com/office/drawing/2014/main" id="{06A3302E-502D-4151-81C9-5FD6AF9596D6}"/>
-              </a:ext>
-            </a:extLst>
-          </p:cNvPr>
-          <p:cNvSpPr>
-            <a:spLocks noGrp="1"/>
-          </p:cNvSpPr>
-          <p:nvPr>
-            <p:ph type="ftr" sz="quarter" idx="11"/>
-          </p:nvPr>
-        </p:nvSpPr>
-        <p:spPr>
-          <a:xfrm>
-            <a:off x="3359150" y="6507212"/>
-            <a:ext cx="6379210" cy="153888"/>
-          </a:xfrm>
-        </p:spPr>
-        <p:txBody>
-          <a:bodyPr/>
-          <a:lstStyle/>
-          <a:p>
-            <a:r>
-              <a:rPr lang="en-US"/>
-              <a:t>Sample Footer Text</a:t>
-            </a:r>
-          </a:p>
-        </p:txBody>
-      </p:sp>
-      <p:sp>
-        <p:nvSpPr>
-          <p:cNvPr id="6" name="Slide Number Placeholder 5">
-            <a:extLst>
-              <a:ext uri="{FF2B5EF4-FFF2-40B4-BE49-F238E27FC236}">
-                <a16:creationId xmlns:a16="http://schemas.microsoft.com/office/drawing/2014/main" id="{9ED907F8-C614-4D59-A03F-BF9CD5E35703}"/>
-              </a:ext>
-            </a:extLst>
-          </p:cNvPr>
-          <p:cNvSpPr>
-            <a:spLocks noGrp="1"/>
-          </p:cNvSpPr>
-          <p:nvPr>
-            <p:ph type="sldNum" sz="quarter" idx="12"/>
-          </p:nvPr>
-        </p:nvSpPr>
-        <p:spPr>
-          <a:xfrm>
-            <a:off x="9948863" y="6507212"/>
-            <a:ext cx="1692274" cy="153888"/>
-          </a:xfrm>
-        </p:spPr>
-        <p:txBody>
-          <a:bodyPr/>
-          <a:lstStyle/>
-          <a:p>
-            <a:fld id="{DBA1B0FB-D917-4C8C-928F-313BD683BF39}" type="slidenum">
-              <a:rPr lang="en-US" smtClean="0"/>
-              <a:pPr/>
-              <a:t>14</a:t>
-            </a:fld>
-            <a:endParaRPr lang="en-US"/>
-          </a:p>
-        </p:txBody>
-      </p:sp>
-      <p:sp>
-        <p:nvSpPr>
-          <p:cNvPr id="22" name="Freeform: Shape 21">
-            <a:extLst>
-              <a:ext uri="{FF2B5EF4-FFF2-40B4-BE49-F238E27FC236}">
-                <a16:creationId xmlns:a16="http://schemas.microsoft.com/office/drawing/2014/main" id="{C6F3814E-455F-456B-B1AF-7B993965A2C0}"/>
-              </a:ext>
-              <a:ext uri="{C183D7F6-B498-43B3-948B-1728B52AA6E4}">
-                <adec:decorative xmlns:adec="http://schemas.microsoft.com/office/drawing/2017/decorative" val="1"/>
-              </a:ext>
-            </a:extLst>
-          </p:cNvPr>
-          <p:cNvSpPr>
-            <a:spLocks noChangeAspect="1"/>
-          </p:cNvSpPr>
-          <p:nvPr/>
-        </p:nvSpPr>
-        <p:spPr>
-          <a:xfrm>
-            <a:off x="4295775" y="0"/>
-            <a:ext cx="360000" cy="274638"/>
-          </a:xfrm>
-          <a:custGeom>
+          <a:prstGeom prst="rect">
             <a:avLst/>
-            <a:gdLst>
-              <a:gd name="connsiteX0" fmla="*/ 30714 w 360000"/>
-              <a:gd name="connsiteY0" fmla="*/ 0 h 274638"/>
-              <a:gd name="connsiteX1" fmla="*/ 329286 w 360000"/>
-              <a:gd name="connsiteY1" fmla="*/ 0 h 274638"/>
-              <a:gd name="connsiteX2" fmla="*/ 345855 w 360000"/>
-              <a:gd name="connsiteY2" fmla="*/ 24574 h 274638"/>
-              <a:gd name="connsiteX3" fmla="*/ 360000 w 360000"/>
-              <a:gd name="connsiteY3" fmla="*/ 94638 h 274638"/>
-              <a:gd name="connsiteX4" fmla="*/ 180000 w 360000"/>
-              <a:gd name="connsiteY4" fmla="*/ 274638 h 274638"/>
-              <a:gd name="connsiteX5" fmla="*/ 0 w 360000"/>
-              <a:gd name="connsiteY5" fmla="*/ 94638 h 274638"/>
-              <a:gd name="connsiteX6" fmla="*/ 14145 w 360000"/>
-              <a:gd name="connsiteY6" fmla="*/ 24574 h 274638"/>
-            </a:gdLst>
-            <a:ahLst/>
-            <a:cxnLst>
-              <a:cxn ang="0">
-                <a:pos x="connsiteX0" y="connsiteY0"/>
-              </a:cxn>
-              <a:cxn ang="0">
-                <a:pos x="connsiteX1" y="connsiteY1"/>
-              </a:cxn>
-              <a:cxn ang="0">
-                <a:pos x="connsiteX2" y="connsiteY2"/>
-              </a:cxn>
-              <a:cxn ang="0">
-                <a:pos x="connsiteX3" y="connsiteY3"/>
-              </a:cxn>
-              <a:cxn ang="0">
-                <a:pos x="connsiteX4" y="connsiteY4"/>
-              </a:cxn>
-              <a:cxn ang="0">
-                <a:pos x="connsiteX5" y="connsiteY5"/>
-              </a:cxn>
-              <a:cxn ang="0">
-                <a:pos x="connsiteX6" y="connsiteY6"/>
-              </a:cxn>
-            </a:cxnLst>
-            <a:rect l="l" t="t" r="r" b="b"/>
-            <a:pathLst>
-              <a:path w="360000" h="274638">
-                <a:moveTo>
-                  <a:pt x="30714" y="0"/>
-                </a:moveTo>
-                <a:lnTo>
-                  <a:pt x="329286" y="0"/>
-                </a:lnTo>
-                <a:lnTo>
-                  <a:pt x="345855" y="24574"/>
-                </a:lnTo>
-                <a:cubicBezTo>
-                  <a:pt x="354963" y="46109"/>
-                  <a:pt x="360000" y="69785"/>
-                  <a:pt x="360000" y="94638"/>
-                </a:cubicBezTo>
-                <a:cubicBezTo>
-                  <a:pt x="360000" y="194049"/>
-                  <a:pt x="279411" y="274638"/>
-                  <a:pt x="180000" y="274638"/>
-                </a:cubicBezTo>
-                <a:cubicBezTo>
-                  <a:pt x="80589" y="274638"/>
-                  <a:pt x="0" y="194049"/>
-                  <a:pt x="0" y="94638"/>
-                </a:cubicBezTo>
-                <a:cubicBezTo>
-                  <a:pt x="0" y="69785"/>
-                  <a:pt x="5037" y="46109"/>
-                  <a:pt x="14145" y="24574"/>
-                </a:cubicBezTo>
-                <a:close/>
-              </a:path>
-            </a:pathLst>
-          </a:custGeom>
-          <a:gradFill flip="none" rotWithShape="1">
-            <a:gsLst>
-              <a:gs pos="100000">
-                <a:schemeClr val="bg2">
-                  <a:lumMod val="50000"/>
-                  <a:lumOff val="50000"/>
-                </a:schemeClr>
-              </a:gs>
-              <a:gs pos="60000">
-                <a:schemeClr val="bg2"/>
-              </a:gs>
-            </a:gsLst>
-            <a:path path="circle">
-              <a:fillToRect l="100000" b="100000"/>
-            </a:path>
-            <a:tileRect t="-100000" r="-100000"/>
-          </a:gradFill>
-          <a:ln>
+          </a:prstGeom>
+          <a:ln w="12700" cap="flat" cmpd="sng" algn="ctr">
             <a:noFill/>
+            <a:prstDash val="solid"/>
+            <a:miter lim="800000"/>
           </a:ln>
-          <a:effectLst>
-            <a:innerShdw blurRad="127000" dist="63500" dir="2700000">
-              <a:schemeClr val="accent1">
-                <a:lumMod val="60000"/>
-                <a:lumOff val="40000"/>
-                <a:alpha val="20000"/>
-              </a:schemeClr>
-            </a:innerShdw>
-            <a:softEdge rad="0"/>
-          </a:effectLst>
+          <a:effectLst/>
+          <a:extLst>
+            <a:ext uri="{91240B29-F687-4F45-9708-019B960494DF}">
+              <a14:hiddenLine xmlns:a14="http://schemas.microsoft.com/office/drawing/2010/main" w="12700" cap="flat" cmpd="sng" algn="ctr">
+                <a:solidFill>
+                  <a:schemeClr val="accent1">
+                    <a:shade val="50000"/>
+                  </a:schemeClr>
+                </a:solidFill>
+                <a:prstDash val="solid"/>
+                <a:miter lim="800000"/>
+              </a14:hiddenLine>
+            </a:ext>
+          </a:extLst>
         </p:spPr>
         <p:style>
           <a:lnRef idx="2">
@@ -25494,12 +24221,114 @@
           </a:fontRef>
         </p:style>
         <p:txBody>
-          <a:bodyPr rot="0" spcFirstLastPara="0" vertOverflow="overflow" horzOverflow="overflow" vert="horz" wrap="square" lIns="91440" tIns="45720" rIns="91440" bIns="45720" numCol="1" spcCol="0" rtlCol="0" fromWordArt="0" anchor="ctr" anchorCtr="0" forceAA="0" compatLnSpc="1">
-            <a:prstTxWarp prst="textNoShape">
-              <a:avLst/>
-            </a:prstTxWarp>
-            <a:noAutofit/>
-          </a:bodyPr>
+          <a:bodyPr rtlCol="0" anchor="ctr"/>
+          <a:lstStyle/>
+          <a:p>
+            <a:pPr algn="ctr"/>
+            <a:endParaRPr lang="en-US"/>
+          </a:p>
+        </p:txBody>
+      </p:sp>
+      <p:pic>
+        <p:nvPicPr>
+          <p:cNvPr id="8" name="Picture Placeholder 7" descr="Data Points Digital background">
+            <a:extLst>
+              <a:ext uri="{FF2B5EF4-FFF2-40B4-BE49-F238E27FC236}">
+                <a16:creationId xmlns:a16="http://schemas.microsoft.com/office/drawing/2014/main" id="{5FED7C55-F545-49A1-90FD-D853A25AB453}"/>
+              </a:ext>
+            </a:extLst>
+          </p:cNvPr>
+          <p:cNvPicPr>
+            <a:picLocks noGrp="1" noChangeAspect="1"/>
+          </p:cNvPicPr>
+          <p:nvPr>
+            <p:ph type="pic" sz="quarter" idx="13"/>
+          </p:nvPr>
+        </p:nvPicPr>
+        <p:blipFill>
+          <a:blip r:embed="rId3">
+            <a:extLst>
+              <a:ext uri="{28A0092B-C50C-407E-A947-70E740481C1C}">
+                <a14:useLocalDpi xmlns:a14="http://schemas.microsoft.com/office/drawing/2010/main" val="0"/>
+              </a:ext>
+            </a:extLst>
+          </a:blip>
+          <a:srcRect/>
+          <a:stretch>
+            <a:fillRect/>
+          </a:stretch>
+        </p:blipFill>
+        <p:spPr/>
+      </p:pic>
+      <p:sp>
+        <p:nvSpPr>
+          <p:cNvPr id="48" name="Rectangle 47">
+            <a:extLst>
+              <a:ext uri="{FF2B5EF4-FFF2-40B4-BE49-F238E27FC236}">
+                <a16:creationId xmlns:a16="http://schemas.microsoft.com/office/drawing/2014/main" id="{3C64A91D-E535-4C24-A0E3-96A3810E3FDC}"/>
+              </a:ext>
+              <a:ext uri="{C183D7F6-B498-43B3-948B-1728B52AA6E4}">
+                <adec:decorative xmlns:adec="http://schemas.microsoft.com/office/drawing/2017/decorative" val="1"/>
+              </a:ext>
+            </a:extLst>
+          </p:cNvPr>
+          <p:cNvSpPr>
+            <a:spLocks noGrp="1" noRot="1" noChangeAspect="1" noMove="1" noResize="1" noEditPoints="1" noAdjustHandles="1" noChangeArrowheads="1" noChangeShapeType="1" noTextEdit="1"/>
+          </p:cNvSpPr>
+          <p:nvPr>
+            <p:extLst>
+              <p:ext uri="{386F3935-93C4-4BCD-93E2-E3B085C9AB24}">
+                <p16:designElem xmlns:p16="http://schemas.microsoft.com/office/powerpoint/2015/main" val="1"/>
+              </p:ext>
+            </p:extLst>
+          </p:nvPr>
+        </p:nvSpPr>
+        <p:spPr>
+          <a:xfrm>
+            <a:off x="0" y="5773729"/>
+            <a:ext cx="12192000" cy="1084271"/>
+          </a:xfrm>
+          <a:prstGeom prst="rect">
+            <a:avLst/>
+          </a:prstGeom>
+          <a:gradFill flip="none" rotWithShape="1">
+            <a:gsLst>
+              <a:gs pos="90000">
+                <a:schemeClr val="bg2">
+                  <a:alpha val="60000"/>
+                </a:schemeClr>
+              </a:gs>
+              <a:gs pos="28000">
+                <a:schemeClr val="bg2">
+                  <a:alpha val="0"/>
+                </a:schemeClr>
+              </a:gs>
+            </a:gsLst>
+            <a:lin ang="5400000" scaled="0"/>
+            <a:tileRect/>
+          </a:gradFill>
+          <a:ln>
+            <a:noFill/>
+          </a:ln>
+        </p:spPr>
+        <p:style>
+          <a:lnRef idx="2">
+            <a:schemeClr val="accent1">
+              <a:shade val="50000"/>
+            </a:schemeClr>
+          </a:lnRef>
+          <a:fillRef idx="1">
+            <a:schemeClr val="accent1"/>
+          </a:fillRef>
+          <a:effectRef idx="0">
+            <a:schemeClr val="accent1"/>
+          </a:effectRef>
+          <a:fontRef idx="minor">
+            <a:schemeClr val="lt1"/>
+          </a:fontRef>
+        </p:style>
+        <p:txBody>
+          <a:bodyPr rtlCol="0" anchor="ctr"/>
           <a:lstStyle/>
           <a:p>
             <a:pPr algn="ctr"/>
@@ -25509,10 +24338,86 @@
       </p:sp>
       <p:sp>
         <p:nvSpPr>
-          <p:cNvPr id="3" name="Text Placeholder 2">
+          <p:cNvPr id="50" name="Rectangle 49">
             <a:extLst>
               <a:ext uri="{FF2B5EF4-FFF2-40B4-BE49-F238E27FC236}">
-                <a16:creationId xmlns:a16="http://schemas.microsoft.com/office/drawing/2014/main" id="{D35BE8C7-B67F-DA1F-E0A9-C3D86A96DECE}"/>
+                <a16:creationId xmlns:a16="http://schemas.microsoft.com/office/drawing/2014/main" id="{26FC4867-BA3E-4F8E-AB23-684F34DF3D31}"/>
+              </a:ext>
+              <a:ext uri="{C183D7F6-B498-43B3-948B-1728B52AA6E4}">
+                <adec:decorative xmlns:adec="http://schemas.microsoft.com/office/drawing/2017/decorative" val="1"/>
+              </a:ext>
+            </a:extLst>
+          </p:cNvPr>
+          <p:cNvSpPr>
+            <a:spLocks noGrp="1" noRot="1" noChangeAspect="1" noMove="1" noResize="1" noEditPoints="1" noAdjustHandles="1" noChangeArrowheads="1" noChangeShapeType="1" noTextEdit="1"/>
+          </p:cNvSpPr>
+          <p:nvPr>
+            <p:extLst>
+              <p:ext uri="{386F3935-93C4-4BCD-93E2-E3B085C9AB24}">
+                <p16:designElem xmlns:p16="http://schemas.microsoft.com/office/powerpoint/2015/main" val="1"/>
+              </p:ext>
+            </p:extLst>
+          </p:nvPr>
+        </p:nvSpPr>
+        <p:spPr>
+          <a:xfrm rot="10800000">
+            <a:off x="0" y="-3"/>
+            <a:ext cx="9000000" cy="6857998"/>
+          </a:xfrm>
+          <a:prstGeom prst="rect">
+            <a:avLst/>
+          </a:prstGeom>
+          <a:gradFill flip="none" rotWithShape="1">
+            <a:gsLst>
+              <a:gs pos="50000">
+                <a:schemeClr val="bg2">
+                  <a:alpha val="60000"/>
+                </a:schemeClr>
+              </a:gs>
+              <a:gs pos="0">
+                <a:schemeClr val="bg2">
+                  <a:alpha val="0"/>
+                </a:schemeClr>
+              </a:gs>
+            </a:gsLst>
+            <a:lin ang="0" scaled="0"/>
+            <a:tileRect/>
+          </a:gradFill>
+          <a:ln>
+            <a:noFill/>
+          </a:ln>
+        </p:spPr>
+        <p:style>
+          <a:lnRef idx="2">
+            <a:schemeClr val="accent1">
+              <a:shade val="50000"/>
+            </a:schemeClr>
+          </a:lnRef>
+          <a:fillRef idx="1">
+            <a:schemeClr val="accent1"/>
+          </a:fillRef>
+          <a:effectRef idx="0">
+            <a:schemeClr val="accent1"/>
+          </a:effectRef>
+          <a:fontRef idx="minor">
+            <a:schemeClr val="lt1"/>
+          </a:fontRef>
+        </p:style>
+        <p:txBody>
+          <a:bodyPr rtlCol="0" anchor="ctr"/>
+          <a:lstStyle/>
+          <a:p>
+            <a:pPr algn="ctr"/>
+            <a:endParaRPr lang="en-US"/>
+          </a:p>
+        </p:txBody>
+      </p:sp>
+      <p:sp>
+        <p:nvSpPr>
+          <p:cNvPr id="15" name="Title 14">
+            <a:extLst>
+              <a:ext uri="{FF2B5EF4-FFF2-40B4-BE49-F238E27FC236}">
+                <a16:creationId xmlns:a16="http://schemas.microsoft.com/office/drawing/2014/main" id="{40F1DF5B-353A-4270-8C10-6A1509441174}"/>
               </a:ext>
             </a:extLst>
           </p:cNvPr>
@@ -25520,7 +24425,99 @@
             <a:spLocks noGrp="1"/>
           </p:cNvSpPr>
           <p:nvPr>
-            <p:ph type="body" sz="quarter" idx="3"/>
+            <p:ph type="ctrTitle"/>
+          </p:nvPr>
+        </p:nvSpPr>
+        <p:spPr>
+          <a:xfrm>
+            <a:off x="550863" y="549275"/>
+            <a:ext cx="5437187" cy="2986234"/>
+          </a:xfrm>
+        </p:spPr>
+        <p:txBody>
+          <a:bodyPr vert="horz" wrap="square" lIns="0" tIns="0" rIns="0" bIns="0" rtlCol="0" anchor="b" anchorCtr="0">
+            <a:normAutofit/>
+          </a:bodyPr>
+          <a:lstStyle/>
+          <a:p>
+            <a:pPr>
+              <a:lnSpc>
+                <a:spcPct val="100000"/>
+              </a:lnSpc>
+            </a:pPr>
+            <a:r>
+              <a:rPr lang="en-US" sz="6400" kern="1200" dirty="0">
+                <a:solidFill>
+                  <a:schemeClr val="tx1"/>
+                </a:solidFill>
+                <a:latin typeface="+mj-lt"/>
+                <a:ea typeface="+mj-ea"/>
+                <a:cs typeface="+mj-cs"/>
+              </a:rPr>
+              <a:t>Hello World</a:t>
+            </a:r>
+          </a:p>
+        </p:txBody>
+      </p:sp>
+      <p:sp>
+        <p:nvSpPr>
+          <p:cNvPr id="16" name="Subtitle 15">
+            <a:extLst>
+              <a:ext uri="{FF2B5EF4-FFF2-40B4-BE49-F238E27FC236}">
+                <a16:creationId xmlns:a16="http://schemas.microsoft.com/office/drawing/2014/main" id="{4BDCF583-1D5D-4235-97C2-39272B80A0B1}"/>
+              </a:ext>
+            </a:extLst>
+          </p:cNvPr>
+          <p:cNvSpPr>
+            <a:spLocks noGrp="1"/>
+          </p:cNvSpPr>
+          <p:nvPr>
+            <p:ph type="subTitle" idx="1"/>
+          </p:nvPr>
+        </p:nvSpPr>
+        <p:spPr>
+          <a:xfrm>
+            <a:off x="550863" y="3827610"/>
+            <a:ext cx="5437187" cy="2265216"/>
+          </a:xfrm>
+        </p:spPr>
+        <p:txBody>
+          <a:bodyPr vert="horz" wrap="square" lIns="0" tIns="0" rIns="0" bIns="0" rtlCol="0">
+            <a:normAutofit/>
+          </a:bodyPr>
+          <a:lstStyle/>
+          <a:p>
+            <a:pPr marL="0" indent="0">
+              <a:lnSpc>
+                <a:spcPct val="100000"/>
+              </a:lnSpc>
+              <a:buNone/>
+            </a:pPr>
+            <a:r>
+              <a:rPr lang="en-US" kern="1200" dirty="0">
+                <a:latin typeface="+mn-lt"/>
+                <a:ea typeface="+mn-ea"/>
+                <a:cs typeface="+mn-cs"/>
+              </a:rPr>
+              <a:t>Week 0</a:t>
+            </a:r>
+          </a:p>
+        </p:txBody>
+      </p:sp>
+      <p:sp>
+        <p:nvSpPr>
+          <p:cNvPr id="2" name="Date Placeholder 1">
+            <a:extLst>
+              <a:ext uri="{FF2B5EF4-FFF2-40B4-BE49-F238E27FC236}">
+                <a16:creationId xmlns:a16="http://schemas.microsoft.com/office/drawing/2014/main" id="{2910D835-B454-4270-BB35-86A187307E6F}"/>
+              </a:ext>
+            </a:extLst>
+          </p:cNvPr>
+          <p:cNvSpPr>
+            <a:spLocks noGrp="1"/>
+          </p:cNvSpPr>
+          <p:nvPr>
+            <p:ph type="dt" sz="half" idx="10"/>
           </p:nvPr>
         </p:nvSpPr>
         <p:spPr/>
@@ -25529,16 +24526,73 @@
           <a:lstStyle/>
           <a:p>
             <a:r>
-              <a:rPr lang="en-AU" dirty="0"/>
-              <a:t>Packages</a:t>
+              <a:rPr lang="en-US"/>
+              <a:t>Tuesday, February 2, 20XX</a:t>
             </a:r>
+          </a:p>
+        </p:txBody>
+      </p:sp>
+      <p:sp>
+        <p:nvSpPr>
+          <p:cNvPr id="3" name="Footer Placeholder 2">
+            <a:extLst>
+              <a:ext uri="{FF2B5EF4-FFF2-40B4-BE49-F238E27FC236}">
+                <a16:creationId xmlns:a16="http://schemas.microsoft.com/office/drawing/2014/main" id="{7F7F653B-90B5-4F47-A33F-93DCB2EF68C2}"/>
+              </a:ext>
+            </a:extLst>
+          </p:cNvPr>
+          <p:cNvSpPr>
+            <a:spLocks noGrp="1"/>
+          </p:cNvSpPr>
+          <p:nvPr>
+            <p:ph type="ftr" sz="quarter" idx="11"/>
+          </p:nvPr>
+        </p:nvSpPr>
+        <p:spPr/>
+        <p:txBody>
+          <a:bodyPr/>
+          <a:lstStyle/>
+          <a:p>
+            <a:r>
+              <a:rPr lang="en-US"/>
+              <a:t>Sample Footer Text</a:t>
+            </a:r>
+          </a:p>
+        </p:txBody>
+      </p:sp>
+      <p:sp>
+        <p:nvSpPr>
+          <p:cNvPr id="4" name="Slide Number Placeholder 3">
+            <a:extLst>
+              <a:ext uri="{FF2B5EF4-FFF2-40B4-BE49-F238E27FC236}">
+                <a16:creationId xmlns:a16="http://schemas.microsoft.com/office/drawing/2014/main" id="{E1E7D98D-6710-41D2-B258-E1A1059D29F8}"/>
+              </a:ext>
+            </a:extLst>
+          </p:cNvPr>
+          <p:cNvSpPr>
+            <a:spLocks noGrp="1"/>
+          </p:cNvSpPr>
+          <p:nvPr>
+            <p:ph type="sldNum" sz="quarter" idx="12"/>
+          </p:nvPr>
+        </p:nvSpPr>
+        <p:spPr/>
+        <p:txBody>
+          <a:bodyPr/>
+          <a:lstStyle/>
+          <a:p>
+            <a:fld id="{DBA1B0FB-D917-4C8C-928F-313BD683BF39}" type="slidenum">
+              <a:rPr lang="en-US" smtClean="0"/>
+              <a:t>13</a:t>
+            </a:fld>
+            <a:endParaRPr lang="en-US"/>
           </a:p>
         </p:txBody>
       </p:sp>
     </p:spTree>
     <p:extLst>
       <p:ext uri="{BB962C8B-B14F-4D97-AF65-F5344CB8AC3E}">
-        <p14:creationId xmlns:p14="http://schemas.microsoft.com/office/powerpoint/2010/main" val="1708900371"/>
+        <p14:creationId xmlns:p14="http://schemas.microsoft.com/office/powerpoint/2010/main" val="759707344"/>
       </p:ext>
     </p:extLst>
   </p:cSld>
@@ -25560,2885 +24614,7 @@
 </p:sld>
 </file>
 
-<file path=ppt/slides/slide15.xml><?xml version="1.0" encoding="utf-8"?>
-<p:sld xmlns:a="http://schemas.openxmlformats.org/drawingml/2006/main" xmlns:r="http://schemas.openxmlformats.org/officeDocument/2006/relationships" xmlns:p="http://schemas.openxmlformats.org/presentationml/2006/main">
-  <p:cSld>
-    <p:spTree>
-      <p:nvGrpSpPr>
-        <p:cNvPr id="1" name=""/>
-        <p:cNvGrpSpPr/>
-        <p:nvPr/>
-      </p:nvGrpSpPr>
-      <p:grpSpPr>
-        <a:xfrm>
-          <a:off x="0" y="0"/>
-          <a:ext cx="0" cy="0"/>
-          <a:chOff x="0" y="0"/>
-          <a:chExt cx="0" cy="0"/>
-        </a:xfrm>
-      </p:grpSpPr>
-      <p:grpSp>
-        <p:nvGrpSpPr>
-          <p:cNvPr id="25" name="Group 24">
-            <a:extLst>
-              <a:ext uri="{FF2B5EF4-FFF2-40B4-BE49-F238E27FC236}">
-                <a16:creationId xmlns:a16="http://schemas.microsoft.com/office/drawing/2014/main" id="{D10F3D66-0109-4903-90B9-66D0E288F721}"/>
-              </a:ext>
-              <a:ext uri="{C183D7F6-B498-43B3-948B-1728B52AA6E4}">
-                <adec:decorative xmlns:adec="http://schemas.microsoft.com/office/drawing/2017/decorative" val="1"/>
-              </a:ext>
-            </a:extLst>
-          </p:cNvPr>
-          <p:cNvGrpSpPr/>
-          <p:nvPr/>
-        </p:nvGrpSpPr>
-        <p:grpSpPr>
-          <a:xfrm>
-            <a:off x="10379261" y="2030035"/>
-            <a:ext cx="1335600" cy="1262947"/>
-            <a:chOff x="10145015" y="2343978"/>
-            <a:chExt cx="1335600" cy="1262947"/>
-          </a:xfrm>
-        </p:grpSpPr>
-        <p:sp>
-          <p:nvSpPr>
-            <p:cNvPr id="26" name="Freeform: Shape 25">
-              <a:extLst>
-                <a:ext uri="{FF2B5EF4-FFF2-40B4-BE49-F238E27FC236}">
-                  <a16:creationId xmlns:a16="http://schemas.microsoft.com/office/drawing/2014/main" id="{57DAB968-9B52-4EFF-AD39-7657DFEA6E48}"/>
-                </a:ext>
-              </a:extLst>
-            </p:cNvPr>
-            <p:cNvSpPr>
-              <a:spLocks noChangeAspect="1"/>
-            </p:cNvSpPr>
-            <p:nvPr/>
-          </p:nvSpPr>
-          <p:spPr>
-            <a:xfrm rot="8100000">
-              <a:off x="10400615" y="2343978"/>
-              <a:ext cx="1080000" cy="1262947"/>
-            </a:xfrm>
-            <a:custGeom>
-              <a:avLst/>
-              <a:gdLst>
-                <a:gd name="connsiteX0" fmla="*/ 540000 w 1080000"/>
-                <a:gd name="connsiteY0" fmla="*/ 0 h 1262947"/>
-                <a:gd name="connsiteX1" fmla="*/ 1080000 w 1080000"/>
-                <a:gd name="connsiteY1" fmla="*/ 931034 h 1262947"/>
-                <a:gd name="connsiteX2" fmla="*/ 1064374 w 1080000"/>
-                <a:gd name="connsiteY2" fmla="*/ 931034 h 1262947"/>
-                <a:gd name="connsiteX3" fmla="*/ 1069029 w 1080000"/>
-                <a:gd name="connsiteY3" fmla="*/ 938533 h 1262947"/>
-                <a:gd name="connsiteX4" fmla="*/ 1080000 w 1080000"/>
-                <a:gd name="connsiteY4" fmla="*/ 992947 h 1262947"/>
-                <a:gd name="connsiteX5" fmla="*/ 540000 w 1080000"/>
-                <a:gd name="connsiteY5" fmla="*/ 1262947 h 1262947"/>
-                <a:gd name="connsiteX6" fmla="*/ 0 w 1080000"/>
-                <a:gd name="connsiteY6" fmla="*/ 992947 h 1262947"/>
-                <a:gd name="connsiteX7" fmla="*/ 10971 w 1080000"/>
-                <a:gd name="connsiteY7" fmla="*/ 938533 h 1262947"/>
-                <a:gd name="connsiteX8" fmla="*/ 15626 w 1080000"/>
-                <a:gd name="connsiteY8" fmla="*/ 931034 h 1262947"/>
-                <a:gd name="connsiteX9" fmla="*/ 0 w 1080000"/>
-                <a:gd name="connsiteY9" fmla="*/ 931034 h 1262947"/>
-                <a:gd name="connsiteX0" fmla="*/ 540000 w 1080000"/>
-                <a:gd name="connsiteY0" fmla="*/ 0 h 1262947"/>
-                <a:gd name="connsiteX1" fmla="*/ 1080000 w 1080000"/>
-                <a:gd name="connsiteY1" fmla="*/ 931034 h 1262947"/>
-                <a:gd name="connsiteX2" fmla="*/ 1064374 w 1080000"/>
-                <a:gd name="connsiteY2" fmla="*/ 931034 h 1262947"/>
-                <a:gd name="connsiteX3" fmla="*/ 1069029 w 1080000"/>
-                <a:gd name="connsiteY3" fmla="*/ 938533 h 1262947"/>
-                <a:gd name="connsiteX4" fmla="*/ 1080000 w 1080000"/>
-                <a:gd name="connsiteY4" fmla="*/ 992947 h 1262947"/>
-                <a:gd name="connsiteX5" fmla="*/ 540000 w 1080000"/>
-                <a:gd name="connsiteY5" fmla="*/ 1262947 h 1262947"/>
-                <a:gd name="connsiteX6" fmla="*/ 0 w 1080000"/>
-                <a:gd name="connsiteY6" fmla="*/ 992947 h 1262947"/>
-                <a:gd name="connsiteX7" fmla="*/ 10971 w 1080000"/>
-                <a:gd name="connsiteY7" fmla="*/ 938533 h 1262947"/>
-                <a:gd name="connsiteX8" fmla="*/ 15626 w 1080000"/>
-                <a:gd name="connsiteY8" fmla="*/ 931034 h 1262947"/>
-                <a:gd name="connsiteX9" fmla="*/ 540000 w 1080000"/>
-                <a:gd name="connsiteY9" fmla="*/ 0 h 1262947"/>
-                <a:gd name="connsiteX0" fmla="*/ 540000 w 1080000"/>
-                <a:gd name="connsiteY0" fmla="*/ 0 h 1262947"/>
-                <a:gd name="connsiteX1" fmla="*/ 1064374 w 1080000"/>
-                <a:gd name="connsiteY1" fmla="*/ 931034 h 1262947"/>
-                <a:gd name="connsiteX2" fmla="*/ 1069029 w 1080000"/>
-                <a:gd name="connsiteY2" fmla="*/ 938533 h 1262947"/>
-                <a:gd name="connsiteX3" fmla="*/ 1080000 w 1080000"/>
-                <a:gd name="connsiteY3" fmla="*/ 992947 h 1262947"/>
-                <a:gd name="connsiteX4" fmla="*/ 540000 w 1080000"/>
-                <a:gd name="connsiteY4" fmla="*/ 1262947 h 1262947"/>
-                <a:gd name="connsiteX5" fmla="*/ 0 w 1080000"/>
-                <a:gd name="connsiteY5" fmla="*/ 992947 h 1262947"/>
-                <a:gd name="connsiteX6" fmla="*/ 10971 w 1080000"/>
-                <a:gd name="connsiteY6" fmla="*/ 938533 h 1262947"/>
-                <a:gd name="connsiteX7" fmla="*/ 15626 w 1080000"/>
-                <a:gd name="connsiteY7" fmla="*/ 931034 h 1262947"/>
-                <a:gd name="connsiteX8" fmla="*/ 540000 w 1080000"/>
-                <a:gd name="connsiteY8" fmla="*/ 0 h 1262947"/>
-              </a:gdLst>
-              <a:ahLst/>
-              <a:cxnLst>
-                <a:cxn ang="0">
-                  <a:pos x="connsiteX0" y="connsiteY0"/>
-                </a:cxn>
-                <a:cxn ang="0">
-                  <a:pos x="connsiteX1" y="connsiteY1"/>
-                </a:cxn>
-                <a:cxn ang="0">
-                  <a:pos x="connsiteX2" y="connsiteY2"/>
-                </a:cxn>
-                <a:cxn ang="0">
-                  <a:pos x="connsiteX3" y="connsiteY3"/>
-                </a:cxn>
-                <a:cxn ang="0">
-                  <a:pos x="connsiteX4" y="connsiteY4"/>
-                </a:cxn>
-                <a:cxn ang="0">
-                  <a:pos x="connsiteX5" y="connsiteY5"/>
-                </a:cxn>
-                <a:cxn ang="0">
-                  <a:pos x="connsiteX6" y="connsiteY6"/>
-                </a:cxn>
-                <a:cxn ang="0">
-                  <a:pos x="connsiteX7" y="connsiteY7"/>
-                </a:cxn>
-                <a:cxn ang="0">
-                  <a:pos x="connsiteX8" y="connsiteY8"/>
-                </a:cxn>
-              </a:cxnLst>
-              <a:rect l="l" t="t" r="r" b="b"/>
-              <a:pathLst>
-                <a:path w="1080000" h="1262947">
-                  <a:moveTo>
-                    <a:pt x="540000" y="0"/>
-                  </a:moveTo>
-                  <a:lnTo>
-                    <a:pt x="1064374" y="931034"/>
-                  </a:lnTo>
-                  <a:lnTo>
-                    <a:pt x="1069029" y="938533"/>
-                  </a:lnTo>
-                  <a:cubicBezTo>
-                    <a:pt x="1076223" y="956109"/>
-                    <a:pt x="1080000" y="974307"/>
-                    <a:pt x="1080000" y="992947"/>
-                  </a:cubicBezTo>
-                  <a:cubicBezTo>
-                    <a:pt x="1080000" y="1142064"/>
-                    <a:pt x="838234" y="1262947"/>
-                    <a:pt x="540000" y="1262947"/>
-                  </a:cubicBezTo>
-                  <a:cubicBezTo>
-                    <a:pt x="241766" y="1262947"/>
-                    <a:pt x="0" y="1142064"/>
-                    <a:pt x="0" y="992947"/>
-                  </a:cubicBezTo>
-                  <a:cubicBezTo>
-                    <a:pt x="0" y="974307"/>
-                    <a:pt x="3778" y="956109"/>
-                    <a:pt x="10971" y="938533"/>
-                  </a:cubicBezTo>
-                  <a:lnTo>
-                    <a:pt x="15626" y="931034"/>
-                  </a:lnTo>
-                  <a:lnTo>
-                    <a:pt x="540000" y="0"/>
-                  </a:lnTo>
-                  <a:close/>
-                </a:path>
-              </a:pathLst>
-            </a:custGeom>
-            <a:gradFill>
-              <a:gsLst>
-                <a:gs pos="60000">
-                  <a:schemeClr val="bg2">
-                    <a:lumMod val="90000"/>
-                    <a:lumOff val="10000"/>
-                  </a:schemeClr>
-                </a:gs>
-                <a:gs pos="30000">
-                  <a:schemeClr val="bg2">
-                    <a:lumMod val="90000"/>
-                    <a:lumOff val="10000"/>
-                  </a:schemeClr>
-                </a:gs>
-                <a:gs pos="40000">
-                  <a:schemeClr val="bg2">
-                    <a:lumMod val="80000"/>
-                    <a:lumOff val="20000"/>
-                  </a:schemeClr>
-                </a:gs>
-                <a:gs pos="100000">
-                  <a:schemeClr val="bg2"/>
-                </a:gs>
-              </a:gsLst>
-              <a:lin ang="600000" scaled="0"/>
-            </a:gradFill>
-            <a:ln>
-              <a:noFill/>
-            </a:ln>
-            <a:effectLst>
-              <a:innerShdw blurRad="254000" dist="101600" dir="7320000">
-                <a:schemeClr val="accent1">
-                  <a:lumMod val="60000"/>
-                  <a:lumOff val="40000"/>
-                  <a:alpha val="40000"/>
-                </a:schemeClr>
-              </a:innerShdw>
-            </a:effectLst>
-          </p:spPr>
-          <p:style>
-            <a:lnRef idx="2">
-              <a:schemeClr val="accent1">
-                <a:shade val="50000"/>
-              </a:schemeClr>
-            </a:lnRef>
-            <a:fillRef idx="1">
-              <a:schemeClr val="accent1"/>
-            </a:fillRef>
-            <a:effectRef idx="0">
-              <a:schemeClr val="accent1"/>
-            </a:effectRef>
-            <a:fontRef idx="minor">
-              <a:schemeClr val="lt1"/>
-            </a:fontRef>
-          </p:style>
-          <p:txBody>
-            <a:bodyPr rot="0" spcFirstLastPara="0" vertOverflow="overflow" horzOverflow="overflow" vert="horz" wrap="square" lIns="91440" tIns="45720" rIns="91440" bIns="45720" numCol="1" spcCol="0" rtlCol="0" fromWordArt="0" anchor="ctr" anchorCtr="0" forceAA="0" compatLnSpc="1">
-              <a:prstTxWarp prst="textNoShape">
-                <a:avLst/>
-              </a:prstTxWarp>
-              <a:noAutofit/>
-            </a:bodyPr>
-            <a:lstStyle/>
-            <a:p>
-              <a:pPr algn="ctr"/>
-              <a:endParaRPr lang="en-US"/>
-            </a:p>
-          </p:txBody>
-        </p:sp>
-        <p:sp>
-          <p:nvSpPr>
-            <p:cNvPr id="27" name="Oval 26">
-              <a:extLst>
-                <a:ext uri="{FF2B5EF4-FFF2-40B4-BE49-F238E27FC236}">
-                  <a16:creationId xmlns:a16="http://schemas.microsoft.com/office/drawing/2014/main" id="{962BE440-9634-4380-B142-5DB692420C52}"/>
-                </a:ext>
-              </a:extLst>
-            </p:cNvPr>
-            <p:cNvSpPr/>
-            <p:nvPr/>
-          </p:nvSpPr>
-          <p:spPr>
-            <a:xfrm rot="13500000">
-              <a:off x="10415015" y="2179851"/>
-              <a:ext cx="540000" cy="1080000"/>
-            </a:xfrm>
-            <a:prstGeom prst="ellipse">
-              <a:avLst/>
-            </a:prstGeom>
-            <a:gradFill>
-              <a:gsLst>
-                <a:gs pos="100000">
-                  <a:schemeClr val="accent1">
-                    <a:lumMod val="60000"/>
-                    <a:lumOff val="40000"/>
-                    <a:alpha val="0"/>
-                  </a:schemeClr>
-                </a:gs>
-                <a:gs pos="0">
-                  <a:schemeClr val="bg2">
-                    <a:lumMod val="75000"/>
-                    <a:lumOff val="25000"/>
-                    <a:alpha val="33000"/>
-                  </a:schemeClr>
-                </a:gs>
-              </a:gsLst>
-              <a:lin ang="5400000" scaled="0"/>
-            </a:gradFill>
-            <a:ln>
-              <a:noFill/>
-            </a:ln>
-            <a:effectLst>
-              <a:innerShdw blurRad="1270000" dist="2540000">
-                <a:schemeClr val="accent1">
-                  <a:lumMod val="60000"/>
-                  <a:lumOff val="40000"/>
-                  <a:alpha val="0"/>
-                </a:schemeClr>
-              </a:innerShdw>
-            </a:effectLst>
-          </p:spPr>
-          <p:style>
-            <a:lnRef idx="2">
-              <a:schemeClr val="accent1">
-                <a:shade val="50000"/>
-              </a:schemeClr>
-            </a:lnRef>
-            <a:fillRef idx="1">
-              <a:schemeClr val="accent1"/>
-            </a:fillRef>
-            <a:effectRef idx="0">
-              <a:schemeClr val="accent1"/>
-            </a:effectRef>
-            <a:fontRef idx="minor">
-              <a:schemeClr val="lt1"/>
-            </a:fontRef>
-          </p:style>
-          <p:txBody>
-            <a:bodyPr rot="0" spcFirstLastPara="0" vertOverflow="overflow" horzOverflow="overflow" vert="horz" wrap="square" lIns="91440" tIns="45720" rIns="91440" bIns="45720" numCol="1" spcCol="0" rtlCol="0" fromWordArt="0" anchor="ctr" anchorCtr="0" forceAA="0" compatLnSpc="1">
-              <a:prstTxWarp prst="textNoShape">
-                <a:avLst/>
-              </a:prstTxWarp>
-              <a:noAutofit/>
-            </a:bodyPr>
-            <a:lstStyle/>
-            <a:p>
-              <a:pPr algn="ctr"/>
-              <a:endParaRPr lang="en-US"/>
-            </a:p>
-          </p:txBody>
-        </p:sp>
-      </p:grpSp>
-      <p:sp>
-        <p:nvSpPr>
-          <p:cNvPr id="7" name="Title 6">
-            <a:extLst>
-              <a:ext uri="{FF2B5EF4-FFF2-40B4-BE49-F238E27FC236}">
-                <a16:creationId xmlns:a16="http://schemas.microsoft.com/office/drawing/2014/main" id="{4B18D636-CC10-4B1E-AA38-419DCCF2D9C9}"/>
-              </a:ext>
-            </a:extLst>
-          </p:cNvPr>
-          <p:cNvSpPr>
-            <a:spLocks noGrp="1"/>
-          </p:cNvSpPr>
-          <p:nvPr>
-            <p:ph type="title"/>
-          </p:nvPr>
-        </p:nvSpPr>
-        <p:spPr>
-          <a:xfrm>
-            <a:off x="550862" y="549275"/>
-            <a:ext cx="11097551" cy="1332000"/>
-          </a:xfrm>
-        </p:spPr>
-        <p:txBody>
-          <a:bodyPr>
-            <a:normAutofit/>
-          </a:bodyPr>
-          <a:lstStyle/>
-          <a:p>
-            <a:r>
-              <a:rPr lang="en-US" dirty="0"/>
-              <a:t>Git for Linux and MacOS users</a:t>
-            </a:r>
-          </a:p>
-        </p:txBody>
-      </p:sp>
-      <p:sp>
-        <p:nvSpPr>
-          <p:cNvPr id="4" name="Date Placeholder 3">
-            <a:extLst>
-              <a:ext uri="{FF2B5EF4-FFF2-40B4-BE49-F238E27FC236}">
-                <a16:creationId xmlns:a16="http://schemas.microsoft.com/office/drawing/2014/main" id="{0C329F70-04F7-4C70-BCF8-D4371F54EF2F}"/>
-              </a:ext>
-            </a:extLst>
-          </p:cNvPr>
-          <p:cNvSpPr>
-            <a:spLocks noGrp="1"/>
-          </p:cNvSpPr>
-          <p:nvPr>
-            <p:ph type="dt" sz="half" idx="10"/>
-          </p:nvPr>
-        </p:nvSpPr>
-        <p:spPr>
-          <a:xfrm>
-            <a:off x="550863" y="6507212"/>
-            <a:ext cx="2628900" cy="153888"/>
-          </a:xfrm>
-        </p:spPr>
-        <p:txBody>
-          <a:bodyPr/>
-          <a:lstStyle/>
-          <a:p>
-            <a:r>
-              <a:rPr lang="en-US"/>
-              <a:t>Tuesday, February 2, 20XX</a:t>
-            </a:r>
-            <a:endParaRPr lang="en-US" dirty="0"/>
-          </a:p>
-        </p:txBody>
-      </p:sp>
-      <p:sp>
-        <p:nvSpPr>
-          <p:cNvPr id="5" name="Footer Placeholder 4">
-            <a:extLst>
-              <a:ext uri="{FF2B5EF4-FFF2-40B4-BE49-F238E27FC236}">
-                <a16:creationId xmlns:a16="http://schemas.microsoft.com/office/drawing/2014/main" id="{06A3302E-502D-4151-81C9-5FD6AF9596D6}"/>
-              </a:ext>
-            </a:extLst>
-          </p:cNvPr>
-          <p:cNvSpPr>
-            <a:spLocks noGrp="1"/>
-          </p:cNvSpPr>
-          <p:nvPr>
-            <p:ph type="ftr" sz="quarter" idx="11"/>
-          </p:nvPr>
-        </p:nvSpPr>
-        <p:spPr>
-          <a:xfrm>
-            <a:off x="3359150" y="6507212"/>
-            <a:ext cx="6379210" cy="153888"/>
-          </a:xfrm>
-        </p:spPr>
-        <p:txBody>
-          <a:bodyPr/>
-          <a:lstStyle/>
-          <a:p>
-            <a:r>
-              <a:rPr lang="en-US"/>
-              <a:t>Sample Footer Text</a:t>
-            </a:r>
-          </a:p>
-        </p:txBody>
-      </p:sp>
-      <p:sp>
-        <p:nvSpPr>
-          <p:cNvPr id="6" name="Slide Number Placeholder 5">
-            <a:extLst>
-              <a:ext uri="{FF2B5EF4-FFF2-40B4-BE49-F238E27FC236}">
-                <a16:creationId xmlns:a16="http://schemas.microsoft.com/office/drawing/2014/main" id="{9ED907F8-C614-4D59-A03F-BF9CD5E35703}"/>
-              </a:ext>
-            </a:extLst>
-          </p:cNvPr>
-          <p:cNvSpPr>
-            <a:spLocks noGrp="1"/>
-          </p:cNvSpPr>
-          <p:nvPr>
-            <p:ph type="sldNum" sz="quarter" idx="12"/>
-          </p:nvPr>
-        </p:nvSpPr>
-        <p:spPr>
-          <a:xfrm>
-            <a:off x="9948863" y="6507212"/>
-            <a:ext cx="1692274" cy="153888"/>
-          </a:xfrm>
-        </p:spPr>
-        <p:txBody>
-          <a:bodyPr/>
-          <a:lstStyle/>
-          <a:p>
-            <a:fld id="{DBA1B0FB-D917-4C8C-928F-313BD683BF39}" type="slidenum">
-              <a:rPr lang="en-US" smtClean="0"/>
-              <a:pPr/>
-              <a:t>15</a:t>
-            </a:fld>
-            <a:endParaRPr lang="en-US"/>
-          </a:p>
-        </p:txBody>
-      </p:sp>
-      <p:sp>
-        <p:nvSpPr>
-          <p:cNvPr id="22" name="Freeform: Shape 21">
-            <a:extLst>
-              <a:ext uri="{FF2B5EF4-FFF2-40B4-BE49-F238E27FC236}">
-                <a16:creationId xmlns:a16="http://schemas.microsoft.com/office/drawing/2014/main" id="{C6F3814E-455F-456B-B1AF-7B993965A2C0}"/>
-              </a:ext>
-              <a:ext uri="{C183D7F6-B498-43B3-948B-1728B52AA6E4}">
-                <adec:decorative xmlns:adec="http://schemas.microsoft.com/office/drawing/2017/decorative" val="1"/>
-              </a:ext>
-            </a:extLst>
-          </p:cNvPr>
-          <p:cNvSpPr>
-            <a:spLocks noChangeAspect="1"/>
-          </p:cNvSpPr>
-          <p:nvPr/>
-        </p:nvSpPr>
-        <p:spPr>
-          <a:xfrm>
-            <a:off x="4295775" y="0"/>
-            <a:ext cx="360000" cy="274638"/>
-          </a:xfrm>
-          <a:custGeom>
-            <a:avLst/>
-            <a:gdLst>
-              <a:gd name="connsiteX0" fmla="*/ 30714 w 360000"/>
-              <a:gd name="connsiteY0" fmla="*/ 0 h 274638"/>
-              <a:gd name="connsiteX1" fmla="*/ 329286 w 360000"/>
-              <a:gd name="connsiteY1" fmla="*/ 0 h 274638"/>
-              <a:gd name="connsiteX2" fmla="*/ 345855 w 360000"/>
-              <a:gd name="connsiteY2" fmla="*/ 24574 h 274638"/>
-              <a:gd name="connsiteX3" fmla="*/ 360000 w 360000"/>
-              <a:gd name="connsiteY3" fmla="*/ 94638 h 274638"/>
-              <a:gd name="connsiteX4" fmla="*/ 180000 w 360000"/>
-              <a:gd name="connsiteY4" fmla="*/ 274638 h 274638"/>
-              <a:gd name="connsiteX5" fmla="*/ 0 w 360000"/>
-              <a:gd name="connsiteY5" fmla="*/ 94638 h 274638"/>
-              <a:gd name="connsiteX6" fmla="*/ 14145 w 360000"/>
-              <a:gd name="connsiteY6" fmla="*/ 24574 h 274638"/>
-            </a:gdLst>
-            <a:ahLst/>
-            <a:cxnLst>
-              <a:cxn ang="0">
-                <a:pos x="connsiteX0" y="connsiteY0"/>
-              </a:cxn>
-              <a:cxn ang="0">
-                <a:pos x="connsiteX1" y="connsiteY1"/>
-              </a:cxn>
-              <a:cxn ang="0">
-                <a:pos x="connsiteX2" y="connsiteY2"/>
-              </a:cxn>
-              <a:cxn ang="0">
-                <a:pos x="connsiteX3" y="connsiteY3"/>
-              </a:cxn>
-              <a:cxn ang="0">
-                <a:pos x="connsiteX4" y="connsiteY4"/>
-              </a:cxn>
-              <a:cxn ang="0">
-                <a:pos x="connsiteX5" y="connsiteY5"/>
-              </a:cxn>
-              <a:cxn ang="0">
-                <a:pos x="connsiteX6" y="connsiteY6"/>
-              </a:cxn>
-            </a:cxnLst>
-            <a:rect l="l" t="t" r="r" b="b"/>
-            <a:pathLst>
-              <a:path w="360000" h="274638">
-                <a:moveTo>
-                  <a:pt x="30714" y="0"/>
-                </a:moveTo>
-                <a:lnTo>
-                  <a:pt x="329286" y="0"/>
-                </a:lnTo>
-                <a:lnTo>
-                  <a:pt x="345855" y="24574"/>
-                </a:lnTo>
-                <a:cubicBezTo>
-                  <a:pt x="354963" y="46109"/>
-                  <a:pt x="360000" y="69785"/>
-                  <a:pt x="360000" y="94638"/>
-                </a:cubicBezTo>
-                <a:cubicBezTo>
-                  <a:pt x="360000" y="194049"/>
-                  <a:pt x="279411" y="274638"/>
-                  <a:pt x="180000" y="274638"/>
-                </a:cubicBezTo>
-                <a:cubicBezTo>
-                  <a:pt x="80589" y="274638"/>
-                  <a:pt x="0" y="194049"/>
-                  <a:pt x="0" y="94638"/>
-                </a:cubicBezTo>
-                <a:cubicBezTo>
-                  <a:pt x="0" y="69785"/>
-                  <a:pt x="5037" y="46109"/>
-                  <a:pt x="14145" y="24574"/>
-                </a:cubicBezTo>
-                <a:close/>
-              </a:path>
-            </a:pathLst>
-          </a:custGeom>
-          <a:gradFill flip="none" rotWithShape="1">
-            <a:gsLst>
-              <a:gs pos="100000">
-                <a:schemeClr val="bg2">
-                  <a:lumMod val="50000"/>
-                  <a:lumOff val="50000"/>
-                </a:schemeClr>
-              </a:gs>
-              <a:gs pos="60000">
-                <a:schemeClr val="bg2"/>
-              </a:gs>
-            </a:gsLst>
-            <a:path path="circle">
-              <a:fillToRect l="100000" b="100000"/>
-            </a:path>
-            <a:tileRect t="-100000" r="-100000"/>
-          </a:gradFill>
-          <a:ln>
-            <a:noFill/>
-          </a:ln>
-          <a:effectLst>
-            <a:innerShdw blurRad="127000" dist="63500" dir="2700000">
-              <a:schemeClr val="accent1">
-                <a:lumMod val="60000"/>
-                <a:lumOff val="40000"/>
-                <a:alpha val="20000"/>
-              </a:schemeClr>
-            </a:innerShdw>
-            <a:softEdge rad="0"/>
-          </a:effectLst>
-        </p:spPr>
-        <p:style>
-          <a:lnRef idx="2">
-            <a:schemeClr val="accent1">
-              <a:shade val="50000"/>
-            </a:schemeClr>
-          </a:lnRef>
-          <a:fillRef idx="1">
-            <a:schemeClr val="accent1"/>
-          </a:fillRef>
-          <a:effectRef idx="0">
-            <a:schemeClr val="accent1"/>
-          </a:effectRef>
-          <a:fontRef idx="minor">
-            <a:schemeClr val="lt1"/>
-          </a:fontRef>
-        </p:style>
-        <p:txBody>
-          <a:bodyPr rot="0" spcFirstLastPara="0" vertOverflow="overflow" horzOverflow="overflow" vert="horz" wrap="square" lIns="91440" tIns="45720" rIns="91440" bIns="45720" numCol="1" spcCol="0" rtlCol="0" fromWordArt="0" anchor="ctr" anchorCtr="0" forceAA="0" compatLnSpc="1">
-            <a:prstTxWarp prst="textNoShape">
-              <a:avLst/>
-            </a:prstTxWarp>
-            <a:noAutofit/>
-          </a:bodyPr>
-          <a:lstStyle/>
-          <a:p>
-            <a:pPr algn="ctr"/>
-            <a:endParaRPr lang="en-US"/>
-          </a:p>
-        </p:txBody>
-      </p:sp>
-      <p:sp>
-        <p:nvSpPr>
-          <p:cNvPr id="8" name="Text Placeholder 7">
-            <a:extLst>
-              <a:ext uri="{FF2B5EF4-FFF2-40B4-BE49-F238E27FC236}">
-                <a16:creationId xmlns:a16="http://schemas.microsoft.com/office/drawing/2014/main" id="{7B6D0B7C-2557-C6B9-66AB-38A5663BBC19}"/>
-              </a:ext>
-            </a:extLst>
-          </p:cNvPr>
-          <p:cNvSpPr>
-            <a:spLocks noGrp="1"/>
-          </p:cNvSpPr>
-          <p:nvPr>
-            <p:ph type="body" idx="1"/>
-          </p:nvPr>
-        </p:nvSpPr>
-        <p:spPr/>
-        <p:txBody>
-          <a:bodyPr/>
-          <a:lstStyle/>
-          <a:p>
-            <a:r>
-              <a:rPr lang="en-AU" dirty="0"/>
-              <a:t>Installing</a:t>
-            </a:r>
-          </a:p>
-        </p:txBody>
-      </p:sp>
-      <p:sp>
-        <p:nvSpPr>
-          <p:cNvPr id="13" name="Content Placeholder 12">
-            <a:extLst>
-              <a:ext uri="{FF2B5EF4-FFF2-40B4-BE49-F238E27FC236}">
-                <a16:creationId xmlns:a16="http://schemas.microsoft.com/office/drawing/2014/main" id="{9ADEC817-9A4C-5DCA-EEAE-C4C64E407C95}"/>
-              </a:ext>
-            </a:extLst>
-          </p:cNvPr>
-          <p:cNvSpPr>
-            <a:spLocks noGrp="1"/>
-          </p:cNvSpPr>
-          <p:nvPr>
-            <p:ph sz="half" idx="2"/>
-          </p:nvPr>
-        </p:nvSpPr>
-        <p:spPr/>
-        <p:txBody>
-          <a:bodyPr>
-            <a:normAutofit fontScale="62500" lnSpcReduction="20000"/>
-          </a:bodyPr>
-          <a:lstStyle/>
-          <a:p>
-            <a:r>
-              <a:rPr lang="en-AU" dirty="0"/>
-              <a:t>Now with everything else installed, we can install Git. </a:t>
-            </a:r>
-          </a:p>
-          <a:p>
-            <a:r>
-              <a:rPr lang="en-AU" dirty="0"/>
-              <a:t>Most Linux and MacOS systems (including WSL) come with a installation of Git. For WSL users, we installed Git earlier (slide 13).</a:t>
-            </a:r>
-          </a:p>
-          <a:p>
-            <a:r>
-              <a:rPr lang="en-AU" dirty="0"/>
-              <a:t>To check, open a terminal instance and run: `git --version`.</a:t>
-            </a:r>
-          </a:p>
-          <a:p>
-            <a:pPr lvl="1"/>
-            <a:r>
-              <a:rPr lang="en-AU" dirty="0"/>
-              <a:t>Note MacOS users: If you command fails, it might prompt you if you want to install Git. Select yes and follow the on-screen instructions and ignore the steps below.</a:t>
-            </a:r>
-          </a:p>
-          <a:p>
-            <a:r>
-              <a:rPr lang="en-AU" dirty="0"/>
-              <a:t>If you get an output like: `git version 2.25.1`, you’re good to go. </a:t>
-            </a:r>
-          </a:p>
-          <a:p>
-            <a:r>
-              <a:rPr lang="en-AU" dirty="0"/>
-              <a:t>If it says it cannot find the command `git`, run: </a:t>
-            </a:r>
-          </a:p>
-          <a:p>
-            <a:pPr lvl="1"/>
-            <a:r>
-              <a:rPr lang="en-AU" dirty="0"/>
-              <a:t>`brew install git` (MacOS) </a:t>
-            </a:r>
-          </a:p>
-          <a:p>
-            <a:pPr lvl="1"/>
-            <a:r>
-              <a:rPr lang="en-AU" dirty="0"/>
-              <a:t>For Linux, install via your distros package manager (Reach out if you need help).</a:t>
-            </a:r>
-          </a:p>
-        </p:txBody>
-      </p:sp>
-      <p:sp>
-        <p:nvSpPr>
-          <p:cNvPr id="15" name="Text Placeholder 14">
-            <a:extLst>
-              <a:ext uri="{FF2B5EF4-FFF2-40B4-BE49-F238E27FC236}">
-                <a16:creationId xmlns:a16="http://schemas.microsoft.com/office/drawing/2014/main" id="{D87C775A-51E5-2B68-55D4-4AC86A4CB72C}"/>
-              </a:ext>
-            </a:extLst>
-          </p:cNvPr>
-          <p:cNvSpPr>
-            <a:spLocks noGrp="1"/>
-          </p:cNvSpPr>
-          <p:nvPr>
-            <p:ph type="body" sz="quarter" idx="3"/>
-          </p:nvPr>
-        </p:nvSpPr>
-        <p:spPr/>
-        <p:txBody>
-          <a:bodyPr/>
-          <a:lstStyle/>
-          <a:p>
-            <a:r>
-              <a:rPr lang="en-AU" dirty="0"/>
-              <a:t>Authenticating with GitHub</a:t>
-            </a:r>
-          </a:p>
-        </p:txBody>
-      </p:sp>
-      <p:sp>
-        <p:nvSpPr>
-          <p:cNvPr id="17" name="Content Placeholder 16">
-            <a:extLst>
-              <a:ext uri="{FF2B5EF4-FFF2-40B4-BE49-F238E27FC236}">
-                <a16:creationId xmlns:a16="http://schemas.microsoft.com/office/drawing/2014/main" id="{63A4DC4B-7C41-C731-9706-6F91B08AD986}"/>
-              </a:ext>
-            </a:extLst>
-          </p:cNvPr>
-          <p:cNvSpPr>
-            <a:spLocks noGrp="1"/>
-          </p:cNvSpPr>
-          <p:nvPr>
-            <p:ph sz="quarter" idx="4"/>
-          </p:nvPr>
-        </p:nvSpPr>
-        <p:spPr/>
-        <p:txBody>
-          <a:bodyPr>
-            <a:normAutofit fontScale="77500" lnSpcReduction="20000"/>
-          </a:bodyPr>
-          <a:lstStyle/>
-          <a:p>
-            <a:r>
-              <a:rPr lang="en-AU" dirty="0"/>
-              <a:t>We also need to authenticate Git with GitHub, this allows you to interact with private repositories without putting in your GitHub credentials every time.</a:t>
-            </a:r>
-          </a:p>
-          <a:p>
-            <a:r>
-              <a:rPr lang="en-AU" dirty="0"/>
-              <a:t>To authenticate Git, you will need your GitHub username and email.</a:t>
-            </a:r>
-          </a:p>
-          <a:p>
-            <a:r>
-              <a:rPr lang="en-AU" dirty="0"/>
-              <a:t>Run the following commands in the terminal, replacing the text between the quotes with your details:</a:t>
-            </a:r>
-          </a:p>
-          <a:p>
-            <a:pPr lvl="1"/>
-            <a:r>
-              <a:rPr lang="en-AU" dirty="0"/>
-              <a:t>`git config --global user.name “&lt;</a:t>
-            </a:r>
-            <a:r>
-              <a:rPr lang="en-AU" dirty="0" err="1"/>
-              <a:t>github</a:t>
-            </a:r>
-            <a:r>
-              <a:rPr lang="en-AU" dirty="0"/>
-              <a:t>-username&gt;”</a:t>
-            </a:r>
-          </a:p>
-          <a:p>
-            <a:pPr lvl="1"/>
-            <a:r>
-              <a:rPr lang="en-AU" dirty="0"/>
-              <a:t>`git config –global </a:t>
-            </a:r>
-            <a:r>
-              <a:rPr lang="en-AU" dirty="0" err="1"/>
-              <a:t>user.email</a:t>
-            </a:r>
-            <a:r>
-              <a:rPr lang="en-AU" dirty="0"/>
-              <a:t> “&lt;</a:t>
-            </a:r>
-            <a:r>
-              <a:rPr lang="en-AU" dirty="0" err="1"/>
-              <a:t>github</a:t>
-            </a:r>
-            <a:r>
-              <a:rPr lang="en-AU" dirty="0"/>
-              <a:t>-email&gt;”`</a:t>
-            </a:r>
-          </a:p>
-        </p:txBody>
-      </p:sp>
-    </p:spTree>
-    <p:extLst>
-      <p:ext uri="{BB962C8B-B14F-4D97-AF65-F5344CB8AC3E}">
-        <p14:creationId xmlns:p14="http://schemas.microsoft.com/office/powerpoint/2010/main" val="278075634"/>
-      </p:ext>
-    </p:extLst>
-  </p:cSld>
-  <p:clrMapOvr>
-    <a:masterClrMapping/>
-  </p:clrMapOvr>
-  <mc:AlternateContent xmlns:mc="http://schemas.openxmlformats.org/markup-compatibility/2006">
-    <mc:Choice xmlns:p159="http://schemas.microsoft.com/office/powerpoint/2015/09/main" Requires="p159">
-      <p:transition xmlns:p14="http://schemas.microsoft.com/office/powerpoint/2010/main" spd="slow" p14:dur="2000">
-        <p159:morph option="byChar"/>
-      </p:transition>
-    </mc:Choice>
-    <mc:Fallback>
-      <p:transition spd="slow">
-        <p:fade/>
-      </p:transition>
-    </mc:Fallback>
-  </mc:AlternateContent>
-</p:sld>
-</file>
-
-<file path=ppt/slides/slide16.xml><?xml version="1.0" encoding="utf-8"?>
-<p:sld xmlns:a="http://schemas.openxmlformats.org/drawingml/2006/main" xmlns:r="http://schemas.openxmlformats.org/officeDocument/2006/relationships" xmlns:p="http://schemas.openxmlformats.org/presentationml/2006/main">
-  <p:cSld>
-    <p:spTree>
-      <p:nvGrpSpPr>
-        <p:cNvPr id="1" name=""/>
-        <p:cNvGrpSpPr/>
-        <p:nvPr/>
-      </p:nvGrpSpPr>
-      <p:grpSpPr>
-        <a:xfrm>
-          <a:off x="0" y="0"/>
-          <a:ext cx="0" cy="0"/>
-          <a:chOff x="0" y="0"/>
-          <a:chExt cx="0" cy="0"/>
-        </a:xfrm>
-      </p:grpSpPr>
-      <p:grpSp>
-        <p:nvGrpSpPr>
-          <p:cNvPr id="25" name="Group 24">
-            <a:extLst>
-              <a:ext uri="{FF2B5EF4-FFF2-40B4-BE49-F238E27FC236}">
-                <a16:creationId xmlns:a16="http://schemas.microsoft.com/office/drawing/2014/main" id="{D10F3D66-0109-4903-90B9-66D0E288F721}"/>
-              </a:ext>
-              <a:ext uri="{C183D7F6-B498-43B3-948B-1728B52AA6E4}">
-                <adec:decorative xmlns:adec="http://schemas.microsoft.com/office/drawing/2017/decorative" val="1"/>
-              </a:ext>
-            </a:extLst>
-          </p:cNvPr>
-          <p:cNvGrpSpPr/>
-          <p:nvPr/>
-        </p:nvGrpSpPr>
-        <p:grpSpPr>
-          <a:xfrm>
-            <a:off x="10379261" y="2030035"/>
-            <a:ext cx="1335600" cy="1262947"/>
-            <a:chOff x="10145015" y="2343978"/>
-            <a:chExt cx="1335600" cy="1262947"/>
-          </a:xfrm>
-        </p:grpSpPr>
-        <p:sp>
-          <p:nvSpPr>
-            <p:cNvPr id="26" name="Freeform: Shape 25">
-              <a:extLst>
-                <a:ext uri="{FF2B5EF4-FFF2-40B4-BE49-F238E27FC236}">
-                  <a16:creationId xmlns:a16="http://schemas.microsoft.com/office/drawing/2014/main" id="{57DAB968-9B52-4EFF-AD39-7657DFEA6E48}"/>
-                </a:ext>
-              </a:extLst>
-            </p:cNvPr>
-            <p:cNvSpPr>
-              <a:spLocks noChangeAspect="1"/>
-            </p:cNvSpPr>
-            <p:nvPr/>
-          </p:nvSpPr>
-          <p:spPr>
-            <a:xfrm rot="8100000">
-              <a:off x="10400615" y="2343978"/>
-              <a:ext cx="1080000" cy="1262947"/>
-            </a:xfrm>
-            <a:custGeom>
-              <a:avLst/>
-              <a:gdLst>
-                <a:gd name="connsiteX0" fmla="*/ 540000 w 1080000"/>
-                <a:gd name="connsiteY0" fmla="*/ 0 h 1262947"/>
-                <a:gd name="connsiteX1" fmla="*/ 1080000 w 1080000"/>
-                <a:gd name="connsiteY1" fmla="*/ 931034 h 1262947"/>
-                <a:gd name="connsiteX2" fmla="*/ 1064374 w 1080000"/>
-                <a:gd name="connsiteY2" fmla="*/ 931034 h 1262947"/>
-                <a:gd name="connsiteX3" fmla="*/ 1069029 w 1080000"/>
-                <a:gd name="connsiteY3" fmla="*/ 938533 h 1262947"/>
-                <a:gd name="connsiteX4" fmla="*/ 1080000 w 1080000"/>
-                <a:gd name="connsiteY4" fmla="*/ 992947 h 1262947"/>
-                <a:gd name="connsiteX5" fmla="*/ 540000 w 1080000"/>
-                <a:gd name="connsiteY5" fmla="*/ 1262947 h 1262947"/>
-                <a:gd name="connsiteX6" fmla="*/ 0 w 1080000"/>
-                <a:gd name="connsiteY6" fmla="*/ 992947 h 1262947"/>
-                <a:gd name="connsiteX7" fmla="*/ 10971 w 1080000"/>
-                <a:gd name="connsiteY7" fmla="*/ 938533 h 1262947"/>
-                <a:gd name="connsiteX8" fmla="*/ 15626 w 1080000"/>
-                <a:gd name="connsiteY8" fmla="*/ 931034 h 1262947"/>
-                <a:gd name="connsiteX9" fmla="*/ 0 w 1080000"/>
-                <a:gd name="connsiteY9" fmla="*/ 931034 h 1262947"/>
-                <a:gd name="connsiteX0" fmla="*/ 540000 w 1080000"/>
-                <a:gd name="connsiteY0" fmla="*/ 0 h 1262947"/>
-                <a:gd name="connsiteX1" fmla="*/ 1080000 w 1080000"/>
-                <a:gd name="connsiteY1" fmla="*/ 931034 h 1262947"/>
-                <a:gd name="connsiteX2" fmla="*/ 1064374 w 1080000"/>
-                <a:gd name="connsiteY2" fmla="*/ 931034 h 1262947"/>
-                <a:gd name="connsiteX3" fmla="*/ 1069029 w 1080000"/>
-                <a:gd name="connsiteY3" fmla="*/ 938533 h 1262947"/>
-                <a:gd name="connsiteX4" fmla="*/ 1080000 w 1080000"/>
-                <a:gd name="connsiteY4" fmla="*/ 992947 h 1262947"/>
-                <a:gd name="connsiteX5" fmla="*/ 540000 w 1080000"/>
-                <a:gd name="connsiteY5" fmla="*/ 1262947 h 1262947"/>
-                <a:gd name="connsiteX6" fmla="*/ 0 w 1080000"/>
-                <a:gd name="connsiteY6" fmla="*/ 992947 h 1262947"/>
-                <a:gd name="connsiteX7" fmla="*/ 10971 w 1080000"/>
-                <a:gd name="connsiteY7" fmla="*/ 938533 h 1262947"/>
-                <a:gd name="connsiteX8" fmla="*/ 15626 w 1080000"/>
-                <a:gd name="connsiteY8" fmla="*/ 931034 h 1262947"/>
-                <a:gd name="connsiteX9" fmla="*/ 540000 w 1080000"/>
-                <a:gd name="connsiteY9" fmla="*/ 0 h 1262947"/>
-                <a:gd name="connsiteX0" fmla="*/ 540000 w 1080000"/>
-                <a:gd name="connsiteY0" fmla="*/ 0 h 1262947"/>
-                <a:gd name="connsiteX1" fmla="*/ 1064374 w 1080000"/>
-                <a:gd name="connsiteY1" fmla="*/ 931034 h 1262947"/>
-                <a:gd name="connsiteX2" fmla="*/ 1069029 w 1080000"/>
-                <a:gd name="connsiteY2" fmla="*/ 938533 h 1262947"/>
-                <a:gd name="connsiteX3" fmla="*/ 1080000 w 1080000"/>
-                <a:gd name="connsiteY3" fmla="*/ 992947 h 1262947"/>
-                <a:gd name="connsiteX4" fmla="*/ 540000 w 1080000"/>
-                <a:gd name="connsiteY4" fmla="*/ 1262947 h 1262947"/>
-                <a:gd name="connsiteX5" fmla="*/ 0 w 1080000"/>
-                <a:gd name="connsiteY5" fmla="*/ 992947 h 1262947"/>
-                <a:gd name="connsiteX6" fmla="*/ 10971 w 1080000"/>
-                <a:gd name="connsiteY6" fmla="*/ 938533 h 1262947"/>
-                <a:gd name="connsiteX7" fmla="*/ 15626 w 1080000"/>
-                <a:gd name="connsiteY7" fmla="*/ 931034 h 1262947"/>
-                <a:gd name="connsiteX8" fmla="*/ 540000 w 1080000"/>
-                <a:gd name="connsiteY8" fmla="*/ 0 h 1262947"/>
-              </a:gdLst>
-              <a:ahLst/>
-              <a:cxnLst>
-                <a:cxn ang="0">
-                  <a:pos x="connsiteX0" y="connsiteY0"/>
-                </a:cxn>
-                <a:cxn ang="0">
-                  <a:pos x="connsiteX1" y="connsiteY1"/>
-                </a:cxn>
-                <a:cxn ang="0">
-                  <a:pos x="connsiteX2" y="connsiteY2"/>
-                </a:cxn>
-                <a:cxn ang="0">
-                  <a:pos x="connsiteX3" y="connsiteY3"/>
-                </a:cxn>
-                <a:cxn ang="0">
-                  <a:pos x="connsiteX4" y="connsiteY4"/>
-                </a:cxn>
-                <a:cxn ang="0">
-                  <a:pos x="connsiteX5" y="connsiteY5"/>
-                </a:cxn>
-                <a:cxn ang="0">
-                  <a:pos x="connsiteX6" y="connsiteY6"/>
-                </a:cxn>
-                <a:cxn ang="0">
-                  <a:pos x="connsiteX7" y="connsiteY7"/>
-                </a:cxn>
-                <a:cxn ang="0">
-                  <a:pos x="connsiteX8" y="connsiteY8"/>
-                </a:cxn>
-              </a:cxnLst>
-              <a:rect l="l" t="t" r="r" b="b"/>
-              <a:pathLst>
-                <a:path w="1080000" h="1262947">
-                  <a:moveTo>
-                    <a:pt x="540000" y="0"/>
-                  </a:moveTo>
-                  <a:lnTo>
-                    <a:pt x="1064374" y="931034"/>
-                  </a:lnTo>
-                  <a:lnTo>
-                    <a:pt x="1069029" y="938533"/>
-                  </a:lnTo>
-                  <a:cubicBezTo>
-                    <a:pt x="1076223" y="956109"/>
-                    <a:pt x="1080000" y="974307"/>
-                    <a:pt x="1080000" y="992947"/>
-                  </a:cubicBezTo>
-                  <a:cubicBezTo>
-                    <a:pt x="1080000" y="1142064"/>
-                    <a:pt x="838234" y="1262947"/>
-                    <a:pt x="540000" y="1262947"/>
-                  </a:cubicBezTo>
-                  <a:cubicBezTo>
-                    <a:pt x="241766" y="1262947"/>
-                    <a:pt x="0" y="1142064"/>
-                    <a:pt x="0" y="992947"/>
-                  </a:cubicBezTo>
-                  <a:cubicBezTo>
-                    <a:pt x="0" y="974307"/>
-                    <a:pt x="3778" y="956109"/>
-                    <a:pt x="10971" y="938533"/>
-                  </a:cubicBezTo>
-                  <a:lnTo>
-                    <a:pt x="15626" y="931034"/>
-                  </a:lnTo>
-                  <a:lnTo>
-                    <a:pt x="540000" y="0"/>
-                  </a:lnTo>
-                  <a:close/>
-                </a:path>
-              </a:pathLst>
-            </a:custGeom>
-            <a:gradFill>
-              <a:gsLst>
-                <a:gs pos="60000">
-                  <a:schemeClr val="bg2">
-                    <a:lumMod val="90000"/>
-                    <a:lumOff val="10000"/>
-                  </a:schemeClr>
-                </a:gs>
-                <a:gs pos="30000">
-                  <a:schemeClr val="bg2">
-                    <a:lumMod val="90000"/>
-                    <a:lumOff val="10000"/>
-                  </a:schemeClr>
-                </a:gs>
-                <a:gs pos="40000">
-                  <a:schemeClr val="bg2">
-                    <a:lumMod val="80000"/>
-                    <a:lumOff val="20000"/>
-                  </a:schemeClr>
-                </a:gs>
-                <a:gs pos="100000">
-                  <a:schemeClr val="bg2"/>
-                </a:gs>
-              </a:gsLst>
-              <a:lin ang="600000" scaled="0"/>
-            </a:gradFill>
-            <a:ln>
-              <a:noFill/>
-            </a:ln>
-            <a:effectLst>
-              <a:innerShdw blurRad="254000" dist="101600" dir="7320000">
-                <a:schemeClr val="accent1">
-                  <a:lumMod val="60000"/>
-                  <a:lumOff val="40000"/>
-                  <a:alpha val="40000"/>
-                </a:schemeClr>
-              </a:innerShdw>
-            </a:effectLst>
-          </p:spPr>
-          <p:style>
-            <a:lnRef idx="2">
-              <a:schemeClr val="accent1">
-                <a:shade val="50000"/>
-              </a:schemeClr>
-            </a:lnRef>
-            <a:fillRef idx="1">
-              <a:schemeClr val="accent1"/>
-            </a:fillRef>
-            <a:effectRef idx="0">
-              <a:schemeClr val="accent1"/>
-            </a:effectRef>
-            <a:fontRef idx="minor">
-              <a:schemeClr val="lt1"/>
-            </a:fontRef>
-          </p:style>
-          <p:txBody>
-            <a:bodyPr rot="0" spcFirstLastPara="0" vertOverflow="overflow" horzOverflow="overflow" vert="horz" wrap="square" lIns="91440" tIns="45720" rIns="91440" bIns="45720" numCol="1" spcCol="0" rtlCol="0" fromWordArt="0" anchor="ctr" anchorCtr="0" forceAA="0" compatLnSpc="1">
-              <a:prstTxWarp prst="textNoShape">
-                <a:avLst/>
-              </a:prstTxWarp>
-              <a:noAutofit/>
-            </a:bodyPr>
-            <a:lstStyle/>
-            <a:p>
-              <a:pPr algn="ctr"/>
-              <a:endParaRPr lang="en-US"/>
-            </a:p>
-          </p:txBody>
-        </p:sp>
-        <p:sp>
-          <p:nvSpPr>
-            <p:cNvPr id="27" name="Oval 26">
-              <a:extLst>
-                <a:ext uri="{FF2B5EF4-FFF2-40B4-BE49-F238E27FC236}">
-                  <a16:creationId xmlns:a16="http://schemas.microsoft.com/office/drawing/2014/main" id="{962BE440-9634-4380-B142-5DB692420C52}"/>
-                </a:ext>
-              </a:extLst>
-            </p:cNvPr>
-            <p:cNvSpPr/>
-            <p:nvPr/>
-          </p:nvSpPr>
-          <p:spPr>
-            <a:xfrm rot="13500000">
-              <a:off x="10415015" y="2179851"/>
-              <a:ext cx="540000" cy="1080000"/>
-            </a:xfrm>
-            <a:prstGeom prst="ellipse">
-              <a:avLst/>
-            </a:prstGeom>
-            <a:gradFill>
-              <a:gsLst>
-                <a:gs pos="100000">
-                  <a:schemeClr val="accent1">
-                    <a:lumMod val="60000"/>
-                    <a:lumOff val="40000"/>
-                    <a:alpha val="0"/>
-                  </a:schemeClr>
-                </a:gs>
-                <a:gs pos="0">
-                  <a:schemeClr val="bg2">
-                    <a:lumMod val="75000"/>
-                    <a:lumOff val="25000"/>
-                    <a:alpha val="33000"/>
-                  </a:schemeClr>
-                </a:gs>
-              </a:gsLst>
-              <a:lin ang="5400000" scaled="0"/>
-            </a:gradFill>
-            <a:ln>
-              <a:noFill/>
-            </a:ln>
-            <a:effectLst>
-              <a:innerShdw blurRad="1270000" dist="2540000">
-                <a:schemeClr val="accent1">
-                  <a:lumMod val="60000"/>
-                  <a:lumOff val="40000"/>
-                  <a:alpha val="0"/>
-                </a:schemeClr>
-              </a:innerShdw>
-            </a:effectLst>
-          </p:spPr>
-          <p:style>
-            <a:lnRef idx="2">
-              <a:schemeClr val="accent1">
-                <a:shade val="50000"/>
-              </a:schemeClr>
-            </a:lnRef>
-            <a:fillRef idx="1">
-              <a:schemeClr val="accent1"/>
-            </a:fillRef>
-            <a:effectRef idx="0">
-              <a:schemeClr val="accent1"/>
-            </a:effectRef>
-            <a:fontRef idx="minor">
-              <a:schemeClr val="lt1"/>
-            </a:fontRef>
-          </p:style>
-          <p:txBody>
-            <a:bodyPr rot="0" spcFirstLastPara="0" vertOverflow="overflow" horzOverflow="overflow" vert="horz" wrap="square" lIns="91440" tIns="45720" rIns="91440" bIns="45720" numCol="1" spcCol="0" rtlCol="0" fromWordArt="0" anchor="ctr" anchorCtr="0" forceAA="0" compatLnSpc="1">
-              <a:prstTxWarp prst="textNoShape">
-                <a:avLst/>
-              </a:prstTxWarp>
-              <a:noAutofit/>
-            </a:bodyPr>
-            <a:lstStyle/>
-            <a:p>
-              <a:pPr algn="ctr"/>
-              <a:endParaRPr lang="en-US"/>
-            </a:p>
-          </p:txBody>
-        </p:sp>
-      </p:grpSp>
-      <p:sp>
-        <p:nvSpPr>
-          <p:cNvPr id="7" name="Title 6">
-            <a:extLst>
-              <a:ext uri="{FF2B5EF4-FFF2-40B4-BE49-F238E27FC236}">
-                <a16:creationId xmlns:a16="http://schemas.microsoft.com/office/drawing/2014/main" id="{4B18D636-CC10-4B1E-AA38-419DCCF2D9C9}"/>
-              </a:ext>
-            </a:extLst>
-          </p:cNvPr>
-          <p:cNvSpPr>
-            <a:spLocks noGrp="1"/>
-          </p:cNvSpPr>
-          <p:nvPr>
-            <p:ph type="title"/>
-          </p:nvPr>
-        </p:nvSpPr>
-        <p:spPr>
-          <a:xfrm>
-            <a:off x="550862" y="549275"/>
-            <a:ext cx="11097551" cy="1332000"/>
-          </a:xfrm>
-        </p:spPr>
-        <p:txBody>
-          <a:bodyPr>
-            <a:normAutofit/>
-          </a:bodyPr>
-          <a:lstStyle/>
-          <a:p>
-            <a:r>
-              <a:rPr lang="en-US" dirty="0" err="1"/>
-              <a:t>VSCode</a:t>
-            </a:r>
-            <a:endParaRPr lang="en-US" dirty="0"/>
-          </a:p>
-        </p:txBody>
-      </p:sp>
-      <p:sp>
-        <p:nvSpPr>
-          <p:cNvPr id="9" name="Text Placeholder 8">
-            <a:extLst>
-              <a:ext uri="{FF2B5EF4-FFF2-40B4-BE49-F238E27FC236}">
-                <a16:creationId xmlns:a16="http://schemas.microsoft.com/office/drawing/2014/main" id="{0D098C43-2F2A-4100-89BC-5931039293FA}"/>
-              </a:ext>
-            </a:extLst>
-          </p:cNvPr>
-          <p:cNvSpPr>
-            <a:spLocks noGrp="1"/>
-          </p:cNvSpPr>
-          <p:nvPr>
-            <p:ph type="body" idx="1"/>
-          </p:nvPr>
-        </p:nvSpPr>
-        <p:spPr>
-          <a:xfrm>
-            <a:off x="550864" y="1731375"/>
-            <a:ext cx="5437186" cy="535354"/>
-          </a:xfrm>
-        </p:spPr>
-        <p:txBody>
-          <a:bodyPr/>
-          <a:lstStyle/>
-          <a:p>
-            <a:r>
-              <a:rPr lang="en-US" dirty="0"/>
-              <a:t>Install</a:t>
-            </a:r>
-          </a:p>
-        </p:txBody>
-      </p:sp>
-      <p:sp>
-        <p:nvSpPr>
-          <p:cNvPr id="4" name="Date Placeholder 3">
-            <a:extLst>
-              <a:ext uri="{FF2B5EF4-FFF2-40B4-BE49-F238E27FC236}">
-                <a16:creationId xmlns:a16="http://schemas.microsoft.com/office/drawing/2014/main" id="{0C329F70-04F7-4C70-BCF8-D4371F54EF2F}"/>
-              </a:ext>
-            </a:extLst>
-          </p:cNvPr>
-          <p:cNvSpPr>
-            <a:spLocks noGrp="1"/>
-          </p:cNvSpPr>
-          <p:nvPr>
-            <p:ph type="dt" sz="half" idx="10"/>
-          </p:nvPr>
-        </p:nvSpPr>
-        <p:spPr>
-          <a:xfrm>
-            <a:off x="550863" y="6507212"/>
-            <a:ext cx="2628900" cy="153888"/>
-          </a:xfrm>
-        </p:spPr>
-        <p:txBody>
-          <a:bodyPr/>
-          <a:lstStyle/>
-          <a:p>
-            <a:r>
-              <a:rPr lang="en-US"/>
-              <a:t>Tuesday, February 2, 20XX</a:t>
-            </a:r>
-            <a:endParaRPr lang="en-US" dirty="0"/>
-          </a:p>
-        </p:txBody>
-      </p:sp>
-      <p:sp>
-        <p:nvSpPr>
-          <p:cNvPr id="5" name="Footer Placeholder 4">
-            <a:extLst>
-              <a:ext uri="{FF2B5EF4-FFF2-40B4-BE49-F238E27FC236}">
-                <a16:creationId xmlns:a16="http://schemas.microsoft.com/office/drawing/2014/main" id="{06A3302E-502D-4151-81C9-5FD6AF9596D6}"/>
-              </a:ext>
-            </a:extLst>
-          </p:cNvPr>
-          <p:cNvSpPr>
-            <a:spLocks noGrp="1"/>
-          </p:cNvSpPr>
-          <p:nvPr>
-            <p:ph type="ftr" sz="quarter" idx="11"/>
-          </p:nvPr>
-        </p:nvSpPr>
-        <p:spPr>
-          <a:xfrm>
-            <a:off x="3359150" y="6507212"/>
-            <a:ext cx="6379210" cy="153888"/>
-          </a:xfrm>
-        </p:spPr>
-        <p:txBody>
-          <a:bodyPr/>
-          <a:lstStyle/>
-          <a:p>
-            <a:r>
-              <a:rPr lang="en-US"/>
-              <a:t>Sample Footer Text</a:t>
-            </a:r>
-          </a:p>
-        </p:txBody>
-      </p:sp>
-      <p:sp>
-        <p:nvSpPr>
-          <p:cNvPr id="6" name="Slide Number Placeholder 5">
-            <a:extLst>
-              <a:ext uri="{FF2B5EF4-FFF2-40B4-BE49-F238E27FC236}">
-                <a16:creationId xmlns:a16="http://schemas.microsoft.com/office/drawing/2014/main" id="{9ED907F8-C614-4D59-A03F-BF9CD5E35703}"/>
-              </a:ext>
-            </a:extLst>
-          </p:cNvPr>
-          <p:cNvSpPr>
-            <a:spLocks noGrp="1"/>
-          </p:cNvSpPr>
-          <p:nvPr>
-            <p:ph type="sldNum" sz="quarter" idx="12"/>
-          </p:nvPr>
-        </p:nvSpPr>
-        <p:spPr>
-          <a:xfrm>
-            <a:off x="9948863" y="6507212"/>
-            <a:ext cx="1692274" cy="153888"/>
-          </a:xfrm>
-        </p:spPr>
-        <p:txBody>
-          <a:bodyPr/>
-          <a:lstStyle/>
-          <a:p>
-            <a:fld id="{DBA1B0FB-D917-4C8C-928F-313BD683BF39}" type="slidenum">
-              <a:rPr lang="en-US" smtClean="0"/>
-              <a:pPr/>
-              <a:t>16</a:t>
-            </a:fld>
-            <a:endParaRPr lang="en-US"/>
-          </a:p>
-        </p:txBody>
-      </p:sp>
-      <p:sp>
-        <p:nvSpPr>
-          <p:cNvPr id="22" name="Freeform: Shape 21">
-            <a:extLst>
-              <a:ext uri="{FF2B5EF4-FFF2-40B4-BE49-F238E27FC236}">
-                <a16:creationId xmlns:a16="http://schemas.microsoft.com/office/drawing/2014/main" id="{C6F3814E-455F-456B-B1AF-7B993965A2C0}"/>
-              </a:ext>
-              <a:ext uri="{C183D7F6-B498-43B3-948B-1728B52AA6E4}">
-                <adec:decorative xmlns:adec="http://schemas.microsoft.com/office/drawing/2017/decorative" val="1"/>
-              </a:ext>
-            </a:extLst>
-          </p:cNvPr>
-          <p:cNvSpPr>
-            <a:spLocks noChangeAspect="1"/>
-          </p:cNvSpPr>
-          <p:nvPr/>
-        </p:nvSpPr>
-        <p:spPr>
-          <a:xfrm>
-            <a:off x="4295775" y="0"/>
-            <a:ext cx="360000" cy="274638"/>
-          </a:xfrm>
-          <a:custGeom>
-            <a:avLst/>
-            <a:gdLst>
-              <a:gd name="connsiteX0" fmla="*/ 30714 w 360000"/>
-              <a:gd name="connsiteY0" fmla="*/ 0 h 274638"/>
-              <a:gd name="connsiteX1" fmla="*/ 329286 w 360000"/>
-              <a:gd name="connsiteY1" fmla="*/ 0 h 274638"/>
-              <a:gd name="connsiteX2" fmla="*/ 345855 w 360000"/>
-              <a:gd name="connsiteY2" fmla="*/ 24574 h 274638"/>
-              <a:gd name="connsiteX3" fmla="*/ 360000 w 360000"/>
-              <a:gd name="connsiteY3" fmla="*/ 94638 h 274638"/>
-              <a:gd name="connsiteX4" fmla="*/ 180000 w 360000"/>
-              <a:gd name="connsiteY4" fmla="*/ 274638 h 274638"/>
-              <a:gd name="connsiteX5" fmla="*/ 0 w 360000"/>
-              <a:gd name="connsiteY5" fmla="*/ 94638 h 274638"/>
-              <a:gd name="connsiteX6" fmla="*/ 14145 w 360000"/>
-              <a:gd name="connsiteY6" fmla="*/ 24574 h 274638"/>
-            </a:gdLst>
-            <a:ahLst/>
-            <a:cxnLst>
-              <a:cxn ang="0">
-                <a:pos x="connsiteX0" y="connsiteY0"/>
-              </a:cxn>
-              <a:cxn ang="0">
-                <a:pos x="connsiteX1" y="connsiteY1"/>
-              </a:cxn>
-              <a:cxn ang="0">
-                <a:pos x="connsiteX2" y="connsiteY2"/>
-              </a:cxn>
-              <a:cxn ang="0">
-                <a:pos x="connsiteX3" y="connsiteY3"/>
-              </a:cxn>
-              <a:cxn ang="0">
-                <a:pos x="connsiteX4" y="connsiteY4"/>
-              </a:cxn>
-              <a:cxn ang="0">
-                <a:pos x="connsiteX5" y="connsiteY5"/>
-              </a:cxn>
-              <a:cxn ang="0">
-                <a:pos x="connsiteX6" y="connsiteY6"/>
-              </a:cxn>
-            </a:cxnLst>
-            <a:rect l="l" t="t" r="r" b="b"/>
-            <a:pathLst>
-              <a:path w="360000" h="274638">
-                <a:moveTo>
-                  <a:pt x="30714" y="0"/>
-                </a:moveTo>
-                <a:lnTo>
-                  <a:pt x="329286" y="0"/>
-                </a:lnTo>
-                <a:lnTo>
-                  <a:pt x="345855" y="24574"/>
-                </a:lnTo>
-                <a:cubicBezTo>
-                  <a:pt x="354963" y="46109"/>
-                  <a:pt x="360000" y="69785"/>
-                  <a:pt x="360000" y="94638"/>
-                </a:cubicBezTo>
-                <a:cubicBezTo>
-                  <a:pt x="360000" y="194049"/>
-                  <a:pt x="279411" y="274638"/>
-                  <a:pt x="180000" y="274638"/>
-                </a:cubicBezTo>
-                <a:cubicBezTo>
-                  <a:pt x="80589" y="274638"/>
-                  <a:pt x="0" y="194049"/>
-                  <a:pt x="0" y="94638"/>
-                </a:cubicBezTo>
-                <a:cubicBezTo>
-                  <a:pt x="0" y="69785"/>
-                  <a:pt x="5037" y="46109"/>
-                  <a:pt x="14145" y="24574"/>
-                </a:cubicBezTo>
-                <a:close/>
-              </a:path>
-            </a:pathLst>
-          </a:custGeom>
-          <a:gradFill flip="none" rotWithShape="1">
-            <a:gsLst>
-              <a:gs pos="100000">
-                <a:schemeClr val="bg2">
-                  <a:lumMod val="50000"/>
-                  <a:lumOff val="50000"/>
-                </a:schemeClr>
-              </a:gs>
-              <a:gs pos="60000">
-                <a:schemeClr val="bg2"/>
-              </a:gs>
-            </a:gsLst>
-            <a:path path="circle">
-              <a:fillToRect l="100000" b="100000"/>
-            </a:path>
-            <a:tileRect t="-100000" r="-100000"/>
-          </a:gradFill>
-          <a:ln>
-            <a:noFill/>
-          </a:ln>
-          <a:effectLst>
-            <a:innerShdw blurRad="127000" dist="63500" dir="2700000">
-              <a:schemeClr val="accent1">
-                <a:lumMod val="60000"/>
-                <a:lumOff val="40000"/>
-                <a:alpha val="20000"/>
-              </a:schemeClr>
-            </a:innerShdw>
-            <a:softEdge rad="0"/>
-          </a:effectLst>
-        </p:spPr>
-        <p:style>
-          <a:lnRef idx="2">
-            <a:schemeClr val="accent1">
-              <a:shade val="50000"/>
-            </a:schemeClr>
-          </a:lnRef>
-          <a:fillRef idx="1">
-            <a:schemeClr val="accent1"/>
-          </a:fillRef>
-          <a:effectRef idx="0">
-            <a:schemeClr val="accent1"/>
-          </a:effectRef>
-          <a:fontRef idx="minor">
-            <a:schemeClr val="lt1"/>
-          </a:fontRef>
-        </p:style>
-        <p:txBody>
-          <a:bodyPr rot="0" spcFirstLastPara="0" vertOverflow="overflow" horzOverflow="overflow" vert="horz" wrap="square" lIns="91440" tIns="45720" rIns="91440" bIns="45720" numCol="1" spcCol="0" rtlCol="0" fromWordArt="0" anchor="ctr" anchorCtr="0" forceAA="0" compatLnSpc="1">
-            <a:prstTxWarp prst="textNoShape">
-              <a:avLst/>
-            </a:prstTxWarp>
-            <a:noAutofit/>
-          </a:bodyPr>
-          <a:lstStyle/>
-          <a:p>
-            <a:pPr algn="ctr"/>
-            <a:endParaRPr lang="en-US"/>
-          </a:p>
-        </p:txBody>
-      </p:sp>
-      <p:sp>
-        <p:nvSpPr>
-          <p:cNvPr id="3" name="Text Placeholder 2">
-            <a:extLst>
-              <a:ext uri="{FF2B5EF4-FFF2-40B4-BE49-F238E27FC236}">
-                <a16:creationId xmlns:a16="http://schemas.microsoft.com/office/drawing/2014/main" id="{D35BE8C7-B67F-DA1F-E0A9-C3D86A96DECE}"/>
-              </a:ext>
-            </a:extLst>
-          </p:cNvPr>
-          <p:cNvSpPr>
-            <a:spLocks noGrp="1"/>
-          </p:cNvSpPr>
-          <p:nvPr>
-            <p:ph type="body" sz="quarter" idx="3"/>
-          </p:nvPr>
-        </p:nvSpPr>
-        <p:spPr/>
-        <p:txBody>
-          <a:bodyPr/>
-          <a:lstStyle/>
-          <a:p>
-            <a:r>
-              <a:rPr lang="en-AU" dirty="0"/>
-              <a:t>Extensions</a:t>
-            </a:r>
-          </a:p>
-        </p:txBody>
-      </p:sp>
-      <p:sp>
-        <p:nvSpPr>
-          <p:cNvPr id="8" name="Content Placeholder 7">
-            <a:extLst>
-              <a:ext uri="{FF2B5EF4-FFF2-40B4-BE49-F238E27FC236}">
-                <a16:creationId xmlns:a16="http://schemas.microsoft.com/office/drawing/2014/main" id="{39742727-52F0-7563-E656-3A7769725FE1}"/>
-              </a:ext>
-            </a:extLst>
-          </p:cNvPr>
-          <p:cNvSpPr>
-            <a:spLocks noGrp="1"/>
-          </p:cNvSpPr>
-          <p:nvPr>
-            <p:ph sz="half" idx="2"/>
-          </p:nvPr>
-        </p:nvSpPr>
-        <p:spPr/>
-        <p:txBody>
-          <a:bodyPr>
-            <a:normAutofit fontScale="92500" lnSpcReduction="10000"/>
-          </a:bodyPr>
-          <a:lstStyle/>
-          <a:p>
-            <a:r>
-              <a:rPr lang="en-AU" dirty="0" err="1"/>
-              <a:t>VSCode</a:t>
-            </a:r>
-            <a:r>
-              <a:rPr lang="en-AU" dirty="0"/>
-              <a:t> is text editor that has a large library of extensions for developers.</a:t>
-            </a:r>
-          </a:p>
-          <a:p>
-            <a:r>
-              <a:rPr lang="en-AU" dirty="0"/>
-              <a:t>Install </a:t>
-            </a:r>
-            <a:r>
-              <a:rPr lang="en-AU" dirty="0" err="1">
-                <a:hlinkClick r:id="rId3"/>
-              </a:rPr>
-              <a:t>VSCode</a:t>
-            </a:r>
-            <a:r>
-              <a:rPr lang="en-AU" dirty="0"/>
-              <a:t> for your system.</a:t>
-            </a:r>
-          </a:p>
-          <a:p>
-            <a:r>
-              <a:rPr lang="en-AU" dirty="0"/>
-              <a:t>Once the extensions (see right) on the Windows side are installed, open WT (or your devices terminal app) and run `code .` (don’t forget the dot at the end). </a:t>
-            </a:r>
-          </a:p>
-          <a:p>
-            <a:r>
-              <a:rPr lang="en-AU" dirty="0"/>
-              <a:t>This should open </a:t>
-            </a:r>
-            <a:r>
-              <a:rPr lang="en-AU" dirty="0" err="1"/>
-              <a:t>VSCode</a:t>
-            </a:r>
-            <a:r>
-              <a:rPr lang="en-AU" dirty="0"/>
-              <a:t> in WSL.</a:t>
-            </a:r>
-          </a:p>
-        </p:txBody>
-      </p:sp>
-      <p:sp>
-        <p:nvSpPr>
-          <p:cNvPr id="13" name="Content Placeholder 12">
-            <a:extLst>
-              <a:ext uri="{FF2B5EF4-FFF2-40B4-BE49-F238E27FC236}">
-                <a16:creationId xmlns:a16="http://schemas.microsoft.com/office/drawing/2014/main" id="{41028C3F-4F06-F278-984E-04FEE11739F3}"/>
-              </a:ext>
-            </a:extLst>
-          </p:cNvPr>
-          <p:cNvSpPr>
-            <a:spLocks noGrp="1"/>
-          </p:cNvSpPr>
-          <p:nvPr>
-            <p:ph sz="quarter" idx="4"/>
-          </p:nvPr>
-        </p:nvSpPr>
-        <p:spPr/>
-        <p:txBody>
-          <a:bodyPr>
-            <a:normAutofit fontScale="70000" lnSpcReduction="20000"/>
-          </a:bodyPr>
-          <a:lstStyle/>
-          <a:p>
-            <a:pPr>
-              <a:lnSpc>
-                <a:spcPct val="120000"/>
-              </a:lnSpc>
-              <a:spcBef>
-                <a:spcPts val="0"/>
-              </a:spcBef>
-              <a:spcAft>
-                <a:spcPts val="0"/>
-              </a:spcAft>
-            </a:pPr>
-            <a:r>
-              <a:rPr lang="en-AU" dirty="0"/>
-              <a:t>For this series, you will want a few extensions installed to help develop C++ code and manage projects (if on MacOS or Linux, you will only need the ‘WSL’ extensions).</a:t>
-            </a:r>
-          </a:p>
-          <a:p>
-            <a:pPr>
-              <a:lnSpc>
-                <a:spcPct val="120000"/>
-              </a:lnSpc>
-              <a:spcBef>
-                <a:spcPts val="0"/>
-              </a:spcBef>
-              <a:spcAft>
-                <a:spcPts val="0"/>
-              </a:spcAft>
-            </a:pPr>
-            <a:r>
-              <a:rPr lang="en-AU" dirty="0"/>
-              <a:t>On Windows</a:t>
-            </a:r>
-          </a:p>
-          <a:p>
-            <a:pPr lvl="1">
-              <a:lnSpc>
-                <a:spcPct val="120000"/>
-              </a:lnSpc>
-              <a:spcBef>
-                <a:spcPts val="0"/>
-              </a:spcBef>
-              <a:spcAft>
-                <a:spcPts val="0"/>
-              </a:spcAft>
-            </a:pPr>
-            <a:r>
-              <a:rPr lang="en-AU" dirty="0">
-                <a:hlinkClick r:id="rId4"/>
-              </a:rPr>
-              <a:t>Remote development</a:t>
-            </a:r>
-            <a:endParaRPr lang="en-AU" dirty="0"/>
-          </a:p>
-          <a:p>
-            <a:pPr lvl="1">
-              <a:lnSpc>
-                <a:spcPct val="120000"/>
-              </a:lnSpc>
-              <a:spcBef>
-                <a:spcPts val="0"/>
-              </a:spcBef>
-              <a:spcAft>
-                <a:spcPts val="0"/>
-              </a:spcAft>
-            </a:pPr>
-            <a:r>
-              <a:rPr lang="en-AU" dirty="0"/>
-              <a:t>WSL</a:t>
-            </a:r>
-          </a:p>
-          <a:p>
-            <a:pPr lvl="1">
-              <a:lnSpc>
-                <a:spcPct val="120000"/>
-              </a:lnSpc>
-              <a:spcBef>
-                <a:spcPts val="0"/>
-              </a:spcBef>
-              <a:spcAft>
-                <a:spcPts val="0"/>
-              </a:spcAft>
-            </a:pPr>
-            <a:r>
-              <a:rPr lang="en-AU" dirty="0"/>
-              <a:t>Remote SSH</a:t>
-            </a:r>
-          </a:p>
-          <a:p>
-            <a:pPr>
-              <a:lnSpc>
-                <a:spcPct val="120000"/>
-              </a:lnSpc>
-              <a:spcBef>
-                <a:spcPts val="0"/>
-              </a:spcBef>
-              <a:spcAft>
-                <a:spcPts val="0"/>
-              </a:spcAft>
-            </a:pPr>
-            <a:r>
-              <a:rPr lang="en-AU" dirty="0"/>
-              <a:t>On WSL</a:t>
-            </a:r>
-          </a:p>
-          <a:p>
-            <a:pPr lvl="1">
-              <a:lnSpc>
-                <a:spcPct val="120000"/>
-              </a:lnSpc>
-              <a:spcBef>
-                <a:spcPts val="0"/>
-              </a:spcBef>
-              <a:spcAft>
-                <a:spcPts val="0"/>
-              </a:spcAft>
-            </a:pPr>
-            <a:r>
-              <a:rPr lang="en-AU" dirty="0" err="1"/>
-              <a:t>GitLens</a:t>
-            </a:r>
-            <a:endParaRPr lang="en-AU" dirty="0"/>
-          </a:p>
-          <a:p>
-            <a:pPr lvl="1">
-              <a:lnSpc>
-                <a:spcPct val="120000"/>
-              </a:lnSpc>
-              <a:spcBef>
-                <a:spcPts val="0"/>
-              </a:spcBef>
-              <a:spcAft>
-                <a:spcPts val="0"/>
-              </a:spcAft>
-            </a:pPr>
-            <a:r>
-              <a:rPr lang="en-AU" dirty="0"/>
-              <a:t>Git Graph</a:t>
-            </a:r>
-          </a:p>
-          <a:p>
-            <a:pPr lvl="1">
-              <a:lnSpc>
-                <a:spcPct val="120000"/>
-              </a:lnSpc>
-              <a:spcBef>
-                <a:spcPts val="0"/>
-              </a:spcBef>
-              <a:spcAft>
-                <a:spcPts val="0"/>
-              </a:spcAft>
-            </a:pPr>
-            <a:r>
-              <a:rPr lang="en-AU" dirty="0">
-                <a:hlinkClick r:id="rId5"/>
-              </a:rPr>
-              <a:t>GitHub Pull Requests and Issues</a:t>
-            </a:r>
-            <a:endParaRPr lang="en-AU" dirty="0"/>
-          </a:p>
-          <a:p>
-            <a:pPr lvl="1">
-              <a:lnSpc>
-                <a:spcPct val="120000"/>
-              </a:lnSpc>
-              <a:spcBef>
-                <a:spcPts val="0"/>
-              </a:spcBef>
-              <a:spcAft>
-                <a:spcPts val="0"/>
-              </a:spcAft>
-            </a:pPr>
-            <a:r>
-              <a:rPr lang="en-AU" dirty="0" err="1"/>
-              <a:t>Sonarlint</a:t>
-            </a:r>
-            <a:endParaRPr lang="en-AU" dirty="0"/>
-          </a:p>
-          <a:p>
-            <a:pPr lvl="1">
-              <a:lnSpc>
-                <a:spcPct val="120000"/>
-              </a:lnSpc>
-              <a:spcBef>
-                <a:spcPts val="0"/>
-              </a:spcBef>
-              <a:spcAft>
-                <a:spcPts val="0"/>
-              </a:spcAft>
-            </a:pPr>
-            <a:r>
-              <a:rPr lang="en-AU" dirty="0" err="1"/>
-              <a:t>markdownlint</a:t>
-            </a:r>
-            <a:endParaRPr lang="en-AU" dirty="0"/>
-          </a:p>
-          <a:p>
-            <a:pPr lvl="1">
-              <a:lnSpc>
-                <a:spcPct val="120000"/>
-              </a:lnSpc>
-              <a:spcBef>
-                <a:spcPts val="0"/>
-              </a:spcBef>
-              <a:spcAft>
-                <a:spcPts val="0"/>
-              </a:spcAft>
-            </a:pPr>
-            <a:r>
-              <a:rPr lang="en-AU" dirty="0"/>
-              <a:t>Markdown All In One</a:t>
-            </a:r>
-          </a:p>
-          <a:p>
-            <a:pPr lvl="1">
-              <a:lnSpc>
-                <a:spcPct val="120000"/>
-              </a:lnSpc>
-              <a:spcBef>
-                <a:spcPts val="0"/>
-              </a:spcBef>
-              <a:spcAft>
-                <a:spcPts val="0"/>
-              </a:spcAft>
-            </a:pPr>
-            <a:r>
-              <a:rPr lang="en-AU" dirty="0"/>
-              <a:t>Markdown Preview GitHub Styling</a:t>
-            </a:r>
-          </a:p>
-        </p:txBody>
-      </p:sp>
-    </p:spTree>
-    <p:extLst>
-      <p:ext uri="{BB962C8B-B14F-4D97-AF65-F5344CB8AC3E}">
-        <p14:creationId xmlns:p14="http://schemas.microsoft.com/office/powerpoint/2010/main" val="3097004471"/>
-      </p:ext>
-    </p:extLst>
-  </p:cSld>
-  <p:clrMapOvr>
-    <a:masterClrMapping/>
-  </p:clrMapOvr>
-  <mc:AlternateContent xmlns:mc="http://schemas.openxmlformats.org/markup-compatibility/2006">
-    <mc:Choice xmlns:p159="http://schemas.microsoft.com/office/powerpoint/2015/09/main" Requires="p159">
-      <p:transition xmlns:p14="http://schemas.microsoft.com/office/powerpoint/2010/main" spd="slow" p14:dur="2000">
-        <p159:morph option="byChar"/>
-      </p:transition>
-    </mc:Choice>
-    <mc:Fallback>
-      <p:transition spd="slow">
-        <p:fade/>
-      </p:transition>
-    </mc:Fallback>
-  </mc:AlternateContent>
-</p:sld>
-</file>
-
-<file path=ppt/slides/slide17.xml><?xml version="1.0" encoding="utf-8"?>
-<p:sld xmlns:a="http://schemas.openxmlformats.org/drawingml/2006/main" xmlns:r="http://schemas.openxmlformats.org/officeDocument/2006/relationships" xmlns:p="http://schemas.openxmlformats.org/presentationml/2006/main">
-  <p:cSld>
-    <p:spTree>
-      <p:nvGrpSpPr>
-        <p:cNvPr id="1" name=""/>
-        <p:cNvGrpSpPr/>
-        <p:nvPr/>
-      </p:nvGrpSpPr>
-      <p:grpSpPr>
-        <a:xfrm>
-          <a:off x="0" y="0"/>
-          <a:ext cx="0" cy="0"/>
-          <a:chOff x="0" y="0"/>
-          <a:chExt cx="0" cy="0"/>
-        </a:xfrm>
-      </p:grpSpPr>
-      <p:grpSp>
-        <p:nvGrpSpPr>
-          <p:cNvPr id="25" name="Group 24">
-            <a:extLst>
-              <a:ext uri="{FF2B5EF4-FFF2-40B4-BE49-F238E27FC236}">
-                <a16:creationId xmlns:a16="http://schemas.microsoft.com/office/drawing/2014/main" id="{D10F3D66-0109-4903-90B9-66D0E288F721}"/>
-              </a:ext>
-              <a:ext uri="{C183D7F6-B498-43B3-948B-1728B52AA6E4}">
-                <adec:decorative xmlns:adec="http://schemas.microsoft.com/office/drawing/2017/decorative" val="1"/>
-              </a:ext>
-            </a:extLst>
-          </p:cNvPr>
-          <p:cNvGrpSpPr/>
-          <p:nvPr/>
-        </p:nvGrpSpPr>
-        <p:grpSpPr>
-          <a:xfrm>
-            <a:off x="10379261" y="2030035"/>
-            <a:ext cx="1335600" cy="1262947"/>
-            <a:chOff x="10145015" y="2343978"/>
-            <a:chExt cx="1335600" cy="1262947"/>
-          </a:xfrm>
-        </p:grpSpPr>
-        <p:sp>
-          <p:nvSpPr>
-            <p:cNvPr id="26" name="Freeform: Shape 25">
-              <a:extLst>
-                <a:ext uri="{FF2B5EF4-FFF2-40B4-BE49-F238E27FC236}">
-                  <a16:creationId xmlns:a16="http://schemas.microsoft.com/office/drawing/2014/main" id="{57DAB968-9B52-4EFF-AD39-7657DFEA6E48}"/>
-                </a:ext>
-              </a:extLst>
-            </p:cNvPr>
-            <p:cNvSpPr>
-              <a:spLocks noChangeAspect="1"/>
-            </p:cNvSpPr>
-            <p:nvPr/>
-          </p:nvSpPr>
-          <p:spPr>
-            <a:xfrm rot="8100000">
-              <a:off x="10400615" y="2343978"/>
-              <a:ext cx="1080000" cy="1262947"/>
-            </a:xfrm>
-            <a:custGeom>
-              <a:avLst/>
-              <a:gdLst>
-                <a:gd name="connsiteX0" fmla="*/ 540000 w 1080000"/>
-                <a:gd name="connsiteY0" fmla="*/ 0 h 1262947"/>
-                <a:gd name="connsiteX1" fmla="*/ 1080000 w 1080000"/>
-                <a:gd name="connsiteY1" fmla="*/ 931034 h 1262947"/>
-                <a:gd name="connsiteX2" fmla="*/ 1064374 w 1080000"/>
-                <a:gd name="connsiteY2" fmla="*/ 931034 h 1262947"/>
-                <a:gd name="connsiteX3" fmla="*/ 1069029 w 1080000"/>
-                <a:gd name="connsiteY3" fmla="*/ 938533 h 1262947"/>
-                <a:gd name="connsiteX4" fmla="*/ 1080000 w 1080000"/>
-                <a:gd name="connsiteY4" fmla="*/ 992947 h 1262947"/>
-                <a:gd name="connsiteX5" fmla="*/ 540000 w 1080000"/>
-                <a:gd name="connsiteY5" fmla="*/ 1262947 h 1262947"/>
-                <a:gd name="connsiteX6" fmla="*/ 0 w 1080000"/>
-                <a:gd name="connsiteY6" fmla="*/ 992947 h 1262947"/>
-                <a:gd name="connsiteX7" fmla="*/ 10971 w 1080000"/>
-                <a:gd name="connsiteY7" fmla="*/ 938533 h 1262947"/>
-                <a:gd name="connsiteX8" fmla="*/ 15626 w 1080000"/>
-                <a:gd name="connsiteY8" fmla="*/ 931034 h 1262947"/>
-                <a:gd name="connsiteX9" fmla="*/ 0 w 1080000"/>
-                <a:gd name="connsiteY9" fmla="*/ 931034 h 1262947"/>
-                <a:gd name="connsiteX0" fmla="*/ 540000 w 1080000"/>
-                <a:gd name="connsiteY0" fmla="*/ 0 h 1262947"/>
-                <a:gd name="connsiteX1" fmla="*/ 1080000 w 1080000"/>
-                <a:gd name="connsiteY1" fmla="*/ 931034 h 1262947"/>
-                <a:gd name="connsiteX2" fmla="*/ 1064374 w 1080000"/>
-                <a:gd name="connsiteY2" fmla="*/ 931034 h 1262947"/>
-                <a:gd name="connsiteX3" fmla="*/ 1069029 w 1080000"/>
-                <a:gd name="connsiteY3" fmla="*/ 938533 h 1262947"/>
-                <a:gd name="connsiteX4" fmla="*/ 1080000 w 1080000"/>
-                <a:gd name="connsiteY4" fmla="*/ 992947 h 1262947"/>
-                <a:gd name="connsiteX5" fmla="*/ 540000 w 1080000"/>
-                <a:gd name="connsiteY5" fmla="*/ 1262947 h 1262947"/>
-                <a:gd name="connsiteX6" fmla="*/ 0 w 1080000"/>
-                <a:gd name="connsiteY6" fmla="*/ 992947 h 1262947"/>
-                <a:gd name="connsiteX7" fmla="*/ 10971 w 1080000"/>
-                <a:gd name="connsiteY7" fmla="*/ 938533 h 1262947"/>
-                <a:gd name="connsiteX8" fmla="*/ 15626 w 1080000"/>
-                <a:gd name="connsiteY8" fmla="*/ 931034 h 1262947"/>
-                <a:gd name="connsiteX9" fmla="*/ 540000 w 1080000"/>
-                <a:gd name="connsiteY9" fmla="*/ 0 h 1262947"/>
-                <a:gd name="connsiteX0" fmla="*/ 540000 w 1080000"/>
-                <a:gd name="connsiteY0" fmla="*/ 0 h 1262947"/>
-                <a:gd name="connsiteX1" fmla="*/ 1064374 w 1080000"/>
-                <a:gd name="connsiteY1" fmla="*/ 931034 h 1262947"/>
-                <a:gd name="connsiteX2" fmla="*/ 1069029 w 1080000"/>
-                <a:gd name="connsiteY2" fmla="*/ 938533 h 1262947"/>
-                <a:gd name="connsiteX3" fmla="*/ 1080000 w 1080000"/>
-                <a:gd name="connsiteY3" fmla="*/ 992947 h 1262947"/>
-                <a:gd name="connsiteX4" fmla="*/ 540000 w 1080000"/>
-                <a:gd name="connsiteY4" fmla="*/ 1262947 h 1262947"/>
-                <a:gd name="connsiteX5" fmla="*/ 0 w 1080000"/>
-                <a:gd name="connsiteY5" fmla="*/ 992947 h 1262947"/>
-                <a:gd name="connsiteX6" fmla="*/ 10971 w 1080000"/>
-                <a:gd name="connsiteY6" fmla="*/ 938533 h 1262947"/>
-                <a:gd name="connsiteX7" fmla="*/ 15626 w 1080000"/>
-                <a:gd name="connsiteY7" fmla="*/ 931034 h 1262947"/>
-                <a:gd name="connsiteX8" fmla="*/ 540000 w 1080000"/>
-                <a:gd name="connsiteY8" fmla="*/ 0 h 1262947"/>
-              </a:gdLst>
-              <a:ahLst/>
-              <a:cxnLst>
-                <a:cxn ang="0">
-                  <a:pos x="connsiteX0" y="connsiteY0"/>
-                </a:cxn>
-                <a:cxn ang="0">
-                  <a:pos x="connsiteX1" y="connsiteY1"/>
-                </a:cxn>
-                <a:cxn ang="0">
-                  <a:pos x="connsiteX2" y="connsiteY2"/>
-                </a:cxn>
-                <a:cxn ang="0">
-                  <a:pos x="connsiteX3" y="connsiteY3"/>
-                </a:cxn>
-                <a:cxn ang="0">
-                  <a:pos x="connsiteX4" y="connsiteY4"/>
-                </a:cxn>
-                <a:cxn ang="0">
-                  <a:pos x="connsiteX5" y="connsiteY5"/>
-                </a:cxn>
-                <a:cxn ang="0">
-                  <a:pos x="connsiteX6" y="connsiteY6"/>
-                </a:cxn>
-                <a:cxn ang="0">
-                  <a:pos x="connsiteX7" y="connsiteY7"/>
-                </a:cxn>
-                <a:cxn ang="0">
-                  <a:pos x="connsiteX8" y="connsiteY8"/>
-                </a:cxn>
-              </a:cxnLst>
-              <a:rect l="l" t="t" r="r" b="b"/>
-              <a:pathLst>
-                <a:path w="1080000" h="1262947">
-                  <a:moveTo>
-                    <a:pt x="540000" y="0"/>
-                  </a:moveTo>
-                  <a:lnTo>
-                    <a:pt x="1064374" y="931034"/>
-                  </a:lnTo>
-                  <a:lnTo>
-                    <a:pt x="1069029" y="938533"/>
-                  </a:lnTo>
-                  <a:cubicBezTo>
-                    <a:pt x="1076223" y="956109"/>
-                    <a:pt x="1080000" y="974307"/>
-                    <a:pt x="1080000" y="992947"/>
-                  </a:cubicBezTo>
-                  <a:cubicBezTo>
-                    <a:pt x="1080000" y="1142064"/>
-                    <a:pt x="838234" y="1262947"/>
-                    <a:pt x="540000" y="1262947"/>
-                  </a:cubicBezTo>
-                  <a:cubicBezTo>
-                    <a:pt x="241766" y="1262947"/>
-                    <a:pt x="0" y="1142064"/>
-                    <a:pt x="0" y="992947"/>
-                  </a:cubicBezTo>
-                  <a:cubicBezTo>
-                    <a:pt x="0" y="974307"/>
-                    <a:pt x="3778" y="956109"/>
-                    <a:pt x="10971" y="938533"/>
-                  </a:cubicBezTo>
-                  <a:lnTo>
-                    <a:pt x="15626" y="931034"/>
-                  </a:lnTo>
-                  <a:lnTo>
-                    <a:pt x="540000" y="0"/>
-                  </a:lnTo>
-                  <a:close/>
-                </a:path>
-              </a:pathLst>
-            </a:custGeom>
-            <a:gradFill>
-              <a:gsLst>
-                <a:gs pos="60000">
-                  <a:schemeClr val="bg2">
-                    <a:lumMod val="90000"/>
-                    <a:lumOff val="10000"/>
-                  </a:schemeClr>
-                </a:gs>
-                <a:gs pos="30000">
-                  <a:schemeClr val="bg2">
-                    <a:lumMod val="90000"/>
-                    <a:lumOff val="10000"/>
-                  </a:schemeClr>
-                </a:gs>
-                <a:gs pos="40000">
-                  <a:schemeClr val="bg2">
-                    <a:lumMod val="80000"/>
-                    <a:lumOff val="20000"/>
-                  </a:schemeClr>
-                </a:gs>
-                <a:gs pos="100000">
-                  <a:schemeClr val="bg2"/>
-                </a:gs>
-              </a:gsLst>
-              <a:lin ang="600000" scaled="0"/>
-            </a:gradFill>
-            <a:ln>
-              <a:noFill/>
-            </a:ln>
-            <a:effectLst>
-              <a:innerShdw blurRad="254000" dist="101600" dir="7320000">
-                <a:schemeClr val="accent1">
-                  <a:lumMod val="60000"/>
-                  <a:lumOff val="40000"/>
-                  <a:alpha val="40000"/>
-                </a:schemeClr>
-              </a:innerShdw>
-            </a:effectLst>
-          </p:spPr>
-          <p:style>
-            <a:lnRef idx="2">
-              <a:schemeClr val="accent1">
-                <a:shade val="50000"/>
-              </a:schemeClr>
-            </a:lnRef>
-            <a:fillRef idx="1">
-              <a:schemeClr val="accent1"/>
-            </a:fillRef>
-            <a:effectRef idx="0">
-              <a:schemeClr val="accent1"/>
-            </a:effectRef>
-            <a:fontRef idx="minor">
-              <a:schemeClr val="lt1"/>
-            </a:fontRef>
-          </p:style>
-          <p:txBody>
-            <a:bodyPr rot="0" spcFirstLastPara="0" vertOverflow="overflow" horzOverflow="overflow" vert="horz" wrap="square" lIns="91440" tIns="45720" rIns="91440" bIns="45720" numCol="1" spcCol="0" rtlCol="0" fromWordArt="0" anchor="ctr" anchorCtr="0" forceAA="0" compatLnSpc="1">
-              <a:prstTxWarp prst="textNoShape">
-                <a:avLst/>
-              </a:prstTxWarp>
-              <a:noAutofit/>
-            </a:bodyPr>
-            <a:lstStyle/>
-            <a:p>
-              <a:pPr algn="ctr"/>
-              <a:endParaRPr lang="en-US"/>
-            </a:p>
-          </p:txBody>
-        </p:sp>
-        <p:sp>
-          <p:nvSpPr>
-            <p:cNvPr id="27" name="Oval 26">
-              <a:extLst>
-                <a:ext uri="{FF2B5EF4-FFF2-40B4-BE49-F238E27FC236}">
-                  <a16:creationId xmlns:a16="http://schemas.microsoft.com/office/drawing/2014/main" id="{962BE440-9634-4380-B142-5DB692420C52}"/>
-                </a:ext>
-              </a:extLst>
-            </p:cNvPr>
-            <p:cNvSpPr/>
-            <p:nvPr/>
-          </p:nvSpPr>
-          <p:spPr>
-            <a:xfrm rot="13500000">
-              <a:off x="10415015" y="2179851"/>
-              <a:ext cx="540000" cy="1080000"/>
-            </a:xfrm>
-            <a:prstGeom prst="ellipse">
-              <a:avLst/>
-            </a:prstGeom>
-            <a:gradFill>
-              <a:gsLst>
-                <a:gs pos="100000">
-                  <a:schemeClr val="accent1">
-                    <a:lumMod val="60000"/>
-                    <a:lumOff val="40000"/>
-                    <a:alpha val="0"/>
-                  </a:schemeClr>
-                </a:gs>
-                <a:gs pos="0">
-                  <a:schemeClr val="bg2">
-                    <a:lumMod val="75000"/>
-                    <a:lumOff val="25000"/>
-                    <a:alpha val="33000"/>
-                  </a:schemeClr>
-                </a:gs>
-              </a:gsLst>
-              <a:lin ang="5400000" scaled="0"/>
-            </a:gradFill>
-            <a:ln>
-              <a:noFill/>
-            </a:ln>
-            <a:effectLst>
-              <a:innerShdw blurRad="1270000" dist="2540000">
-                <a:schemeClr val="accent1">
-                  <a:lumMod val="60000"/>
-                  <a:lumOff val="40000"/>
-                  <a:alpha val="0"/>
-                </a:schemeClr>
-              </a:innerShdw>
-            </a:effectLst>
-          </p:spPr>
-          <p:style>
-            <a:lnRef idx="2">
-              <a:schemeClr val="accent1">
-                <a:shade val="50000"/>
-              </a:schemeClr>
-            </a:lnRef>
-            <a:fillRef idx="1">
-              <a:schemeClr val="accent1"/>
-            </a:fillRef>
-            <a:effectRef idx="0">
-              <a:schemeClr val="accent1"/>
-            </a:effectRef>
-            <a:fontRef idx="minor">
-              <a:schemeClr val="lt1"/>
-            </a:fontRef>
-          </p:style>
-          <p:txBody>
-            <a:bodyPr rot="0" spcFirstLastPara="0" vertOverflow="overflow" horzOverflow="overflow" vert="horz" wrap="square" lIns="91440" tIns="45720" rIns="91440" bIns="45720" numCol="1" spcCol="0" rtlCol="0" fromWordArt="0" anchor="ctr" anchorCtr="0" forceAA="0" compatLnSpc="1">
-              <a:prstTxWarp prst="textNoShape">
-                <a:avLst/>
-              </a:prstTxWarp>
-              <a:noAutofit/>
-            </a:bodyPr>
-            <a:lstStyle/>
-            <a:p>
-              <a:pPr algn="ctr"/>
-              <a:endParaRPr lang="en-US"/>
-            </a:p>
-          </p:txBody>
-        </p:sp>
-      </p:grpSp>
-      <p:sp>
-        <p:nvSpPr>
-          <p:cNvPr id="7" name="Title 6">
-            <a:extLst>
-              <a:ext uri="{FF2B5EF4-FFF2-40B4-BE49-F238E27FC236}">
-                <a16:creationId xmlns:a16="http://schemas.microsoft.com/office/drawing/2014/main" id="{4B18D636-CC10-4B1E-AA38-419DCCF2D9C9}"/>
-              </a:ext>
-            </a:extLst>
-          </p:cNvPr>
-          <p:cNvSpPr>
-            <a:spLocks noGrp="1"/>
-          </p:cNvSpPr>
-          <p:nvPr>
-            <p:ph type="title"/>
-          </p:nvPr>
-        </p:nvSpPr>
-        <p:spPr>
-          <a:xfrm>
-            <a:off x="550862" y="549275"/>
-            <a:ext cx="11097551" cy="1332000"/>
-          </a:xfrm>
-        </p:spPr>
-        <p:txBody>
-          <a:bodyPr>
-            <a:normAutofit/>
-          </a:bodyPr>
-          <a:lstStyle/>
-          <a:p>
-            <a:r>
-              <a:rPr lang="en-US" dirty="0" err="1"/>
-              <a:t>bpt</a:t>
-            </a:r>
-            <a:endParaRPr lang="en-US" dirty="0"/>
-          </a:p>
-        </p:txBody>
-      </p:sp>
-      <p:sp>
-        <p:nvSpPr>
-          <p:cNvPr id="4" name="Date Placeholder 3">
-            <a:extLst>
-              <a:ext uri="{FF2B5EF4-FFF2-40B4-BE49-F238E27FC236}">
-                <a16:creationId xmlns:a16="http://schemas.microsoft.com/office/drawing/2014/main" id="{0C329F70-04F7-4C70-BCF8-D4371F54EF2F}"/>
-              </a:ext>
-            </a:extLst>
-          </p:cNvPr>
-          <p:cNvSpPr>
-            <a:spLocks noGrp="1"/>
-          </p:cNvSpPr>
-          <p:nvPr>
-            <p:ph type="dt" sz="half" idx="10"/>
-          </p:nvPr>
-        </p:nvSpPr>
-        <p:spPr>
-          <a:xfrm>
-            <a:off x="550863" y="6507212"/>
-            <a:ext cx="2628900" cy="153888"/>
-          </a:xfrm>
-        </p:spPr>
-        <p:txBody>
-          <a:bodyPr/>
-          <a:lstStyle/>
-          <a:p>
-            <a:r>
-              <a:rPr lang="en-US"/>
-              <a:t>Tuesday, February 2, 20XX</a:t>
-            </a:r>
-            <a:endParaRPr lang="en-US" dirty="0"/>
-          </a:p>
-        </p:txBody>
-      </p:sp>
-      <p:sp>
-        <p:nvSpPr>
-          <p:cNvPr id="5" name="Footer Placeholder 4">
-            <a:extLst>
-              <a:ext uri="{FF2B5EF4-FFF2-40B4-BE49-F238E27FC236}">
-                <a16:creationId xmlns:a16="http://schemas.microsoft.com/office/drawing/2014/main" id="{06A3302E-502D-4151-81C9-5FD6AF9596D6}"/>
-              </a:ext>
-            </a:extLst>
-          </p:cNvPr>
-          <p:cNvSpPr>
-            <a:spLocks noGrp="1"/>
-          </p:cNvSpPr>
-          <p:nvPr>
-            <p:ph type="ftr" sz="quarter" idx="11"/>
-          </p:nvPr>
-        </p:nvSpPr>
-        <p:spPr>
-          <a:xfrm>
-            <a:off x="3359150" y="6507212"/>
-            <a:ext cx="6379210" cy="153888"/>
-          </a:xfrm>
-        </p:spPr>
-        <p:txBody>
-          <a:bodyPr/>
-          <a:lstStyle/>
-          <a:p>
-            <a:r>
-              <a:rPr lang="en-US"/>
-              <a:t>Sample Footer Text</a:t>
-            </a:r>
-          </a:p>
-        </p:txBody>
-      </p:sp>
-      <p:sp>
-        <p:nvSpPr>
-          <p:cNvPr id="6" name="Slide Number Placeholder 5">
-            <a:extLst>
-              <a:ext uri="{FF2B5EF4-FFF2-40B4-BE49-F238E27FC236}">
-                <a16:creationId xmlns:a16="http://schemas.microsoft.com/office/drawing/2014/main" id="{9ED907F8-C614-4D59-A03F-BF9CD5E35703}"/>
-              </a:ext>
-            </a:extLst>
-          </p:cNvPr>
-          <p:cNvSpPr>
-            <a:spLocks noGrp="1"/>
-          </p:cNvSpPr>
-          <p:nvPr>
-            <p:ph type="sldNum" sz="quarter" idx="12"/>
-          </p:nvPr>
-        </p:nvSpPr>
-        <p:spPr>
-          <a:xfrm>
-            <a:off x="9948863" y="6507212"/>
-            <a:ext cx="1692274" cy="153888"/>
-          </a:xfrm>
-        </p:spPr>
-        <p:txBody>
-          <a:bodyPr/>
-          <a:lstStyle/>
-          <a:p>
-            <a:fld id="{DBA1B0FB-D917-4C8C-928F-313BD683BF39}" type="slidenum">
-              <a:rPr lang="en-US" smtClean="0"/>
-              <a:pPr/>
-              <a:t>17</a:t>
-            </a:fld>
-            <a:endParaRPr lang="en-US"/>
-          </a:p>
-        </p:txBody>
-      </p:sp>
-      <p:sp>
-        <p:nvSpPr>
-          <p:cNvPr id="22" name="Freeform: Shape 21">
-            <a:extLst>
-              <a:ext uri="{FF2B5EF4-FFF2-40B4-BE49-F238E27FC236}">
-                <a16:creationId xmlns:a16="http://schemas.microsoft.com/office/drawing/2014/main" id="{C6F3814E-455F-456B-B1AF-7B993965A2C0}"/>
-              </a:ext>
-              <a:ext uri="{C183D7F6-B498-43B3-948B-1728B52AA6E4}">
-                <adec:decorative xmlns:adec="http://schemas.microsoft.com/office/drawing/2017/decorative" val="1"/>
-              </a:ext>
-            </a:extLst>
-          </p:cNvPr>
-          <p:cNvSpPr>
-            <a:spLocks noChangeAspect="1"/>
-          </p:cNvSpPr>
-          <p:nvPr/>
-        </p:nvSpPr>
-        <p:spPr>
-          <a:xfrm>
-            <a:off x="4295775" y="0"/>
-            <a:ext cx="360000" cy="274638"/>
-          </a:xfrm>
-          <a:custGeom>
-            <a:avLst/>
-            <a:gdLst>
-              <a:gd name="connsiteX0" fmla="*/ 30714 w 360000"/>
-              <a:gd name="connsiteY0" fmla="*/ 0 h 274638"/>
-              <a:gd name="connsiteX1" fmla="*/ 329286 w 360000"/>
-              <a:gd name="connsiteY1" fmla="*/ 0 h 274638"/>
-              <a:gd name="connsiteX2" fmla="*/ 345855 w 360000"/>
-              <a:gd name="connsiteY2" fmla="*/ 24574 h 274638"/>
-              <a:gd name="connsiteX3" fmla="*/ 360000 w 360000"/>
-              <a:gd name="connsiteY3" fmla="*/ 94638 h 274638"/>
-              <a:gd name="connsiteX4" fmla="*/ 180000 w 360000"/>
-              <a:gd name="connsiteY4" fmla="*/ 274638 h 274638"/>
-              <a:gd name="connsiteX5" fmla="*/ 0 w 360000"/>
-              <a:gd name="connsiteY5" fmla="*/ 94638 h 274638"/>
-              <a:gd name="connsiteX6" fmla="*/ 14145 w 360000"/>
-              <a:gd name="connsiteY6" fmla="*/ 24574 h 274638"/>
-            </a:gdLst>
-            <a:ahLst/>
-            <a:cxnLst>
-              <a:cxn ang="0">
-                <a:pos x="connsiteX0" y="connsiteY0"/>
-              </a:cxn>
-              <a:cxn ang="0">
-                <a:pos x="connsiteX1" y="connsiteY1"/>
-              </a:cxn>
-              <a:cxn ang="0">
-                <a:pos x="connsiteX2" y="connsiteY2"/>
-              </a:cxn>
-              <a:cxn ang="0">
-                <a:pos x="connsiteX3" y="connsiteY3"/>
-              </a:cxn>
-              <a:cxn ang="0">
-                <a:pos x="connsiteX4" y="connsiteY4"/>
-              </a:cxn>
-              <a:cxn ang="0">
-                <a:pos x="connsiteX5" y="connsiteY5"/>
-              </a:cxn>
-              <a:cxn ang="0">
-                <a:pos x="connsiteX6" y="connsiteY6"/>
-              </a:cxn>
-            </a:cxnLst>
-            <a:rect l="l" t="t" r="r" b="b"/>
-            <a:pathLst>
-              <a:path w="360000" h="274638">
-                <a:moveTo>
-                  <a:pt x="30714" y="0"/>
-                </a:moveTo>
-                <a:lnTo>
-                  <a:pt x="329286" y="0"/>
-                </a:lnTo>
-                <a:lnTo>
-                  <a:pt x="345855" y="24574"/>
-                </a:lnTo>
-                <a:cubicBezTo>
-                  <a:pt x="354963" y="46109"/>
-                  <a:pt x="360000" y="69785"/>
-                  <a:pt x="360000" y="94638"/>
-                </a:cubicBezTo>
-                <a:cubicBezTo>
-                  <a:pt x="360000" y="194049"/>
-                  <a:pt x="279411" y="274638"/>
-                  <a:pt x="180000" y="274638"/>
-                </a:cubicBezTo>
-                <a:cubicBezTo>
-                  <a:pt x="80589" y="274638"/>
-                  <a:pt x="0" y="194049"/>
-                  <a:pt x="0" y="94638"/>
-                </a:cubicBezTo>
-                <a:cubicBezTo>
-                  <a:pt x="0" y="69785"/>
-                  <a:pt x="5037" y="46109"/>
-                  <a:pt x="14145" y="24574"/>
-                </a:cubicBezTo>
-                <a:close/>
-              </a:path>
-            </a:pathLst>
-          </a:custGeom>
-          <a:gradFill flip="none" rotWithShape="1">
-            <a:gsLst>
-              <a:gs pos="100000">
-                <a:schemeClr val="bg2">
-                  <a:lumMod val="50000"/>
-                  <a:lumOff val="50000"/>
-                </a:schemeClr>
-              </a:gs>
-              <a:gs pos="60000">
-                <a:schemeClr val="bg2"/>
-              </a:gs>
-            </a:gsLst>
-            <a:path path="circle">
-              <a:fillToRect l="100000" b="100000"/>
-            </a:path>
-            <a:tileRect t="-100000" r="-100000"/>
-          </a:gradFill>
-          <a:ln>
-            <a:noFill/>
-          </a:ln>
-          <a:effectLst>
-            <a:innerShdw blurRad="127000" dist="63500" dir="2700000">
-              <a:schemeClr val="accent1">
-                <a:lumMod val="60000"/>
-                <a:lumOff val="40000"/>
-                <a:alpha val="20000"/>
-              </a:schemeClr>
-            </a:innerShdw>
-            <a:softEdge rad="0"/>
-          </a:effectLst>
-        </p:spPr>
-        <p:style>
-          <a:lnRef idx="2">
-            <a:schemeClr val="accent1">
-              <a:shade val="50000"/>
-            </a:schemeClr>
-          </a:lnRef>
-          <a:fillRef idx="1">
-            <a:schemeClr val="accent1"/>
-          </a:fillRef>
-          <a:effectRef idx="0">
-            <a:schemeClr val="accent1"/>
-          </a:effectRef>
-          <a:fontRef idx="minor">
-            <a:schemeClr val="lt1"/>
-          </a:fontRef>
-        </p:style>
-        <p:txBody>
-          <a:bodyPr rot="0" spcFirstLastPara="0" vertOverflow="overflow" horzOverflow="overflow" vert="horz" wrap="square" lIns="91440" tIns="45720" rIns="91440" bIns="45720" numCol="1" spcCol="0" rtlCol="0" fromWordArt="0" anchor="ctr" anchorCtr="0" forceAA="0" compatLnSpc="1">
-            <a:prstTxWarp prst="textNoShape">
-              <a:avLst/>
-            </a:prstTxWarp>
-            <a:noAutofit/>
-          </a:bodyPr>
-          <a:lstStyle/>
-          <a:p>
-            <a:pPr algn="ctr"/>
-            <a:endParaRPr lang="en-US"/>
-          </a:p>
-        </p:txBody>
-      </p:sp>
-      <p:sp>
-        <p:nvSpPr>
-          <p:cNvPr id="8" name="Text Placeholder 7">
-            <a:extLst>
-              <a:ext uri="{FF2B5EF4-FFF2-40B4-BE49-F238E27FC236}">
-                <a16:creationId xmlns:a16="http://schemas.microsoft.com/office/drawing/2014/main" id="{7B6D0B7C-2557-C6B9-66AB-38A5663BBC19}"/>
-              </a:ext>
-            </a:extLst>
-          </p:cNvPr>
-          <p:cNvSpPr>
-            <a:spLocks noGrp="1"/>
-          </p:cNvSpPr>
-          <p:nvPr>
-            <p:ph type="body" idx="1"/>
-          </p:nvPr>
-        </p:nvSpPr>
-        <p:spPr/>
-        <p:txBody>
-          <a:bodyPr/>
-          <a:lstStyle/>
-          <a:p>
-            <a:r>
-              <a:rPr lang="en-AU" dirty="0"/>
-              <a:t>About</a:t>
-            </a:r>
-          </a:p>
-        </p:txBody>
-      </p:sp>
-      <p:sp>
-        <p:nvSpPr>
-          <p:cNvPr id="13" name="Content Placeholder 12">
-            <a:extLst>
-              <a:ext uri="{FF2B5EF4-FFF2-40B4-BE49-F238E27FC236}">
-                <a16:creationId xmlns:a16="http://schemas.microsoft.com/office/drawing/2014/main" id="{9ADEC817-9A4C-5DCA-EEAE-C4C64E407C95}"/>
-              </a:ext>
-            </a:extLst>
-          </p:cNvPr>
-          <p:cNvSpPr>
-            <a:spLocks noGrp="1"/>
-          </p:cNvSpPr>
-          <p:nvPr>
-            <p:ph sz="half" idx="2"/>
-          </p:nvPr>
-        </p:nvSpPr>
-        <p:spPr/>
-        <p:txBody>
-          <a:bodyPr>
-            <a:normAutofit fontScale="92500"/>
-          </a:bodyPr>
-          <a:lstStyle/>
-          <a:p>
-            <a:r>
-              <a:rPr lang="en-AU" dirty="0" err="1"/>
-              <a:t>bpt</a:t>
-            </a:r>
-            <a:r>
-              <a:rPr lang="en-AU" dirty="0"/>
-              <a:t> is a new build and packaging tool for C++.</a:t>
-            </a:r>
-          </a:p>
-          <a:p>
-            <a:r>
-              <a:rPr lang="en-AU" dirty="0"/>
-              <a:t>Later in the series we will be using it to build, run, debug and unit test your C++ code.</a:t>
-            </a:r>
-          </a:p>
-          <a:p>
-            <a:r>
-              <a:rPr lang="en-AU" dirty="0" err="1"/>
-              <a:t>bpt</a:t>
-            </a:r>
-            <a:r>
-              <a:rPr lang="en-AU" dirty="0"/>
-              <a:t> is experimental, and so we may have issues that come up. Not to worry, you will also learn about other methods for building applications </a:t>
-            </a:r>
-            <a:r>
-              <a:rPr lang="en-AU"/>
-              <a:t>as well</a:t>
-            </a:r>
-            <a:r>
-              <a:rPr lang="en-AU" dirty="0"/>
-              <a:t>.</a:t>
-            </a:r>
-            <a:endParaRPr lang="en-AU"/>
-          </a:p>
-        </p:txBody>
-      </p:sp>
-      <p:sp>
-        <p:nvSpPr>
-          <p:cNvPr id="15" name="Text Placeholder 14">
-            <a:extLst>
-              <a:ext uri="{FF2B5EF4-FFF2-40B4-BE49-F238E27FC236}">
-                <a16:creationId xmlns:a16="http://schemas.microsoft.com/office/drawing/2014/main" id="{D87C775A-51E5-2B68-55D4-4AC86A4CB72C}"/>
-              </a:ext>
-            </a:extLst>
-          </p:cNvPr>
-          <p:cNvSpPr>
-            <a:spLocks noGrp="1"/>
-          </p:cNvSpPr>
-          <p:nvPr>
-            <p:ph type="body" sz="quarter" idx="3"/>
-          </p:nvPr>
-        </p:nvSpPr>
-        <p:spPr/>
-        <p:txBody>
-          <a:bodyPr/>
-          <a:lstStyle/>
-          <a:p>
-            <a:r>
-              <a:rPr lang="en-AU" dirty="0"/>
-              <a:t>Install</a:t>
-            </a:r>
-          </a:p>
-        </p:txBody>
-      </p:sp>
-      <p:sp>
-        <p:nvSpPr>
-          <p:cNvPr id="17" name="Content Placeholder 16">
-            <a:extLst>
-              <a:ext uri="{FF2B5EF4-FFF2-40B4-BE49-F238E27FC236}">
-                <a16:creationId xmlns:a16="http://schemas.microsoft.com/office/drawing/2014/main" id="{63A4DC4B-7C41-C731-9706-6F91B08AD986}"/>
-              </a:ext>
-            </a:extLst>
-          </p:cNvPr>
-          <p:cNvSpPr>
-            <a:spLocks noGrp="1"/>
-          </p:cNvSpPr>
-          <p:nvPr>
-            <p:ph sz="quarter" idx="4"/>
-          </p:nvPr>
-        </p:nvSpPr>
-        <p:spPr/>
-        <p:txBody>
-          <a:bodyPr/>
-          <a:lstStyle/>
-          <a:p>
-            <a:r>
-              <a:rPr lang="en-AU" dirty="0"/>
-              <a:t>To install </a:t>
-            </a:r>
-            <a:r>
-              <a:rPr lang="en-AU" dirty="0" err="1"/>
-              <a:t>bpt</a:t>
-            </a:r>
-            <a:r>
-              <a:rPr lang="en-AU" dirty="0"/>
-              <a:t> is super simple. On your terminal run:</a:t>
-            </a:r>
-          </a:p>
-          <a:p>
-            <a:pPr lvl="1"/>
-            <a:r>
-              <a:rPr lang="en-AU" dirty="0"/>
-              <a:t>`curl </a:t>
-            </a:r>
-            <a:r>
-              <a:rPr lang="en-AU" dirty="0" err="1"/>
-              <a:t>bpt.pizza</a:t>
-            </a:r>
-            <a:r>
-              <a:rPr lang="en-AU" dirty="0"/>
-              <a:t>/get/</a:t>
-            </a:r>
-            <a:r>
-              <a:rPr lang="en-AU" dirty="0" err="1"/>
-              <a:t>macos</a:t>
-            </a:r>
-            <a:r>
-              <a:rPr lang="en-AU" dirty="0"/>
-              <a:t> –Lo </a:t>
-            </a:r>
-            <a:r>
-              <a:rPr lang="en-AU" dirty="0" err="1"/>
-              <a:t>bpt</a:t>
-            </a:r>
-            <a:r>
-              <a:rPr lang="en-AU" dirty="0"/>
-              <a:t>` (MacOS)</a:t>
-            </a:r>
-          </a:p>
-          <a:p>
-            <a:pPr lvl="1"/>
-            <a:r>
-              <a:rPr lang="en-AU" dirty="0"/>
-              <a:t>`curl </a:t>
-            </a:r>
-            <a:r>
-              <a:rPr lang="en-AU" dirty="0" err="1"/>
-              <a:t>bpt.pizza</a:t>
-            </a:r>
-            <a:r>
-              <a:rPr lang="en-AU" dirty="0"/>
-              <a:t>/get/</a:t>
-            </a:r>
-            <a:r>
-              <a:rPr lang="en-AU" dirty="0" err="1"/>
-              <a:t>linux</a:t>
-            </a:r>
-            <a:r>
-              <a:rPr lang="en-AU" dirty="0"/>
-              <a:t> –Lo </a:t>
-            </a:r>
-            <a:r>
-              <a:rPr lang="en-AU" dirty="0" err="1"/>
-              <a:t>bpt</a:t>
-            </a:r>
-            <a:r>
-              <a:rPr lang="en-AU" dirty="0"/>
-              <a:t>` (Linux)</a:t>
-            </a:r>
-          </a:p>
-          <a:p>
-            <a:r>
-              <a:rPr lang="en-AU" dirty="0"/>
-              <a:t>To install </a:t>
-            </a:r>
-            <a:r>
-              <a:rPr lang="en-AU" dirty="0" err="1"/>
-              <a:t>bpt</a:t>
-            </a:r>
-            <a:r>
-              <a:rPr lang="en-AU" dirty="0"/>
-              <a:t> to your PATH run:</a:t>
-            </a:r>
-          </a:p>
-          <a:p>
-            <a:pPr lvl="1"/>
-            <a:r>
-              <a:rPr lang="en-AU" dirty="0"/>
-              <a:t>`</a:t>
-            </a:r>
-            <a:r>
-              <a:rPr lang="en-AU" dirty="0" err="1"/>
-              <a:t>chmod</a:t>
-            </a:r>
-            <a:r>
-              <a:rPr lang="en-AU" dirty="0"/>
-              <a:t> </a:t>
-            </a:r>
-            <a:r>
-              <a:rPr lang="en-AU" dirty="0" err="1"/>
-              <a:t>a+x</a:t>
-            </a:r>
-            <a:r>
-              <a:rPr lang="en-AU" dirty="0"/>
-              <a:t> </a:t>
-            </a:r>
-            <a:r>
-              <a:rPr lang="en-AU" dirty="0" err="1"/>
-              <a:t>bpt</a:t>
-            </a:r>
-            <a:r>
-              <a:rPr lang="en-AU" dirty="0"/>
-              <a:t>`</a:t>
-            </a:r>
-          </a:p>
-          <a:p>
-            <a:pPr lvl="1"/>
-            <a:r>
-              <a:rPr lang="en-AU" dirty="0"/>
-              <a:t>`./</a:t>
-            </a:r>
-            <a:r>
-              <a:rPr lang="en-AU" dirty="0" err="1"/>
-              <a:t>bpt</a:t>
-            </a:r>
-            <a:r>
-              <a:rPr lang="en-AU" dirty="0"/>
-              <a:t> install-yourself`</a:t>
-            </a:r>
-          </a:p>
-          <a:p>
-            <a:endParaRPr lang="en-AU" dirty="0"/>
-          </a:p>
-        </p:txBody>
-      </p:sp>
-    </p:spTree>
-    <p:extLst>
-      <p:ext uri="{BB962C8B-B14F-4D97-AF65-F5344CB8AC3E}">
-        <p14:creationId xmlns:p14="http://schemas.microsoft.com/office/powerpoint/2010/main" val="3913030721"/>
-      </p:ext>
-    </p:extLst>
-  </p:cSld>
-  <p:clrMapOvr>
-    <a:masterClrMapping/>
-  </p:clrMapOvr>
-  <mc:AlternateContent xmlns:mc="http://schemas.openxmlformats.org/markup-compatibility/2006">
-    <mc:Choice xmlns:p159="http://schemas.microsoft.com/office/powerpoint/2015/09/main" Requires="p159">
-      <p:transition xmlns:p14="http://schemas.microsoft.com/office/powerpoint/2010/main" spd="slow" p14:dur="2000">
-        <p159:morph option="byChar"/>
-      </p:transition>
-    </mc:Choice>
-    <mc:Fallback>
-      <p:transition spd="slow">
-        <p:fade/>
-      </p:transition>
-    </mc:Fallback>
-  </mc:AlternateContent>
-</p:sld>
-</file>
-
-<file path=ppt/slides/slide18.xml><?xml version="1.0" encoding="utf-8"?>
+<file path=ppt/slides/slide14.xml><?xml version="1.0" encoding="utf-8"?>
 <p:sld xmlns:a="http://schemas.openxmlformats.org/drawingml/2006/main" xmlns:r="http://schemas.openxmlformats.org/officeDocument/2006/relationships" xmlns:p="http://schemas.openxmlformats.org/presentationml/2006/main">
   <p:cSld>
     <p:spTree>
@@ -28615,7 +24791,7 @@
             <a:fld id="{DBA1B0FB-D917-4C8C-928F-313BD683BF39}" type="slidenum">
               <a:rPr lang="en-US" smtClean="0"/>
               <a:pPr/>
-              <a:t>18</a:t>
+              <a:t>14</a:t>
             </a:fld>
             <a:endParaRPr lang="en-US"/>
           </a:p>
@@ -28646,7 +24822,7 @@
 </p:sld>
 </file>
 
-<file path=ppt/slides/slide19.xml><?xml version="1.0" encoding="utf-8"?>
+<file path=ppt/slides/slide15.xml><?xml version="1.0" encoding="utf-8"?>
 <p:sld xmlns:a="http://schemas.openxmlformats.org/drawingml/2006/main" xmlns:r="http://schemas.openxmlformats.org/officeDocument/2006/relationships" xmlns:p="http://schemas.openxmlformats.org/presentationml/2006/main">
   <p:cSld>
     <p:spTree>
@@ -30285,7 +26461,7 @@
             <a:fld id="{DBA1B0FB-D917-4C8C-928F-313BD683BF39}" type="slidenum">
               <a:rPr lang="en-US" smtClean="0"/>
               <a:pPr/>
-              <a:t>19</a:t>
+              <a:t>15</a:t>
             </a:fld>
             <a:endParaRPr lang="en-US"/>
           </a:p>
@@ -30316,359 +26492,7 @@
 </p:sld>
 </file>
 
-<file path=ppt/slides/slide2.xml><?xml version="1.0" encoding="utf-8"?>
-<p:sld xmlns:a="http://schemas.openxmlformats.org/drawingml/2006/main" xmlns:r="http://schemas.openxmlformats.org/officeDocument/2006/relationships" xmlns:p="http://schemas.openxmlformats.org/presentationml/2006/main">
-  <p:cSld>
-    <p:spTree>
-      <p:nvGrpSpPr>
-        <p:cNvPr id="1" name=""/>
-        <p:cNvGrpSpPr/>
-        <p:nvPr/>
-      </p:nvGrpSpPr>
-      <p:grpSpPr>
-        <a:xfrm>
-          <a:off x="0" y="0"/>
-          <a:ext cx="0" cy="0"/>
-          <a:chOff x="0" y="0"/>
-          <a:chExt cx="0" cy="0"/>
-        </a:xfrm>
-      </p:grpSpPr>
-      <p:sp>
-        <p:nvSpPr>
-          <p:cNvPr id="11" name="Title 10">
-            <a:extLst>
-              <a:ext uri="{FF2B5EF4-FFF2-40B4-BE49-F238E27FC236}">
-                <a16:creationId xmlns:a16="http://schemas.microsoft.com/office/drawing/2014/main" id="{23418ADF-358F-4647-A511-FCFFEDA83429}"/>
-              </a:ext>
-            </a:extLst>
-          </p:cNvPr>
-          <p:cNvSpPr>
-            <a:spLocks noGrp="1"/>
-          </p:cNvSpPr>
-          <p:nvPr>
-            <p:ph type="title"/>
-          </p:nvPr>
-        </p:nvSpPr>
-        <p:spPr>
-          <a:xfrm>
-            <a:off x="550863" y="4507200"/>
-            <a:ext cx="4500562" cy="1562959"/>
-          </a:xfrm>
-        </p:spPr>
-        <p:txBody>
-          <a:bodyPr/>
-          <a:lstStyle/>
-          <a:p>
-            <a:r>
-              <a:rPr lang="en-US" dirty="0"/>
-              <a:t>Welcome</a:t>
-            </a:r>
-          </a:p>
-        </p:txBody>
-      </p:sp>
-      <p:pic>
-        <p:nvPicPr>
-          <p:cNvPr id="18" name="Picture Placeholder 17" descr="A group of people sitting at a table">
-            <a:extLst>
-              <a:ext uri="{FF2B5EF4-FFF2-40B4-BE49-F238E27FC236}">
-                <a16:creationId xmlns:a16="http://schemas.microsoft.com/office/drawing/2014/main" id="{E2536017-F539-430C-A901-70AB81CA612A}"/>
-              </a:ext>
-            </a:extLst>
-          </p:cNvPr>
-          <p:cNvPicPr>
-            <a:picLocks noGrp="1" noChangeAspect="1"/>
-          </p:cNvPicPr>
-          <p:nvPr>
-            <p:ph type="pic" sz="quarter" idx="13"/>
-          </p:nvPr>
-        </p:nvPicPr>
-        <p:blipFill rotWithShape="1">
-          <a:blip r:embed="rId3" cstate="screen">
-            <a:extLst>
-              <a:ext uri="{28A0092B-C50C-407E-A947-70E740481C1C}">
-                <a14:useLocalDpi xmlns:a14="http://schemas.microsoft.com/office/drawing/2010/main" val="0"/>
-              </a:ext>
-            </a:extLst>
-          </a:blip>
-          <a:srcRect t="42" b="42"/>
-          <a:stretch/>
-        </p:blipFill>
-        <p:spPr>
-          <a:xfrm>
-            <a:off x="0" y="0"/>
-            <a:ext cx="3054096" cy="3776472"/>
-          </a:xfrm>
-        </p:spPr>
-      </p:pic>
-      <p:pic>
-        <p:nvPicPr>
-          <p:cNvPr id="20" name="Picture Placeholder 19" descr="Data Points Digital background">
-            <a:extLst>
-              <a:ext uri="{FF2B5EF4-FFF2-40B4-BE49-F238E27FC236}">
-                <a16:creationId xmlns:a16="http://schemas.microsoft.com/office/drawing/2014/main" id="{528A7D8D-1AB5-46C4-93FA-D92C2FD51692}"/>
-              </a:ext>
-            </a:extLst>
-          </p:cNvPr>
-          <p:cNvPicPr>
-            <a:picLocks noGrp="1" noChangeAspect="1"/>
-          </p:cNvPicPr>
-          <p:nvPr>
-            <p:ph type="pic" sz="quarter" idx="14"/>
-          </p:nvPr>
-        </p:nvPicPr>
-        <p:blipFill rotWithShape="1">
-          <a:blip r:embed="rId4" cstate="screen">
-            <a:extLst>
-              <a:ext uri="{28A0092B-C50C-407E-A947-70E740481C1C}">
-                <a14:useLocalDpi xmlns:a14="http://schemas.microsoft.com/office/drawing/2010/main" val="0"/>
-              </a:ext>
-            </a:extLst>
-          </a:blip>
-          <a:srcRect t="42" b="42"/>
-          <a:stretch/>
-        </p:blipFill>
-        <p:spPr>
-          <a:xfrm>
-            <a:off x="3054096" y="0"/>
-            <a:ext cx="3054096" cy="3776472"/>
-          </a:xfrm>
-        </p:spPr>
-      </p:pic>
-      <p:pic>
-        <p:nvPicPr>
-          <p:cNvPr id="25" name="Picture Placeholder 24" descr="Digital Graph Screen">
-            <a:extLst>
-              <a:ext uri="{FF2B5EF4-FFF2-40B4-BE49-F238E27FC236}">
-                <a16:creationId xmlns:a16="http://schemas.microsoft.com/office/drawing/2014/main" id="{B7353C46-ACC1-4078-85C2-26B57B0E58B7}"/>
-              </a:ext>
-            </a:extLst>
-          </p:cNvPr>
-          <p:cNvPicPr>
-            <a:picLocks noGrp="1" noChangeAspect="1"/>
-          </p:cNvPicPr>
-          <p:nvPr>
-            <p:ph type="pic" sz="quarter" idx="16"/>
-          </p:nvPr>
-        </p:nvPicPr>
-        <p:blipFill rotWithShape="1">
-          <a:blip r:embed="rId5" cstate="screen">
-            <a:extLst>
-              <a:ext uri="{28A0092B-C50C-407E-A947-70E740481C1C}">
-                <a14:useLocalDpi xmlns:a14="http://schemas.microsoft.com/office/drawing/2010/main" val="0"/>
-              </a:ext>
-            </a:extLst>
-          </a:blip>
-          <a:srcRect t="42" b="42"/>
-          <a:stretch/>
-        </p:blipFill>
-        <p:spPr>
-          <a:xfrm>
-            <a:off x="9137904" y="0"/>
-            <a:ext cx="3054096" cy="3776472"/>
-          </a:xfrm>
-        </p:spPr>
-      </p:pic>
-      <p:sp>
-        <p:nvSpPr>
-          <p:cNvPr id="4" name="Date Placeholder 3">
-            <a:extLst>
-              <a:ext uri="{FF2B5EF4-FFF2-40B4-BE49-F238E27FC236}">
-                <a16:creationId xmlns:a16="http://schemas.microsoft.com/office/drawing/2014/main" id="{0C329F70-04F7-4C70-BCF8-D4371F54EF2F}"/>
-              </a:ext>
-            </a:extLst>
-          </p:cNvPr>
-          <p:cNvSpPr>
-            <a:spLocks noGrp="1"/>
-          </p:cNvSpPr>
-          <p:nvPr>
-            <p:ph type="dt" sz="half" idx="10"/>
-          </p:nvPr>
-        </p:nvSpPr>
-        <p:spPr>
-          <a:xfrm>
-            <a:off x="550863" y="6507212"/>
-            <a:ext cx="2628900" cy="153888"/>
-          </a:xfrm>
-        </p:spPr>
-        <p:txBody>
-          <a:bodyPr/>
-          <a:lstStyle/>
-          <a:p>
-            <a:r>
-              <a:rPr lang="en-US"/>
-              <a:t>Tuesday, February 2, 20XX</a:t>
-            </a:r>
-            <a:endParaRPr lang="en-US" dirty="0"/>
-          </a:p>
-        </p:txBody>
-      </p:sp>
-      <p:sp>
-        <p:nvSpPr>
-          <p:cNvPr id="5" name="Footer Placeholder 4">
-            <a:extLst>
-              <a:ext uri="{FF2B5EF4-FFF2-40B4-BE49-F238E27FC236}">
-                <a16:creationId xmlns:a16="http://schemas.microsoft.com/office/drawing/2014/main" id="{06A3302E-502D-4151-81C9-5FD6AF9596D6}"/>
-              </a:ext>
-            </a:extLst>
-          </p:cNvPr>
-          <p:cNvSpPr>
-            <a:spLocks noGrp="1"/>
-          </p:cNvSpPr>
-          <p:nvPr>
-            <p:ph type="ftr" sz="quarter" idx="11"/>
-          </p:nvPr>
-        </p:nvSpPr>
-        <p:spPr>
-          <a:xfrm>
-            <a:off x="3359150" y="6507212"/>
-            <a:ext cx="6379210" cy="153888"/>
-          </a:xfrm>
-        </p:spPr>
-        <p:txBody>
-          <a:bodyPr/>
-          <a:lstStyle/>
-          <a:p>
-            <a:r>
-              <a:rPr lang="en-US"/>
-              <a:t>Sample Footer Text</a:t>
-            </a:r>
-          </a:p>
-        </p:txBody>
-      </p:sp>
-      <p:sp>
-        <p:nvSpPr>
-          <p:cNvPr id="6" name="Slide Number Placeholder 5">
-            <a:extLst>
-              <a:ext uri="{FF2B5EF4-FFF2-40B4-BE49-F238E27FC236}">
-                <a16:creationId xmlns:a16="http://schemas.microsoft.com/office/drawing/2014/main" id="{9ED907F8-C614-4D59-A03F-BF9CD5E35703}"/>
-              </a:ext>
-            </a:extLst>
-          </p:cNvPr>
-          <p:cNvSpPr>
-            <a:spLocks noGrp="1"/>
-          </p:cNvSpPr>
-          <p:nvPr>
-            <p:ph type="sldNum" sz="quarter" idx="12"/>
-          </p:nvPr>
-        </p:nvSpPr>
-        <p:spPr>
-          <a:xfrm>
-            <a:off x="9948863" y="6507212"/>
-            <a:ext cx="1692274" cy="153888"/>
-          </a:xfrm>
-        </p:spPr>
-        <p:txBody>
-          <a:bodyPr/>
-          <a:lstStyle/>
-          <a:p>
-            <a:fld id="{DBA1B0FB-D917-4C8C-928F-313BD683BF39}" type="slidenum">
-              <a:rPr lang="en-US" smtClean="0"/>
-              <a:pPr/>
-              <a:t>2</a:t>
-            </a:fld>
-            <a:endParaRPr lang="en-US"/>
-          </a:p>
-        </p:txBody>
-      </p:sp>
-      <p:pic>
-        <p:nvPicPr>
-          <p:cNvPr id="23" name="Picture Placeholder 22" descr="A person drawing on a white board">
-            <a:extLst>
-              <a:ext uri="{FF2B5EF4-FFF2-40B4-BE49-F238E27FC236}">
-                <a16:creationId xmlns:a16="http://schemas.microsoft.com/office/drawing/2014/main" id="{2B3C4F95-A0FA-45D9-BF43-1C398F65B891}"/>
-              </a:ext>
-            </a:extLst>
-          </p:cNvPr>
-          <p:cNvPicPr>
-            <a:picLocks noGrp="1" noChangeAspect="1"/>
-          </p:cNvPicPr>
-          <p:nvPr>
-            <p:ph type="pic" sz="quarter" idx="15"/>
-          </p:nvPr>
-        </p:nvPicPr>
-        <p:blipFill rotWithShape="1">
-          <a:blip r:embed="rId6" cstate="screen">
-            <a:extLst>
-              <a:ext uri="{28A0092B-C50C-407E-A947-70E740481C1C}">
-                <a14:useLocalDpi xmlns:a14="http://schemas.microsoft.com/office/drawing/2010/main" val="0"/>
-              </a:ext>
-            </a:extLst>
-          </a:blip>
-          <a:srcRect t="42" b="42"/>
-          <a:stretch/>
-        </p:blipFill>
-        <p:spPr>
-          <a:xfrm>
-            <a:off x="6083808" y="0"/>
-            <a:ext cx="3054096" cy="3776472"/>
-          </a:xfrm>
-        </p:spPr>
-      </p:pic>
-      <p:sp>
-        <p:nvSpPr>
-          <p:cNvPr id="12" name="Content Placeholder 11">
-            <a:extLst>
-              <a:ext uri="{FF2B5EF4-FFF2-40B4-BE49-F238E27FC236}">
-                <a16:creationId xmlns:a16="http://schemas.microsoft.com/office/drawing/2014/main" id="{E5127060-CDBF-435F-9009-A5451CCE305D}"/>
-              </a:ext>
-            </a:extLst>
-          </p:cNvPr>
-          <p:cNvSpPr>
-            <a:spLocks noGrp="1"/>
-          </p:cNvSpPr>
-          <p:nvPr>
-            <p:ph sz="quarter" idx="15"/>
-          </p:nvPr>
-        </p:nvSpPr>
-        <p:spPr>
-          <a:xfrm>
-            <a:off x="5262563" y="4508500"/>
-            <a:ext cx="6221412" cy="1563688"/>
-          </a:xfrm>
-          <a:noFill/>
-        </p:spPr>
-        <p:txBody>
-          <a:bodyPr>
-            <a:normAutofit/>
-          </a:bodyPr>
-          <a:lstStyle/>
-          <a:p>
-            <a:pPr marL="0" indent="0">
-              <a:buNone/>
-            </a:pPr>
-            <a:r>
-              <a:rPr lang="en-US" dirty="0"/>
-              <a:t>Welcome to High Performance Programming Team. Over the course of this workshop series you will  </a:t>
-            </a:r>
-          </a:p>
-        </p:txBody>
-      </p:sp>
-    </p:spTree>
-    <p:extLst>
-      <p:ext uri="{BB962C8B-B14F-4D97-AF65-F5344CB8AC3E}">
-        <p14:creationId xmlns:p14="http://schemas.microsoft.com/office/powerpoint/2010/main" val="2158886557"/>
-      </p:ext>
-    </p:extLst>
-  </p:cSld>
-  <p:clrMapOvr>
-    <a:masterClrMapping/>
-  </p:clrMapOvr>
-  <mc:AlternateContent xmlns:mc="http://schemas.openxmlformats.org/markup-compatibility/2006" xmlns:p159="http://schemas.microsoft.com/office/powerpoint/2015/09/main">
-    <mc:Choice Requires="p159">
-      <p:transition xmlns:p14="http://schemas.microsoft.com/office/powerpoint/2010/main" spd="slow" p14:dur="2000">
-        <p159:morph option="byChar"/>
-      </p:transition>
-    </mc:Choice>
-    <mc:Fallback xmlns="">
-      <p:transition spd="slow">
-        <p:fade/>
-      </p:transition>
-    </mc:Fallback>
-  </mc:AlternateContent>
-</p:sld>
-</file>
-
-<file path=ppt/slides/slide20.xml><?xml version="1.0" encoding="utf-8"?>
+<file path=ppt/slides/slide16.xml><?xml version="1.0" encoding="utf-8"?>
 <p:sld xmlns:a="http://schemas.openxmlformats.org/drawingml/2006/main" xmlns:r="http://schemas.openxmlformats.org/officeDocument/2006/relationships" xmlns:p="http://schemas.openxmlformats.org/presentationml/2006/main">
   <p:cSld>
     <p:spTree>
@@ -30886,7 +26710,7 @@
             <a:fld id="{DBA1B0FB-D917-4C8C-928F-313BD683BF39}" type="slidenum">
               <a:rPr lang="en-US" smtClean="0"/>
               <a:pPr/>
-              <a:t>20</a:t>
+              <a:t>16</a:t>
             </a:fld>
             <a:endParaRPr lang="en-US"/>
           </a:p>
@@ -30917,7 +26741,7 @@
 </p:sld>
 </file>
 
-<file path=ppt/slides/slide21.xml><?xml version="1.0" encoding="utf-8"?>
+<file path=ppt/slides/slide17.xml><?xml version="1.0" encoding="utf-8"?>
 <p:sld xmlns:a="http://schemas.openxmlformats.org/drawingml/2006/main" xmlns:r="http://schemas.openxmlformats.org/officeDocument/2006/relationships" xmlns:p="http://schemas.openxmlformats.org/presentationml/2006/main">
   <p:cSld>
     <p:spTree>
@@ -31547,7 +27371,7 @@
             <a:fld id="{DBA1B0FB-D917-4C8C-928F-313BD683BF39}" type="slidenum">
               <a:rPr lang="en-US" smtClean="0"/>
               <a:pPr/>
-              <a:t>21</a:t>
+              <a:t>17</a:t>
             </a:fld>
             <a:endParaRPr lang="en-US"/>
           </a:p>
@@ -31739,7 +27563,7 @@
 </p:sld>
 </file>
 
-<file path=ppt/slides/slide22.xml><?xml version="1.0" encoding="utf-8"?>
+<file path=ppt/slides/slide18.xml><?xml version="1.0" encoding="utf-8"?>
 <p:sld xmlns:a="http://schemas.openxmlformats.org/drawingml/2006/main" xmlns:r="http://schemas.openxmlformats.org/officeDocument/2006/relationships" xmlns:p="http://schemas.openxmlformats.org/presentationml/2006/main">
   <p:cSld>
     <p:spTree>
@@ -32178,7 +28002,7 @@
             <a:fld id="{DBA1B0FB-D917-4C8C-928F-313BD683BF39}" type="slidenum">
               <a:rPr lang="en-US" smtClean="0"/>
               <a:pPr/>
-              <a:t>22</a:t>
+              <a:t>18</a:t>
             </a:fld>
             <a:endParaRPr lang="en-US"/>
           </a:p>
@@ -32209,7 +28033,7 @@
 </p:sld>
 </file>
 
-<file path=ppt/slides/slide23.xml><?xml version="1.0" encoding="utf-8"?>
+<file path=ppt/slides/slide19.xml><?xml version="1.0" encoding="utf-8"?>
 <p:sld xmlns:a="http://schemas.openxmlformats.org/drawingml/2006/main" xmlns:r="http://schemas.openxmlformats.org/officeDocument/2006/relationships" xmlns:p="http://schemas.openxmlformats.org/presentationml/2006/main">
   <p:cSld>
     <p:spTree>
@@ -32424,7 +28248,7 @@
             <a:fld id="{DBA1B0FB-D917-4C8C-928F-313BD683BF39}" type="slidenum">
               <a:rPr lang="en-US" smtClean="0"/>
               <a:pPr/>
-              <a:t>23</a:t>
+              <a:t>19</a:t>
             </a:fld>
             <a:endParaRPr lang="en-US"/>
           </a:p>
@@ -32455,7 +28279,359 @@
 </p:sld>
 </file>
 
-<file path=ppt/slides/slide24.xml><?xml version="1.0" encoding="utf-8"?>
+<file path=ppt/slides/slide2.xml><?xml version="1.0" encoding="utf-8"?>
+<p:sld xmlns:a="http://schemas.openxmlformats.org/drawingml/2006/main" xmlns:r="http://schemas.openxmlformats.org/officeDocument/2006/relationships" xmlns:p="http://schemas.openxmlformats.org/presentationml/2006/main">
+  <p:cSld>
+    <p:spTree>
+      <p:nvGrpSpPr>
+        <p:cNvPr id="1" name=""/>
+        <p:cNvGrpSpPr/>
+        <p:nvPr/>
+      </p:nvGrpSpPr>
+      <p:grpSpPr>
+        <a:xfrm>
+          <a:off x="0" y="0"/>
+          <a:ext cx="0" cy="0"/>
+          <a:chOff x="0" y="0"/>
+          <a:chExt cx="0" cy="0"/>
+        </a:xfrm>
+      </p:grpSpPr>
+      <p:sp>
+        <p:nvSpPr>
+          <p:cNvPr id="11" name="Title 10">
+            <a:extLst>
+              <a:ext uri="{FF2B5EF4-FFF2-40B4-BE49-F238E27FC236}">
+                <a16:creationId xmlns:a16="http://schemas.microsoft.com/office/drawing/2014/main" id="{23418ADF-358F-4647-A511-FCFFEDA83429}"/>
+              </a:ext>
+            </a:extLst>
+          </p:cNvPr>
+          <p:cNvSpPr>
+            <a:spLocks noGrp="1"/>
+          </p:cNvSpPr>
+          <p:nvPr>
+            <p:ph type="title"/>
+          </p:nvPr>
+        </p:nvSpPr>
+        <p:spPr>
+          <a:xfrm>
+            <a:off x="550863" y="4507200"/>
+            <a:ext cx="4500562" cy="1562959"/>
+          </a:xfrm>
+        </p:spPr>
+        <p:txBody>
+          <a:bodyPr/>
+          <a:lstStyle/>
+          <a:p>
+            <a:r>
+              <a:rPr lang="en-US" dirty="0"/>
+              <a:t>Welcome</a:t>
+            </a:r>
+          </a:p>
+        </p:txBody>
+      </p:sp>
+      <p:pic>
+        <p:nvPicPr>
+          <p:cNvPr id="18" name="Picture Placeholder 17" descr="A group of people sitting at a table">
+            <a:extLst>
+              <a:ext uri="{FF2B5EF4-FFF2-40B4-BE49-F238E27FC236}">
+                <a16:creationId xmlns:a16="http://schemas.microsoft.com/office/drawing/2014/main" id="{E2536017-F539-430C-A901-70AB81CA612A}"/>
+              </a:ext>
+            </a:extLst>
+          </p:cNvPr>
+          <p:cNvPicPr>
+            <a:picLocks noGrp="1" noChangeAspect="1"/>
+          </p:cNvPicPr>
+          <p:nvPr>
+            <p:ph type="pic" sz="quarter" idx="13"/>
+          </p:nvPr>
+        </p:nvPicPr>
+        <p:blipFill rotWithShape="1">
+          <a:blip r:embed="rId3" cstate="screen">
+            <a:extLst>
+              <a:ext uri="{28A0092B-C50C-407E-A947-70E740481C1C}">
+                <a14:useLocalDpi xmlns:a14="http://schemas.microsoft.com/office/drawing/2010/main" val="0"/>
+              </a:ext>
+            </a:extLst>
+          </a:blip>
+          <a:srcRect t="42" b="42"/>
+          <a:stretch/>
+        </p:blipFill>
+        <p:spPr>
+          <a:xfrm>
+            <a:off x="0" y="0"/>
+            <a:ext cx="3054096" cy="3776472"/>
+          </a:xfrm>
+        </p:spPr>
+      </p:pic>
+      <p:pic>
+        <p:nvPicPr>
+          <p:cNvPr id="20" name="Picture Placeholder 19" descr="Data Points Digital background">
+            <a:extLst>
+              <a:ext uri="{FF2B5EF4-FFF2-40B4-BE49-F238E27FC236}">
+                <a16:creationId xmlns:a16="http://schemas.microsoft.com/office/drawing/2014/main" id="{528A7D8D-1AB5-46C4-93FA-D92C2FD51692}"/>
+              </a:ext>
+            </a:extLst>
+          </p:cNvPr>
+          <p:cNvPicPr>
+            <a:picLocks noGrp="1" noChangeAspect="1"/>
+          </p:cNvPicPr>
+          <p:nvPr>
+            <p:ph type="pic" sz="quarter" idx="14"/>
+          </p:nvPr>
+        </p:nvPicPr>
+        <p:blipFill rotWithShape="1">
+          <a:blip r:embed="rId4" cstate="screen">
+            <a:extLst>
+              <a:ext uri="{28A0092B-C50C-407E-A947-70E740481C1C}">
+                <a14:useLocalDpi xmlns:a14="http://schemas.microsoft.com/office/drawing/2010/main" val="0"/>
+              </a:ext>
+            </a:extLst>
+          </a:blip>
+          <a:srcRect t="42" b="42"/>
+          <a:stretch/>
+        </p:blipFill>
+        <p:spPr>
+          <a:xfrm>
+            <a:off x="3054096" y="0"/>
+            <a:ext cx="3054096" cy="3776472"/>
+          </a:xfrm>
+        </p:spPr>
+      </p:pic>
+      <p:pic>
+        <p:nvPicPr>
+          <p:cNvPr id="25" name="Picture Placeholder 24" descr="Digital Graph Screen">
+            <a:extLst>
+              <a:ext uri="{FF2B5EF4-FFF2-40B4-BE49-F238E27FC236}">
+                <a16:creationId xmlns:a16="http://schemas.microsoft.com/office/drawing/2014/main" id="{B7353C46-ACC1-4078-85C2-26B57B0E58B7}"/>
+              </a:ext>
+            </a:extLst>
+          </p:cNvPr>
+          <p:cNvPicPr>
+            <a:picLocks noGrp="1" noChangeAspect="1"/>
+          </p:cNvPicPr>
+          <p:nvPr>
+            <p:ph type="pic" sz="quarter" idx="16"/>
+          </p:nvPr>
+        </p:nvPicPr>
+        <p:blipFill rotWithShape="1">
+          <a:blip r:embed="rId5" cstate="screen">
+            <a:extLst>
+              <a:ext uri="{28A0092B-C50C-407E-A947-70E740481C1C}">
+                <a14:useLocalDpi xmlns:a14="http://schemas.microsoft.com/office/drawing/2010/main" val="0"/>
+              </a:ext>
+            </a:extLst>
+          </a:blip>
+          <a:srcRect t="42" b="42"/>
+          <a:stretch/>
+        </p:blipFill>
+        <p:spPr>
+          <a:xfrm>
+            <a:off x="9137904" y="0"/>
+            <a:ext cx="3054096" cy="3776472"/>
+          </a:xfrm>
+        </p:spPr>
+      </p:pic>
+      <p:sp>
+        <p:nvSpPr>
+          <p:cNvPr id="4" name="Date Placeholder 3">
+            <a:extLst>
+              <a:ext uri="{FF2B5EF4-FFF2-40B4-BE49-F238E27FC236}">
+                <a16:creationId xmlns:a16="http://schemas.microsoft.com/office/drawing/2014/main" id="{0C329F70-04F7-4C70-BCF8-D4371F54EF2F}"/>
+              </a:ext>
+            </a:extLst>
+          </p:cNvPr>
+          <p:cNvSpPr>
+            <a:spLocks noGrp="1"/>
+          </p:cNvSpPr>
+          <p:nvPr>
+            <p:ph type="dt" sz="half" idx="10"/>
+          </p:nvPr>
+        </p:nvSpPr>
+        <p:spPr>
+          <a:xfrm>
+            <a:off x="550863" y="6507212"/>
+            <a:ext cx="2628900" cy="153888"/>
+          </a:xfrm>
+        </p:spPr>
+        <p:txBody>
+          <a:bodyPr/>
+          <a:lstStyle/>
+          <a:p>
+            <a:r>
+              <a:rPr lang="en-US"/>
+              <a:t>Tuesday, February 2, 20XX</a:t>
+            </a:r>
+            <a:endParaRPr lang="en-US" dirty="0"/>
+          </a:p>
+        </p:txBody>
+      </p:sp>
+      <p:sp>
+        <p:nvSpPr>
+          <p:cNvPr id="5" name="Footer Placeholder 4">
+            <a:extLst>
+              <a:ext uri="{FF2B5EF4-FFF2-40B4-BE49-F238E27FC236}">
+                <a16:creationId xmlns:a16="http://schemas.microsoft.com/office/drawing/2014/main" id="{06A3302E-502D-4151-81C9-5FD6AF9596D6}"/>
+              </a:ext>
+            </a:extLst>
+          </p:cNvPr>
+          <p:cNvSpPr>
+            <a:spLocks noGrp="1"/>
+          </p:cNvSpPr>
+          <p:nvPr>
+            <p:ph type="ftr" sz="quarter" idx="11"/>
+          </p:nvPr>
+        </p:nvSpPr>
+        <p:spPr>
+          <a:xfrm>
+            <a:off x="3359150" y="6507212"/>
+            <a:ext cx="6379210" cy="153888"/>
+          </a:xfrm>
+        </p:spPr>
+        <p:txBody>
+          <a:bodyPr/>
+          <a:lstStyle/>
+          <a:p>
+            <a:r>
+              <a:rPr lang="en-US"/>
+              <a:t>Sample Footer Text</a:t>
+            </a:r>
+          </a:p>
+        </p:txBody>
+      </p:sp>
+      <p:sp>
+        <p:nvSpPr>
+          <p:cNvPr id="6" name="Slide Number Placeholder 5">
+            <a:extLst>
+              <a:ext uri="{FF2B5EF4-FFF2-40B4-BE49-F238E27FC236}">
+                <a16:creationId xmlns:a16="http://schemas.microsoft.com/office/drawing/2014/main" id="{9ED907F8-C614-4D59-A03F-BF9CD5E35703}"/>
+              </a:ext>
+            </a:extLst>
+          </p:cNvPr>
+          <p:cNvSpPr>
+            <a:spLocks noGrp="1"/>
+          </p:cNvSpPr>
+          <p:nvPr>
+            <p:ph type="sldNum" sz="quarter" idx="12"/>
+          </p:nvPr>
+        </p:nvSpPr>
+        <p:spPr>
+          <a:xfrm>
+            <a:off x="9948863" y="6507212"/>
+            <a:ext cx="1692274" cy="153888"/>
+          </a:xfrm>
+        </p:spPr>
+        <p:txBody>
+          <a:bodyPr/>
+          <a:lstStyle/>
+          <a:p>
+            <a:fld id="{DBA1B0FB-D917-4C8C-928F-313BD683BF39}" type="slidenum">
+              <a:rPr lang="en-US" smtClean="0"/>
+              <a:pPr/>
+              <a:t>2</a:t>
+            </a:fld>
+            <a:endParaRPr lang="en-US"/>
+          </a:p>
+        </p:txBody>
+      </p:sp>
+      <p:pic>
+        <p:nvPicPr>
+          <p:cNvPr id="23" name="Picture Placeholder 22" descr="A person drawing on a white board">
+            <a:extLst>
+              <a:ext uri="{FF2B5EF4-FFF2-40B4-BE49-F238E27FC236}">
+                <a16:creationId xmlns:a16="http://schemas.microsoft.com/office/drawing/2014/main" id="{2B3C4F95-A0FA-45D9-BF43-1C398F65B891}"/>
+              </a:ext>
+            </a:extLst>
+          </p:cNvPr>
+          <p:cNvPicPr>
+            <a:picLocks noGrp="1" noChangeAspect="1"/>
+          </p:cNvPicPr>
+          <p:nvPr>
+            <p:ph type="pic" sz="quarter" idx="15"/>
+          </p:nvPr>
+        </p:nvPicPr>
+        <p:blipFill rotWithShape="1">
+          <a:blip r:embed="rId6" cstate="screen">
+            <a:extLst>
+              <a:ext uri="{28A0092B-C50C-407E-A947-70E740481C1C}">
+                <a14:useLocalDpi xmlns:a14="http://schemas.microsoft.com/office/drawing/2010/main" val="0"/>
+              </a:ext>
+            </a:extLst>
+          </a:blip>
+          <a:srcRect t="42" b="42"/>
+          <a:stretch/>
+        </p:blipFill>
+        <p:spPr>
+          <a:xfrm>
+            <a:off x="6083808" y="0"/>
+            <a:ext cx="3054096" cy="3776472"/>
+          </a:xfrm>
+        </p:spPr>
+      </p:pic>
+      <p:sp>
+        <p:nvSpPr>
+          <p:cNvPr id="12" name="Content Placeholder 11">
+            <a:extLst>
+              <a:ext uri="{FF2B5EF4-FFF2-40B4-BE49-F238E27FC236}">
+                <a16:creationId xmlns:a16="http://schemas.microsoft.com/office/drawing/2014/main" id="{E5127060-CDBF-435F-9009-A5451CCE305D}"/>
+              </a:ext>
+            </a:extLst>
+          </p:cNvPr>
+          <p:cNvSpPr>
+            <a:spLocks noGrp="1"/>
+          </p:cNvSpPr>
+          <p:nvPr>
+            <p:ph sz="quarter" idx="15"/>
+          </p:nvPr>
+        </p:nvSpPr>
+        <p:spPr>
+          <a:xfrm>
+            <a:off x="5262563" y="4508500"/>
+            <a:ext cx="6221412" cy="1563688"/>
+          </a:xfrm>
+          <a:noFill/>
+        </p:spPr>
+        <p:txBody>
+          <a:bodyPr>
+            <a:normAutofit/>
+          </a:bodyPr>
+          <a:lstStyle/>
+          <a:p>
+            <a:pPr marL="0" indent="0">
+              <a:buNone/>
+            </a:pPr>
+            <a:r>
+              <a:rPr lang="en-US" dirty="0"/>
+              <a:t>Welcome to High Performance Programming Team. Over the course of this workshop series you will  </a:t>
+            </a:r>
+          </a:p>
+        </p:txBody>
+      </p:sp>
+    </p:spTree>
+    <p:extLst>
+      <p:ext uri="{BB962C8B-B14F-4D97-AF65-F5344CB8AC3E}">
+        <p14:creationId xmlns:p14="http://schemas.microsoft.com/office/powerpoint/2010/main" val="2158886557"/>
+      </p:ext>
+    </p:extLst>
+  </p:cSld>
+  <p:clrMapOvr>
+    <a:masterClrMapping/>
+  </p:clrMapOvr>
+  <mc:AlternateContent xmlns:mc="http://schemas.openxmlformats.org/markup-compatibility/2006" xmlns:p159="http://schemas.microsoft.com/office/powerpoint/2015/09/main">
+    <mc:Choice Requires="p159">
+      <p:transition xmlns:p14="http://schemas.microsoft.com/office/powerpoint/2010/main" spd="slow" p14:dur="2000">
+        <p159:morph option="byChar"/>
+      </p:transition>
+    </mc:Choice>
+    <mc:Fallback xmlns="">
+      <p:transition spd="slow">
+        <p:fade/>
+      </p:transition>
+    </mc:Fallback>
+  </mc:AlternateContent>
+</p:sld>
+</file>
+
+<file path=ppt/slides/slide20.xml><?xml version="1.0" encoding="utf-8"?>
 <p:sld xmlns:a="http://schemas.openxmlformats.org/drawingml/2006/main" xmlns:r="http://schemas.openxmlformats.org/officeDocument/2006/relationships" xmlns:p="http://schemas.openxmlformats.org/presentationml/2006/main">
   <p:cSld>
     <p:spTree>
@@ -32713,7 +28889,7 @@
             <a:fld id="{DBA1B0FB-D917-4C8C-928F-313BD683BF39}" type="slidenum">
               <a:rPr lang="en-US" smtClean="0"/>
               <a:pPr/>
-              <a:t>24</a:t>
+              <a:t>20</a:t>
             </a:fld>
             <a:endParaRPr lang="en-US"/>
           </a:p>
@@ -35928,7 +32104,7 @@
                 <a:ea typeface="+mj-ea"/>
                 <a:cs typeface="+mj-cs"/>
               </a:rPr>
-              <a:t>Week 0</a:t>
+              <a:t>Installing Software</a:t>
             </a:r>
           </a:p>
         </p:txBody>
@@ -35973,7 +32149,7 @@
                 <a:ea typeface="+mn-ea"/>
                 <a:cs typeface="+mn-cs"/>
               </a:rPr>
-              <a:t>Installing Software</a:t>
+              <a:t>Week 0</a:t>
             </a:r>
           </a:p>
         </p:txBody>
@@ -37383,7 +33559,23 @@
           <a:p>
             <a:r>
               <a:rPr lang="en-US" dirty="0"/>
-              <a:t>E.g.  All commands and instructions for installing all the software this week are in `content/week0/tasks/README.md`. It might be easier to follow along with this as apposed to the slides for this week.</a:t>
+              <a:t>E.g.  All commands and instructions for installing all the software this week are in `content/week0/tasks/README.md`. These slides are non-comprehensive so follow along with the GitHub.</a:t>
+            </a:r>
+          </a:p>
+          <a:p>
+            <a:r>
+              <a:rPr lang="en-US" dirty="0"/>
+              <a:t>Link: </a:t>
+            </a:r>
+            <a:r>
+              <a:rPr lang="en-US" dirty="0">
+                <a:hlinkClick r:id="rId3"/>
+              </a:rPr>
+              <a:t>https://github.com/MonashDeepNeuron/HPP</a:t>
+            </a:r>
+            <a:r>
+              <a:rPr lang="en-US" dirty="0"/>
+              <a:t> </a:t>
             </a:r>
           </a:p>
         </p:txBody>

--- a/content/week0/slides/week0.pptx
+++ b/content/week0/slides/week0.pptx
@@ -7164,7 +7164,7 @@
           <a:p>
             <a:fld id="{C17F2C1D-F243-42AB-ADF2-E7CB4E04900E}" type="datetimeFigureOut">
               <a:rPr lang="en-US" smtClean="0"/>
-              <a:t>11/3/2022</a:t>
+              <a:t>11/5/2022</a:t>
             </a:fld>
             <a:endParaRPr lang="en-US"/>
           </a:p>
@@ -7341,7 +7341,7 @@
           <a:p>
             <a:fld id="{020CE34E-5667-4A32-A6BA-10C7A552BC63}" type="datetimeFigureOut">
               <a:rPr lang="en-US" smtClean="0"/>
-              <a:t>11/3/2022</a:t>
+              <a:t>11/5/2022</a:t>
             </a:fld>
             <a:endParaRPr lang="en-US"/>
           </a:p>
@@ -21747,13 +21747,13 @@
   <p:clrMapOvr>
     <a:masterClrMapping/>
   </p:clrMapOvr>
-  <mc:AlternateContent xmlns:mc="http://schemas.openxmlformats.org/markup-compatibility/2006">
-    <mc:Choice xmlns:p159="http://schemas.microsoft.com/office/powerpoint/2015/09/main" Requires="p159">
+  <mc:AlternateContent xmlns:mc="http://schemas.openxmlformats.org/markup-compatibility/2006" xmlns:p159="http://schemas.microsoft.com/office/powerpoint/2015/09/main">
+    <mc:Choice Requires="p159">
       <p:transition xmlns:p14="http://schemas.microsoft.com/office/powerpoint/2010/main" spd="slow" p14:dur="2000">
         <p159:morph option="byChar"/>
       </p:transition>
     </mc:Choice>
-    <mc:Fallback>
+    <mc:Fallback xmlns="">
       <p:transition spd="slow">
         <p:fade/>
       </p:transition>
@@ -22573,13 +22573,13 @@
   <p:clrMapOvr>
     <a:masterClrMapping/>
   </p:clrMapOvr>
-  <mc:AlternateContent xmlns:mc="http://schemas.openxmlformats.org/markup-compatibility/2006">
-    <mc:Choice xmlns:p159="http://schemas.microsoft.com/office/powerpoint/2015/09/main" Requires="p159">
+  <mc:AlternateContent xmlns:mc="http://schemas.openxmlformats.org/markup-compatibility/2006" xmlns:p159="http://schemas.microsoft.com/office/powerpoint/2015/09/main">
+    <mc:Choice Requires="p159">
       <p:transition xmlns:p14="http://schemas.microsoft.com/office/powerpoint/2010/main" spd="slow" p14:dur="2000">
         <p159:morph option="byChar"/>
       </p:transition>
     </mc:Choice>
-    <mc:Fallback>
+    <mc:Fallback xmlns="">
       <p:transition spd="slow">
         <p:fade/>
       </p:transition>
@@ -23007,18 +23007,73 @@
           </a:p>
           <a:p>
             <a:r>
-              <a:rPr lang="en-US" dirty="0"/>
-              <a:t>curl – Online asset retrieval</a:t>
+              <a:rPr lang="en-US" dirty="0" err="1"/>
+              <a:t>cURL</a:t>
             </a:r>
-          </a:p>
-          <a:p>
             <a:r>
               <a:rPr lang="en-US" dirty="0"/>
-              <a:t>make – C </a:t>
+              <a:t> – Online asset retrieval</a:t>
+            </a:r>
+          </a:p>
+          <a:p>
+            <a:r>
+              <a:rPr lang="en-US" dirty="0"/>
+              <a:t>make – C build recipe tool</a:t>
+            </a:r>
+          </a:p>
+          <a:p>
+            <a:r>
+              <a:rPr lang="en-US" dirty="0" err="1"/>
+              <a:t>Cmake</a:t>
+            </a:r>
+            <a:r>
+              <a:rPr lang="en-US" dirty="0"/>
+              <a:t> – Cross platform recipe builder</a:t>
+            </a:r>
+          </a:p>
+          <a:p>
+            <a:r>
+              <a:rPr lang="en-US" dirty="0" err="1"/>
+              <a:t>bpt</a:t>
+            </a:r>
+            <a:r>
+              <a:rPr lang="en-US" dirty="0"/>
+              <a:t> – Build and packaging tool for C++</a:t>
+            </a:r>
+          </a:p>
+          <a:p>
+            <a:r>
+              <a:rPr lang="en-US" dirty="0"/>
+              <a:t>GCC – GNU Compiler Collection</a:t>
+            </a:r>
+          </a:p>
+          <a:p>
+            <a:r>
+              <a:rPr lang="en-US" dirty="0"/>
+              <a:t>LLVM – Toolchain for Clang compiler</a:t>
+            </a:r>
+          </a:p>
+          <a:p>
+            <a:r>
+              <a:rPr lang="en-US" dirty="0"/>
+              <a:t>GDB – GNU Debugger</a:t>
+            </a:r>
+          </a:p>
+          <a:p>
+            <a:r>
+              <a:rPr lang="en-US" dirty="0"/>
+              <a:t>g++ and clang</a:t>
             </a:r>
             <a:r>
               <a:rPr lang="en-US"/>
-              <a:t>build recipe tool</a:t>
+              <a:t>++ compilers</a:t>
+            </a:r>
+            <a:endParaRPr lang="en-US" dirty="0"/>
+          </a:p>
+          <a:p>
+            <a:r>
+              <a:rPr lang="en-US" dirty="0"/>
+              <a:t>Compiler Explorer – Online C++ Compiler</a:t>
             </a:r>
           </a:p>
           <a:p>
@@ -23302,13 +23357,13 @@
   <p:clrMapOvr>
     <a:masterClrMapping/>
   </p:clrMapOvr>
-  <mc:AlternateContent xmlns:mc="http://schemas.openxmlformats.org/markup-compatibility/2006">
-    <mc:Choice xmlns:p159="http://schemas.microsoft.com/office/powerpoint/2015/09/main" Requires="p159">
+  <mc:AlternateContent xmlns:mc="http://schemas.openxmlformats.org/markup-compatibility/2006" xmlns:p159="http://schemas.microsoft.com/office/powerpoint/2015/09/main">
+    <mc:Choice Requires="p159">
       <p:transition xmlns:p14="http://schemas.microsoft.com/office/powerpoint/2010/main" spd="slow" p14:dur="2000">
         <p159:morph option="byChar"/>
       </p:transition>
     </mc:Choice>
-    <mc:Fallback>
+    <mc:Fallback xmlns="">
       <p:transition spd="slow">
         <p:fade/>
       </p:transition>
@@ -24599,13 +24654,13 @@
   <p:clrMapOvr>
     <a:masterClrMapping/>
   </p:clrMapOvr>
-  <mc:AlternateContent xmlns:mc="http://schemas.openxmlformats.org/markup-compatibility/2006">
-    <mc:Choice xmlns:p159="http://schemas.microsoft.com/office/powerpoint/2015/09/main" Requires="p159">
+  <mc:AlternateContent xmlns:mc="http://schemas.openxmlformats.org/markup-compatibility/2006" xmlns:p159="http://schemas.microsoft.com/office/powerpoint/2015/09/main">
+    <mc:Choice Requires="p159">
       <p:transition xmlns:p14="http://schemas.microsoft.com/office/powerpoint/2010/main" spd="slow" p14:dur="2000">
         <p159:morph option="byChar"/>
       </p:transition>
     </mc:Choice>
-    <mc:Fallback>
+    <mc:Fallback xmlns="">
       <p:transition spd="slow">
         <p:fade/>
       </p:transition>
@@ -30744,13 +30799,13 @@
   <p:clrMapOvr>
     <a:masterClrMapping/>
   </p:clrMapOvr>
-  <mc:AlternateContent xmlns:mc="http://schemas.openxmlformats.org/markup-compatibility/2006">
-    <mc:Choice xmlns:p159="http://schemas.microsoft.com/office/powerpoint/2015/09/main" Requires="p159">
+  <mc:AlternateContent xmlns:mc="http://schemas.openxmlformats.org/markup-compatibility/2006" xmlns:p159="http://schemas.microsoft.com/office/powerpoint/2015/09/main">
+    <mc:Choice Requires="p159">
       <p:transition xmlns:p14="http://schemas.microsoft.com/office/powerpoint/2010/main" spd="slow" p14:dur="2000">
         <p159:morph option="byChar"/>
       </p:transition>
     </mc:Choice>
-    <mc:Fallback>
+    <mc:Fallback xmlns="">
       <p:transition spd="slow">
         <p:fade/>
       </p:transition>
@@ -33083,13 +33138,13 @@
   <p:clrMapOvr>
     <a:masterClrMapping/>
   </p:clrMapOvr>
-  <mc:AlternateContent xmlns:mc="http://schemas.openxmlformats.org/markup-compatibility/2006">
-    <mc:Choice xmlns:p159="http://schemas.microsoft.com/office/powerpoint/2015/09/main" Requires="p159">
+  <mc:AlternateContent xmlns:mc="http://schemas.openxmlformats.org/markup-compatibility/2006" xmlns:p159="http://schemas.microsoft.com/office/powerpoint/2015/09/main">
+    <mc:Choice Requires="p159">
       <p:transition xmlns:p14="http://schemas.microsoft.com/office/powerpoint/2010/main" spd="slow" p14:dur="2000">
         <p159:morph option="byChar"/>
       </p:transition>
     </mc:Choice>
-    <mc:Fallback>
+    <mc:Fallback xmlns="">
       <p:transition spd="slow">
         <p:fade/>
       </p:transition>
@@ -33933,13 +33988,13 @@
   <p:clrMapOvr>
     <a:masterClrMapping/>
   </p:clrMapOvr>
-  <mc:AlternateContent xmlns:mc="http://schemas.openxmlformats.org/markup-compatibility/2006">
-    <mc:Choice xmlns:p159="http://schemas.microsoft.com/office/powerpoint/2015/09/main" Requires="p159">
+  <mc:AlternateContent xmlns:mc="http://schemas.openxmlformats.org/markup-compatibility/2006" xmlns:p159="http://schemas.microsoft.com/office/powerpoint/2015/09/main">
+    <mc:Choice Requires="p159">
       <p:transition xmlns:p14="http://schemas.microsoft.com/office/powerpoint/2010/main" spd="slow" p14:dur="2000">
         <p159:morph option="byChar"/>
       </p:transition>
     </mc:Choice>
-    <mc:Fallback>
+    <mc:Fallback xmlns="">
       <p:transition spd="slow">
         <p:fade/>
       </p:transition>
@@ -34740,15 +34795,6 @@
 </file>
 
 <file path=customXml/item1.xml><?xml version="1.0" encoding="utf-8"?>
-<?mso-contentType ?>
-<FormTemplates xmlns="http://schemas.microsoft.com/sharepoint/v3/contenttype/forms">
-  <Display>DocumentLibraryForm</Display>
-  <Edit>DocumentLibraryForm</Edit>
-  <New>DocumentLibraryForm</New>
-</FormTemplates>
-</file>
-
-<file path=customXml/item2.xml><?xml version="1.0" encoding="utf-8"?>
 <p:properties xmlns:p="http://schemas.microsoft.com/office/2006/metadata/properties" xmlns:xsi="http://www.w3.org/2001/XMLSchema-instance" xmlns:pc="http://schemas.microsoft.com/office/infopath/2007/PartnerControls">
   <documentManagement>
     <_ip_UnifiedCompliancePolicyUIAction xmlns="http://schemas.microsoft.com/sharepoint/v3" xsi:nil="true"/>
@@ -34765,6 +34811,15 @@
     <MediaServiceKeyPoints xmlns="71af3243-3dd4-4a8d-8c0d-dd76da1f02a5" xsi:nil="true"/>
   </documentManagement>
 </p:properties>
+</file>
+
+<file path=customXml/item2.xml><?xml version="1.0" encoding="utf-8"?>
+<?mso-contentType ?>
+<FormTemplates xmlns="http://schemas.microsoft.com/sharepoint/v3/contenttype/forms">
+  <Display>DocumentLibraryForm</Display>
+  <Edit>DocumentLibraryForm</Edit>
+  <New>DocumentLibraryForm</New>
+</FormTemplates>
 </file>
 
 <file path=customXml/item3.xml><?xml version="1.0" encoding="utf-8"?>
@@ -35044,14 +35099,6 @@
 </file>
 
 <file path=customXml/itemProps1.xml><?xml version="1.0" encoding="utf-8"?>
-<ds:datastoreItem xmlns:ds="http://schemas.openxmlformats.org/officeDocument/2006/customXml" ds:itemID="{904751AB-E840-446F-8D49-E697067EC887}">
-  <ds:schemaRefs>
-    <ds:schemaRef ds:uri="http://schemas.microsoft.com/sharepoint/v3/contenttype/forms"/>
-  </ds:schemaRefs>
-</ds:datastoreItem>
-</file>
-
-<file path=customXml/itemProps2.xml><?xml version="1.0" encoding="utf-8"?>
 <ds:datastoreItem xmlns:ds="http://schemas.openxmlformats.org/officeDocument/2006/customXml" ds:itemID="{50811A92-D464-4AC4-A396-BA73B10CEEAC}">
   <ds:schemaRefs>
     <ds:schemaRef ds:uri="http://schemas.microsoft.com/office/2006/metadata/properties"/>
@@ -35059,6 +35106,14 @@
     <ds:schemaRef ds:uri="http://schemas.microsoft.com/sharepoint/v3"/>
     <ds:schemaRef ds:uri="71af3243-3dd4-4a8d-8c0d-dd76da1f02a5"/>
     <ds:schemaRef ds:uri="230e9df3-be65-4c73-a93b-d1236ebd677e"/>
+  </ds:schemaRefs>
+</ds:datastoreItem>
+</file>
+
+<file path=customXml/itemProps2.xml><?xml version="1.0" encoding="utf-8"?>
+<ds:datastoreItem xmlns:ds="http://schemas.openxmlformats.org/officeDocument/2006/customXml" ds:itemID="{904751AB-E840-446F-8D49-E697067EC887}">
+  <ds:schemaRefs>
+    <ds:schemaRef ds:uri="http://schemas.microsoft.com/sharepoint/v3/contenttype/forms"/>
   </ds:schemaRefs>
 </ds:datastoreItem>
 </file>
